--- a/docs/images/Cribl_AWS.pptx
+++ b/docs/images/Cribl_AWS.pptx
@@ -11828,6 +11828,76 @@
           </a:fontRef>
         </p:style>
       </p:cxnSp>
+      <p:sp>
+        <p:nvSpPr>
+          <p:cNvPr id="53" name="Rectangle 52">
+            <a:extLst>
+              <a:ext uri="{FF2B5EF4-FFF2-40B4-BE49-F238E27FC236}">
+                <a16:creationId xmlns:a16="http://schemas.microsoft.com/office/drawing/2014/main" id="{2923F02B-F3F7-1F40-AEC0-917366509B03}"/>
+              </a:ext>
+            </a:extLst>
+          </p:cNvPr>
+          <p:cNvSpPr/>
+          <p:nvPr/>
+        </p:nvSpPr>
+        <p:spPr>
+          <a:xfrm>
+            <a:off x="5039764" y="1446786"/>
+            <a:ext cx="2095500" cy="969963"/>
+          </a:xfrm>
+          <a:prstGeom prst="rect">
+            <a:avLst/>
+          </a:prstGeom>
+          <a:noFill/>
+          <a:ln w="12700">
+            <a:solidFill>
+              <a:srgbClr val="D86613"/>
+            </a:solidFill>
+            <a:prstDash val="dash"/>
+          </a:ln>
+        </p:spPr>
+        <p:style>
+          <a:lnRef idx="2">
+            <a:schemeClr val="accent1">
+              <a:shade val="50000"/>
+            </a:schemeClr>
+          </a:lnRef>
+          <a:fillRef idx="1">
+            <a:schemeClr val="accent1"/>
+          </a:fillRef>
+          <a:effectRef idx="0">
+            <a:schemeClr val="accent1"/>
+          </a:effectRef>
+          <a:fontRef idx="minor">
+            <a:schemeClr val="lt1"/>
+          </a:fontRef>
+        </p:style>
+        <p:txBody>
+          <a:bodyPr tIns="91440"/>
+          <a:lstStyle/>
+          <a:p>
+            <a:pPr algn="ctr" eaLnBrk="1" fontAlgn="auto" hangingPunct="1">
+              <a:spcBef>
+                <a:spcPts val="0"/>
+              </a:spcBef>
+              <a:spcAft>
+                <a:spcPts val="0"/>
+              </a:spcAft>
+              <a:defRPr/>
+            </a:pPr>
+            <a:r>
+              <a:rPr lang="en-US" sz="1200" dirty="0">
+                <a:solidFill>
+                  <a:srgbClr val="D86613"/>
+                </a:solidFill>
+                <a:latin typeface="Arial" panose="020B0604020202020204" pitchFamily="34" charset="0"/>
+                <a:cs typeface="Arial" panose="020B0604020202020204" pitchFamily="34" charset="0"/>
+              </a:rPr>
+              <a:t>Leader Auto  Scaling group</a:t>
+            </a:r>
+          </a:p>
+        </p:txBody>
+      </p:sp>
     </p:spTree>
     <p:extLst>
       <p:ext uri="{BB962C8B-B14F-4D97-AF65-F5344CB8AC3E}">
@@ -13605,6 +13675,148 @@
           </a:fontRef>
         </p:style>
       </p:cxnSp>
+      <p:sp>
+        <p:nvSpPr>
+          <p:cNvPr id="53" name="Rectangle 52">
+            <a:extLst>
+              <a:ext uri="{FF2B5EF4-FFF2-40B4-BE49-F238E27FC236}">
+                <a16:creationId xmlns:a16="http://schemas.microsoft.com/office/drawing/2014/main" id="{F725E55C-DC76-004D-973E-52FCD8ED796E}"/>
+              </a:ext>
+            </a:extLst>
+          </p:cNvPr>
+          <p:cNvSpPr/>
+          <p:nvPr/>
+        </p:nvSpPr>
+        <p:spPr>
+          <a:xfrm>
+            <a:off x="5231813" y="2548744"/>
+            <a:ext cx="1767152" cy="1106488"/>
+          </a:xfrm>
+          <a:prstGeom prst="rect">
+            <a:avLst/>
+          </a:prstGeom>
+          <a:noFill/>
+          <a:ln w="12700">
+            <a:solidFill>
+              <a:srgbClr val="D86613"/>
+            </a:solidFill>
+            <a:prstDash val="dash"/>
+          </a:ln>
+        </p:spPr>
+        <p:style>
+          <a:lnRef idx="2">
+            <a:schemeClr val="accent1">
+              <a:shade val="50000"/>
+            </a:schemeClr>
+          </a:lnRef>
+          <a:fillRef idx="1">
+            <a:schemeClr val="accent1"/>
+          </a:fillRef>
+          <a:effectRef idx="0">
+            <a:schemeClr val="accent1"/>
+          </a:effectRef>
+          <a:fontRef idx="minor">
+            <a:schemeClr val="lt1"/>
+          </a:fontRef>
+        </p:style>
+        <p:txBody>
+          <a:bodyPr tIns="91440"/>
+          <a:lstStyle/>
+          <a:p>
+            <a:pPr algn="ctr" eaLnBrk="1" fontAlgn="auto" hangingPunct="1">
+              <a:spcBef>
+                <a:spcPts val="0"/>
+              </a:spcBef>
+              <a:spcAft>
+                <a:spcPts val="0"/>
+              </a:spcAft>
+              <a:defRPr/>
+            </a:pPr>
+            <a:endParaRPr lang="en-US" sz="1200" dirty="0">
+              <a:solidFill>
+                <a:srgbClr val="D86613"/>
+              </a:solidFill>
+              <a:latin typeface="Arial" panose="020B0604020202020204" pitchFamily="34" charset="0"/>
+              <a:cs typeface="Arial" panose="020B0604020202020204" pitchFamily="34" charset="0"/>
+            </a:endParaRPr>
+          </a:p>
+          <a:p>
+            <a:pPr algn="ctr" eaLnBrk="1" fontAlgn="auto" hangingPunct="1">
+              <a:spcBef>
+                <a:spcPts val="0"/>
+              </a:spcBef>
+              <a:spcAft>
+                <a:spcPts val="0"/>
+              </a:spcAft>
+              <a:defRPr/>
+            </a:pPr>
+            <a:endParaRPr lang="en-US" sz="1200" dirty="0">
+              <a:solidFill>
+                <a:srgbClr val="D86613"/>
+              </a:solidFill>
+              <a:latin typeface="Arial" panose="020B0604020202020204" pitchFamily="34" charset="0"/>
+              <a:cs typeface="Arial" panose="020B0604020202020204" pitchFamily="34" charset="0"/>
+            </a:endParaRPr>
+          </a:p>
+          <a:p>
+            <a:pPr algn="ctr" eaLnBrk="1" fontAlgn="auto" hangingPunct="1">
+              <a:spcBef>
+                <a:spcPts val="0"/>
+              </a:spcBef>
+              <a:spcAft>
+                <a:spcPts val="0"/>
+              </a:spcAft>
+              <a:defRPr/>
+            </a:pPr>
+            <a:endParaRPr lang="en-US" sz="1200" dirty="0">
+              <a:solidFill>
+                <a:srgbClr val="D86613"/>
+              </a:solidFill>
+              <a:latin typeface="Arial" panose="020B0604020202020204" pitchFamily="34" charset="0"/>
+              <a:cs typeface="Arial" panose="020B0604020202020204" pitchFamily="34" charset="0"/>
+            </a:endParaRPr>
+          </a:p>
+          <a:p>
+            <a:pPr algn="ctr" eaLnBrk="1" fontAlgn="auto" hangingPunct="1">
+              <a:spcBef>
+                <a:spcPts val="0"/>
+              </a:spcBef>
+              <a:spcAft>
+                <a:spcPts val="0"/>
+              </a:spcAft>
+              <a:defRPr/>
+            </a:pPr>
+            <a:endParaRPr lang="en-US" sz="1200" dirty="0">
+              <a:solidFill>
+                <a:srgbClr val="D86613"/>
+              </a:solidFill>
+              <a:latin typeface="Arial" panose="020B0604020202020204" pitchFamily="34" charset="0"/>
+              <a:cs typeface="Arial" panose="020B0604020202020204" pitchFamily="34" charset="0"/>
+            </a:endParaRPr>
+          </a:p>
+          <a:p>
+            <a:pPr algn="ctr" eaLnBrk="1" fontAlgn="auto" hangingPunct="1">
+              <a:spcBef>
+                <a:spcPts val="0"/>
+              </a:spcBef>
+              <a:spcAft>
+                <a:spcPts val="0"/>
+              </a:spcAft>
+              <a:defRPr/>
+            </a:pPr>
+            <a:r>
+              <a:rPr lang="en-US" sz="1200" dirty="0">
+                <a:solidFill>
+                  <a:srgbClr val="D86613"/>
+                </a:solidFill>
+                <a:latin typeface="Arial" panose="020B0604020202020204" pitchFamily="34" charset="0"/>
+                <a:cs typeface="Arial" panose="020B0604020202020204" pitchFamily="34" charset="0"/>
+              </a:rPr>
+              <a:t>Auto Scaling group</a:t>
+            </a:r>
+          </a:p>
+        </p:txBody>
+      </p:sp>
     </p:spTree>
     <p:extLst>
       <p:ext uri="{BB962C8B-B14F-4D97-AF65-F5344CB8AC3E}">

--- a/docs/images/Cribl_AWS.pptx
+++ b/docs/images/Cribl_AWS.pptx
@@ -5,30 +5,31 @@
     <p:sldMasterId id="2147483665" r:id="rId1"/>
   </p:sldMasterIdLst>
   <p:notesMasterIdLst>
-    <p:notesMasterId r:id="rId6"/>
+    <p:notesMasterId r:id="rId7"/>
   </p:notesMasterIdLst>
   <p:sldIdLst>
     <p:sldId id="256" r:id="rId2"/>
     <p:sldId id="275" r:id="rId3"/>
-    <p:sldId id="276" r:id="rId4"/>
-    <p:sldId id="274" r:id="rId5"/>
+    <p:sldId id="277" r:id="rId4"/>
+    <p:sldId id="276" r:id="rId5"/>
+    <p:sldId id="274" r:id="rId6"/>
   </p:sldIdLst>
   <p:sldSz cx="12192000" cy="6858000"/>
   <p:notesSz cx="6858000" cy="9144000"/>
   <p:embeddedFontLst>
     <p:embeddedFont>
       <p:font typeface="Calibri" panose="020F0502020204030204" pitchFamily="34" charset="0"/>
-      <p:regular r:id="rId7"/>
-      <p:bold r:id="rId8"/>
-      <p:italic r:id="rId9"/>
-      <p:boldItalic r:id="rId10"/>
+      <p:regular r:id="rId8"/>
+      <p:bold r:id="rId9"/>
+      <p:italic r:id="rId10"/>
+      <p:boldItalic r:id="rId11"/>
     </p:embeddedFont>
     <p:embeddedFont>
       <p:font typeface="Source Sans Pro" panose="020B0503030403020204" pitchFamily="34" charset="0"/>
-      <p:regular r:id="rId11"/>
-      <p:bold r:id="rId12"/>
-      <p:italic r:id="rId13"/>
-      <p:boldItalic r:id="rId14"/>
+      <p:regular r:id="rId12"/>
+      <p:bold r:id="rId13"/>
+      <p:italic r:id="rId14"/>
+      <p:boldItalic r:id="rId15"/>
     </p:embeddedFont>
   </p:embeddedFontLst>
   <p:defaultTextStyle>
@@ -1758,7 +1759,7 @@
             </a:pPr>
             <a:fld id="{00000000-1234-1234-1234-123412341234}" type="slidenum">
               <a:rPr lang="en-US"/>
-              <a:t>4</a:t>
+              <a:t>5</a:t>
             </a:fld>
             <a:endParaRPr/>
           </a:p>
@@ -11951,6 +11952,2539 @@
           <a:p>
             <a:r>
               <a:rPr lang="en-US" dirty="0"/>
+              <a:t>Cribl LogStream Workers (Cribl Cloud)</a:t>
+            </a:r>
+          </a:p>
+        </p:txBody>
+      </p:sp>
+      <p:sp>
+        <p:nvSpPr>
+          <p:cNvPr id="7" name="Rectangle 6">
+            <a:extLst>
+              <a:ext uri="{FF2B5EF4-FFF2-40B4-BE49-F238E27FC236}">
+                <a16:creationId xmlns:a16="http://schemas.microsoft.com/office/drawing/2014/main" id="{14E1F782-3753-C94A-BC41-58F4543E5CFA}"/>
+              </a:ext>
+            </a:extLst>
+          </p:cNvPr>
+          <p:cNvSpPr/>
+          <p:nvPr/>
+        </p:nvSpPr>
+        <p:spPr bwMode="auto">
+          <a:xfrm>
+            <a:off x="909431" y="2355574"/>
+            <a:ext cx="10371550" cy="3453046"/>
+          </a:xfrm>
+          <a:prstGeom prst="rect">
+            <a:avLst/>
+          </a:prstGeom>
+          <a:noFill/>
+          <a:ln w="12700">
+            <a:solidFill>
+              <a:srgbClr val="1E8900"/>
+            </a:solidFill>
+          </a:ln>
+        </p:spPr>
+        <p:style>
+          <a:lnRef idx="2">
+            <a:schemeClr val="accent1">
+              <a:shade val="50000"/>
+            </a:schemeClr>
+          </a:lnRef>
+          <a:fillRef idx="1">
+            <a:schemeClr val="accent1"/>
+          </a:fillRef>
+          <a:effectRef idx="0">
+            <a:schemeClr val="accent1"/>
+          </a:effectRef>
+          <a:fontRef idx="minor">
+            <a:schemeClr val="lt1"/>
+          </a:fontRef>
+        </p:style>
+        <p:txBody>
+          <a:bodyPr lIns="502920" tIns="91440"/>
+          <a:lstStyle/>
+          <a:p>
+            <a:pPr eaLnBrk="1" fontAlgn="auto" hangingPunct="1">
+              <a:spcBef>
+                <a:spcPts val="0"/>
+              </a:spcBef>
+              <a:spcAft>
+                <a:spcPts val="0"/>
+              </a:spcAft>
+              <a:defRPr/>
+            </a:pPr>
+            <a:r>
+              <a:rPr lang="en-US" sz="1200" dirty="0">
+                <a:ln w="0"/>
+                <a:solidFill>
+                  <a:srgbClr val="1E8900"/>
+                </a:solidFill>
+                <a:latin typeface="Arial" panose="020B0604020202020204" pitchFamily="34" charset="0"/>
+                <a:cs typeface="Arial" panose="020B0604020202020204" pitchFamily="34" charset="0"/>
+              </a:rPr>
+              <a:t>VPC</a:t>
+            </a:r>
+          </a:p>
+        </p:txBody>
+      </p:sp>
+      <p:sp>
+        <p:nvSpPr>
+          <p:cNvPr id="8" name="Rectangle 7">
+            <a:extLst>
+              <a:ext uri="{FF2B5EF4-FFF2-40B4-BE49-F238E27FC236}">
+                <a16:creationId xmlns:a16="http://schemas.microsoft.com/office/drawing/2014/main" id="{3CAB4C6C-D2C7-7849-8A20-5D3F6918DD4B}"/>
+              </a:ext>
+            </a:extLst>
+          </p:cNvPr>
+          <p:cNvSpPr/>
+          <p:nvPr/>
+        </p:nvSpPr>
+        <p:spPr bwMode="auto">
+          <a:xfrm>
+            <a:off x="528431" y="1049380"/>
+            <a:ext cx="11135138" cy="5172515"/>
+          </a:xfrm>
+          <a:prstGeom prst="rect">
+            <a:avLst/>
+          </a:prstGeom>
+          <a:noFill/>
+          <a:ln w="12700">
+            <a:solidFill>
+              <a:schemeClr val="tx1"/>
+            </a:solidFill>
+          </a:ln>
+        </p:spPr>
+        <p:style>
+          <a:lnRef idx="2">
+            <a:schemeClr val="accent1">
+              <a:shade val="50000"/>
+            </a:schemeClr>
+          </a:lnRef>
+          <a:fillRef idx="1">
+            <a:schemeClr val="accent1"/>
+          </a:fillRef>
+          <a:effectRef idx="0">
+            <a:schemeClr val="accent1"/>
+          </a:effectRef>
+          <a:fontRef idx="minor">
+            <a:schemeClr val="lt1"/>
+          </a:fontRef>
+        </p:style>
+        <p:txBody>
+          <a:bodyPr lIns="502920" tIns="91440"/>
+          <a:lstStyle/>
+          <a:p>
+            <a:pPr eaLnBrk="1" fontAlgn="auto" hangingPunct="1">
+              <a:spcBef>
+                <a:spcPts val="0"/>
+              </a:spcBef>
+              <a:spcAft>
+                <a:spcPts val="0"/>
+              </a:spcAft>
+              <a:defRPr/>
+            </a:pPr>
+            <a:r>
+              <a:rPr lang="en-US" sz="1200" dirty="0">
+                <a:solidFill>
+                  <a:sysClr val="windowText" lastClr="000000"/>
+                </a:solidFill>
+                <a:latin typeface="Arial" panose="020B0604020202020204" pitchFamily="34" charset="0"/>
+                <a:cs typeface="Arial" panose="020B0604020202020204" pitchFamily="34" charset="0"/>
+              </a:rPr>
+              <a:t>AWS Cloud</a:t>
+            </a:r>
+          </a:p>
+        </p:txBody>
+      </p:sp>
+      <p:sp>
+        <p:nvSpPr>
+          <p:cNvPr id="9" name="Rectangle 8">
+            <a:extLst>
+              <a:ext uri="{FF2B5EF4-FFF2-40B4-BE49-F238E27FC236}">
+                <a16:creationId xmlns:a16="http://schemas.microsoft.com/office/drawing/2014/main" id="{A88BD5B1-1FCC-2443-9823-D0A2DACDBBB0}"/>
+              </a:ext>
+            </a:extLst>
+          </p:cNvPr>
+          <p:cNvSpPr/>
+          <p:nvPr/>
+        </p:nvSpPr>
+        <p:spPr bwMode="auto">
+          <a:xfrm>
+            <a:off x="2950126" y="2355574"/>
+            <a:ext cx="2095500" cy="1500810"/>
+          </a:xfrm>
+          <a:prstGeom prst="rect">
+            <a:avLst/>
+          </a:prstGeom>
+          <a:noFill/>
+          <a:ln w="12700">
+            <a:solidFill>
+              <a:srgbClr val="5B9CD5"/>
+            </a:solidFill>
+            <a:prstDash val="dash"/>
+          </a:ln>
+        </p:spPr>
+        <p:style>
+          <a:lnRef idx="2">
+            <a:schemeClr val="accent1">
+              <a:shade val="50000"/>
+            </a:schemeClr>
+          </a:lnRef>
+          <a:fillRef idx="1">
+            <a:schemeClr val="accent1"/>
+          </a:fillRef>
+          <a:effectRef idx="0">
+            <a:schemeClr val="accent1"/>
+          </a:effectRef>
+          <a:fontRef idx="minor">
+            <a:schemeClr val="lt1"/>
+          </a:fontRef>
+        </p:style>
+        <p:txBody>
+          <a:bodyPr tIns="91440"/>
+          <a:lstStyle/>
+          <a:p>
+            <a:pPr algn="ctr" eaLnBrk="1" fontAlgn="auto" hangingPunct="1">
+              <a:spcBef>
+                <a:spcPts val="0"/>
+              </a:spcBef>
+              <a:spcAft>
+                <a:spcPts val="0"/>
+              </a:spcAft>
+              <a:defRPr/>
+            </a:pPr>
+            <a:r>
+              <a:rPr lang="en-US" sz="1200" dirty="0">
+                <a:solidFill>
+                  <a:srgbClr val="5B9CD5"/>
+                </a:solidFill>
+                <a:latin typeface="Arial" panose="020B0604020202020204" pitchFamily="34" charset="0"/>
+                <a:cs typeface="Arial" panose="020B0604020202020204" pitchFamily="34" charset="0"/>
+              </a:rPr>
+              <a:t>Availability Zone 1</a:t>
+            </a:r>
+          </a:p>
+        </p:txBody>
+      </p:sp>
+      <p:sp>
+        <p:nvSpPr>
+          <p:cNvPr id="10" name="Rectangle 9">
+            <a:extLst>
+              <a:ext uri="{FF2B5EF4-FFF2-40B4-BE49-F238E27FC236}">
+                <a16:creationId xmlns:a16="http://schemas.microsoft.com/office/drawing/2014/main" id="{E72CAD76-5FF1-DF46-BA67-0A768FD8A881}"/>
+              </a:ext>
+            </a:extLst>
+          </p:cNvPr>
+          <p:cNvSpPr/>
+          <p:nvPr/>
+        </p:nvSpPr>
+        <p:spPr bwMode="auto">
+          <a:xfrm>
+            <a:off x="7152238" y="2355574"/>
+            <a:ext cx="2095500" cy="1500810"/>
+          </a:xfrm>
+          <a:prstGeom prst="rect">
+            <a:avLst/>
+          </a:prstGeom>
+          <a:noFill/>
+          <a:ln w="12700">
+            <a:solidFill>
+              <a:srgbClr val="5B9CD5"/>
+            </a:solidFill>
+            <a:prstDash val="dash"/>
+          </a:ln>
+        </p:spPr>
+        <p:style>
+          <a:lnRef idx="2">
+            <a:schemeClr val="accent1">
+              <a:shade val="50000"/>
+            </a:schemeClr>
+          </a:lnRef>
+          <a:fillRef idx="1">
+            <a:schemeClr val="accent1"/>
+          </a:fillRef>
+          <a:effectRef idx="0">
+            <a:schemeClr val="accent1"/>
+          </a:effectRef>
+          <a:fontRef idx="minor">
+            <a:schemeClr val="lt1"/>
+          </a:fontRef>
+        </p:style>
+        <p:txBody>
+          <a:bodyPr tIns="91440"/>
+          <a:lstStyle/>
+          <a:p>
+            <a:pPr algn="ctr" eaLnBrk="1" fontAlgn="auto" hangingPunct="1">
+              <a:spcBef>
+                <a:spcPts val="0"/>
+              </a:spcBef>
+              <a:spcAft>
+                <a:spcPts val="0"/>
+              </a:spcAft>
+              <a:defRPr/>
+            </a:pPr>
+            <a:r>
+              <a:rPr lang="en-US" sz="1200" dirty="0">
+                <a:solidFill>
+                  <a:srgbClr val="5B9CD5"/>
+                </a:solidFill>
+                <a:latin typeface="Arial" panose="020B0604020202020204" pitchFamily="34" charset="0"/>
+                <a:cs typeface="Arial" panose="020B0604020202020204" pitchFamily="34" charset="0"/>
+              </a:rPr>
+              <a:t>Availability Zone 2</a:t>
+            </a:r>
+          </a:p>
+        </p:txBody>
+      </p:sp>
+      <p:pic>
+        <p:nvPicPr>
+          <p:cNvPr id="15" name="Graphic 17">
+            <a:extLst>
+              <a:ext uri="{FF2B5EF4-FFF2-40B4-BE49-F238E27FC236}">
+                <a16:creationId xmlns:a16="http://schemas.microsoft.com/office/drawing/2014/main" id="{9A7E4015-4497-584F-9D9C-26993736A43D}"/>
+              </a:ext>
+            </a:extLst>
+          </p:cNvPr>
+          <p:cNvPicPr>
+            <a:picLocks noChangeAspect="1" noChangeArrowheads="1"/>
+          </p:cNvPicPr>
+          <p:nvPr/>
+        </p:nvPicPr>
+        <p:blipFill>
+          <a:blip r:embed="rId2">
+            <a:extLst>
+              <a:ext uri="{28A0092B-C50C-407E-A947-70E740481C1C}">
+                <a14:useLocalDpi xmlns:a14="http://schemas.microsoft.com/office/drawing/2010/main" val="0"/>
+              </a:ext>
+            </a:extLst>
+          </a:blip>
+          <a:srcRect/>
+          <a:stretch>
+            <a:fillRect/>
+          </a:stretch>
+        </p:blipFill>
+        <p:spPr bwMode="auto">
+          <a:xfrm>
+            <a:off x="3762926" y="2846432"/>
+            <a:ext cx="469900" cy="469900"/>
+          </a:xfrm>
+          <a:prstGeom prst="rect">
+            <a:avLst/>
+          </a:prstGeom>
+          <a:noFill/>
+          <a:ln>
+            <a:noFill/>
+          </a:ln>
+          <a:extLst>
+            <a:ext uri="{909E8E84-426E-40DD-AFC4-6F175D3DCCD1}">
+              <a14:hiddenFill xmlns:a14="http://schemas.microsoft.com/office/drawing/2010/main">
+                <a:solidFill>
+                  <a:srgbClr val="FFFFFF"/>
+                </a:solidFill>
+              </a14:hiddenFill>
+            </a:ext>
+            <a:ext uri="{91240B29-F687-4F45-9708-019B960494DF}">
+              <a14:hiddenLine xmlns:a14="http://schemas.microsoft.com/office/drawing/2010/main" w="9525">
+                <a:solidFill>
+                  <a:srgbClr val="000000"/>
+                </a:solidFill>
+                <a:miter lim="800000"/>
+                <a:headEnd/>
+                <a:tailEnd/>
+              </a14:hiddenLine>
+            </a:ext>
+          </a:extLst>
+        </p:spPr>
+      </p:pic>
+      <p:sp>
+        <p:nvSpPr>
+          <p:cNvPr id="16" name="TextBox 18">
+            <a:extLst>
+              <a:ext uri="{FF2B5EF4-FFF2-40B4-BE49-F238E27FC236}">
+                <a16:creationId xmlns:a16="http://schemas.microsoft.com/office/drawing/2014/main" id="{DDEA0899-FC07-CA42-997F-0DD775351307}"/>
+              </a:ext>
+            </a:extLst>
+          </p:cNvPr>
+          <p:cNvSpPr txBox="1">
+            <a:spLocks noChangeArrowheads="1"/>
+          </p:cNvSpPr>
+          <p:nvPr/>
+        </p:nvSpPr>
+        <p:spPr bwMode="auto">
+          <a:xfrm>
+            <a:off x="3113699" y="3291802"/>
+            <a:ext cx="1767152" cy="261610"/>
+          </a:xfrm>
+          <a:prstGeom prst="rect">
+            <a:avLst/>
+          </a:prstGeom>
+          <a:noFill/>
+          <a:ln>
+            <a:noFill/>
+          </a:ln>
+          <a:extLst>
+            <a:ext uri="{909E8E84-426E-40DD-AFC4-6F175D3DCCD1}">
+              <a14:hiddenFill xmlns:a14="http://schemas.microsoft.com/office/drawing/2010/main">
+                <a:solidFill>
+                  <a:srgbClr val="FFFFFF"/>
+                </a:solidFill>
+              </a14:hiddenFill>
+            </a:ext>
+            <a:ext uri="{91240B29-F687-4F45-9708-019B960494DF}">
+              <a14:hiddenLine xmlns:a14="http://schemas.microsoft.com/office/drawing/2010/main" w="9525">
+                <a:solidFill>
+                  <a:srgbClr val="000000"/>
+                </a:solidFill>
+                <a:miter lim="800000"/>
+                <a:headEnd/>
+                <a:tailEnd/>
+              </a14:hiddenLine>
+            </a:ext>
+          </a:extLst>
+        </p:spPr>
+        <p:txBody>
+          <a:bodyPr>
+            <a:spAutoFit/>
+          </a:bodyPr>
+          <a:lstStyle>
+            <a:lvl1pPr>
+              <a:defRPr>
+                <a:solidFill>
+                  <a:schemeClr val="tx1"/>
+                </a:solidFill>
+                <a:latin typeface="Calibri" panose="020F0502020204030204" pitchFamily="34" charset="0"/>
+              </a:defRPr>
+            </a:lvl1pPr>
+            <a:lvl2pPr marL="742950" indent="-285750">
+              <a:defRPr>
+                <a:solidFill>
+                  <a:schemeClr val="tx1"/>
+                </a:solidFill>
+                <a:latin typeface="Calibri" panose="020F0502020204030204" pitchFamily="34" charset="0"/>
+              </a:defRPr>
+            </a:lvl2pPr>
+            <a:lvl3pPr marL="1143000" indent="-228600">
+              <a:defRPr>
+                <a:solidFill>
+                  <a:schemeClr val="tx1"/>
+                </a:solidFill>
+                <a:latin typeface="Calibri" panose="020F0502020204030204" pitchFamily="34" charset="0"/>
+              </a:defRPr>
+            </a:lvl3pPr>
+            <a:lvl4pPr marL="1600200" indent="-228600">
+              <a:defRPr>
+                <a:solidFill>
+                  <a:schemeClr val="tx1"/>
+                </a:solidFill>
+                <a:latin typeface="Calibri" panose="020F0502020204030204" pitchFamily="34" charset="0"/>
+              </a:defRPr>
+            </a:lvl4pPr>
+            <a:lvl5pPr marL="2057400" indent="-228600">
+              <a:defRPr>
+                <a:solidFill>
+                  <a:schemeClr val="tx1"/>
+                </a:solidFill>
+                <a:latin typeface="Calibri" panose="020F0502020204030204" pitchFamily="34" charset="0"/>
+              </a:defRPr>
+            </a:lvl5pPr>
+            <a:lvl6pPr marL="2514600" indent="-228600" eaLnBrk="0" fontAlgn="base" hangingPunct="0">
+              <a:spcBef>
+                <a:spcPct val="0"/>
+              </a:spcBef>
+              <a:spcAft>
+                <a:spcPct val="0"/>
+              </a:spcAft>
+              <a:defRPr>
+                <a:solidFill>
+                  <a:schemeClr val="tx1"/>
+                </a:solidFill>
+                <a:latin typeface="Calibri" panose="020F0502020204030204" pitchFamily="34" charset="0"/>
+              </a:defRPr>
+            </a:lvl6pPr>
+            <a:lvl7pPr marL="2971800" indent="-228600" eaLnBrk="0" fontAlgn="base" hangingPunct="0">
+              <a:spcBef>
+                <a:spcPct val="0"/>
+              </a:spcBef>
+              <a:spcAft>
+                <a:spcPct val="0"/>
+              </a:spcAft>
+              <a:defRPr>
+                <a:solidFill>
+                  <a:schemeClr val="tx1"/>
+                </a:solidFill>
+                <a:latin typeface="Calibri" panose="020F0502020204030204" pitchFamily="34" charset="0"/>
+              </a:defRPr>
+            </a:lvl7pPr>
+            <a:lvl8pPr marL="3429000" indent="-228600" eaLnBrk="0" fontAlgn="base" hangingPunct="0">
+              <a:spcBef>
+                <a:spcPct val="0"/>
+              </a:spcBef>
+              <a:spcAft>
+                <a:spcPct val="0"/>
+              </a:spcAft>
+              <a:defRPr>
+                <a:solidFill>
+                  <a:schemeClr val="tx1"/>
+                </a:solidFill>
+                <a:latin typeface="Calibri" panose="020F0502020204030204" pitchFamily="34" charset="0"/>
+              </a:defRPr>
+            </a:lvl8pPr>
+            <a:lvl9pPr marL="3886200" indent="-228600" eaLnBrk="0" fontAlgn="base" hangingPunct="0">
+              <a:spcBef>
+                <a:spcPct val="0"/>
+              </a:spcBef>
+              <a:spcAft>
+                <a:spcPct val="0"/>
+              </a:spcAft>
+              <a:defRPr>
+                <a:solidFill>
+                  <a:schemeClr val="tx1"/>
+                </a:solidFill>
+                <a:latin typeface="Calibri" panose="020F0502020204030204" pitchFamily="34" charset="0"/>
+              </a:defRPr>
+            </a:lvl9pPr>
+          </a:lstStyle>
+          <a:p>
+            <a:pPr algn="ctr" eaLnBrk="1" hangingPunct="1"/>
+            <a:r>
+              <a:rPr lang="en-US" altLang="en-US" sz="1100" dirty="0">
+                <a:solidFill>
+                  <a:srgbClr val="232F3E"/>
+                </a:solidFill>
+                <a:latin typeface="Arial" panose="020B0604020202020204" pitchFamily="34" charset="0"/>
+                <a:cs typeface="Arial" panose="020B0604020202020204" pitchFamily="34" charset="0"/>
+              </a:rPr>
+              <a:t>LogStream Worker(s)</a:t>
+            </a:r>
+          </a:p>
+        </p:txBody>
+      </p:sp>
+      <p:pic>
+        <p:nvPicPr>
+          <p:cNvPr id="17" name="Graphic 19">
+            <a:extLst>
+              <a:ext uri="{FF2B5EF4-FFF2-40B4-BE49-F238E27FC236}">
+                <a16:creationId xmlns:a16="http://schemas.microsoft.com/office/drawing/2014/main" id="{069C40FE-0F83-0C4C-8D1A-525D31F12F7A}"/>
+              </a:ext>
+            </a:extLst>
+          </p:cNvPr>
+          <p:cNvPicPr>
+            <a:picLocks noChangeAspect="1" noChangeArrowheads="1"/>
+          </p:cNvPicPr>
+          <p:nvPr/>
+        </p:nvPicPr>
+        <p:blipFill>
+          <a:blip r:embed="rId2">
+            <a:extLst>
+              <a:ext uri="{28A0092B-C50C-407E-A947-70E740481C1C}">
+                <a14:useLocalDpi xmlns:a14="http://schemas.microsoft.com/office/drawing/2010/main" val="0"/>
+              </a:ext>
+            </a:extLst>
+          </a:blip>
+          <a:srcRect/>
+          <a:stretch>
+            <a:fillRect/>
+          </a:stretch>
+        </p:blipFill>
+        <p:spPr bwMode="auto">
+          <a:xfrm>
+            <a:off x="7965038" y="2846432"/>
+            <a:ext cx="469900" cy="469900"/>
+          </a:xfrm>
+          <a:prstGeom prst="rect">
+            <a:avLst/>
+          </a:prstGeom>
+          <a:noFill/>
+          <a:ln>
+            <a:noFill/>
+          </a:ln>
+          <a:extLst>
+            <a:ext uri="{909E8E84-426E-40DD-AFC4-6F175D3DCCD1}">
+              <a14:hiddenFill xmlns:a14="http://schemas.microsoft.com/office/drawing/2010/main">
+                <a:solidFill>
+                  <a:srgbClr val="FFFFFF"/>
+                </a:solidFill>
+              </a14:hiddenFill>
+            </a:ext>
+            <a:ext uri="{91240B29-F687-4F45-9708-019B960494DF}">
+              <a14:hiddenLine xmlns:a14="http://schemas.microsoft.com/office/drawing/2010/main" w="9525">
+                <a:solidFill>
+                  <a:srgbClr val="000000"/>
+                </a:solidFill>
+                <a:miter lim="800000"/>
+                <a:headEnd/>
+                <a:tailEnd/>
+              </a14:hiddenLine>
+            </a:ext>
+          </a:extLst>
+        </p:spPr>
+      </p:pic>
+      <p:sp>
+        <p:nvSpPr>
+          <p:cNvPr id="18" name="TextBox 20">
+            <a:extLst>
+              <a:ext uri="{FF2B5EF4-FFF2-40B4-BE49-F238E27FC236}">
+                <a16:creationId xmlns:a16="http://schemas.microsoft.com/office/drawing/2014/main" id="{5C508E39-5BFC-2346-8F1B-6783D5483008}"/>
+              </a:ext>
+            </a:extLst>
+          </p:cNvPr>
+          <p:cNvSpPr txBox="1">
+            <a:spLocks noChangeArrowheads="1"/>
+          </p:cNvSpPr>
+          <p:nvPr/>
+        </p:nvSpPr>
+        <p:spPr bwMode="auto">
+          <a:xfrm>
+            <a:off x="7316029" y="3291802"/>
+            <a:ext cx="1767152" cy="261610"/>
+          </a:xfrm>
+          <a:prstGeom prst="rect">
+            <a:avLst/>
+          </a:prstGeom>
+          <a:noFill/>
+          <a:ln>
+            <a:noFill/>
+          </a:ln>
+          <a:extLst>
+            <a:ext uri="{909E8E84-426E-40DD-AFC4-6F175D3DCCD1}">
+              <a14:hiddenFill xmlns:a14="http://schemas.microsoft.com/office/drawing/2010/main">
+                <a:solidFill>
+                  <a:srgbClr val="FFFFFF"/>
+                </a:solidFill>
+              </a14:hiddenFill>
+            </a:ext>
+            <a:ext uri="{91240B29-F687-4F45-9708-019B960494DF}">
+              <a14:hiddenLine xmlns:a14="http://schemas.microsoft.com/office/drawing/2010/main" w="9525">
+                <a:solidFill>
+                  <a:srgbClr val="000000"/>
+                </a:solidFill>
+                <a:miter lim="800000"/>
+                <a:headEnd/>
+                <a:tailEnd/>
+              </a14:hiddenLine>
+            </a:ext>
+          </a:extLst>
+        </p:spPr>
+        <p:txBody>
+          <a:bodyPr>
+            <a:spAutoFit/>
+          </a:bodyPr>
+          <a:lstStyle>
+            <a:lvl1pPr>
+              <a:defRPr>
+                <a:solidFill>
+                  <a:schemeClr val="tx1"/>
+                </a:solidFill>
+                <a:latin typeface="Calibri" panose="020F0502020204030204" pitchFamily="34" charset="0"/>
+              </a:defRPr>
+            </a:lvl1pPr>
+            <a:lvl2pPr marL="742950" indent="-285750">
+              <a:defRPr>
+                <a:solidFill>
+                  <a:schemeClr val="tx1"/>
+                </a:solidFill>
+                <a:latin typeface="Calibri" panose="020F0502020204030204" pitchFamily="34" charset="0"/>
+              </a:defRPr>
+            </a:lvl2pPr>
+            <a:lvl3pPr marL="1143000" indent="-228600">
+              <a:defRPr>
+                <a:solidFill>
+                  <a:schemeClr val="tx1"/>
+                </a:solidFill>
+                <a:latin typeface="Calibri" panose="020F0502020204030204" pitchFamily="34" charset="0"/>
+              </a:defRPr>
+            </a:lvl3pPr>
+            <a:lvl4pPr marL="1600200" indent="-228600">
+              <a:defRPr>
+                <a:solidFill>
+                  <a:schemeClr val="tx1"/>
+                </a:solidFill>
+                <a:latin typeface="Calibri" panose="020F0502020204030204" pitchFamily="34" charset="0"/>
+              </a:defRPr>
+            </a:lvl4pPr>
+            <a:lvl5pPr marL="2057400" indent="-228600">
+              <a:defRPr>
+                <a:solidFill>
+                  <a:schemeClr val="tx1"/>
+                </a:solidFill>
+                <a:latin typeface="Calibri" panose="020F0502020204030204" pitchFamily="34" charset="0"/>
+              </a:defRPr>
+            </a:lvl5pPr>
+            <a:lvl6pPr marL="2514600" indent="-228600" eaLnBrk="0" fontAlgn="base" hangingPunct="0">
+              <a:spcBef>
+                <a:spcPct val="0"/>
+              </a:spcBef>
+              <a:spcAft>
+                <a:spcPct val="0"/>
+              </a:spcAft>
+              <a:defRPr>
+                <a:solidFill>
+                  <a:schemeClr val="tx1"/>
+                </a:solidFill>
+                <a:latin typeface="Calibri" panose="020F0502020204030204" pitchFamily="34" charset="0"/>
+              </a:defRPr>
+            </a:lvl6pPr>
+            <a:lvl7pPr marL="2971800" indent="-228600" eaLnBrk="0" fontAlgn="base" hangingPunct="0">
+              <a:spcBef>
+                <a:spcPct val="0"/>
+              </a:spcBef>
+              <a:spcAft>
+                <a:spcPct val="0"/>
+              </a:spcAft>
+              <a:defRPr>
+                <a:solidFill>
+                  <a:schemeClr val="tx1"/>
+                </a:solidFill>
+                <a:latin typeface="Calibri" panose="020F0502020204030204" pitchFamily="34" charset="0"/>
+              </a:defRPr>
+            </a:lvl7pPr>
+            <a:lvl8pPr marL="3429000" indent="-228600" eaLnBrk="0" fontAlgn="base" hangingPunct="0">
+              <a:spcBef>
+                <a:spcPct val="0"/>
+              </a:spcBef>
+              <a:spcAft>
+                <a:spcPct val="0"/>
+              </a:spcAft>
+              <a:defRPr>
+                <a:solidFill>
+                  <a:schemeClr val="tx1"/>
+                </a:solidFill>
+                <a:latin typeface="Calibri" panose="020F0502020204030204" pitchFamily="34" charset="0"/>
+              </a:defRPr>
+            </a:lvl8pPr>
+            <a:lvl9pPr marL="3886200" indent="-228600" eaLnBrk="0" fontAlgn="base" hangingPunct="0">
+              <a:spcBef>
+                <a:spcPct val="0"/>
+              </a:spcBef>
+              <a:spcAft>
+                <a:spcPct val="0"/>
+              </a:spcAft>
+              <a:defRPr>
+                <a:solidFill>
+                  <a:schemeClr val="tx1"/>
+                </a:solidFill>
+                <a:latin typeface="Calibri" panose="020F0502020204030204" pitchFamily="34" charset="0"/>
+              </a:defRPr>
+            </a:lvl9pPr>
+          </a:lstStyle>
+          <a:p>
+            <a:pPr algn="ctr"/>
+            <a:r>
+              <a:rPr lang="en-US" altLang="en-US" sz="1100" dirty="0">
+                <a:solidFill>
+                  <a:srgbClr val="232F3E"/>
+                </a:solidFill>
+                <a:latin typeface="Arial" panose="020B0604020202020204" pitchFamily="34" charset="0"/>
+                <a:cs typeface="Arial" panose="020B0604020202020204" pitchFamily="34" charset="0"/>
+              </a:rPr>
+              <a:t>LogStream Worker(s)</a:t>
+            </a:r>
+          </a:p>
+        </p:txBody>
+      </p:sp>
+      <p:sp>
+        <p:nvSpPr>
+          <p:cNvPr id="25" name="Rectangle 24">
+            <a:extLst>
+              <a:ext uri="{FF2B5EF4-FFF2-40B4-BE49-F238E27FC236}">
+                <a16:creationId xmlns:a16="http://schemas.microsoft.com/office/drawing/2014/main" id="{B4C85341-B100-7B4F-A9EE-0917F23970BB}"/>
+              </a:ext>
+            </a:extLst>
+          </p:cNvPr>
+          <p:cNvSpPr/>
+          <p:nvPr/>
+        </p:nvSpPr>
+        <p:spPr>
+          <a:xfrm>
+            <a:off x="3035851" y="2700382"/>
+            <a:ext cx="6118225" cy="969963"/>
+          </a:xfrm>
+          <a:prstGeom prst="rect">
+            <a:avLst/>
+          </a:prstGeom>
+          <a:noFill/>
+          <a:ln w="12700">
+            <a:solidFill>
+              <a:srgbClr val="D86613"/>
+            </a:solidFill>
+            <a:prstDash val="dash"/>
+          </a:ln>
+        </p:spPr>
+        <p:style>
+          <a:lnRef idx="2">
+            <a:schemeClr val="accent1">
+              <a:shade val="50000"/>
+            </a:schemeClr>
+          </a:lnRef>
+          <a:fillRef idx="1">
+            <a:schemeClr val="accent1"/>
+          </a:fillRef>
+          <a:effectRef idx="0">
+            <a:schemeClr val="accent1"/>
+          </a:effectRef>
+          <a:fontRef idx="minor">
+            <a:schemeClr val="lt1"/>
+          </a:fontRef>
+        </p:style>
+        <p:txBody>
+          <a:bodyPr tIns="91440"/>
+          <a:lstStyle/>
+          <a:p>
+            <a:pPr algn="ctr" eaLnBrk="1" fontAlgn="auto" hangingPunct="1">
+              <a:spcBef>
+                <a:spcPts val="0"/>
+              </a:spcBef>
+              <a:spcAft>
+                <a:spcPts val="0"/>
+              </a:spcAft>
+              <a:defRPr/>
+            </a:pPr>
+            <a:endParaRPr lang="en-US" sz="1200" dirty="0">
+              <a:solidFill>
+                <a:srgbClr val="D86613"/>
+              </a:solidFill>
+              <a:latin typeface="Arial" panose="020B0604020202020204" pitchFamily="34" charset="0"/>
+              <a:cs typeface="Arial" panose="020B0604020202020204" pitchFamily="34" charset="0"/>
+            </a:endParaRPr>
+          </a:p>
+          <a:p>
+            <a:pPr algn="ctr" eaLnBrk="1" fontAlgn="auto" hangingPunct="1">
+              <a:spcBef>
+                <a:spcPts val="0"/>
+              </a:spcBef>
+              <a:spcAft>
+                <a:spcPts val="0"/>
+              </a:spcAft>
+              <a:defRPr/>
+            </a:pPr>
+            <a:endParaRPr lang="en-US" sz="1200" dirty="0">
+              <a:solidFill>
+                <a:srgbClr val="D86613"/>
+              </a:solidFill>
+              <a:latin typeface="Arial" panose="020B0604020202020204" pitchFamily="34" charset="0"/>
+              <a:cs typeface="Arial" panose="020B0604020202020204" pitchFamily="34" charset="0"/>
+            </a:endParaRPr>
+          </a:p>
+          <a:p>
+            <a:pPr algn="ctr" eaLnBrk="1" fontAlgn="auto" hangingPunct="1">
+              <a:spcBef>
+                <a:spcPts val="0"/>
+              </a:spcBef>
+              <a:spcAft>
+                <a:spcPts val="0"/>
+              </a:spcAft>
+              <a:defRPr/>
+            </a:pPr>
+            <a:r>
+              <a:rPr lang="en-US" sz="1200" dirty="0">
+                <a:solidFill>
+                  <a:srgbClr val="D86613"/>
+                </a:solidFill>
+                <a:latin typeface="Arial" panose="020B0604020202020204" pitchFamily="34" charset="0"/>
+                <a:cs typeface="Arial" panose="020B0604020202020204" pitchFamily="34" charset="0"/>
+              </a:rPr>
+              <a:t>Auto Scaling group</a:t>
+            </a:r>
+          </a:p>
+        </p:txBody>
+      </p:sp>
+      <p:pic>
+        <p:nvPicPr>
+          <p:cNvPr id="27" name="Graphic 26">
+            <a:extLst>
+              <a:ext uri="{FF2B5EF4-FFF2-40B4-BE49-F238E27FC236}">
+                <a16:creationId xmlns:a16="http://schemas.microsoft.com/office/drawing/2014/main" id="{11D10E49-1F57-CC41-9751-42D8C0FC2542}"/>
+              </a:ext>
+            </a:extLst>
+          </p:cNvPr>
+          <p:cNvPicPr>
+            <a:picLocks noChangeAspect="1"/>
+          </p:cNvPicPr>
+          <p:nvPr/>
+        </p:nvPicPr>
+        <p:blipFill>
+          <a:blip r:embed="rId3">
+            <a:extLst>
+              <a:ext uri="{96DAC541-7B7A-43D3-8B79-37D633B846F1}">
+                <asvg:svgBlip xmlns:asvg="http://schemas.microsoft.com/office/drawing/2016/SVG/main" r:embed="rId4"/>
+              </a:ext>
+            </a:extLst>
+          </a:blip>
+          <a:srcRect/>
+          <a:stretch/>
+        </p:blipFill>
+        <p:spPr>
+          <a:xfrm>
+            <a:off x="528431" y="1046687"/>
+            <a:ext cx="381000" cy="381000"/>
+          </a:xfrm>
+          <a:prstGeom prst="rect">
+            <a:avLst/>
+          </a:prstGeom>
+        </p:spPr>
+      </p:pic>
+      <p:pic>
+        <p:nvPicPr>
+          <p:cNvPr id="28" name="Graphic 27">
+            <a:extLst>
+              <a:ext uri="{FF2B5EF4-FFF2-40B4-BE49-F238E27FC236}">
+                <a16:creationId xmlns:a16="http://schemas.microsoft.com/office/drawing/2014/main" id="{4BCE0EE9-90B5-2445-9B83-FE7EEC3C8A62}"/>
+              </a:ext>
+            </a:extLst>
+          </p:cNvPr>
+          <p:cNvPicPr>
+            <a:picLocks noChangeAspect="1"/>
+          </p:cNvPicPr>
+          <p:nvPr/>
+        </p:nvPicPr>
+        <p:blipFill>
+          <a:blip r:embed="rId5">
+            <a:extLst>
+              <a:ext uri="{96DAC541-7B7A-43D3-8B79-37D633B846F1}">
+                <asvg:svgBlip xmlns:asvg="http://schemas.microsoft.com/office/drawing/2016/SVG/main" r:embed="rId6"/>
+              </a:ext>
+            </a:extLst>
+          </a:blip>
+          <a:stretch>
+            <a:fillRect/>
+          </a:stretch>
+        </p:blipFill>
+        <p:spPr>
+          <a:xfrm>
+            <a:off x="912002" y="2352881"/>
+            <a:ext cx="381000" cy="381000"/>
+          </a:xfrm>
+          <a:prstGeom prst="rect">
+            <a:avLst/>
+          </a:prstGeom>
+        </p:spPr>
+      </p:pic>
+      <p:pic>
+        <p:nvPicPr>
+          <p:cNvPr id="29" name="Graphic 28">
+            <a:extLst>
+              <a:ext uri="{FF2B5EF4-FFF2-40B4-BE49-F238E27FC236}">
+                <a16:creationId xmlns:a16="http://schemas.microsoft.com/office/drawing/2014/main" id="{A32C60DA-6286-1641-8411-A8B80488A73E}"/>
+              </a:ext>
+            </a:extLst>
+          </p:cNvPr>
+          <p:cNvPicPr>
+            <a:picLocks noChangeAspect="1"/>
+          </p:cNvPicPr>
+          <p:nvPr/>
+        </p:nvPicPr>
+        <p:blipFill>
+          <a:blip r:embed="rId7">
+            <a:extLst>
+              <a:ext uri="{96DAC541-7B7A-43D3-8B79-37D633B846F1}">
+                <asvg:svgBlip xmlns:asvg="http://schemas.microsoft.com/office/drawing/2016/SVG/main" r:embed="rId8"/>
+              </a:ext>
+            </a:extLst>
+          </a:blip>
+          <a:stretch>
+            <a:fillRect/>
+          </a:stretch>
+        </p:blipFill>
+        <p:spPr>
+          <a:xfrm>
+            <a:off x="5902876" y="2697320"/>
+            <a:ext cx="381000" cy="381000"/>
+          </a:xfrm>
+          <a:prstGeom prst="rect">
+            <a:avLst/>
+          </a:prstGeom>
+        </p:spPr>
+      </p:pic>
+      <p:pic>
+        <p:nvPicPr>
+          <p:cNvPr id="31" name="Graphic 17">
+            <a:extLst>
+              <a:ext uri="{FF2B5EF4-FFF2-40B4-BE49-F238E27FC236}">
+                <a16:creationId xmlns:a16="http://schemas.microsoft.com/office/drawing/2014/main" id="{C8AE9927-409B-884E-837F-9AB72DF9322D}"/>
+              </a:ext>
+            </a:extLst>
+          </p:cNvPr>
+          <p:cNvPicPr>
+            <a:picLocks noChangeAspect="1" noChangeArrowheads="1"/>
+          </p:cNvPicPr>
+          <p:nvPr/>
+        </p:nvPicPr>
+        <p:blipFill>
+          <a:blip r:embed="rId2">
+            <a:extLst>
+              <a:ext uri="{28A0092B-C50C-407E-A947-70E740481C1C}">
+                <a14:useLocalDpi xmlns:a14="http://schemas.microsoft.com/office/drawing/2010/main" val="0"/>
+              </a:ext>
+            </a:extLst>
+          </a:blip>
+          <a:srcRect/>
+          <a:stretch>
+            <a:fillRect/>
+          </a:stretch>
+        </p:blipFill>
+        <p:spPr bwMode="auto">
+          <a:xfrm>
+            <a:off x="5854937" y="1705226"/>
+            <a:ext cx="469900" cy="469900"/>
+          </a:xfrm>
+          <a:prstGeom prst="rect">
+            <a:avLst/>
+          </a:prstGeom>
+          <a:noFill/>
+          <a:ln>
+            <a:noFill/>
+          </a:ln>
+          <a:extLst>
+            <a:ext uri="{909E8E84-426E-40DD-AFC4-6F175D3DCCD1}">
+              <a14:hiddenFill xmlns:a14="http://schemas.microsoft.com/office/drawing/2010/main">
+                <a:solidFill>
+                  <a:srgbClr val="FFFFFF"/>
+                </a:solidFill>
+              </a14:hiddenFill>
+            </a:ext>
+            <a:ext uri="{91240B29-F687-4F45-9708-019B960494DF}">
+              <a14:hiddenLine xmlns:a14="http://schemas.microsoft.com/office/drawing/2010/main" w="9525">
+                <a:solidFill>
+                  <a:srgbClr val="000000"/>
+                </a:solidFill>
+                <a:miter lim="800000"/>
+                <a:headEnd/>
+                <a:tailEnd/>
+              </a14:hiddenLine>
+            </a:ext>
+          </a:extLst>
+        </p:spPr>
+      </p:pic>
+      <p:grpSp>
+        <p:nvGrpSpPr>
+          <p:cNvPr id="63" name="Group 62">
+            <a:extLst>
+              <a:ext uri="{FF2B5EF4-FFF2-40B4-BE49-F238E27FC236}">
+                <a16:creationId xmlns:a16="http://schemas.microsoft.com/office/drawing/2014/main" id="{7A888609-1B15-0B43-B244-18159CDA4DFC}"/>
+              </a:ext>
+            </a:extLst>
+          </p:cNvPr>
+          <p:cNvGrpSpPr/>
+          <p:nvPr/>
+        </p:nvGrpSpPr>
+        <p:grpSpPr>
+          <a:xfrm>
+            <a:off x="1270006" y="4348320"/>
+            <a:ext cx="4871245" cy="1376276"/>
+            <a:chOff x="1973386" y="4348320"/>
+            <a:chExt cx="4871245" cy="1376276"/>
+          </a:xfrm>
+        </p:grpSpPr>
+        <p:sp>
+          <p:nvSpPr>
+            <p:cNvPr id="34" name="Rectangle 33">
+              <a:extLst>
+                <a:ext uri="{FF2B5EF4-FFF2-40B4-BE49-F238E27FC236}">
+                  <a16:creationId xmlns:a16="http://schemas.microsoft.com/office/drawing/2014/main" id="{FFF835A2-34CA-8247-BE9B-0C9C4A4C0B66}"/>
+                </a:ext>
+              </a:extLst>
+            </p:cNvPr>
+            <p:cNvSpPr/>
+            <p:nvPr/>
+          </p:nvSpPr>
+          <p:spPr>
+            <a:xfrm>
+              <a:off x="1973386" y="4348320"/>
+              <a:ext cx="4422913" cy="1376276"/>
+            </a:xfrm>
+            <a:prstGeom prst="rect">
+              <a:avLst/>
+            </a:prstGeom>
+            <a:noFill/>
+            <a:ln w="12700">
+              <a:solidFill>
+                <a:srgbClr val="5A6B86"/>
+              </a:solidFill>
+              <a:prstDash val="dash"/>
+            </a:ln>
+          </p:spPr>
+          <p:style>
+            <a:lnRef idx="2">
+              <a:schemeClr val="accent1">
+                <a:shade val="50000"/>
+              </a:schemeClr>
+            </a:lnRef>
+            <a:fillRef idx="1">
+              <a:schemeClr val="accent1"/>
+            </a:fillRef>
+            <a:effectRef idx="0">
+              <a:schemeClr val="accent1"/>
+            </a:effectRef>
+            <a:fontRef idx="minor">
+              <a:schemeClr val="lt1"/>
+            </a:fontRef>
+          </p:style>
+          <p:txBody>
+            <a:bodyPr tIns="91440"/>
+            <a:lstStyle/>
+            <a:p>
+              <a:pPr algn="ctr" eaLnBrk="1" fontAlgn="auto" hangingPunct="1">
+                <a:spcBef>
+                  <a:spcPts val="0"/>
+                </a:spcBef>
+                <a:spcAft>
+                  <a:spcPts val="0"/>
+                </a:spcAft>
+                <a:defRPr/>
+              </a:pPr>
+              <a:r>
+                <a:rPr lang="en-US" sz="1200" dirty="0">
+                  <a:solidFill>
+                    <a:srgbClr val="5A6B86"/>
+                  </a:solidFill>
+                  <a:latin typeface="Arial" panose="020B0604020202020204" pitchFamily="34" charset="0"/>
+                  <a:cs typeface="Arial" panose="020B0604020202020204" pitchFamily="34" charset="0"/>
+                </a:rPr>
+                <a:t>Sources</a:t>
+              </a:r>
+            </a:p>
+          </p:txBody>
+        </p:sp>
+        <p:grpSp>
+          <p:nvGrpSpPr>
+            <p:cNvPr id="40" name="Group 39">
+              <a:extLst>
+                <a:ext uri="{FF2B5EF4-FFF2-40B4-BE49-F238E27FC236}">
+                  <a16:creationId xmlns:a16="http://schemas.microsoft.com/office/drawing/2014/main" id="{CE2E9154-BE20-DE46-98D9-04F379FE211E}"/>
+                </a:ext>
+              </a:extLst>
+            </p:cNvPr>
+            <p:cNvGrpSpPr/>
+            <p:nvPr/>
+          </p:nvGrpSpPr>
+          <p:grpSpPr>
+            <a:xfrm>
+              <a:off x="2171294" y="4627816"/>
+              <a:ext cx="952505" cy="921352"/>
+              <a:chOff x="1465018" y="4401122"/>
+              <a:chExt cx="952505" cy="921352"/>
+            </a:xfrm>
+          </p:grpSpPr>
+          <p:pic>
+            <p:nvPicPr>
+              <p:cNvPr id="33" name="Graphic 64">
+                <a:extLst>
+                  <a:ext uri="{FF2B5EF4-FFF2-40B4-BE49-F238E27FC236}">
+                    <a16:creationId xmlns:a16="http://schemas.microsoft.com/office/drawing/2014/main" id="{79BF47A4-08AE-8049-AC4D-E1D96A210A9F}"/>
+                  </a:ext>
+                </a:extLst>
+              </p:cNvPr>
+              <p:cNvPicPr>
+                <a:picLocks noChangeAspect="1" noChangeArrowheads="1"/>
+              </p:cNvPicPr>
+              <p:nvPr/>
+            </p:nvPicPr>
+            <p:blipFill>
+              <a:blip r:embed="rId9">
+                <a:extLst>
+                  <a:ext uri="{28A0092B-C50C-407E-A947-70E740481C1C}">
+                    <a14:useLocalDpi xmlns:a14="http://schemas.microsoft.com/office/drawing/2010/main" val="0"/>
+                  </a:ext>
+                </a:extLst>
+              </a:blip>
+              <a:srcRect/>
+              <a:stretch>
+                <a:fillRect/>
+              </a:stretch>
+            </p:blipFill>
+            <p:spPr bwMode="auto">
+              <a:xfrm>
+                <a:off x="1712671" y="4401122"/>
+                <a:ext cx="457200" cy="457200"/>
+              </a:xfrm>
+              <a:prstGeom prst="rect">
+                <a:avLst/>
+              </a:prstGeom>
+              <a:noFill/>
+              <a:ln>
+                <a:noFill/>
+              </a:ln>
+              <a:extLst>
+                <a:ext uri="{909E8E84-426E-40DD-AFC4-6F175D3DCCD1}">
+                  <a14:hiddenFill xmlns:a14="http://schemas.microsoft.com/office/drawing/2010/main">
+                    <a:solidFill>
+                      <a:srgbClr val="FFFFFF"/>
+                    </a:solidFill>
+                  </a14:hiddenFill>
+                </a:ext>
+                <a:ext uri="{91240B29-F687-4F45-9708-019B960494DF}">
+                  <a14:hiddenLine xmlns:a14="http://schemas.microsoft.com/office/drawing/2010/main" w="9525">
+                    <a:solidFill>
+                      <a:srgbClr val="000000"/>
+                    </a:solidFill>
+                    <a:miter lim="800000"/>
+                    <a:headEnd/>
+                    <a:tailEnd/>
+                  </a14:hiddenLine>
+                </a:ext>
+              </a:extLst>
+            </p:spPr>
+          </p:pic>
+          <p:sp>
+            <p:nvSpPr>
+              <p:cNvPr id="36" name="TextBox 35">
+                <a:extLst>
+                  <a:ext uri="{FF2B5EF4-FFF2-40B4-BE49-F238E27FC236}">
+                    <a16:creationId xmlns:a16="http://schemas.microsoft.com/office/drawing/2014/main" id="{38D8309E-22F4-C44F-81B4-86B0B2131B31}"/>
+                  </a:ext>
+                </a:extLst>
+              </p:cNvPr>
+              <p:cNvSpPr txBox="1"/>
+              <p:nvPr/>
+            </p:nvSpPr>
+            <p:spPr>
+              <a:xfrm>
+                <a:off x="1465018" y="4891587"/>
+                <a:ext cx="952505" cy="430887"/>
+              </a:xfrm>
+              <a:prstGeom prst="rect">
+                <a:avLst/>
+              </a:prstGeom>
+              <a:noFill/>
+            </p:spPr>
+            <p:txBody>
+              <a:bodyPr wrap="none" rtlCol="0">
+                <a:spAutoFit/>
+              </a:bodyPr>
+              <a:lstStyle/>
+              <a:p>
+                <a:pPr algn="ctr"/>
+                <a:r>
+                  <a:rPr lang="en-US" sz="1100" dirty="0"/>
+                  <a:t>Amazon S3 </a:t>
+                </a:r>
+              </a:p>
+              <a:p>
+                <a:pPr algn="ctr"/>
+                <a:r>
+                  <a:rPr lang="en-US" sz="1100" dirty="0"/>
+                  <a:t>Bucket</a:t>
+                </a:r>
+              </a:p>
+            </p:txBody>
+          </p:sp>
+        </p:grpSp>
+        <p:grpSp>
+          <p:nvGrpSpPr>
+            <p:cNvPr id="41" name="Group 40">
+              <a:extLst>
+                <a:ext uri="{FF2B5EF4-FFF2-40B4-BE49-F238E27FC236}">
+                  <a16:creationId xmlns:a16="http://schemas.microsoft.com/office/drawing/2014/main" id="{80BE00D8-31BB-1246-A495-25FF63F5091D}"/>
+                </a:ext>
+              </a:extLst>
+            </p:cNvPr>
+            <p:cNvGrpSpPr/>
+            <p:nvPr/>
+          </p:nvGrpSpPr>
+          <p:grpSpPr>
+            <a:xfrm>
+              <a:off x="3662859" y="4697042"/>
+              <a:ext cx="1039067" cy="752709"/>
+              <a:chOff x="2427626" y="4401122"/>
+              <a:chExt cx="1039067" cy="752709"/>
+            </a:xfrm>
+          </p:grpSpPr>
+          <p:pic>
+            <p:nvPicPr>
+              <p:cNvPr id="35" name="Graphic 26">
+                <a:extLst>
+                  <a:ext uri="{FF2B5EF4-FFF2-40B4-BE49-F238E27FC236}">
+                    <a16:creationId xmlns:a16="http://schemas.microsoft.com/office/drawing/2014/main" id="{5A28506D-F10F-E74A-9376-0E76D49C8959}"/>
+                  </a:ext>
+                </a:extLst>
+              </p:cNvPr>
+              <p:cNvPicPr>
+                <a:picLocks noChangeAspect="1" noChangeArrowheads="1"/>
+              </p:cNvPicPr>
+              <p:nvPr/>
+            </p:nvPicPr>
+            <p:blipFill>
+              <a:blip r:embed="rId10">
+                <a:extLst>
+                  <a:ext uri="{28A0092B-C50C-407E-A947-70E740481C1C}">
+                    <a14:useLocalDpi xmlns:a14="http://schemas.microsoft.com/office/drawing/2010/main" val="0"/>
+                  </a:ext>
+                </a:extLst>
+              </a:blip>
+              <a:srcRect/>
+              <a:stretch>
+                <a:fillRect/>
+              </a:stretch>
+            </p:blipFill>
+            <p:spPr bwMode="auto">
+              <a:xfrm>
+                <a:off x="2718559" y="4401122"/>
+                <a:ext cx="457200" cy="457200"/>
+              </a:xfrm>
+              <a:prstGeom prst="rect">
+                <a:avLst/>
+              </a:prstGeom>
+              <a:noFill/>
+              <a:ln>
+                <a:noFill/>
+              </a:ln>
+              <a:extLst>
+                <a:ext uri="{909E8E84-426E-40DD-AFC4-6F175D3DCCD1}">
+                  <a14:hiddenFill xmlns:a14="http://schemas.microsoft.com/office/drawing/2010/main">
+                    <a:solidFill>
+                      <a:srgbClr val="FFFFFF"/>
+                    </a:solidFill>
+                  </a14:hiddenFill>
+                </a:ext>
+                <a:ext uri="{91240B29-F687-4F45-9708-019B960494DF}">
+                  <a14:hiddenLine xmlns:a14="http://schemas.microsoft.com/office/drawing/2010/main" w="9525">
+                    <a:solidFill>
+                      <a:srgbClr val="000000"/>
+                    </a:solidFill>
+                    <a:miter lim="800000"/>
+                    <a:headEnd/>
+                    <a:tailEnd/>
+                  </a14:hiddenLine>
+                </a:ext>
+              </a:extLst>
+            </p:spPr>
+          </p:pic>
+          <p:sp>
+            <p:nvSpPr>
+              <p:cNvPr id="37" name="TextBox 36">
+                <a:extLst>
+                  <a:ext uri="{FF2B5EF4-FFF2-40B4-BE49-F238E27FC236}">
+                    <a16:creationId xmlns:a16="http://schemas.microsoft.com/office/drawing/2014/main" id="{C81B05E9-DAC9-D64C-8413-C9833BC8761A}"/>
+                  </a:ext>
+                </a:extLst>
+              </p:cNvPr>
+              <p:cNvSpPr txBox="1"/>
+              <p:nvPr/>
+            </p:nvSpPr>
+            <p:spPr>
+              <a:xfrm>
+                <a:off x="2427626" y="4892221"/>
+                <a:ext cx="1039067" cy="261610"/>
+              </a:xfrm>
+              <a:prstGeom prst="rect">
+                <a:avLst/>
+              </a:prstGeom>
+              <a:noFill/>
+            </p:spPr>
+            <p:txBody>
+              <a:bodyPr wrap="none" rtlCol="0">
+                <a:spAutoFit/>
+              </a:bodyPr>
+              <a:lstStyle/>
+              <a:p>
+                <a:pPr algn="ctr"/>
+                <a:r>
+                  <a:rPr lang="en-US" sz="1100" dirty="0"/>
+                  <a:t>Amazon SQS</a:t>
+                </a:r>
+              </a:p>
+            </p:txBody>
+          </p:sp>
+        </p:grpSp>
+        <p:grpSp>
+          <p:nvGrpSpPr>
+            <p:cNvPr id="42" name="Group 41">
+              <a:extLst>
+                <a:ext uri="{FF2B5EF4-FFF2-40B4-BE49-F238E27FC236}">
+                  <a16:creationId xmlns:a16="http://schemas.microsoft.com/office/drawing/2014/main" id="{0BD9EA3E-EA91-7E4F-BAFA-A0FCD90699D9}"/>
+                </a:ext>
+              </a:extLst>
+            </p:cNvPr>
+            <p:cNvGrpSpPr/>
+            <p:nvPr/>
+          </p:nvGrpSpPr>
+          <p:grpSpPr>
+            <a:xfrm>
+              <a:off x="4564981" y="4721790"/>
+              <a:ext cx="2279650" cy="727961"/>
+              <a:chOff x="2875556" y="4410481"/>
+              <a:chExt cx="2279650" cy="727961"/>
+            </a:xfrm>
+          </p:grpSpPr>
+          <p:pic>
+            <p:nvPicPr>
+              <p:cNvPr id="38" name="Graphic 24">
+                <a:extLst>
+                  <a:ext uri="{FF2B5EF4-FFF2-40B4-BE49-F238E27FC236}">
+                    <a16:creationId xmlns:a16="http://schemas.microsoft.com/office/drawing/2014/main" id="{1B70C626-1642-F143-AAE7-697AE9D78BAF}"/>
+                  </a:ext>
+                </a:extLst>
+              </p:cNvPr>
+              <p:cNvPicPr>
+                <a:picLocks noChangeAspect="1" noChangeArrowheads="1"/>
+              </p:cNvPicPr>
+              <p:nvPr/>
+            </p:nvPicPr>
+            <p:blipFill>
+              <a:blip r:embed="rId11">
+                <a:extLst>
+                  <a:ext uri="{28A0092B-C50C-407E-A947-70E740481C1C}">
+                    <a14:useLocalDpi xmlns:a14="http://schemas.microsoft.com/office/drawing/2010/main" val="0"/>
+                  </a:ext>
+                </a:extLst>
+              </a:blip>
+              <a:srcRect/>
+              <a:stretch>
+                <a:fillRect/>
+              </a:stretch>
+            </p:blipFill>
+            <p:spPr bwMode="auto">
+              <a:xfrm>
+                <a:off x="3788568" y="4410481"/>
+                <a:ext cx="457200" cy="457200"/>
+              </a:xfrm>
+              <a:prstGeom prst="rect">
+                <a:avLst/>
+              </a:prstGeom>
+              <a:noFill/>
+              <a:ln>
+                <a:noFill/>
+              </a:ln>
+              <a:extLst>
+                <a:ext uri="{909E8E84-426E-40DD-AFC4-6F175D3DCCD1}">
+                  <a14:hiddenFill xmlns:a14="http://schemas.microsoft.com/office/drawing/2010/main">
+                    <a:solidFill>
+                      <a:srgbClr val="FFFFFF"/>
+                    </a:solidFill>
+                  </a14:hiddenFill>
+                </a:ext>
+                <a:ext uri="{91240B29-F687-4F45-9708-019B960494DF}">
+                  <a14:hiddenLine xmlns:a14="http://schemas.microsoft.com/office/drawing/2010/main" w="9525">
+                    <a:solidFill>
+                      <a:srgbClr val="000000"/>
+                    </a:solidFill>
+                    <a:miter lim="800000"/>
+                    <a:headEnd/>
+                    <a:tailEnd/>
+                  </a14:hiddenLine>
+                </a:ext>
+              </a:extLst>
+            </p:spPr>
+          </p:pic>
+          <p:sp>
+            <p:nvSpPr>
+              <p:cNvPr id="39" name="TextBox 19">
+                <a:extLst>
+                  <a:ext uri="{FF2B5EF4-FFF2-40B4-BE49-F238E27FC236}">
+                    <a16:creationId xmlns:a16="http://schemas.microsoft.com/office/drawing/2014/main" id="{BC5DDDBB-A218-6A45-849A-CCFB91E061E5}"/>
+                  </a:ext>
+                </a:extLst>
+              </p:cNvPr>
+              <p:cNvSpPr txBox="1">
+                <a:spLocks noChangeArrowheads="1"/>
+              </p:cNvSpPr>
+              <p:nvPr/>
+            </p:nvSpPr>
+            <p:spPr bwMode="auto">
+              <a:xfrm>
+                <a:off x="2875556" y="4876832"/>
+                <a:ext cx="2279650" cy="261610"/>
+              </a:xfrm>
+              <a:prstGeom prst="rect">
+                <a:avLst/>
+              </a:prstGeom>
+              <a:noFill/>
+              <a:ln>
+                <a:noFill/>
+              </a:ln>
+              <a:extLst>
+                <a:ext uri="{909E8E84-426E-40DD-AFC4-6F175D3DCCD1}">
+                  <a14:hiddenFill xmlns:a14="http://schemas.microsoft.com/office/drawing/2010/main">
+                    <a:solidFill>
+                      <a:srgbClr val="FFFFFF"/>
+                    </a:solidFill>
+                  </a14:hiddenFill>
+                </a:ext>
+                <a:ext uri="{91240B29-F687-4F45-9708-019B960494DF}">
+                  <a14:hiddenLine xmlns:a14="http://schemas.microsoft.com/office/drawing/2010/main" w="9525">
+                    <a:solidFill>
+                      <a:srgbClr val="000000"/>
+                    </a:solidFill>
+                    <a:miter lim="800000"/>
+                    <a:headEnd/>
+                    <a:tailEnd/>
+                  </a14:hiddenLine>
+                </a:ext>
+              </a:extLst>
+            </p:spPr>
+            <p:txBody>
+              <a:bodyPr>
+                <a:spAutoFit/>
+              </a:bodyPr>
+              <a:lstStyle>
+                <a:lvl1pPr>
+                  <a:defRPr>
+                    <a:solidFill>
+                      <a:schemeClr val="tx1"/>
+                    </a:solidFill>
+                    <a:latin typeface="Calibri" panose="020F0502020204030204" pitchFamily="34" charset="0"/>
+                  </a:defRPr>
+                </a:lvl1pPr>
+                <a:lvl2pPr marL="742950" indent="-285750">
+                  <a:defRPr>
+                    <a:solidFill>
+                      <a:schemeClr val="tx1"/>
+                    </a:solidFill>
+                    <a:latin typeface="Calibri" panose="020F0502020204030204" pitchFamily="34" charset="0"/>
+                  </a:defRPr>
+                </a:lvl2pPr>
+                <a:lvl3pPr marL="1143000" indent="-228600">
+                  <a:defRPr>
+                    <a:solidFill>
+                      <a:schemeClr val="tx1"/>
+                    </a:solidFill>
+                    <a:latin typeface="Calibri" panose="020F0502020204030204" pitchFamily="34" charset="0"/>
+                  </a:defRPr>
+                </a:lvl3pPr>
+                <a:lvl4pPr marL="1600200" indent="-228600">
+                  <a:defRPr>
+                    <a:solidFill>
+                      <a:schemeClr val="tx1"/>
+                    </a:solidFill>
+                    <a:latin typeface="Calibri" panose="020F0502020204030204" pitchFamily="34" charset="0"/>
+                  </a:defRPr>
+                </a:lvl4pPr>
+                <a:lvl5pPr marL="2057400" indent="-228600">
+                  <a:defRPr>
+                    <a:solidFill>
+                      <a:schemeClr val="tx1"/>
+                    </a:solidFill>
+                    <a:latin typeface="Calibri" panose="020F0502020204030204" pitchFamily="34" charset="0"/>
+                  </a:defRPr>
+                </a:lvl5pPr>
+                <a:lvl6pPr marL="2514600" indent="-228600" eaLnBrk="0" fontAlgn="base" hangingPunct="0">
+                  <a:spcBef>
+                    <a:spcPct val="0"/>
+                  </a:spcBef>
+                  <a:spcAft>
+                    <a:spcPct val="0"/>
+                  </a:spcAft>
+                  <a:defRPr>
+                    <a:solidFill>
+                      <a:schemeClr val="tx1"/>
+                    </a:solidFill>
+                    <a:latin typeface="Calibri" panose="020F0502020204030204" pitchFamily="34" charset="0"/>
+                  </a:defRPr>
+                </a:lvl6pPr>
+                <a:lvl7pPr marL="2971800" indent="-228600" eaLnBrk="0" fontAlgn="base" hangingPunct="0">
+                  <a:spcBef>
+                    <a:spcPct val="0"/>
+                  </a:spcBef>
+                  <a:spcAft>
+                    <a:spcPct val="0"/>
+                  </a:spcAft>
+                  <a:defRPr>
+                    <a:solidFill>
+                      <a:schemeClr val="tx1"/>
+                    </a:solidFill>
+                    <a:latin typeface="Calibri" panose="020F0502020204030204" pitchFamily="34" charset="0"/>
+                  </a:defRPr>
+                </a:lvl7pPr>
+                <a:lvl8pPr marL="3429000" indent="-228600" eaLnBrk="0" fontAlgn="base" hangingPunct="0">
+                  <a:spcBef>
+                    <a:spcPct val="0"/>
+                  </a:spcBef>
+                  <a:spcAft>
+                    <a:spcPct val="0"/>
+                  </a:spcAft>
+                  <a:defRPr>
+                    <a:solidFill>
+                      <a:schemeClr val="tx1"/>
+                    </a:solidFill>
+                    <a:latin typeface="Calibri" panose="020F0502020204030204" pitchFamily="34" charset="0"/>
+                  </a:defRPr>
+                </a:lvl8pPr>
+                <a:lvl9pPr marL="3886200" indent="-228600" eaLnBrk="0" fontAlgn="base" hangingPunct="0">
+                  <a:spcBef>
+                    <a:spcPct val="0"/>
+                  </a:spcBef>
+                  <a:spcAft>
+                    <a:spcPct val="0"/>
+                  </a:spcAft>
+                  <a:defRPr>
+                    <a:solidFill>
+                      <a:schemeClr val="tx1"/>
+                    </a:solidFill>
+                    <a:latin typeface="Calibri" panose="020F0502020204030204" pitchFamily="34" charset="0"/>
+                  </a:defRPr>
+                </a:lvl9pPr>
+              </a:lstStyle>
+              <a:p>
+                <a:pPr algn="ctr" eaLnBrk="1" hangingPunct="1"/>
+                <a:r>
+                  <a:rPr lang="en-US" altLang="en-US" sz="1100" dirty="0">
+                    <a:latin typeface="Arial" panose="020B0604020202020204" pitchFamily="34" charset="0"/>
+                    <a:ea typeface="Amazon Ember" panose="020B0603020204020204" pitchFamily="34" charset="0"/>
+                    <a:cs typeface="Arial" panose="020B0604020202020204" pitchFamily="34" charset="0"/>
+                  </a:rPr>
+                  <a:t>Amazon Kinesis</a:t>
+                </a:r>
+              </a:p>
+            </p:txBody>
+          </p:sp>
+        </p:grpSp>
+      </p:grpSp>
+      <p:sp>
+        <p:nvSpPr>
+          <p:cNvPr id="43" name="Rectangle 42">
+            <a:extLst>
+              <a:ext uri="{FF2B5EF4-FFF2-40B4-BE49-F238E27FC236}">
+                <a16:creationId xmlns:a16="http://schemas.microsoft.com/office/drawing/2014/main" id="{7BDD466C-4694-FA4C-9C0A-F5F723F0D86B}"/>
+              </a:ext>
+            </a:extLst>
+          </p:cNvPr>
+          <p:cNvSpPr/>
+          <p:nvPr/>
+        </p:nvSpPr>
+        <p:spPr>
+          <a:xfrm>
+            <a:off x="6499083" y="4359101"/>
+            <a:ext cx="4422913" cy="1376276"/>
+          </a:xfrm>
+          <a:prstGeom prst="rect">
+            <a:avLst/>
+          </a:prstGeom>
+          <a:noFill/>
+          <a:ln w="12700">
+            <a:solidFill>
+              <a:srgbClr val="5A6B86"/>
+            </a:solidFill>
+            <a:prstDash val="dash"/>
+          </a:ln>
+        </p:spPr>
+        <p:style>
+          <a:lnRef idx="2">
+            <a:schemeClr val="accent1">
+              <a:shade val="50000"/>
+            </a:schemeClr>
+          </a:lnRef>
+          <a:fillRef idx="1">
+            <a:schemeClr val="accent1"/>
+          </a:fillRef>
+          <a:effectRef idx="0">
+            <a:schemeClr val="accent1"/>
+          </a:effectRef>
+          <a:fontRef idx="minor">
+            <a:schemeClr val="lt1"/>
+          </a:fontRef>
+        </p:style>
+        <p:txBody>
+          <a:bodyPr tIns="91440"/>
+          <a:lstStyle/>
+          <a:p>
+            <a:pPr algn="ctr" eaLnBrk="1" fontAlgn="auto" hangingPunct="1">
+              <a:spcBef>
+                <a:spcPts val="0"/>
+              </a:spcBef>
+              <a:spcAft>
+                <a:spcPts val="0"/>
+              </a:spcAft>
+              <a:defRPr/>
+            </a:pPr>
+            <a:r>
+              <a:rPr lang="en-US" sz="1200" dirty="0">
+                <a:solidFill>
+                  <a:srgbClr val="5A6B86"/>
+                </a:solidFill>
+                <a:latin typeface="Arial" panose="020B0604020202020204" pitchFamily="34" charset="0"/>
+                <a:cs typeface="Arial" panose="020B0604020202020204" pitchFamily="34" charset="0"/>
+              </a:rPr>
+              <a:t>Destinations</a:t>
+            </a:r>
+          </a:p>
+        </p:txBody>
+      </p:sp>
+      <p:grpSp>
+        <p:nvGrpSpPr>
+          <p:cNvPr id="44" name="Group 43">
+            <a:extLst>
+              <a:ext uri="{FF2B5EF4-FFF2-40B4-BE49-F238E27FC236}">
+                <a16:creationId xmlns:a16="http://schemas.microsoft.com/office/drawing/2014/main" id="{1810373F-F5A7-3345-9EF5-C5FA70043564}"/>
+              </a:ext>
+            </a:extLst>
+          </p:cNvPr>
+          <p:cNvGrpSpPr/>
+          <p:nvPr/>
+        </p:nvGrpSpPr>
+        <p:grpSpPr>
+          <a:xfrm>
+            <a:off x="6684177" y="4595709"/>
+            <a:ext cx="952505" cy="921352"/>
+            <a:chOff x="1465018" y="4401122"/>
+            <a:chExt cx="952505" cy="921352"/>
+          </a:xfrm>
+        </p:grpSpPr>
+        <p:pic>
+          <p:nvPicPr>
+            <p:cNvPr id="45" name="Graphic 64">
+              <a:extLst>
+                <a:ext uri="{FF2B5EF4-FFF2-40B4-BE49-F238E27FC236}">
+                  <a16:creationId xmlns:a16="http://schemas.microsoft.com/office/drawing/2014/main" id="{B5A4F5C7-18BE-584C-8B14-9029107DF3FD}"/>
+                </a:ext>
+              </a:extLst>
+            </p:cNvPr>
+            <p:cNvPicPr>
+              <a:picLocks noChangeAspect="1" noChangeArrowheads="1"/>
+            </p:cNvPicPr>
+            <p:nvPr/>
+          </p:nvPicPr>
+          <p:blipFill>
+            <a:blip r:embed="rId9">
+              <a:extLst>
+                <a:ext uri="{28A0092B-C50C-407E-A947-70E740481C1C}">
+                  <a14:useLocalDpi xmlns:a14="http://schemas.microsoft.com/office/drawing/2010/main" val="0"/>
+                </a:ext>
+              </a:extLst>
+            </a:blip>
+            <a:srcRect/>
+            <a:stretch>
+              <a:fillRect/>
+            </a:stretch>
+          </p:blipFill>
+          <p:spPr bwMode="auto">
+            <a:xfrm>
+              <a:off x="1712671" y="4401122"/>
+              <a:ext cx="457200" cy="457200"/>
+            </a:xfrm>
+            <a:prstGeom prst="rect">
+              <a:avLst/>
+            </a:prstGeom>
+            <a:noFill/>
+            <a:ln>
+              <a:noFill/>
+            </a:ln>
+            <a:extLst>
+              <a:ext uri="{909E8E84-426E-40DD-AFC4-6F175D3DCCD1}">
+                <a14:hiddenFill xmlns:a14="http://schemas.microsoft.com/office/drawing/2010/main">
+                  <a:solidFill>
+                    <a:srgbClr val="FFFFFF"/>
+                  </a:solidFill>
+                </a14:hiddenFill>
+              </a:ext>
+              <a:ext uri="{91240B29-F687-4F45-9708-019B960494DF}">
+                <a14:hiddenLine xmlns:a14="http://schemas.microsoft.com/office/drawing/2010/main" w="9525">
+                  <a:solidFill>
+                    <a:srgbClr val="000000"/>
+                  </a:solidFill>
+                  <a:miter lim="800000"/>
+                  <a:headEnd/>
+                  <a:tailEnd/>
+                </a14:hiddenLine>
+              </a:ext>
+            </a:extLst>
+          </p:spPr>
+        </p:pic>
+        <p:sp>
+          <p:nvSpPr>
+            <p:cNvPr id="46" name="TextBox 45">
+              <a:extLst>
+                <a:ext uri="{FF2B5EF4-FFF2-40B4-BE49-F238E27FC236}">
+                  <a16:creationId xmlns:a16="http://schemas.microsoft.com/office/drawing/2014/main" id="{920A764F-5BCF-5440-97BC-FF3A7CF43717}"/>
+                </a:ext>
+              </a:extLst>
+            </p:cNvPr>
+            <p:cNvSpPr txBox="1"/>
+            <p:nvPr/>
+          </p:nvSpPr>
+          <p:spPr>
+            <a:xfrm>
+              <a:off x="1465018" y="4891587"/>
+              <a:ext cx="952505" cy="430887"/>
+            </a:xfrm>
+            <a:prstGeom prst="rect">
+              <a:avLst/>
+            </a:prstGeom>
+            <a:noFill/>
+          </p:spPr>
+          <p:txBody>
+            <a:bodyPr wrap="none" rtlCol="0">
+              <a:spAutoFit/>
+            </a:bodyPr>
+            <a:lstStyle/>
+            <a:p>
+              <a:pPr algn="ctr"/>
+              <a:r>
+                <a:rPr lang="en-US" sz="1100" dirty="0"/>
+                <a:t>Amazon S3 </a:t>
+              </a:r>
+            </a:p>
+            <a:p>
+              <a:pPr algn="ctr"/>
+              <a:r>
+                <a:rPr lang="en-US" sz="1100" dirty="0"/>
+                <a:t>Bucket</a:t>
+              </a:r>
+            </a:p>
+          </p:txBody>
+        </p:sp>
+      </p:grpSp>
+      <p:grpSp>
+        <p:nvGrpSpPr>
+          <p:cNvPr id="49" name="Group 48">
+            <a:extLst>
+              <a:ext uri="{FF2B5EF4-FFF2-40B4-BE49-F238E27FC236}">
+                <a16:creationId xmlns:a16="http://schemas.microsoft.com/office/drawing/2014/main" id="{06A754C5-F069-CD49-8CDB-1ACE3AA6D905}"/>
+              </a:ext>
+            </a:extLst>
+          </p:cNvPr>
+          <p:cNvGrpSpPr/>
+          <p:nvPr/>
+        </p:nvGrpSpPr>
+        <p:grpSpPr>
+          <a:xfrm>
+            <a:off x="8154623" y="4639400"/>
+            <a:ext cx="1166881" cy="768023"/>
+            <a:chOff x="7583612" y="4627816"/>
+            <a:chExt cx="1166881" cy="768023"/>
+          </a:xfrm>
+        </p:grpSpPr>
+        <p:sp>
+          <p:nvSpPr>
+            <p:cNvPr id="47" name="TextBox 18">
+              <a:extLst>
+                <a:ext uri="{FF2B5EF4-FFF2-40B4-BE49-F238E27FC236}">
+                  <a16:creationId xmlns:a16="http://schemas.microsoft.com/office/drawing/2014/main" id="{A216F64F-B038-1045-8805-12B78C1D11F9}"/>
+                </a:ext>
+              </a:extLst>
+            </p:cNvPr>
+            <p:cNvSpPr txBox="1">
+              <a:spLocks noChangeArrowheads="1"/>
+            </p:cNvSpPr>
+            <p:nvPr/>
+          </p:nvSpPr>
+          <p:spPr bwMode="auto">
+            <a:xfrm>
+              <a:off x="7583612" y="5134229"/>
+              <a:ext cx="1166881" cy="261610"/>
+            </a:xfrm>
+            <a:prstGeom prst="rect">
+              <a:avLst/>
+            </a:prstGeom>
+            <a:noFill/>
+            <a:ln>
+              <a:noFill/>
+            </a:ln>
+            <a:extLst>
+              <a:ext uri="{909E8E84-426E-40DD-AFC4-6F175D3DCCD1}">
+                <a14:hiddenFill xmlns:a14="http://schemas.microsoft.com/office/drawing/2010/main">
+                  <a:solidFill>
+                    <a:srgbClr val="FFFFFF"/>
+                  </a:solidFill>
+                </a14:hiddenFill>
+              </a:ext>
+              <a:ext uri="{91240B29-F687-4F45-9708-019B960494DF}">
+                <a14:hiddenLine xmlns:a14="http://schemas.microsoft.com/office/drawing/2010/main" w="9525">
+                  <a:solidFill>
+                    <a:srgbClr val="000000"/>
+                  </a:solidFill>
+                  <a:miter lim="800000"/>
+                  <a:headEnd/>
+                  <a:tailEnd/>
+                </a14:hiddenLine>
+              </a:ext>
+            </a:extLst>
+          </p:spPr>
+          <p:txBody>
+            <a:bodyPr wrap="square">
+              <a:spAutoFit/>
+            </a:bodyPr>
+            <a:lstStyle>
+              <a:lvl1pPr>
+                <a:defRPr>
+                  <a:solidFill>
+                    <a:schemeClr val="tx1"/>
+                  </a:solidFill>
+                  <a:latin typeface="Calibri" panose="020F0502020204030204" pitchFamily="34" charset="0"/>
+                </a:defRPr>
+              </a:lvl1pPr>
+              <a:lvl2pPr marL="742950" indent="-285750">
+                <a:defRPr>
+                  <a:solidFill>
+                    <a:schemeClr val="tx1"/>
+                  </a:solidFill>
+                  <a:latin typeface="Calibri" panose="020F0502020204030204" pitchFamily="34" charset="0"/>
+                </a:defRPr>
+              </a:lvl2pPr>
+              <a:lvl3pPr marL="1143000" indent="-228600">
+                <a:defRPr>
+                  <a:solidFill>
+                    <a:schemeClr val="tx1"/>
+                  </a:solidFill>
+                  <a:latin typeface="Calibri" panose="020F0502020204030204" pitchFamily="34" charset="0"/>
+                </a:defRPr>
+              </a:lvl3pPr>
+              <a:lvl4pPr marL="1600200" indent="-228600">
+                <a:defRPr>
+                  <a:solidFill>
+                    <a:schemeClr val="tx1"/>
+                  </a:solidFill>
+                  <a:latin typeface="Calibri" panose="020F0502020204030204" pitchFamily="34" charset="0"/>
+                </a:defRPr>
+              </a:lvl4pPr>
+              <a:lvl5pPr marL="2057400" indent="-228600">
+                <a:defRPr>
+                  <a:solidFill>
+                    <a:schemeClr val="tx1"/>
+                  </a:solidFill>
+                  <a:latin typeface="Calibri" panose="020F0502020204030204" pitchFamily="34" charset="0"/>
+                </a:defRPr>
+              </a:lvl5pPr>
+              <a:lvl6pPr marL="2514600" indent="-228600" eaLnBrk="0" fontAlgn="base" hangingPunct="0">
+                <a:spcBef>
+                  <a:spcPct val="0"/>
+                </a:spcBef>
+                <a:spcAft>
+                  <a:spcPct val="0"/>
+                </a:spcAft>
+                <a:defRPr>
+                  <a:solidFill>
+                    <a:schemeClr val="tx1"/>
+                  </a:solidFill>
+                  <a:latin typeface="Calibri" panose="020F0502020204030204" pitchFamily="34" charset="0"/>
+                </a:defRPr>
+              </a:lvl6pPr>
+              <a:lvl7pPr marL="2971800" indent="-228600" eaLnBrk="0" fontAlgn="base" hangingPunct="0">
+                <a:spcBef>
+                  <a:spcPct val="0"/>
+                </a:spcBef>
+                <a:spcAft>
+                  <a:spcPct val="0"/>
+                </a:spcAft>
+                <a:defRPr>
+                  <a:solidFill>
+                    <a:schemeClr val="tx1"/>
+                  </a:solidFill>
+                  <a:latin typeface="Calibri" panose="020F0502020204030204" pitchFamily="34" charset="0"/>
+                </a:defRPr>
+              </a:lvl7pPr>
+              <a:lvl8pPr marL="3429000" indent="-228600" eaLnBrk="0" fontAlgn="base" hangingPunct="0">
+                <a:spcBef>
+                  <a:spcPct val="0"/>
+                </a:spcBef>
+                <a:spcAft>
+                  <a:spcPct val="0"/>
+                </a:spcAft>
+                <a:defRPr>
+                  <a:solidFill>
+                    <a:schemeClr val="tx1"/>
+                  </a:solidFill>
+                  <a:latin typeface="Calibri" panose="020F0502020204030204" pitchFamily="34" charset="0"/>
+                </a:defRPr>
+              </a:lvl8pPr>
+              <a:lvl9pPr marL="3886200" indent="-228600" eaLnBrk="0" fontAlgn="base" hangingPunct="0">
+                <a:spcBef>
+                  <a:spcPct val="0"/>
+                </a:spcBef>
+                <a:spcAft>
+                  <a:spcPct val="0"/>
+                </a:spcAft>
+                <a:defRPr>
+                  <a:solidFill>
+                    <a:schemeClr val="tx1"/>
+                  </a:solidFill>
+                  <a:latin typeface="Calibri" panose="020F0502020204030204" pitchFamily="34" charset="0"/>
+                </a:defRPr>
+              </a:lvl9pPr>
+            </a:lstStyle>
+            <a:p>
+              <a:pPr algn="ctr" eaLnBrk="1" hangingPunct="1"/>
+              <a:r>
+                <a:rPr lang="en-US" altLang="en-US" sz="1100" dirty="0">
+                  <a:latin typeface="Arial" panose="020B0604020202020204" pitchFamily="34" charset="0"/>
+                  <a:ea typeface="Amazon Ember" panose="020B0603020204020204" pitchFamily="34" charset="0"/>
+                  <a:cs typeface="Arial" panose="020B0604020202020204" pitchFamily="34" charset="0"/>
+                </a:rPr>
+                <a:t>Data lake</a:t>
+              </a:r>
+            </a:p>
+          </p:txBody>
+        </p:sp>
+        <p:pic>
+          <p:nvPicPr>
+            <p:cNvPr id="48" name="Graphic 6">
+              <a:extLst>
+                <a:ext uri="{FF2B5EF4-FFF2-40B4-BE49-F238E27FC236}">
+                  <a16:creationId xmlns:a16="http://schemas.microsoft.com/office/drawing/2014/main" id="{61B0744B-5EB7-9748-9351-98175152A582}"/>
+                </a:ext>
+              </a:extLst>
+            </p:cNvPr>
+            <p:cNvPicPr>
+              <a:picLocks noChangeAspect="1" noChangeArrowheads="1"/>
+            </p:cNvPicPr>
+            <p:nvPr/>
+          </p:nvPicPr>
+          <p:blipFill>
+            <a:blip r:embed="rId12">
+              <a:extLst>
+                <a:ext uri="{28A0092B-C50C-407E-A947-70E740481C1C}">
+                  <a14:useLocalDpi xmlns:a14="http://schemas.microsoft.com/office/drawing/2010/main" val="0"/>
+                </a:ext>
+              </a:extLst>
+            </a:blip>
+            <a:srcRect/>
+            <a:stretch>
+              <a:fillRect/>
+            </a:stretch>
+          </p:blipFill>
+          <p:spPr bwMode="auto">
+            <a:xfrm>
+              <a:off x="7966999" y="4627816"/>
+              <a:ext cx="457200" cy="457200"/>
+            </a:xfrm>
+            <a:prstGeom prst="rect">
+              <a:avLst/>
+            </a:prstGeom>
+            <a:noFill/>
+            <a:ln>
+              <a:noFill/>
+            </a:ln>
+            <a:extLst>
+              <a:ext uri="{909E8E84-426E-40DD-AFC4-6F175D3DCCD1}">
+                <a14:hiddenFill xmlns:a14="http://schemas.microsoft.com/office/drawing/2010/main">
+                  <a:solidFill>
+                    <a:srgbClr val="FFFFFF"/>
+                  </a:solidFill>
+                </a14:hiddenFill>
+              </a:ext>
+              <a:ext uri="{91240B29-F687-4F45-9708-019B960494DF}">
+                <a14:hiddenLine xmlns:a14="http://schemas.microsoft.com/office/drawing/2010/main" w="9525">
+                  <a:solidFill>
+                    <a:srgbClr val="000000"/>
+                  </a:solidFill>
+                  <a:miter lim="800000"/>
+                  <a:headEnd/>
+                  <a:tailEnd/>
+                </a14:hiddenLine>
+              </a:ext>
+            </a:extLst>
+          </p:spPr>
+        </p:pic>
+      </p:grpSp>
+      <p:grpSp>
+        <p:nvGrpSpPr>
+          <p:cNvPr id="52" name="Group 51">
+            <a:extLst>
+              <a:ext uri="{FF2B5EF4-FFF2-40B4-BE49-F238E27FC236}">
+                <a16:creationId xmlns:a16="http://schemas.microsoft.com/office/drawing/2014/main" id="{4EFB91F2-84CD-2748-BDE5-B99775AB5EEF}"/>
+              </a:ext>
+            </a:extLst>
+          </p:cNvPr>
+          <p:cNvGrpSpPr/>
+          <p:nvPr/>
+        </p:nvGrpSpPr>
+        <p:grpSpPr>
+          <a:xfrm>
+            <a:off x="9541194" y="4640932"/>
+            <a:ext cx="1300356" cy="750626"/>
+            <a:chOff x="8974814" y="4645213"/>
+            <a:chExt cx="1300356" cy="750626"/>
+          </a:xfrm>
+        </p:grpSpPr>
+        <p:pic>
+          <p:nvPicPr>
+            <p:cNvPr id="50" name="Graphic 18">
+              <a:extLst>
+                <a:ext uri="{FF2B5EF4-FFF2-40B4-BE49-F238E27FC236}">
+                  <a16:creationId xmlns:a16="http://schemas.microsoft.com/office/drawing/2014/main" id="{3FEC52B3-0F66-7A46-B6C9-7528B626ED7B}"/>
+                </a:ext>
+              </a:extLst>
+            </p:cNvPr>
+            <p:cNvPicPr>
+              <a:picLocks noChangeAspect="1" noChangeArrowheads="1"/>
+            </p:cNvPicPr>
+            <p:nvPr/>
+          </p:nvPicPr>
+          <p:blipFill>
+            <a:blip r:embed="rId13">
+              <a:extLst>
+                <a:ext uri="{28A0092B-C50C-407E-A947-70E740481C1C}">
+                  <a14:useLocalDpi xmlns:a14="http://schemas.microsoft.com/office/drawing/2010/main" val="0"/>
+                </a:ext>
+              </a:extLst>
+            </a:blip>
+            <a:srcRect/>
+            <a:stretch>
+              <a:fillRect/>
+            </a:stretch>
+          </p:blipFill>
+          <p:spPr bwMode="auto">
+            <a:xfrm>
+              <a:off x="9310080" y="4645213"/>
+              <a:ext cx="491239" cy="491239"/>
+            </a:xfrm>
+            <a:prstGeom prst="rect">
+              <a:avLst/>
+            </a:prstGeom>
+            <a:noFill/>
+            <a:ln>
+              <a:noFill/>
+            </a:ln>
+            <a:extLst>
+              <a:ext uri="{909E8E84-426E-40DD-AFC4-6F175D3DCCD1}">
+                <a14:hiddenFill xmlns:a14="http://schemas.microsoft.com/office/drawing/2010/main">
+                  <a:solidFill>
+                    <a:srgbClr val="FFFFFF"/>
+                  </a:solidFill>
+                </a14:hiddenFill>
+              </a:ext>
+              <a:ext uri="{91240B29-F687-4F45-9708-019B960494DF}">
+                <a14:hiddenLine xmlns:a14="http://schemas.microsoft.com/office/drawing/2010/main" w="9525">
+                  <a:solidFill>
+                    <a:srgbClr val="000000"/>
+                  </a:solidFill>
+                  <a:miter lim="800000"/>
+                  <a:headEnd/>
+                  <a:tailEnd/>
+                </a14:hiddenLine>
+              </a:ext>
+            </a:extLst>
+          </p:spPr>
+        </p:pic>
+        <p:sp>
+          <p:nvSpPr>
+            <p:cNvPr id="51" name="TextBox 50">
+              <a:extLst>
+                <a:ext uri="{FF2B5EF4-FFF2-40B4-BE49-F238E27FC236}">
+                  <a16:creationId xmlns:a16="http://schemas.microsoft.com/office/drawing/2014/main" id="{83BEEBC0-5F73-D641-9B8C-4803DB66AAE7}"/>
+                </a:ext>
+              </a:extLst>
+            </p:cNvPr>
+            <p:cNvSpPr txBox="1"/>
+            <p:nvPr/>
+          </p:nvSpPr>
+          <p:spPr>
+            <a:xfrm>
+              <a:off x="8974814" y="5134229"/>
+              <a:ext cx="1300356" cy="261610"/>
+            </a:xfrm>
+            <a:prstGeom prst="rect">
+              <a:avLst/>
+            </a:prstGeom>
+            <a:noFill/>
+          </p:spPr>
+          <p:txBody>
+            <a:bodyPr wrap="none" rtlCol="0">
+              <a:spAutoFit/>
+            </a:bodyPr>
+            <a:lstStyle/>
+            <a:p>
+              <a:r>
+                <a:rPr lang="en-US" sz="1100" dirty="0"/>
+                <a:t>Analytics Solution</a:t>
+              </a:r>
+            </a:p>
+          </p:txBody>
+        </p:sp>
+      </p:grpSp>
+      <p:cxnSp>
+        <p:nvCxnSpPr>
+          <p:cNvPr id="56" name="Elbow Connector 55">
+            <a:extLst>
+              <a:ext uri="{FF2B5EF4-FFF2-40B4-BE49-F238E27FC236}">
+                <a16:creationId xmlns:a16="http://schemas.microsoft.com/office/drawing/2014/main" id="{AA1905B4-54AC-9141-B940-3CFD850152D8}"/>
+              </a:ext>
+            </a:extLst>
+          </p:cNvPr>
+          <p:cNvCxnSpPr>
+            <a:stCxn id="34" idx="1"/>
+            <a:endCxn id="9" idx="1"/>
+          </p:cNvCxnSpPr>
+          <p:nvPr/>
+        </p:nvCxnSpPr>
+        <p:spPr>
+          <a:xfrm rot="10800000" flipH="1">
+            <a:off x="1270006" y="3105980"/>
+            <a:ext cx="1680120" cy="1930479"/>
+          </a:xfrm>
+          <a:prstGeom prst="bentConnector3">
+            <a:avLst>
+              <a:gd name="adj1" fmla="val -13606"/>
+            </a:avLst>
+          </a:prstGeom>
+          <a:ln>
+            <a:headEnd type="none"/>
+            <a:tailEnd type="arrow"/>
+          </a:ln>
+        </p:spPr>
+        <p:style>
+          <a:lnRef idx="1">
+            <a:schemeClr val="dk1"/>
+          </a:lnRef>
+          <a:fillRef idx="0">
+            <a:schemeClr val="dk1"/>
+          </a:fillRef>
+          <a:effectRef idx="0">
+            <a:schemeClr val="dk1"/>
+          </a:effectRef>
+          <a:fontRef idx="minor">
+            <a:schemeClr val="tx1"/>
+          </a:fontRef>
+        </p:style>
+      </p:cxnSp>
+      <p:cxnSp>
+        <p:nvCxnSpPr>
+          <p:cNvPr id="58" name="Elbow Connector 57">
+            <a:extLst>
+              <a:ext uri="{FF2B5EF4-FFF2-40B4-BE49-F238E27FC236}">
+                <a16:creationId xmlns:a16="http://schemas.microsoft.com/office/drawing/2014/main" id="{DEE4B40E-E19E-1140-A9C5-A47BB1369F55}"/>
+              </a:ext>
+            </a:extLst>
+          </p:cNvPr>
+          <p:cNvCxnSpPr>
+            <a:stCxn id="10" idx="3"/>
+            <a:endCxn id="43" idx="3"/>
+          </p:cNvCxnSpPr>
+          <p:nvPr/>
+        </p:nvCxnSpPr>
+        <p:spPr>
+          <a:xfrm>
+            <a:off x="9247738" y="3105979"/>
+            <a:ext cx="1674258" cy="1941260"/>
+          </a:xfrm>
+          <a:prstGeom prst="bentConnector3">
+            <a:avLst>
+              <a:gd name="adj1" fmla="val 113654"/>
+            </a:avLst>
+          </a:prstGeom>
+          <a:ln>
+            <a:tailEnd type="arrow"/>
+          </a:ln>
+        </p:spPr>
+        <p:style>
+          <a:lnRef idx="1">
+            <a:schemeClr val="dk1"/>
+          </a:lnRef>
+          <a:fillRef idx="0">
+            <a:schemeClr val="dk1"/>
+          </a:fillRef>
+          <a:effectRef idx="0">
+            <a:schemeClr val="dk1"/>
+          </a:effectRef>
+          <a:fontRef idx="minor">
+            <a:schemeClr val="tx1"/>
+          </a:fontRef>
+        </p:style>
+      </p:cxnSp>
+      <p:cxnSp>
+        <p:nvCxnSpPr>
+          <p:cNvPr id="60" name="Elbow Connector 59">
+            <a:extLst>
+              <a:ext uri="{FF2B5EF4-FFF2-40B4-BE49-F238E27FC236}">
+                <a16:creationId xmlns:a16="http://schemas.microsoft.com/office/drawing/2014/main" id="{CC541B64-5BAC-904F-87C7-1DEC968B6A60}"/>
+              </a:ext>
+            </a:extLst>
+          </p:cNvPr>
+          <p:cNvCxnSpPr>
+            <a:stCxn id="31" idx="1"/>
+            <a:endCxn id="9" idx="0"/>
+          </p:cNvCxnSpPr>
+          <p:nvPr/>
+        </p:nvCxnSpPr>
+        <p:spPr>
+          <a:xfrm rot="10800000" flipV="1">
+            <a:off x="3997877" y="1940176"/>
+            <a:ext cx="1857061" cy="415398"/>
+          </a:xfrm>
+          <a:prstGeom prst="bentConnector2">
+            <a:avLst/>
+          </a:prstGeom>
+          <a:ln>
+            <a:headEnd type="arrow"/>
+            <a:tailEnd type="arrow"/>
+          </a:ln>
+        </p:spPr>
+        <p:style>
+          <a:lnRef idx="1">
+            <a:schemeClr val="dk1"/>
+          </a:lnRef>
+          <a:fillRef idx="0">
+            <a:schemeClr val="dk1"/>
+          </a:fillRef>
+          <a:effectRef idx="0">
+            <a:schemeClr val="dk1"/>
+          </a:effectRef>
+          <a:fontRef idx="minor">
+            <a:schemeClr val="tx1"/>
+          </a:fontRef>
+        </p:style>
+      </p:cxnSp>
+      <p:cxnSp>
+        <p:nvCxnSpPr>
+          <p:cNvPr id="62" name="Elbow Connector 61">
+            <a:extLst>
+              <a:ext uri="{FF2B5EF4-FFF2-40B4-BE49-F238E27FC236}">
+                <a16:creationId xmlns:a16="http://schemas.microsoft.com/office/drawing/2014/main" id="{D381A7BD-33C7-C349-BC89-1045D2EC8E87}"/>
+              </a:ext>
+            </a:extLst>
+          </p:cNvPr>
+          <p:cNvCxnSpPr>
+            <a:stCxn id="31" idx="3"/>
+            <a:endCxn id="10" idx="0"/>
+          </p:cNvCxnSpPr>
+          <p:nvPr/>
+        </p:nvCxnSpPr>
+        <p:spPr>
+          <a:xfrm>
+            <a:off x="6324837" y="1940176"/>
+            <a:ext cx="1875151" cy="415398"/>
+          </a:xfrm>
+          <a:prstGeom prst="bentConnector2">
+            <a:avLst/>
+          </a:prstGeom>
+          <a:ln>
+            <a:headEnd type="arrow"/>
+            <a:tailEnd type="arrow"/>
+          </a:ln>
+        </p:spPr>
+        <p:style>
+          <a:lnRef idx="1">
+            <a:schemeClr val="dk1"/>
+          </a:lnRef>
+          <a:fillRef idx="0">
+            <a:schemeClr val="dk1"/>
+          </a:fillRef>
+          <a:effectRef idx="0">
+            <a:schemeClr val="dk1"/>
+          </a:effectRef>
+          <a:fontRef idx="minor">
+            <a:schemeClr val="tx1"/>
+          </a:fontRef>
+        </p:style>
+      </p:cxnSp>
+      <p:sp>
+        <p:nvSpPr>
+          <p:cNvPr id="53" name="Rectangle 52">
+            <a:extLst>
+              <a:ext uri="{FF2B5EF4-FFF2-40B4-BE49-F238E27FC236}">
+                <a16:creationId xmlns:a16="http://schemas.microsoft.com/office/drawing/2014/main" id="{2923F02B-F3F7-1F40-AEC0-917366509B03}"/>
+              </a:ext>
+            </a:extLst>
+          </p:cNvPr>
+          <p:cNvSpPr/>
+          <p:nvPr/>
+        </p:nvSpPr>
+        <p:spPr>
+          <a:xfrm>
+            <a:off x="5081178" y="1407511"/>
+            <a:ext cx="2095500" cy="896286"/>
+          </a:xfrm>
+          <a:prstGeom prst="rect">
+            <a:avLst/>
+          </a:prstGeom>
+          <a:noFill/>
+          <a:ln w="12700">
+            <a:solidFill>
+              <a:srgbClr val="D86613"/>
+            </a:solidFill>
+            <a:prstDash val="dash"/>
+          </a:ln>
+        </p:spPr>
+        <p:style>
+          <a:lnRef idx="2">
+            <a:schemeClr val="accent1">
+              <a:shade val="50000"/>
+            </a:schemeClr>
+          </a:lnRef>
+          <a:fillRef idx="1">
+            <a:schemeClr val="accent1"/>
+          </a:fillRef>
+          <a:effectRef idx="0">
+            <a:schemeClr val="accent1"/>
+          </a:effectRef>
+          <a:fontRef idx="minor">
+            <a:schemeClr val="lt1"/>
+          </a:fontRef>
+        </p:style>
+        <p:txBody>
+          <a:bodyPr tIns="91440"/>
+          <a:lstStyle/>
+          <a:p>
+            <a:pPr algn="ctr" eaLnBrk="1" fontAlgn="auto" hangingPunct="1">
+              <a:spcBef>
+                <a:spcPts val="0"/>
+              </a:spcBef>
+              <a:spcAft>
+                <a:spcPts val="0"/>
+              </a:spcAft>
+              <a:defRPr/>
+            </a:pPr>
+            <a:r>
+              <a:rPr lang="en-US" sz="1100" dirty="0">
+                <a:solidFill>
+                  <a:srgbClr val="D86613"/>
+                </a:solidFill>
+                <a:latin typeface="Arial" panose="020B0604020202020204" pitchFamily="34" charset="0"/>
+                <a:cs typeface="Arial" panose="020B0604020202020204" pitchFamily="34" charset="0"/>
+              </a:rPr>
+              <a:t>Cribl Cloud LogStream Leader</a:t>
+            </a:r>
+          </a:p>
+        </p:txBody>
+      </p:sp>
+      <p:sp>
+        <p:nvSpPr>
+          <p:cNvPr id="54" name="Rectangle 53">
+            <a:extLst>
+              <a:ext uri="{FF2B5EF4-FFF2-40B4-BE49-F238E27FC236}">
+                <a16:creationId xmlns:a16="http://schemas.microsoft.com/office/drawing/2014/main" id="{28D01F34-8658-274D-B057-773FA0938A1A}"/>
+              </a:ext>
+            </a:extLst>
+          </p:cNvPr>
+          <p:cNvSpPr/>
+          <p:nvPr/>
+        </p:nvSpPr>
+        <p:spPr bwMode="auto">
+          <a:xfrm>
+            <a:off x="909431" y="1390219"/>
+            <a:ext cx="10371550" cy="931456"/>
+          </a:xfrm>
+          <a:prstGeom prst="rect">
+            <a:avLst/>
+          </a:prstGeom>
+          <a:noFill/>
+          <a:ln w="12700">
+            <a:solidFill>
+              <a:srgbClr val="1E8900"/>
+            </a:solidFill>
+          </a:ln>
+        </p:spPr>
+        <p:style>
+          <a:lnRef idx="2">
+            <a:schemeClr val="accent1">
+              <a:shade val="50000"/>
+            </a:schemeClr>
+          </a:lnRef>
+          <a:fillRef idx="1">
+            <a:schemeClr val="accent1"/>
+          </a:fillRef>
+          <a:effectRef idx="0">
+            <a:schemeClr val="accent1"/>
+          </a:effectRef>
+          <a:fontRef idx="minor">
+            <a:schemeClr val="lt1"/>
+          </a:fontRef>
+        </p:style>
+        <p:txBody>
+          <a:bodyPr lIns="502920" tIns="91440"/>
+          <a:lstStyle/>
+          <a:p>
+            <a:pPr eaLnBrk="1" fontAlgn="auto" hangingPunct="1">
+              <a:spcBef>
+                <a:spcPts val="0"/>
+              </a:spcBef>
+              <a:spcAft>
+                <a:spcPts val="0"/>
+              </a:spcAft>
+              <a:defRPr/>
+            </a:pPr>
+            <a:r>
+              <a:rPr lang="en-US" sz="1200" dirty="0">
+                <a:ln w="0"/>
+                <a:solidFill>
+                  <a:srgbClr val="1E8900"/>
+                </a:solidFill>
+                <a:latin typeface="Arial" panose="020B0604020202020204" pitchFamily="34" charset="0"/>
+                <a:cs typeface="Arial" panose="020B0604020202020204" pitchFamily="34" charset="0"/>
+              </a:rPr>
+              <a:t>VPC</a:t>
+            </a:r>
+          </a:p>
+        </p:txBody>
+      </p:sp>
+      <p:pic>
+        <p:nvPicPr>
+          <p:cNvPr id="55" name="Graphic 54">
+            <a:extLst>
+              <a:ext uri="{FF2B5EF4-FFF2-40B4-BE49-F238E27FC236}">
+                <a16:creationId xmlns:a16="http://schemas.microsoft.com/office/drawing/2014/main" id="{64A402A8-5EF5-1B4D-93F8-FDC0EDF22A33}"/>
+              </a:ext>
+            </a:extLst>
+          </p:cNvPr>
+          <p:cNvPicPr>
+            <a:picLocks noChangeAspect="1"/>
+          </p:cNvPicPr>
+          <p:nvPr/>
+        </p:nvPicPr>
+        <p:blipFill>
+          <a:blip r:embed="rId5">
+            <a:extLst>
+              <a:ext uri="{96DAC541-7B7A-43D3-8B79-37D633B846F1}">
+                <asvg:svgBlip xmlns:asvg="http://schemas.microsoft.com/office/drawing/2016/SVG/main" r:embed="rId6"/>
+              </a:ext>
+            </a:extLst>
+          </a:blip>
+          <a:stretch>
+            <a:fillRect/>
+          </a:stretch>
+        </p:blipFill>
+        <p:spPr>
+          <a:xfrm>
+            <a:off x="912002" y="1390220"/>
+            <a:ext cx="381000" cy="381000"/>
+          </a:xfrm>
+          <a:prstGeom prst="rect">
+            <a:avLst/>
+          </a:prstGeom>
+        </p:spPr>
+      </p:pic>
+    </p:spTree>
+    <p:extLst>
+      <p:ext uri="{BB962C8B-B14F-4D97-AF65-F5344CB8AC3E}">
+        <p14:creationId xmlns:p14="http://schemas.microsoft.com/office/powerpoint/2010/main" val="3867176793"/>
+      </p:ext>
+    </p:extLst>
+  </p:cSld>
+  <p:clrMapOvr>
+    <a:masterClrMapping/>
+  </p:clrMapOvr>
+</p:sld>
+</file>
+
+<file path=ppt/slides/slide4.xml><?xml version="1.0" encoding="utf-8"?>
+<p:sld xmlns:a="http://schemas.openxmlformats.org/drawingml/2006/main" xmlns:r="http://schemas.openxmlformats.org/officeDocument/2006/relationships" xmlns:p="http://schemas.openxmlformats.org/presentationml/2006/main">
+  <p:cSld>
+    <p:spTree>
+      <p:nvGrpSpPr>
+        <p:cNvPr id="1" name=""/>
+        <p:cNvGrpSpPr/>
+        <p:nvPr/>
+      </p:nvGrpSpPr>
+      <p:grpSpPr>
+        <a:xfrm>
+          <a:off x="0" y="0"/>
+          <a:ext cx="0" cy="0"/>
+          <a:chOff x="0" y="0"/>
+          <a:chExt cx="0" cy="0"/>
+        </a:xfrm>
+      </p:grpSpPr>
+      <p:sp>
+        <p:nvSpPr>
+          <p:cNvPr id="2" name="Title 1">
+            <a:extLst>
+              <a:ext uri="{FF2B5EF4-FFF2-40B4-BE49-F238E27FC236}">
+                <a16:creationId xmlns:a16="http://schemas.microsoft.com/office/drawing/2014/main" id="{70E1DAAE-910D-AD46-84A2-CD668D0DBC19}"/>
+              </a:ext>
+            </a:extLst>
+          </p:cNvPr>
+          <p:cNvSpPr>
+            <a:spLocks noGrp="1"/>
+          </p:cNvSpPr>
+          <p:nvPr>
+            <p:ph type="title"/>
+          </p:nvPr>
+        </p:nvSpPr>
+        <p:spPr/>
+        <p:txBody>
+          <a:bodyPr/>
+          <a:lstStyle/>
+          <a:p>
+            <a:r>
+              <a:rPr lang="en-US" dirty="0"/>
               <a:t>Cribl LogStream Single Instance Deployment</a:t>
             </a:r>
           </a:p>
@@ -13830,7 +16364,7 @@
 </p:sld>
 </file>
 
-<file path=ppt/slides/slide4.xml><?xml version="1.0" encoding="utf-8"?>
+<file path=ppt/slides/slide5.xml><?xml version="1.0" encoding="utf-8"?>
 <p:sld xmlns:a="http://schemas.openxmlformats.org/drawingml/2006/main" xmlns:r="http://schemas.openxmlformats.org/officeDocument/2006/relationships" xmlns:p="http://schemas.openxmlformats.org/presentationml/2006/main">
   <p:cSld>
     <p:spTree>

--- a/docs/images/Cribl_AWS.pptx
+++ b/docs/images/Cribl_AWS.pptx
@@ -16223,7 +16223,7 @@
         </p:nvSpPr>
         <p:spPr>
           <a:xfrm>
-            <a:off x="5231813" y="2548744"/>
+            <a:off x="5211630" y="2544588"/>
             <a:ext cx="1767152" cy="1106488"/>
           </a:xfrm>
           <a:prstGeom prst="rect">

--- a/docs/images/Cribl_AWS.pptx
+++ b/docs/images/Cribl_AWS.pptx
@@ -9520,8 +9520,8 @@
         </p:nvSpPr>
         <p:spPr bwMode="auto">
           <a:xfrm>
-            <a:off x="2950126" y="2355574"/>
-            <a:ext cx="2095500" cy="1500810"/>
+            <a:off x="2950126" y="2912162"/>
+            <a:ext cx="2095500" cy="1381541"/>
           </a:xfrm>
           <a:prstGeom prst="rect">
             <a:avLst/>
@@ -9590,8 +9590,8 @@
         </p:nvSpPr>
         <p:spPr bwMode="auto">
           <a:xfrm>
-            <a:off x="7152238" y="2355574"/>
-            <a:ext cx="2095500" cy="1500810"/>
+            <a:off x="7152238" y="2912162"/>
+            <a:ext cx="2095500" cy="1381541"/>
           </a:xfrm>
           <a:prstGeom prst="rect">
             <a:avLst/>
@@ -9675,7 +9675,7 @@
         </p:blipFill>
         <p:spPr bwMode="auto">
           <a:xfrm>
-            <a:off x="3762926" y="2846432"/>
+            <a:off x="3762926" y="3403020"/>
             <a:ext cx="469900" cy="469900"/>
           </a:xfrm>
           <a:prstGeom prst="rect">
@@ -9722,7 +9722,7 @@
         </p:nvSpPr>
         <p:spPr bwMode="auto">
           <a:xfrm>
-            <a:off x="3113699" y="3291802"/>
+            <a:off x="3113699" y="3848390"/>
             <a:ext cx="1767152" cy="261610"/>
           </a:xfrm>
           <a:prstGeom prst="rect">
@@ -9898,7 +9898,7 @@
         </p:blipFill>
         <p:spPr bwMode="auto">
           <a:xfrm>
-            <a:off x="7965038" y="2846432"/>
+            <a:off x="7965038" y="3403020"/>
             <a:ext cx="469900" cy="469900"/>
           </a:xfrm>
           <a:prstGeom prst="rect">
@@ -9945,7 +9945,7 @@
         </p:nvSpPr>
         <p:spPr bwMode="auto">
           <a:xfrm>
-            <a:off x="7316029" y="3291802"/>
+            <a:off x="7316029" y="3848390"/>
             <a:ext cx="1767152" cy="261610"/>
           </a:xfrm>
           <a:prstGeom prst="rect">
@@ -10106,7 +10106,7 @@
         </p:nvSpPr>
         <p:spPr>
           <a:xfrm>
-            <a:off x="3035851" y="2700382"/>
+            <a:off x="3035851" y="3256970"/>
             <a:ext cx="6118225" cy="969963"/>
           </a:xfrm>
           <a:prstGeom prst="rect">
@@ -10297,7 +10297,7 @@
         </p:blipFill>
         <p:spPr>
           <a:xfrm>
-            <a:off x="5902876" y="2697320"/>
+            <a:off x="5902876" y="3253908"/>
             <a:ext cx="381000" cy="381000"/>
           </a:xfrm>
           <a:prstGeom prst="rect">
@@ -10334,7 +10334,7 @@
         </p:blipFill>
         <p:spPr bwMode="auto">
           <a:xfrm>
-            <a:off x="5854937" y="1705226"/>
+            <a:off x="5854937" y="2261814"/>
             <a:ext cx="469900" cy="469900"/>
           </a:xfrm>
           <a:prstGeom prst="rect">
@@ -10381,7 +10381,7 @@
         </p:nvSpPr>
         <p:spPr bwMode="auto">
           <a:xfrm>
-            <a:off x="5205710" y="2150596"/>
+            <a:off x="5205710" y="2707184"/>
             <a:ext cx="1767152" cy="276999"/>
           </a:xfrm>
           <a:prstGeom prst="rect">
@@ -11664,6 +11664,7 @@
             </a:extLst>
           </p:cNvPr>
           <p:cNvCxnSpPr>
+            <a:cxnSpLocks/>
             <a:stCxn id="34" idx="1"/>
             <a:endCxn id="9" idx="1"/>
           </p:cNvCxnSpPr>
@@ -11671,8 +11672,8 @@
         </p:nvCxnSpPr>
         <p:spPr>
           <a:xfrm rot="10800000" flipH="1">
-            <a:off x="1270006" y="3105980"/>
-            <a:ext cx="1680120" cy="1930479"/>
+            <a:off x="1270006" y="3602934"/>
+            <a:ext cx="1680120" cy="1433525"/>
           </a:xfrm>
           <a:prstGeom prst="bentConnector3">
             <a:avLst>
@@ -11709,6 +11710,7 @@
             </a:extLst>
           </p:cNvPr>
           <p:cNvCxnSpPr>
+            <a:cxnSpLocks/>
             <a:stCxn id="10" idx="3"/>
             <a:endCxn id="43" idx="3"/>
           </p:cNvCxnSpPr>
@@ -11716,8 +11718,8 @@
         </p:nvCxnSpPr>
         <p:spPr>
           <a:xfrm>
-            <a:off x="9247738" y="3105979"/>
-            <a:ext cx="1714211" cy="1930479"/>
+            <a:off x="9247738" y="3602933"/>
+            <a:ext cx="1714211" cy="1433525"/>
           </a:xfrm>
           <a:prstGeom prst="bentConnector3">
             <a:avLst>
@@ -11753,6 +11755,7 @@
             </a:extLst>
           </p:cNvPr>
           <p:cNvCxnSpPr>
+            <a:cxnSpLocks/>
             <a:stCxn id="31" idx="1"/>
             <a:endCxn id="9" idx="0"/>
           </p:cNvCxnSpPr>
@@ -11760,7 +11763,7 @@
         </p:nvCxnSpPr>
         <p:spPr>
           <a:xfrm rot="10800000" flipV="1">
-            <a:off x="3997877" y="1940176"/>
+            <a:off x="3997877" y="2496764"/>
             <a:ext cx="1857061" cy="415398"/>
           </a:xfrm>
           <a:prstGeom prst="bentConnector2">
@@ -11796,6 +11799,7 @@
             </a:extLst>
           </p:cNvPr>
           <p:cNvCxnSpPr>
+            <a:cxnSpLocks/>
             <a:stCxn id="31" idx="3"/>
             <a:endCxn id="10" idx="0"/>
           </p:cNvCxnSpPr>
@@ -11803,7 +11807,7 @@
         </p:nvCxnSpPr>
         <p:spPr>
           <a:xfrm>
-            <a:off x="6324837" y="1940176"/>
+            <a:off x="6324837" y="2496764"/>
             <a:ext cx="1875151" cy="415398"/>
           </a:xfrm>
           <a:prstGeom prst="bentConnector2">
@@ -11843,7 +11847,7 @@
         </p:nvSpPr>
         <p:spPr>
           <a:xfrm>
-            <a:off x="5039764" y="1446786"/>
+            <a:off x="5039764" y="2003374"/>
             <a:ext cx="2095500" cy="969963"/>
           </a:xfrm>
           <a:prstGeom prst="rect">
@@ -11899,6 +11903,454 @@
           </a:p>
         </p:txBody>
       </p:sp>
+      <p:grpSp>
+        <p:nvGrpSpPr>
+          <p:cNvPr id="55" name="Group 54">
+            <a:extLst>
+              <a:ext uri="{FF2B5EF4-FFF2-40B4-BE49-F238E27FC236}">
+                <a16:creationId xmlns:a16="http://schemas.microsoft.com/office/drawing/2014/main" id="{B8991C53-623C-D047-83CA-88C552FAAE97}"/>
+              </a:ext>
+            </a:extLst>
+          </p:cNvPr>
+          <p:cNvGrpSpPr/>
+          <p:nvPr/>
+        </p:nvGrpSpPr>
+        <p:grpSpPr>
+          <a:xfrm>
+            <a:off x="3365840" y="1500811"/>
+            <a:ext cx="1339850" cy="905549"/>
+            <a:chOff x="6865178" y="2805113"/>
+            <a:chExt cx="1339850" cy="905549"/>
+          </a:xfrm>
+        </p:grpSpPr>
+        <p:sp>
+          <p:nvSpPr>
+            <p:cNvPr id="65" name="TextBox 19">
+              <a:extLst>
+                <a:ext uri="{FF2B5EF4-FFF2-40B4-BE49-F238E27FC236}">
+                  <a16:creationId xmlns:a16="http://schemas.microsoft.com/office/drawing/2014/main" id="{225210F9-D466-254B-BE05-FACD1FBCAD4D}"/>
+                </a:ext>
+              </a:extLst>
+            </p:cNvPr>
+            <p:cNvSpPr txBox="1">
+              <a:spLocks noChangeArrowheads="1"/>
+            </p:cNvSpPr>
+            <p:nvPr/>
+          </p:nvSpPr>
+          <p:spPr bwMode="auto">
+            <a:xfrm>
+              <a:off x="6865178" y="3279775"/>
+              <a:ext cx="1339850" cy="430887"/>
+            </a:xfrm>
+            <a:prstGeom prst="rect">
+              <a:avLst/>
+            </a:prstGeom>
+            <a:noFill/>
+            <a:ln>
+              <a:noFill/>
+            </a:ln>
+            <a:extLst>
+              <a:ext uri="{909E8E84-426E-40DD-AFC4-6F175D3DCCD1}">
+                <a14:hiddenFill xmlns:a14="http://schemas.microsoft.com/office/drawing/2010/main">
+                  <a:solidFill>
+                    <a:srgbClr val="FFFFFF"/>
+                  </a:solidFill>
+                </a14:hiddenFill>
+              </a:ext>
+              <a:ext uri="{91240B29-F687-4F45-9708-019B960494DF}">
+                <a14:hiddenLine xmlns:a14="http://schemas.microsoft.com/office/drawing/2010/main" w="9525">
+                  <a:solidFill>
+                    <a:srgbClr val="000000"/>
+                  </a:solidFill>
+                  <a:miter lim="800000"/>
+                  <a:headEnd/>
+                  <a:tailEnd/>
+                </a14:hiddenLine>
+              </a:ext>
+            </a:extLst>
+          </p:spPr>
+          <p:txBody>
+            <a:bodyPr wrap="square">
+              <a:spAutoFit/>
+            </a:bodyPr>
+            <a:lstStyle>
+              <a:lvl1pPr>
+                <a:defRPr>
+                  <a:solidFill>
+                    <a:schemeClr val="tx1"/>
+                  </a:solidFill>
+                  <a:latin typeface="Calibri" panose="020F0502020204030204" pitchFamily="34" charset="0"/>
+                </a:defRPr>
+              </a:lvl1pPr>
+              <a:lvl2pPr marL="742950" indent="-285750">
+                <a:defRPr>
+                  <a:solidFill>
+                    <a:schemeClr val="tx1"/>
+                  </a:solidFill>
+                  <a:latin typeface="Calibri" panose="020F0502020204030204" pitchFamily="34" charset="0"/>
+                </a:defRPr>
+              </a:lvl2pPr>
+              <a:lvl3pPr marL="1143000" indent="-228600">
+                <a:defRPr>
+                  <a:solidFill>
+                    <a:schemeClr val="tx1"/>
+                  </a:solidFill>
+                  <a:latin typeface="Calibri" panose="020F0502020204030204" pitchFamily="34" charset="0"/>
+                </a:defRPr>
+              </a:lvl3pPr>
+              <a:lvl4pPr marL="1600200" indent="-228600">
+                <a:defRPr>
+                  <a:solidFill>
+                    <a:schemeClr val="tx1"/>
+                  </a:solidFill>
+                  <a:latin typeface="Calibri" panose="020F0502020204030204" pitchFamily="34" charset="0"/>
+                </a:defRPr>
+              </a:lvl4pPr>
+              <a:lvl5pPr marL="2057400" indent="-228600">
+                <a:defRPr>
+                  <a:solidFill>
+                    <a:schemeClr val="tx1"/>
+                  </a:solidFill>
+                  <a:latin typeface="Calibri" panose="020F0502020204030204" pitchFamily="34" charset="0"/>
+                </a:defRPr>
+              </a:lvl5pPr>
+              <a:lvl6pPr marL="2514600" indent="-228600" eaLnBrk="0" fontAlgn="base" hangingPunct="0">
+                <a:spcBef>
+                  <a:spcPct val="0"/>
+                </a:spcBef>
+                <a:spcAft>
+                  <a:spcPct val="0"/>
+                </a:spcAft>
+                <a:defRPr>
+                  <a:solidFill>
+                    <a:schemeClr val="tx1"/>
+                  </a:solidFill>
+                  <a:latin typeface="Calibri" panose="020F0502020204030204" pitchFamily="34" charset="0"/>
+                </a:defRPr>
+              </a:lvl6pPr>
+              <a:lvl7pPr marL="2971800" indent="-228600" eaLnBrk="0" fontAlgn="base" hangingPunct="0">
+                <a:spcBef>
+                  <a:spcPct val="0"/>
+                </a:spcBef>
+                <a:spcAft>
+                  <a:spcPct val="0"/>
+                </a:spcAft>
+                <a:defRPr>
+                  <a:solidFill>
+                    <a:schemeClr val="tx1"/>
+                  </a:solidFill>
+                  <a:latin typeface="Calibri" panose="020F0502020204030204" pitchFamily="34" charset="0"/>
+                </a:defRPr>
+              </a:lvl7pPr>
+              <a:lvl8pPr marL="3429000" indent="-228600" eaLnBrk="0" fontAlgn="base" hangingPunct="0">
+                <a:spcBef>
+                  <a:spcPct val="0"/>
+                </a:spcBef>
+                <a:spcAft>
+                  <a:spcPct val="0"/>
+                </a:spcAft>
+                <a:defRPr>
+                  <a:solidFill>
+                    <a:schemeClr val="tx1"/>
+                  </a:solidFill>
+                  <a:latin typeface="Calibri" panose="020F0502020204030204" pitchFamily="34" charset="0"/>
+                </a:defRPr>
+              </a:lvl8pPr>
+              <a:lvl9pPr marL="3886200" indent="-228600" eaLnBrk="0" fontAlgn="base" hangingPunct="0">
+                <a:spcBef>
+                  <a:spcPct val="0"/>
+                </a:spcBef>
+                <a:spcAft>
+                  <a:spcPct val="0"/>
+                </a:spcAft>
+                <a:defRPr>
+                  <a:solidFill>
+                    <a:schemeClr val="tx1"/>
+                  </a:solidFill>
+                  <a:latin typeface="Calibri" panose="020F0502020204030204" pitchFamily="34" charset="0"/>
+                </a:defRPr>
+              </a:lvl9pPr>
+            </a:lstStyle>
+            <a:p>
+              <a:pPr algn="ctr" eaLnBrk="1" hangingPunct="1"/>
+              <a:r>
+                <a:rPr lang="en-US" altLang="en-US" sz="1100" dirty="0">
+                  <a:latin typeface="Arial" panose="020B0604020202020204" pitchFamily="34" charset="0"/>
+                  <a:ea typeface="Amazon Ember" panose="020B0603020204020204" pitchFamily="34" charset="0"/>
+                  <a:cs typeface="Arial" panose="020B0604020202020204" pitchFamily="34" charset="0"/>
+                </a:rPr>
+                <a:t>Application Load </a:t>
+              </a:r>
+              <a:br>
+                <a:rPr lang="en-US" altLang="en-US" sz="1100" dirty="0">
+                  <a:latin typeface="Arial" panose="020B0604020202020204" pitchFamily="34" charset="0"/>
+                  <a:ea typeface="Amazon Ember" panose="020B0603020204020204" pitchFamily="34" charset="0"/>
+                  <a:cs typeface="Arial" panose="020B0604020202020204" pitchFamily="34" charset="0"/>
+                </a:rPr>
+              </a:br>
+              <a:r>
+                <a:rPr lang="en-US" altLang="en-US" sz="1100" dirty="0">
+                  <a:latin typeface="Arial" panose="020B0604020202020204" pitchFamily="34" charset="0"/>
+                  <a:ea typeface="Amazon Ember" panose="020B0603020204020204" pitchFamily="34" charset="0"/>
+                  <a:cs typeface="Arial" panose="020B0604020202020204" pitchFamily="34" charset="0"/>
+                </a:rPr>
+                <a:t>Balancer</a:t>
+              </a:r>
+            </a:p>
+          </p:txBody>
+        </p:sp>
+        <p:pic>
+          <p:nvPicPr>
+            <p:cNvPr id="66" name="Graphic 8">
+              <a:extLst>
+                <a:ext uri="{FF2B5EF4-FFF2-40B4-BE49-F238E27FC236}">
+                  <a16:creationId xmlns:a16="http://schemas.microsoft.com/office/drawing/2014/main" id="{F5BBF940-5BD6-1D40-8338-2EA314C6198C}"/>
+                </a:ext>
+              </a:extLst>
+            </p:cNvPr>
+            <p:cNvPicPr>
+              <a:picLocks noChangeAspect="1" noChangeArrowheads="1"/>
+            </p:cNvPicPr>
+            <p:nvPr/>
+          </p:nvPicPr>
+          <p:blipFill>
+            <a:blip r:embed="rId14">
+              <a:extLst>
+                <a:ext uri="{28A0092B-C50C-407E-A947-70E740481C1C}">
+                  <a14:useLocalDpi xmlns:a14="http://schemas.microsoft.com/office/drawing/2010/main" val="0"/>
+                </a:ext>
+              </a:extLst>
+            </a:blip>
+            <a:srcRect/>
+            <a:stretch>
+              <a:fillRect/>
+            </a:stretch>
+          </p:blipFill>
+          <p:spPr bwMode="auto">
+            <a:xfrm>
+              <a:off x="7302500" y="2805113"/>
+              <a:ext cx="457200" cy="457200"/>
+            </a:xfrm>
+            <a:prstGeom prst="rect">
+              <a:avLst/>
+            </a:prstGeom>
+            <a:noFill/>
+            <a:ln>
+              <a:noFill/>
+            </a:ln>
+            <a:extLst>
+              <a:ext uri="{909E8E84-426E-40DD-AFC4-6F175D3DCCD1}">
+                <a14:hiddenFill xmlns:a14="http://schemas.microsoft.com/office/drawing/2010/main">
+                  <a:solidFill>
+                    <a:srgbClr val="FFFFFF"/>
+                  </a:solidFill>
+                </a14:hiddenFill>
+              </a:ext>
+              <a:ext uri="{91240B29-F687-4F45-9708-019B960494DF}">
+                <a14:hiddenLine xmlns:a14="http://schemas.microsoft.com/office/drawing/2010/main" w="9525">
+                  <a:solidFill>
+                    <a:srgbClr val="000000"/>
+                  </a:solidFill>
+                  <a:miter lim="800000"/>
+                  <a:headEnd/>
+                  <a:tailEnd/>
+                </a14:hiddenLine>
+              </a:ext>
+            </a:extLst>
+          </p:spPr>
+        </p:pic>
+      </p:grpSp>
+      <p:pic>
+        <p:nvPicPr>
+          <p:cNvPr id="57" name="Graphic 6">
+            <a:extLst>
+              <a:ext uri="{FF2B5EF4-FFF2-40B4-BE49-F238E27FC236}">
+                <a16:creationId xmlns:a16="http://schemas.microsoft.com/office/drawing/2014/main" id="{FD09D296-81B4-C24A-B398-48B008314FA5}"/>
+              </a:ext>
+            </a:extLst>
+          </p:cNvPr>
+          <p:cNvPicPr>
+            <a:picLocks noChangeAspect="1" noChangeArrowheads="1"/>
+          </p:cNvPicPr>
+          <p:nvPr/>
+        </p:nvPicPr>
+        <p:blipFill>
+          <a:blip r:embed="rId15">
+            <a:extLst>
+              <a:ext uri="{96DAC541-7B7A-43D3-8B79-37D633B846F1}">
+                <asvg:svgBlip xmlns:asvg="http://schemas.microsoft.com/office/drawing/2016/SVG/main" r:embed="rId16"/>
+              </a:ext>
+            </a:extLst>
+          </a:blip>
+          <a:srcRect/>
+          <a:stretch/>
+        </p:blipFill>
+        <p:spPr bwMode="auto">
+          <a:xfrm flipH="1">
+            <a:off x="2009348" y="1516563"/>
+            <a:ext cx="469900" cy="469900"/>
+          </a:xfrm>
+          <a:prstGeom prst="rect">
+            <a:avLst/>
+          </a:prstGeom>
+          <a:noFill/>
+          <a:ln>
+            <a:noFill/>
+          </a:ln>
+          <a:extLst>
+            <a:ext uri="{909E8E84-426E-40DD-AFC4-6F175D3DCCD1}">
+              <a14:hiddenFill xmlns:a14="http://schemas.microsoft.com/office/drawing/2010/main">
+                <a:solidFill>
+                  <a:srgbClr val="FFFFFF"/>
+                </a:solidFill>
+              </a14:hiddenFill>
+            </a:ext>
+            <a:ext uri="{91240B29-F687-4F45-9708-019B960494DF}">
+              <a14:hiddenLine xmlns:a14="http://schemas.microsoft.com/office/drawing/2010/main" w="9525">
+                <a:solidFill>
+                  <a:srgbClr val="000000"/>
+                </a:solidFill>
+                <a:miter lim="800000"/>
+                <a:headEnd/>
+                <a:tailEnd/>
+              </a14:hiddenLine>
+            </a:ext>
+          </a:extLst>
+        </p:spPr>
+      </p:pic>
+      <p:cxnSp>
+        <p:nvCxnSpPr>
+          <p:cNvPr id="59" name="Straight Arrow Connector 58">
+            <a:extLst>
+              <a:ext uri="{FF2B5EF4-FFF2-40B4-BE49-F238E27FC236}">
+                <a16:creationId xmlns:a16="http://schemas.microsoft.com/office/drawing/2014/main" id="{1AD47A3B-DEEF-8947-91F7-2CCCA43F921A}"/>
+              </a:ext>
+            </a:extLst>
+          </p:cNvPr>
+          <p:cNvCxnSpPr>
+            <a:cxnSpLocks/>
+          </p:cNvCxnSpPr>
+          <p:nvPr/>
+        </p:nvCxnSpPr>
+        <p:spPr>
+          <a:xfrm>
+            <a:off x="2613392" y="1815013"/>
+            <a:ext cx="1046162" cy="0"/>
+          </a:xfrm>
+          <a:prstGeom prst="straightConnector1">
+            <a:avLst/>
+          </a:prstGeom>
+          <a:ln w="12700">
+            <a:solidFill>
+              <a:schemeClr val="tx2"/>
+            </a:solidFill>
+            <a:headEnd type="none" w="med" len="sm"/>
+            <a:tailEnd type="arrow" w="med" len="sm"/>
+          </a:ln>
+        </p:spPr>
+        <p:style>
+          <a:lnRef idx="1">
+            <a:schemeClr val="accent1"/>
+          </a:lnRef>
+          <a:fillRef idx="0">
+            <a:schemeClr val="accent1"/>
+          </a:fillRef>
+          <a:effectRef idx="0">
+            <a:schemeClr val="accent1"/>
+          </a:effectRef>
+          <a:fontRef idx="minor">
+            <a:schemeClr val="tx1"/>
+          </a:fontRef>
+        </p:style>
+      </p:cxnSp>
+      <p:sp>
+        <p:nvSpPr>
+          <p:cNvPr id="64" name="TextBox 63">
+            <a:extLst>
+              <a:ext uri="{FF2B5EF4-FFF2-40B4-BE49-F238E27FC236}">
+                <a16:creationId xmlns:a16="http://schemas.microsoft.com/office/drawing/2014/main" id="{61B9C1F2-BE05-C749-B527-03F300E41019}"/>
+              </a:ext>
+            </a:extLst>
+          </p:cNvPr>
+          <p:cNvSpPr txBox="1"/>
+          <p:nvPr/>
+        </p:nvSpPr>
+        <p:spPr>
+          <a:xfrm>
+            <a:off x="1764323" y="1942991"/>
+            <a:ext cx="978153" cy="461665"/>
+          </a:xfrm>
+          <a:prstGeom prst="rect">
+            <a:avLst/>
+          </a:prstGeom>
+          <a:noFill/>
+        </p:spPr>
+        <p:txBody>
+          <a:bodyPr wrap="none" rtlCol="0">
+            <a:spAutoFit/>
+          </a:bodyPr>
+          <a:lstStyle/>
+          <a:p>
+            <a:pPr algn="ctr"/>
+            <a:r>
+              <a:rPr lang="en-US" sz="1200" dirty="0"/>
+              <a:t>LogStream </a:t>
+            </a:r>
+          </a:p>
+          <a:p>
+            <a:pPr algn="ctr"/>
+            <a:r>
+              <a:rPr lang="en-US" sz="1200" dirty="0"/>
+              <a:t>Users</a:t>
+            </a:r>
+          </a:p>
+        </p:txBody>
+      </p:sp>
+      <p:cxnSp>
+        <p:nvCxnSpPr>
+          <p:cNvPr id="12" name="Elbow Connector 11">
+            <a:extLst>
+              <a:ext uri="{FF2B5EF4-FFF2-40B4-BE49-F238E27FC236}">
+                <a16:creationId xmlns:a16="http://schemas.microsoft.com/office/drawing/2014/main" id="{EE4051A7-3317-5B45-8007-ED1EFE80709E}"/>
+              </a:ext>
+            </a:extLst>
+          </p:cNvPr>
+          <p:cNvCxnSpPr>
+            <a:stCxn id="66" idx="3"/>
+            <a:endCxn id="53" idx="0"/>
+          </p:cNvCxnSpPr>
+          <p:nvPr/>
+        </p:nvCxnSpPr>
+        <p:spPr>
+          <a:xfrm>
+            <a:off x="4260362" y="1729411"/>
+            <a:ext cx="1827152" cy="273963"/>
+          </a:xfrm>
+          <a:prstGeom prst="bentConnector2">
+            <a:avLst/>
+          </a:prstGeom>
+          <a:ln>
+            <a:solidFill>
+              <a:schemeClr val="tx1"/>
+            </a:solidFill>
+            <a:tailEnd type="arrow"/>
+          </a:ln>
+        </p:spPr>
+        <p:style>
+          <a:lnRef idx="1">
+            <a:schemeClr val="accent1"/>
+          </a:lnRef>
+          <a:fillRef idx="0">
+            <a:schemeClr val="accent1"/>
+          </a:fillRef>
+          <a:effectRef idx="0">
+            <a:schemeClr val="accent1"/>
+          </a:effectRef>
+          <a:fontRef idx="minor">
+            <a:schemeClr val="tx1"/>
+          </a:fontRef>
+        </p:style>
+      </p:cxnSp>
     </p:spTree>
     <p:extLst>
       <p:ext uri="{BB962C8B-B14F-4D97-AF65-F5344CB8AC3E}">
@@ -14643,8 +15095,8 @@
         </p:nvSpPr>
         <p:spPr bwMode="auto">
           <a:xfrm>
-            <a:off x="5048250" y="2226340"/>
-            <a:ext cx="2095500" cy="1500810"/>
+            <a:off x="5048250" y="2683565"/>
+            <a:ext cx="2095500" cy="1530602"/>
           </a:xfrm>
           <a:prstGeom prst="rect">
             <a:avLst/>
@@ -14728,7 +15180,7 @@
         </p:blipFill>
         <p:spPr bwMode="auto">
           <a:xfrm>
-            <a:off x="5861050" y="2717198"/>
+            <a:off x="5861050" y="3204215"/>
             <a:ext cx="469900" cy="469900"/>
           </a:xfrm>
           <a:prstGeom prst="rect">
@@ -14775,7 +15227,7 @@
         </p:nvSpPr>
         <p:spPr bwMode="auto">
           <a:xfrm>
-            <a:off x="5211823" y="3162568"/>
+            <a:off x="5211823" y="3649585"/>
             <a:ext cx="1767152" cy="261610"/>
           </a:xfrm>
           <a:prstGeom prst="rect">
@@ -16129,6 +16581,7 @@
             </a:extLst>
           </p:cNvPr>
           <p:cNvCxnSpPr>
+            <a:cxnSpLocks/>
             <a:stCxn id="34" idx="1"/>
             <a:endCxn id="9" idx="1"/>
           </p:cNvCxnSpPr>
@@ -16136,8 +16589,8 @@
         </p:nvCxnSpPr>
         <p:spPr>
           <a:xfrm rot="10800000" flipH="1">
-            <a:off x="1270006" y="2976746"/>
-            <a:ext cx="3778244" cy="2059713"/>
+            <a:off x="1270006" y="3448866"/>
+            <a:ext cx="3778244" cy="1587592"/>
           </a:xfrm>
           <a:prstGeom prst="bentConnector3">
             <a:avLst>
@@ -16182,8 +16635,8 @@
         </p:nvCxnSpPr>
         <p:spPr>
           <a:xfrm>
-            <a:off x="7143750" y="2976745"/>
-            <a:ext cx="3818199" cy="2059713"/>
+            <a:off x="7143750" y="3448866"/>
+            <a:ext cx="3818199" cy="1587592"/>
           </a:xfrm>
           <a:prstGeom prst="bentConnector3">
             <a:avLst>
@@ -16223,7 +16676,7 @@
         </p:nvSpPr>
         <p:spPr>
           <a:xfrm>
-            <a:off x="5211630" y="2544588"/>
+            <a:off x="5211630" y="3031605"/>
             <a:ext cx="1767152" cy="1106488"/>
           </a:xfrm>
           <a:prstGeom prst="rect">
@@ -16351,6 +16804,476 @@
           </a:p>
         </p:txBody>
       </p:sp>
+      <p:grpSp>
+        <p:nvGrpSpPr>
+          <p:cNvPr id="3" name="Group 2">
+            <a:extLst>
+              <a:ext uri="{FF2B5EF4-FFF2-40B4-BE49-F238E27FC236}">
+                <a16:creationId xmlns:a16="http://schemas.microsoft.com/office/drawing/2014/main" id="{F2582E4A-6E83-A844-84FE-A74CF19D9D48}"/>
+              </a:ext>
+            </a:extLst>
+          </p:cNvPr>
+          <p:cNvGrpSpPr/>
+          <p:nvPr/>
+        </p:nvGrpSpPr>
+        <p:grpSpPr>
+          <a:xfrm>
+            <a:off x="3821723" y="1539020"/>
+            <a:ext cx="2941367" cy="1144545"/>
+            <a:chOff x="3821723" y="1539020"/>
+            <a:chExt cx="2941367" cy="1144545"/>
+          </a:xfrm>
+        </p:grpSpPr>
+        <p:grpSp>
+          <p:nvGrpSpPr>
+            <p:cNvPr id="10" name="Group 9">
+              <a:extLst>
+                <a:ext uri="{FF2B5EF4-FFF2-40B4-BE49-F238E27FC236}">
+                  <a16:creationId xmlns:a16="http://schemas.microsoft.com/office/drawing/2014/main" id="{A176597A-6FCC-7D47-A6C0-B2DC347B52D7}"/>
+                </a:ext>
+              </a:extLst>
+            </p:cNvPr>
+            <p:cNvGrpSpPr/>
+            <p:nvPr/>
+          </p:nvGrpSpPr>
+          <p:grpSpPr>
+            <a:xfrm>
+              <a:off x="5423240" y="1539020"/>
+              <a:ext cx="1339850" cy="905549"/>
+              <a:chOff x="6865178" y="2805113"/>
+              <a:chExt cx="1339850" cy="905549"/>
+            </a:xfrm>
+          </p:grpSpPr>
+          <p:sp>
+            <p:nvSpPr>
+              <p:cNvPr id="55" name="TextBox 19">
+                <a:extLst>
+                  <a:ext uri="{FF2B5EF4-FFF2-40B4-BE49-F238E27FC236}">
+                    <a16:creationId xmlns:a16="http://schemas.microsoft.com/office/drawing/2014/main" id="{7326EA55-2CAB-A742-93ED-43C7CF99BFDE}"/>
+                  </a:ext>
+                </a:extLst>
+              </p:cNvPr>
+              <p:cNvSpPr txBox="1">
+                <a:spLocks noChangeArrowheads="1"/>
+              </p:cNvSpPr>
+              <p:nvPr/>
+            </p:nvSpPr>
+            <p:spPr bwMode="auto">
+              <a:xfrm>
+                <a:off x="6865178" y="3279775"/>
+                <a:ext cx="1339850" cy="430887"/>
+              </a:xfrm>
+              <a:prstGeom prst="rect">
+                <a:avLst/>
+              </a:prstGeom>
+              <a:noFill/>
+              <a:ln>
+                <a:noFill/>
+              </a:ln>
+              <a:extLst>
+                <a:ext uri="{909E8E84-426E-40DD-AFC4-6F175D3DCCD1}">
+                  <a14:hiddenFill xmlns:a14="http://schemas.microsoft.com/office/drawing/2010/main">
+                    <a:solidFill>
+                      <a:srgbClr val="FFFFFF"/>
+                    </a:solidFill>
+                  </a14:hiddenFill>
+                </a:ext>
+                <a:ext uri="{91240B29-F687-4F45-9708-019B960494DF}">
+                  <a14:hiddenLine xmlns:a14="http://schemas.microsoft.com/office/drawing/2010/main" w="9525">
+                    <a:solidFill>
+                      <a:srgbClr val="000000"/>
+                    </a:solidFill>
+                    <a:miter lim="800000"/>
+                    <a:headEnd/>
+                    <a:tailEnd/>
+                  </a14:hiddenLine>
+                </a:ext>
+              </a:extLst>
+            </p:spPr>
+            <p:txBody>
+              <a:bodyPr wrap="square">
+                <a:spAutoFit/>
+              </a:bodyPr>
+              <a:lstStyle>
+                <a:lvl1pPr>
+                  <a:defRPr>
+                    <a:solidFill>
+                      <a:schemeClr val="tx1"/>
+                    </a:solidFill>
+                    <a:latin typeface="Calibri" panose="020F0502020204030204" pitchFamily="34" charset="0"/>
+                  </a:defRPr>
+                </a:lvl1pPr>
+                <a:lvl2pPr marL="742950" indent="-285750">
+                  <a:defRPr>
+                    <a:solidFill>
+                      <a:schemeClr val="tx1"/>
+                    </a:solidFill>
+                    <a:latin typeface="Calibri" panose="020F0502020204030204" pitchFamily="34" charset="0"/>
+                  </a:defRPr>
+                </a:lvl2pPr>
+                <a:lvl3pPr marL="1143000" indent="-228600">
+                  <a:defRPr>
+                    <a:solidFill>
+                      <a:schemeClr val="tx1"/>
+                    </a:solidFill>
+                    <a:latin typeface="Calibri" panose="020F0502020204030204" pitchFamily="34" charset="0"/>
+                  </a:defRPr>
+                </a:lvl3pPr>
+                <a:lvl4pPr marL="1600200" indent="-228600">
+                  <a:defRPr>
+                    <a:solidFill>
+                      <a:schemeClr val="tx1"/>
+                    </a:solidFill>
+                    <a:latin typeface="Calibri" panose="020F0502020204030204" pitchFamily="34" charset="0"/>
+                  </a:defRPr>
+                </a:lvl4pPr>
+                <a:lvl5pPr marL="2057400" indent="-228600">
+                  <a:defRPr>
+                    <a:solidFill>
+                      <a:schemeClr val="tx1"/>
+                    </a:solidFill>
+                    <a:latin typeface="Calibri" panose="020F0502020204030204" pitchFamily="34" charset="0"/>
+                  </a:defRPr>
+                </a:lvl5pPr>
+                <a:lvl6pPr marL="2514600" indent="-228600" eaLnBrk="0" fontAlgn="base" hangingPunct="0">
+                  <a:spcBef>
+                    <a:spcPct val="0"/>
+                  </a:spcBef>
+                  <a:spcAft>
+                    <a:spcPct val="0"/>
+                  </a:spcAft>
+                  <a:defRPr>
+                    <a:solidFill>
+                      <a:schemeClr val="tx1"/>
+                    </a:solidFill>
+                    <a:latin typeface="Calibri" panose="020F0502020204030204" pitchFamily="34" charset="0"/>
+                  </a:defRPr>
+                </a:lvl6pPr>
+                <a:lvl7pPr marL="2971800" indent="-228600" eaLnBrk="0" fontAlgn="base" hangingPunct="0">
+                  <a:spcBef>
+                    <a:spcPct val="0"/>
+                  </a:spcBef>
+                  <a:spcAft>
+                    <a:spcPct val="0"/>
+                  </a:spcAft>
+                  <a:defRPr>
+                    <a:solidFill>
+                      <a:schemeClr val="tx1"/>
+                    </a:solidFill>
+                    <a:latin typeface="Calibri" panose="020F0502020204030204" pitchFamily="34" charset="0"/>
+                  </a:defRPr>
+                </a:lvl7pPr>
+                <a:lvl8pPr marL="3429000" indent="-228600" eaLnBrk="0" fontAlgn="base" hangingPunct="0">
+                  <a:spcBef>
+                    <a:spcPct val="0"/>
+                  </a:spcBef>
+                  <a:spcAft>
+                    <a:spcPct val="0"/>
+                  </a:spcAft>
+                  <a:defRPr>
+                    <a:solidFill>
+                      <a:schemeClr val="tx1"/>
+                    </a:solidFill>
+                    <a:latin typeface="Calibri" panose="020F0502020204030204" pitchFamily="34" charset="0"/>
+                  </a:defRPr>
+                </a:lvl8pPr>
+                <a:lvl9pPr marL="3886200" indent="-228600" eaLnBrk="0" fontAlgn="base" hangingPunct="0">
+                  <a:spcBef>
+                    <a:spcPct val="0"/>
+                  </a:spcBef>
+                  <a:spcAft>
+                    <a:spcPct val="0"/>
+                  </a:spcAft>
+                  <a:defRPr>
+                    <a:solidFill>
+                      <a:schemeClr val="tx1"/>
+                    </a:solidFill>
+                    <a:latin typeface="Calibri" panose="020F0502020204030204" pitchFamily="34" charset="0"/>
+                  </a:defRPr>
+                </a:lvl9pPr>
+              </a:lstStyle>
+              <a:p>
+                <a:pPr algn="ctr" eaLnBrk="1" hangingPunct="1"/>
+                <a:r>
+                  <a:rPr lang="en-US" altLang="en-US" sz="1100" dirty="0">
+                    <a:latin typeface="Arial" panose="020B0604020202020204" pitchFamily="34" charset="0"/>
+                    <a:ea typeface="Amazon Ember" panose="020B0603020204020204" pitchFamily="34" charset="0"/>
+                    <a:cs typeface="Arial" panose="020B0604020202020204" pitchFamily="34" charset="0"/>
+                  </a:rPr>
+                  <a:t>Application Load </a:t>
+                </a:r>
+                <a:br>
+                  <a:rPr lang="en-US" altLang="en-US" sz="1100" dirty="0">
+                    <a:latin typeface="Arial" panose="020B0604020202020204" pitchFamily="34" charset="0"/>
+                    <a:ea typeface="Amazon Ember" panose="020B0603020204020204" pitchFamily="34" charset="0"/>
+                    <a:cs typeface="Arial" panose="020B0604020202020204" pitchFamily="34" charset="0"/>
+                  </a:rPr>
+                </a:br>
+                <a:r>
+                  <a:rPr lang="en-US" altLang="en-US" sz="1100" dirty="0">
+                    <a:latin typeface="Arial" panose="020B0604020202020204" pitchFamily="34" charset="0"/>
+                    <a:ea typeface="Amazon Ember" panose="020B0603020204020204" pitchFamily="34" charset="0"/>
+                    <a:cs typeface="Arial" panose="020B0604020202020204" pitchFamily="34" charset="0"/>
+                  </a:rPr>
+                  <a:t>Balancer</a:t>
+                </a:r>
+              </a:p>
+            </p:txBody>
+          </p:sp>
+          <p:pic>
+            <p:nvPicPr>
+              <p:cNvPr id="57" name="Graphic 8">
+                <a:extLst>
+                  <a:ext uri="{FF2B5EF4-FFF2-40B4-BE49-F238E27FC236}">
+                    <a16:creationId xmlns:a16="http://schemas.microsoft.com/office/drawing/2014/main" id="{7E439D0A-1295-F04A-ADF5-EFDBEAF7B4CB}"/>
+                  </a:ext>
+                </a:extLst>
+              </p:cNvPr>
+              <p:cNvPicPr>
+                <a:picLocks noChangeAspect="1" noChangeArrowheads="1"/>
+              </p:cNvPicPr>
+              <p:nvPr/>
+            </p:nvPicPr>
+            <p:blipFill>
+              <a:blip r:embed="rId12">
+                <a:extLst>
+                  <a:ext uri="{28A0092B-C50C-407E-A947-70E740481C1C}">
+                    <a14:useLocalDpi xmlns:a14="http://schemas.microsoft.com/office/drawing/2010/main" val="0"/>
+                  </a:ext>
+                </a:extLst>
+              </a:blip>
+              <a:srcRect/>
+              <a:stretch>
+                <a:fillRect/>
+              </a:stretch>
+            </p:blipFill>
+            <p:spPr bwMode="auto">
+              <a:xfrm>
+                <a:off x="7302500" y="2805113"/>
+                <a:ext cx="457200" cy="457200"/>
+              </a:xfrm>
+              <a:prstGeom prst="rect">
+                <a:avLst/>
+              </a:prstGeom>
+              <a:noFill/>
+              <a:ln>
+                <a:noFill/>
+              </a:ln>
+              <a:extLst>
+                <a:ext uri="{909E8E84-426E-40DD-AFC4-6F175D3DCCD1}">
+                  <a14:hiddenFill xmlns:a14="http://schemas.microsoft.com/office/drawing/2010/main">
+                    <a:solidFill>
+                      <a:srgbClr val="FFFFFF"/>
+                    </a:solidFill>
+                  </a14:hiddenFill>
+                </a:ext>
+                <a:ext uri="{91240B29-F687-4F45-9708-019B960494DF}">
+                  <a14:hiddenLine xmlns:a14="http://schemas.microsoft.com/office/drawing/2010/main" w="9525">
+                    <a:solidFill>
+                      <a:srgbClr val="000000"/>
+                    </a:solidFill>
+                    <a:miter lim="800000"/>
+                    <a:headEnd/>
+                    <a:tailEnd/>
+                  </a14:hiddenLine>
+                </a:ext>
+              </a:extLst>
+            </p:spPr>
+          </p:pic>
+        </p:grpSp>
+        <p:pic>
+          <p:nvPicPr>
+            <p:cNvPr id="59" name="Graphic 6">
+              <a:extLst>
+                <a:ext uri="{FF2B5EF4-FFF2-40B4-BE49-F238E27FC236}">
+                  <a16:creationId xmlns:a16="http://schemas.microsoft.com/office/drawing/2014/main" id="{CB729728-5AA5-2540-8851-8563280BAD8C}"/>
+                </a:ext>
+              </a:extLst>
+            </p:cNvPr>
+            <p:cNvPicPr>
+              <a:picLocks noChangeAspect="1" noChangeArrowheads="1"/>
+            </p:cNvPicPr>
+            <p:nvPr/>
+          </p:nvPicPr>
+          <p:blipFill>
+            <a:blip r:embed="rId13">
+              <a:extLst>
+                <a:ext uri="{96DAC541-7B7A-43D3-8B79-37D633B846F1}">
+                  <asvg:svgBlip xmlns:asvg="http://schemas.microsoft.com/office/drawing/2016/SVG/main" r:embed="rId14"/>
+                </a:ext>
+              </a:extLst>
+            </a:blip>
+            <a:srcRect/>
+            <a:stretch/>
+          </p:blipFill>
+          <p:spPr bwMode="auto">
+            <a:xfrm flipH="1">
+              <a:off x="4066748" y="1554772"/>
+              <a:ext cx="469900" cy="469900"/>
+            </a:xfrm>
+            <a:prstGeom prst="rect">
+              <a:avLst/>
+            </a:prstGeom>
+            <a:noFill/>
+            <a:ln>
+              <a:noFill/>
+            </a:ln>
+            <a:extLst>
+              <a:ext uri="{909E8E84-426E-40DD-AFC4-6F175D3DCCD1}">
+                <a14:hiddenFill xmlns:a14="http://schemas.microsoft.com/office/drawing/2010/main">
+                  <a:solidFill>
+                    <a:srgbClr val="FFFFFF"/>
+                  </a:solidFill>
+                </a14:hiddenFill>
+              </a:ext>
+              <a:ext uri="{91240B29-F687-4F45-9708-019B960494DF}">
+                <a14:hiddenLine xmlns:a14="http://schemas.microsoft.com/office/drawing/2010/main" w="9525">
+                  <a:solidFill>
+                    <a:srgbClr val="000000"/>
+                  </a:solidFill>
+                  <a:miter lim="800000"/>
+                  <a:headEnd/>
+                  <a:tailEnd/>
+                </a14:hiddenLine>
+              </a:ext>
+            </a:extLst>
+          </p:spPr>
+        </p:pic>
+        <p:cxnSp>
+          <p:nvCxnSpPr>
+            <p:cNvPr id="60" name="Straight Arrow Connector 59">
+              <a:extLst>
+                <a:ext uri="{FF2B5EF4-FFF2-40B4-BE49-F238E27FC236}">
+                  <a16:creationId xmlns:a16="http://schemas.microsoft.com/office/drawing/2014/main" id="{7DD54C9D-6F6F-9440-843F-BC81E3DB9CE3}"/>
+                </a:ext>
+              </a:extLst>
+            </p:cNvPr>
+            <p:cNvCxnSpPr>
+              <a:cxnSpLocks/>
+            </p:cNvCxnSpPr>
+            <p:nvPr/>
+          </p:nvCxnSpPr>
+          <p:spPr>
+            <a:xfrm>
+              <a:off x="4670792" y="1853222"/>
+              <a:ext cx="1046162" cy="0"/>
+            </a:xfrm>
+            <a:prstGeom prst="straightConnector1">
+              <a:avLst/>
+            </a:prstGeom>
+            <a:ln w="12700">
+              <a:solidFill>
+                <a:schemeClr val="tx2"/>
+              </a:solidFill>
+              <a:headEnd type="none" w="med" len="sm"/>
+              <a:tailEnd type="arrow" w="med" len="sm"/>
+            </a:ln>
+          </p:spPr>
+          <p:style>
+            <a:lnRef idx="1">
+              <a:schemeClr val="accent1"/>
+            </a:lnRef>
+            <a:fillRef idx="0">
+              <a:schemeClr val="accent1"/>
+            </a:fillRef>
+            <a:effectRef idx="0">
+              <a:schemeClr val="accent1"/>
+            </a:effectRef>
+            <a:fontRef idx="minor">
+              <a:schemeClr val="tx1"/>
+            </a:fontRef>
+          </p:style>
+        </p:cxnSp>
+        <p:cxnSp>
+          <p:nvCxnSpPr>
+            <p:cNvPr id="12" name="Straight Arrow Connector 11">
+              <a:extLst>
+                <a:ext uri="{FF2B5EF4-FFF2-40B4-BE49-F238E27FC236}">
+                  <a16:creationId xmlns:a16="http://schemas.microsoft.com/office/drawing/2014/main" id="{179C9231-3BBD-CF46-BCD0-395C833E6A20}"/>
+                </a:ext>
+              </a:extLst>
+            </p:cNvPr>
+            <p:cNvCxnSpPr>
+              <a:stCxn id="55" idx="2"/>
+              <a:endCxn id="9" idx="0"/>
+            </p:cNvCxnSpPr>
+            <p:nvPr/>
+          </p:nvCxnSpPr>
+          <p:spPr>
+            <a:xfrm>
+              <a:off x="6093165" y="2444569"/>
+              <a:ext cx="2835" cy="238996"/>
+            </a:xfrm>
+            <a:prstGeom prst="straightConnector1">
+              <a:avLst/>
+            </a:prstGeom>
+            <a:ln>
+              <a:solidFill>
+                <a:schemeClr val="tx1"/>
+              </a:solidFill>
+              <a:headEnd type="none"/>
+              <a:tailEnd type="arrow"/>
+            </a:ln>
+          </p:spPr>
+          <p:style>
+            <a:lnRef idx="1">
+              <a:schemeClr val="accent1"/>
+            </a:lnRef>
+            <a:fillRef idx="0">
+              <a:schemeClr val="accent1"/>
+            </a:fillRef>
+            <a:effectRef idx="0">
+              <a:schemeClr val="accent1"/>
+            </a:effectRef>
+            <a:fontRef idx="minor">
+              <a:schemeClr val="tx1"/>
+            </a:fontRef>
+          </p:style>
+        </p:cxnSp>
+        <p:sp>
+          <p:nvSpPr>
+            <p:cNvPr id="13" name="TextBox 12">
+              <a:extLst>
+                <a:ext uri="{FF2B5EF4-FFF2-40B4-BE49-F238E27FC236}">
+                  <a16:creationId xmlns:a16="http://schemas.microsoft.com/office/drawing/2014/main" id="{59950511-41A9-E14D-801B-78B467A17C4A}"/>
+                </a:ext>
+              </a:extLst>
+            </p:cNvPr>
+            <p:cNvSpPr txBox="1"/>
+            <p:nvPr/>
+          </p:nvSpPr>
+          <p:spPr>
+            <a:xfrm>
+              <a:off x="3821723" y="1981200"/>
+              <a:ext cx="978153" cy="461665"/>
+            </a:xfrm>
+            <a:prstGeom prst="rect">
+              <a:avLst/>
+            </a:prstGeom>
+            <a:noFill/>
+          </p:spPr>
+          <p:txBody>
+            <a:bodyPr wrap="none" rtlCol="0">
+              <a:spAutoFit/>
+            </a:bodyPr>
+            <a:lstStyle/>
+            <a:p>
+              <a:pPr algn="ctr"/>
+              <a:r>
+                <a:rPr lang="en-US" sz="1200" dirty="0"/>
+                <a:t>LogStream </a:t>
+              </a:r>
+            </a:p>
+            <a:p>
+              <a:pPr algn="ctr"/>
+              <a:r>
+                <a:rPr lang="en-US" sz="1200" dirty="0"/>
+                <a:t>Users</a:t>
+              </a:r>
+            </a:p>
+          </p:txBody>
+        </p:sp>
+      </p:grpSp>
     </p:spTree>
     <p:extLst>
       <p:ext uri="{BB962C8B-B14F-4D97-AF65-F5344CB8AC3E}">

--- a/docs/images/Cribl_AWS.pptx
+++ b/docs/images/Cribl_AWS.pptx
@@ -16583,18 +16583,18 @@
           <p:cNvCxnSpPr>
             <a:cxnSpLocks/>
             <a:stCxn id="34" idx="1"/>
-            <a:endCxn id="9" idx="1"/>
+            <a:endCxn id="61" idx="1"/>
           </p:cNvCxnSpPr>
           <p:nvPr/>
         </p:nvCxnSpPr>
         <p:spPr>
           <a:xfrm rot="10800000" flipH="1">
-            <a:off x="1270006" y="3448866"/>
-            <a:ext cx="3778244" cy="1587592"/>
+            <a:off x="1270006" y="3451158"/>
+            <a:ext cx="2129770" cy="1585301"/>
           </a:xfrm>
           <a:prstGeom prst="bentConnector3">
             <a:avLst>
-              <a:gd name="adj1" fmla="val -6050"/>
+              <a:gd name="adj1" fmla="val -10734"/>
             </a:avLst>
           </a:prstGeom>
           <a:ln>
@@ -17274,6 +17274,305 @@
           </p:txBody>
         </p:sp>
       </p:grpSp>
+      <p:grpSp>
+        <p:nvGrpSpPr>
+          <p:cNvPr id="4" name="Group 3">
+            <a:extLst>
+              <a:ext uri="{FF2B5EF4-FFF2-40B4-BE49-F238E27FC236}">
+                <a16:creationId xmlns:a16="http://schemas.microsoft.com/office/drawing/2014/main" id="{58D25AD3-D34E-7A44-98A5-0149F4EE3276}"/>
+              </a:ext>
+            </a:extLst>
+          </p:cNvPr>
+          <p:cNvGrpSpPr/>
+          <p:nvPr/>
+        </p:nvGrpSpPr>
+        <p:grpSpPr>
+          <a:xfrm>
+            <a:off x="2962454" y="3222557"/>
+            <a:ext cx="1339850" cy="902375"/>
+            <a:chOff x="8250071" y="2805113"/>
+            <a:chExt cx="1339850" cy="902375"/>
+          </a:xfrm>
+        </p:grpSpPr>
+        <p:sp>
+          <p:nvSpPr>
+            <p:cNvPr id="54" name="TextBox 22">
+              <a:extLst>
+                <a:ext uri="{FF2B5EF4-FFF2-40B4-BE49-F238E27FC236}">
+                  <a16:creationId xmlns:a16="http://schemas.microsoft.com/office/drawing/2014/main" id="{3D0B281E-6E66-CB45-B17B-E0485D08B614}"/>
+                </a:ext>
+              </a:extLst>
+            </p:cNvPr>
+            <p:cNvSpPr txBox="1">
+              <a:spLocks noChangeArrowheads="1"/>
+            </p:cNvSpPr>
+            <p:nvPr/>
+          </p:nvSpPr>
+          <p:spPr bwMode="auto">
+            <a:xfrm>
+              <a:off x="8250071" y="3276601"/>
+              <a:ext cx="1339850" cy="430887"/>
+            </a:xfrm>
+            <a:prstGeom prst="rect">
+              <a:avLst/>
+            </a:prstGeom>
+            <a:noFill/>
+            <a:ln>
+              <a:noFill/>
+            </a:ln>
+            <a:extLst>
+              <a:ext uri="{909E8E84-426E-40DD-AFC4-6F175D3DCCD1}">
+                <a14:hiddenFill xmlns:a14="http://schemas.microsoft.com/office/drawing/2010/main">
+                  <a:solidFill>
+                    <a:srgbClr val="FFFFFF"/>
+                  </a:solidFill>
+                </a14:hiddenFill>
+              </a:ext>
+              <a:ext uri="{91240B29-F687-4F45-9708-019B960494DF}">
+                <a14:hiddenLine xmlns:a14="http://schemas.microsoft.com/office/drawing/2010/main" w="9525">
+                  <a:solidFill>
+                    <a:srgbClr val="000000"/>
+                  </a:solidFill>
+                  <a:miter lim="800000"/>
+                  <a:headEnd/>
+                  <a:tailEnd/>
+                </a14:hiddenLine>
+              </a:ext>
+            </a:extLst>
+          </p:spPr>
+          <p:txBody>
+            <a:bodyPr wrap="square">
+              <a:spAutoFit/>
+            </a:bodyPr>
+            <a:lstStyle>
+              <a:lvl1pPr>
+                <a:defRPr>
+                  <a:solidFill>
+                    <a:schemeClr val="tx1"/>
+                  </a:solidFill>
+                  <a:latin typeface="Calibri" panose="020F0502020204030204" pitchFamily="34" charset="0"/>
+                </a:defRPr>
+              </a:lvl1pPr>
+              <a:lvl2pPr marL="742950" indent="-285750">
+                <a:defRPr>
+                  <a:solidFill>
+                    <a:schemeClr val="tx1"/>
+                  </a:solidFill>
+                  <a:latin typeface="Calibri" panose="020F0502020204030204" pitchFamily="34" charset="0"/>
+                </a:defRPr>
+              </a:lvl2pPr>
+              <a:lvl3pPr marL="1143000" indent="-228600">
+                <a:defRPr>
+                  <a:solidFill>
+                    <a:schemeClr val="tx1"/>
+                  </a:solidFill>
+                  <a:latin typeface="Calibri" panose="020F0502020204030204" pitchFamily="34" charset="0"/>
+                </a:defRPr>
+              </a:lvl3pPr>
+              <a:lvl4pPr marL="1600200" indent="-228600">
+                <a:defRPr>
+                  <a:solidFill>
+                    <a:schemeClr val="tx1"/>
+                  </a:solidFill>
+                  <a:latin typeface="Calibri" panose="020F0502020204030204" pitchFamily="34" charset="0"/>
+                </a:defRPr>
+              </a:lvl4pPr>
+              <a:lvl5pPr marL="2057400" indent="-228600">
+                <a:defRPr>
+                  <a:solidFill>
+                    <a:schemeClr val="tx1"/>
+                  </a:solidFill>
+                  <a:latin typeface="Calibri" panose="020F0502020204030204" pitchFamily="34" charset="0"/>
+                </a:defRPr>
+              </a:lvl5pPr>
+              <a:lvl6pPr marL="2514600" indent="-228600" eaLnBrk="0" fontAlgn="base" hangingPunct="0">
+                <a:spcBef>
+                  <a:spcPct val="0"/>
+                </a:spcBef>
+                <a:spcAft>
+                  <a:spcPct val="0"/>
+                </a:spcAft>
+                <a:defRPr>
+                  <a:solidFill>
+                    <a:schemeClr val="tx1"/>
+                  </a:solidFill>
+                  <a:latin typeface="Calibri" panose="020F0502020204030204" pitchFamily="34" charset="0"/>
+                </a:defRPr>
+              </a:lvl6pPr>
+              <a:lvl7pPr marL="2971800" indent="-228600" eaLnBrk="0" fontAlgn="base" hangingPunct="0">
+                <a:spcBef>
+                  <a:spcPct val="0"/>
+                </a:spcBef>
+                <a:spcAft>
+                  <a:spcPct val="0"/>
+                </a:spcAft>
+                <a:defRPr>
+                  <a:solidFill>
+                    <a:schemeClr val="tx1"/>
+                  </a:solidFill>
+                  <a:latin typeface="Calibri" panose="020F0502020204030204" pitchFamily="34" charset="0"/>
+                </a:defRPr>
+              </a:lvl7pPr>
+              <a:lvl8pPr marL="3429000" indent="-228600" eaLnBrk="0" fontAlgn="base" hangingPunct="0">
+                <a:spcBef>
+                  <a:spcPct val="0"/>
+                </a:spcBef>
+                <a:spcAft>
+                  <a:spcPct val="0"/>
+                </a:spcAft>
+                <a:defRPr>
+                  <a:solidFill>
+                    <a:schemeClr val="tx1"/>
+                  </a:solidFill>
+                  <a:latin typeface="Calibri" panose="020F0502020204030204" pitchFamily="34" charset="0"/>
+                </a:defRPr>
+              </a:lvl8pPr>
+              <a:lvl9pPr marL="3886200" indent="-228600" eaLnBrk="0" fontAlgn="base" hangingPunct="0">
+                <a:spcBef>
+                  <a:spcPct val="0"/>
+                </a:spcBef>
+                <a:spcAft>
+                  <a:spcPct val="0"/>
+                </a:spcAft>
+                <a:defRPr>
+                  <a:solidFill>
+                    <a:schemeClr val="tx1"/>
+                  </a:solidFill>
+                  <a:latin typeface="Calibri" panose="020F0502020204030204" pitchFamily="34" charset="0"/>
+                </a:defRPr>
+              </a:lvl9pPr>
+            </a:lstStyle>
+            <a:p>
+              <a:pPr algn="ctr" eaLnBrk="1" hangingPunct="1"/>
+              <a:r>
+                <a:rPr lang="en-US" altLang="en-US" sz="1100" dirty="0">
+                  <a:latin typeface="Arial" panose="020B0604020202020204" pitchFamily="34" charset="0"/>
+                  <a:ea typeface="Amazon Ember" panose="020B0603020204020204" pitchFamily="34" charset="0"/>
+                  <a:cs typeface="Arial" panose="020B0604020202020204" pitchFamily="34" charset="0"/>
+                </a:rPr>
+                <a:t>Network Load </a:t>
+              </a:r>
+              <a:br>
+                <a:rPr lang="en-US" altLang="en-US" sz="1100" dirty="0">
+                  <a:latin typeface="Arial" panose="020B0604020202020204" pitchFamily="34" charset="0"/>
+                  <a:ea typeface="Amazon Ember" panose="020B0603020204020204" pitchFamily="34" charset="0"/>
+                  <a:cs typeface="Arial" panose="020B0604020202020204" pitchFamily="34" charset="0"/>
+                </a:rPr>
+              </a:br>
+              <a:r>
+                <a:rPr lang="en-US" altLang="en-US" sz="1100" dirty="0">
+                  <a:latin typeface="Arial" panose="020B0604020202020204" pitchFamily="34" charset="0"/>
+                  <a:ea typeface="Amazon Ember" panose="020B0603020204020204" pitchFamily="34" charset="0"/>
+                  <a:cs typeface="Arial" panose="020B0604020202020204" pitchFamily="34" charset="0"/>
+                </a:rPr>
+                <a:t>Balancer</a:t>
+              </a:r>
+            </a:p>
+          </p:txBody>
+        </p:sp>
+        <p:pic>
+          <p:nvPicPr>
+            <p:cNvPr id="61" name="Graphic 24">
+              <a:extLst>
+                <a:ext uri="{FF2B5EF4-FFF2-40B4-BE49-F238E27FC236}">
+                  <a16:creationId xmlns:a16="http://schemas.microsoft.com/office/drawing/2014/main" id="{10F380E4-9FC5-B44A-A5A1-F0B8C07F3311}"/>
+                </a:ext>
+              </a:extLst>
+            </p:cNvPr>
+            <p:cNvPicPr>
+              <a:picLocks noChangeAspect="1" noChangeArrowheads="1"/>
+            </p:cNvPicPr>
+            <p:nvPr/>
+          </p:nvPicPr>
+          <p:blipFill>
+            <a:blip r:embed="rId15">
+              <a:extLst>
+                <a:ext uri="{28A0092B-C50C-407E-A947-70E740481C1C}">
+                  <a14:useLocalDpi xmlns:a14="http://schemas.microsoft.com/office/drawing/2010/main" val="0"/>
+                </a:ext>
+              </a:extLst>
+            </a:blip>
+            <a:srcRect/>
+            <a:stretch>
+              <a:fillRect/>
+            </a:stretch>
+          </p:blipFill>
+          <p:spPr bwMode="auto">
+            <a:xfrm>
+              <a:off x="8687393" y="2805113"/>
+              <a:ext cx="457200" cy="457200"/>
+            </a:xfrm>
+            <a:prstGeom prst="rect">
+              <a:avLst/>
+            </a:prstGeom>
+            <a:noFill/>
+            <a:ln>
+              <a:noFill/>
+            </a:ln>
+            <a:extLst>
+              <a:ext uri="{909E8E84-426E-40DD-AFC4-6F175D3DCCD1}">
+                <a14:hiddenFill xmlns:a14="http://schemas.microsoft.com/office/drawing/2010/main">
+                  <a:solidFill>
+                    <a:srgbClr val="FFFFFF"/>
+                  </a:solidFill>
+                </a14:hiddenFill>
+              </a:ext>
+              <a:ext uri="{91240B29-F687-4F45-9708-019B960494DF}">
+                <a14:hiddenLine xmlns:a14="http://schemas.microsoft.com/office/drawing/2010/main" w="9525">
+                  <a:solidFill>
+                    <a:srgbClr val="000000"/>
+                  </a:solidFill>
+                  <a:miter lim="800000"/>
+                  <a:headEnd/>
+                  <a:tailEnd/>
+                </a14:hiddenLine>
+              </a:ext>
+            </a:extLst>
+          </p:spPr>
+        </p:pic>
+      </p:grpSp>
+      <p:cxnSp>
+        <p:nvCxnSpPr>
+          <p:cNvPr id="17" name="Straight Arrow Connector 16">
+            <a:extLst>
+              <a:ext uri="{FF2B5EF4-FFF2-40B4-BE49-F238E27FC236}">
+                <a16:creationId xmlns:a16="http://schemas.microsoft.com/office/drawing/2014/main" id="{FAA495DF-5E4F-9F47-BBF8-195CD3A36E4C}"/>
+              </a:ext>
+            </a:extLst>
+          </p:cNvPr>
+          <p:cNvCxnSpPr>
+            <a:stCxn id="61" idx="3"/>
+            <a:endCxn id="9" idx="1"/>
+          </p:cNvCxnSpPr>
+          <p:nvPr/>
+        </p:nvCxnSpPr>
+        <p:spPr>
+          <a:xfrm flipV="1">
+            <a:off x="3856976" y="3448866"/>
+            <a:ext cx="1191274" cy="2291"/>
+          </a:xfrm>
+          <a:prstGeom prst="straightConnector1">
+            <a:avLst/>
+          </a:prstGeom>
+          <a:ln>
+            <a:tailEnd type="arrow"/>
+          </a:ln>
+        </p:spPr>
+        <p:style>
+          <a:lnRef idx="1">
+            <a:schemeClr val="dk1"/>
+          </a:lnRef>
+          <a:fillRef idx="0">
+            <a:schemeClr val="dk1"/>
+          </a:fillRef>
+          <a:effectRef idx="0">
+            <a:schemeClr val="dk1"/>
+          </a:effectRef>
+          <a:fontRef idx="minor">
+            <a:schemeClr val="tx1"/>
+          </a:fontRef>
+        </p:style>
+      </p:cxnSp>
     </p:spTree>
     <p:extLst>
       <p:ext uri="{BB962C8B-B14F-4D97-AF65-F5344CB8AC3E}">

--- a/docs/images/Cribl_AWS.pptx
+++ b/docs/images/Cribl_AWS.pptx
@@ -7556,7 +7556,7 @@
                 <a:cs typeface="Source Sans Pro"/>
                 <a:sym typeface="Source Sans Pro"/>
               </a:rPr>
-              <a:t>Copyright © 2021 Cribl, Inc. All Rights Reserved.</a:t>
+              <a:t>Copyright © 2022 Cribl, Inc. All Rights Reserved.</a:t>
             </a:r>
             <a:endParaRPr dirty="0"/>
           </a:p>
@@ -9369,10 +9369,10 @@
       </p:sp>
       <p:sp>
         <p:nvSpPr>
-          <p:cNvPr id="7" name="Rectangle 6">
+          <p:cNvPr id="54" name="Rectangle 53">
             <a:extLst>
               <a:ext uri="{FF2B5EF4-FFF2-40B4-BE49-F238E27FC236}">
-                <a16:creationId xmlns:a16="http://schemas.microsoft.com/office/drawing/2014/main" id="{14E1F782-3753-C94A-BC41-58F4543E5CFA}"/>
+                <a16:creationId xmlns:a16="http://schemas.microsoft.com/office/drawing/2014/main" id="{FEBD3A11-0A53-5548-B23D-F0302A800AC4}"/>
               </a:ext>
             </a:extLst>
           </p:cNvPr>
@@ -9381,8 +9381,8 @@
         </p:nvSpPr>
         <p:spPr bwMode="auto">
           <a:xfrm>
-            <a:off x="909431" y="1430382"/>
-            <a:ext cx="10371550" cy="4378238"/>
+            <a:off x="909431" y="1159727"/>
+            <a:ext cx="10371550" cy="5012306"/>
           </a:xfrm>
           <a:prstGeom prst="rect">
             <a:avLst/>
@@ -9439,10 +9439,10 @@
       </p:sp>
       <p:sp>
         <p:nvSpPr>
-          <p:cNvPr id="8" name="Rectangle 7">
+          <p:cNvPr id="61" name="Rectangle 60">
             <a:extLst>
               <a:ext uri="{FF2B5EF4-FFF2-40B4-BE49-F238E27FC236}">
-                <a16:creationId xmlns:a16="http://schemas.microsoft.com/office/drawing/2014/main" id="{3CAB4C6C-D2C7-7849-8A20-5D3F6918DD4B}"/>
+                <a16:creationId xmlns:a16="http://schemas.microsoft.com/office/drawing/2014/main" id="{D8E5D898-20D0-8C46-8766-E15840912D76}"/>
               </a:ext>
             </a:extLst>
           </p:cNvPr>
@@ -9451,8 +9451,8 @@
         </p:nvSpPr>
         <p:spPr bwMode="auto">
           <a:xfrm>
-            <a:off x="528431" y="1049380"/>
-            <a:ext cx="11135138" cy="5172515"/>
+            <a:off x="528431" y="785446"/>
+            <a:ext cx="11135138" cy="5436449"/>
           </a:xfrm>
           <a:prstGeom prst="rect">
             <a:avLst/>
@@ -9508,10 +9508,10 @@
       </p:sp>
       <p:sp>
         <p:nvSpPr>
-          <p:cNvPr id="9" name="Rectangle 8">
+          <p:cNvPr id="67" name="Rectangle 66">
             <a:extLst>
               <a:ext uri="{FF2B5EF4-FFF2-40B4-BE49-F238E27FC236}">
-                <a16:creationId xmlns:a16="http://schemas.microsoft.com/office/drawing/2014/main" id="{A88BD5B1-1FCC-2443-9823-D0A2DACDBBB0}"/>
+                <a16:creationId xmlns:a16="http://schemas.microsoft.com/office/drawing/2014/main" id="{4746DD2E-1599-F849-8085-AC801BEA8C52}"/>
               </a:ext>
             </a:extLst>
           </p:cNvPr>
@@ -9520,8 +9520,8 @@
         </p:nvSpPr>
         <p:spPr bwMode="auto">
           <a:xfrm>
-            <a:off x="2950126" y="2912162"/>
-            <a:ext cx="2095500" cy="1381541"/>
+            <a:off x="2950126" y="3141015"/>
+            <a:ext cx="2095500" cy="1500810"/>
           </a:xfrm>
           <a:prstGeom prst="rect">
             <a:avLst/>
@@ -9578,6 +9578,3292 @@
       </p:sp>
       <p:sp>
         <p:nvSpPr>
+          <p:cNvPr id="68" name="Rectangle 67">
+            <a:extLst>
+              <a:ext uri="{FF2B5EF4-FFF2-40B4-BE49-F238E27FC236}">
+                <a16:creationId xmlns:a16="http://schemas.microsoft.com/office/drawing/2014/main" id="{883AED54-4697-AB46-A7AC-32D5E0BD1607}"/>
+              </a:ext>
+            </a:extLst>
+          </p:cNvPr>
+          <p:cNvSpPr/>
+          <p:nvPr/>
+        </p:nvSpPr>
+        <p:spPr bwMode="auto">
+          <a:xfrm>
+            <a:off x="7152238" y="3141015"/>
+            <a:ext cx="2095500" cy="1500810"/>
+          </a:xfrm>
+          <a:prstGeom prst="rect">
+            <a:avLst/>
+          </a:prstGeom>
+          <a:noFill/>
+          <a:ln w="12700">
+            <a:solidFill>
+              <a:srgbClr val="5B9CD5"/>
+            </a:solidFill>
+            <a:prstDash val="dash"/>
+          </a:ln>
+        </p:spPr>
+        <p:style>
+          <a:lnRef idx="2">
+            <a:schemeClr val="accent1">
+              <a:shade val="50000"/>
+            </a:schemeClr>
+          </a:lnRef>
+          <a:fillRef idx="1">
+            <a:schemeClr val="accent1"/>
+          </a:fillRef>
+          <a:effectRef idx="0">
+            <a:schemeClr val="accent1"/>
+          </a:effectRef>
+          <a:fontRef idx="minor">
+            <a:schemeClr val="lt1"/>
+          </a:fontRef>
+        </p:style>
+        <p:txBody>
+          <a:bodyPr tIns="91440"/>
+          <a:lstStyle/>
+          <a:p>
+            <a:pPr algn="ctr" eaLnBrk="1" fontAlgn="auto" hangingPunct="1">
+              <a:spcBef>
+                <a:spcPts val="0"/>
+              </a:spcBef>
+              <a:spcAft>
+                <a:spcPts val="0"/>
+              </a:spcAft>
+              <a:defRPr/>
+            </a:pPr>
+            <a:r>
+              <a:rPr lang="en-US" sz="1200" dirty="0">
+                <a:solidFill>
+                  <a:srgbClr val="5B9CD5"/>
+                </a:solidFill>
+                <a:latin typeface="Arial" panose="020B0604020202020204" pitchFamily="34" charset="0"/>
+                <a:cs typeface="Arial" panose="020B0604020202020204" pitchFamily="34" charset="0"/>
+              </a:rPr>
+              <a:t>Availability Zone 2</a:t>
+            </a:r>
+          </a:p>
+        </p:txBody>
+      </p:sp>
+      <p:pic>
+        <p:nvPicPr>
+          <p:cNvPr id="69" name="Graphic 17">
+            <a:extLst>
+              <a:ext uri="{FF2B5EF4-FFF2-40B4-BE49-F238E27FC236}">
+                <a16:creationId xmlns:a16="http://schemas.microsoft.com/office/drawing/2014/main" id="{B136E323-D761-6149-B4D3-81FD278E8F68}"/>
+              </a:ext>
+            </a:extLst>
+          </p:cNvPr>
+          <p:cNvPicPr>
+            <a:picLocks noChangeAspect="1" noChangeArrowheads="1"/>
+          </p:cNvPicPr>
+          <p:nvPr/>
+        </p:nvPicPr>
+        <p:blipFill>
+          <a:blip r:embed="rId2">
+            <a:extLst>
+              <a:ext uri="{28A0092B-C50C-407E-A947-70E740481C1C}">
+                <a14:useLocalDpi xmlns:a14="http://schemas.microsoft.com/office/drawing/2010/main" val="0"/>
+              </a:ext>
+            </a:extLst>
+          </a:blip>
+          <a:srcRect/>
+          <a:stretch>
+            <a:fillRect/>
+          </a:stretch>
+        </p:blipFill>
+        <p:spPr bwMode="auto">
+          <a:xfrm>
+            <a:off x="3762926" y="3631873"/>
+            <a:ext cx="469900" cy="469900"/>
+          </a:xfrm>
+          <a:prstGeom prst="rect">
+            <a:avLst/>
+          </a:prstGeom>
+          <a:noFill/>
+          <a:ln>
+            <a:noFill/>
+          </a:ln>
+          <a:extLst>
+            <a:ext uri="{909E8E84-426E-40DD-AFC4-6F175D3DCCD1}">
+              <a14:hiddenFill xmlns:a14="http://schemas.microsoft.com/office/drawing/2010/main">
+                <a:solidFill>
+                  <a:srgbClr val="FFFFFF"/>
+                </a:solidFill>
+              </a14:hiddenFill>
+            </a:ext>
+            <a:ext uri="{91240B29-F687-4F45-9708-019B960494DF}">
+              <a14:hiddenLine xmlns:a14="http://schemas.microsoft.com/office/drawing/2010/main" w="9525">
+                <a:solidFill>
+                  <a:srgbClr val="000000"/>
+                </a:solidFill>
+                <a:miter lim="800000"/>
+                <a:headEnd/>
+                <a:tailEnd/>
+              </a14:hiddenLine>
+            </a:ext>
+          </a:extLst>
+        </p:spPr>
+      </p:pic>
+      <p:sp>
+        <p:nvSpPr>
+          <p:cNvPr id="70" name="TextBox 18">
+            <a:extLst>
+              <a:ext uri="{FF2B5EF4-FFF2-40B4-BE49-F238E27FC236}">
+                <a16:creationId xmlns:a16="http://schemas.microsoft.com/office/drawing/2014/main" id="{1EC81558-889F-2F42-8968-6AA5D629C5C8}"/>
+              </a:ext>
+            </a:extLst>
+          </p:cNvPr>
+          <p:cNvSpPr txBox="1">
+            <a:spLocks noChangeArrowheads="1"/>
+          </p:cNvSpPr>
+          <p:nvPr/>
+        </p:nvSpPr>
+        <p:spPr bwMode="auto">
+          <a:xfrm>
+            <a:off x="3113699" y="4077243"/>
+            <a:ext cx="1767152" cy="261610"/>
+          </a:xfrm>
+          <a:prstGeom prst="rect">
+            <a:avLst/>
+          </a:prstGeom>
+          <a:noFill/>
+          <a:ln>
+            <a:noFill/>
+          </a:ln>
+          <a:extLst>
+            <a:ext uri="{909E8E84-426E-40DD-AFC4-6F175D3DCCD1}">
+              <a14:hiddenFill xmlns:a14="http://schemas.microsoft.com/office/drawing/2010/main">
+                <a:solidFill>
+                  <a:srgbClr val="FFFFFF"/>
+                </a:solidFill>
+              </a14:hiddenFill>
+            </a:ext>
+            <a:ext uri="{91240B29-F687-4F45-9708-019B960494DF}">
+              <a14:hiddenLine xmlns:a14="http://schemas.microsoft.com/office/drawing/2010/main" w="9525">
+                <a:solidFill>
+                  <a:srgbClr val="000000"/>
+                </a:solidFill>
+                <a:miter lim="800000"/>
+                <a:headEnd/>
+                <a:tailEnd/>
+              </a14:hiddenLine>
+            </a:ext>
+          </a:extLst>
+        </p:spPr>
+        <p:txBody>
+          <a:bodyPr>
+            <a:spAutoFit/>
+          </a:bodyPr>
+          <a:lstStyle>
+            <a:lvl1pPr>
+              <a:defRPr>
+                <a:solidFill>
+                  <a:schemeClr val="tx1"/>
+                </a:solidFill>
+                <a:latin typeface="Calibri" panose="020F0502020204030204" pitchFamily="34" charset="0"/>
+              </a:defRPr>
+            </a:lvl1pPr>
+            <a:lvl2pPr marL="742950" indent="-285750">
+              <a:defRPr>
+                <a:solidFill>
+                  <a:schemeClr val="tx1"/>
+                </a:solidFill>
+                <a:latin typeface="Calibri" panose="020F0502020204030204" pitchFamily="34" charset="0"/>
+              </a:defRPr>
+            </a:lvl2pPr>
+            <a:lvl3pPr marL="1143000" indent="-228600">
+              <a:defRPr>
+                <a:solidFill>
+                  <a:schemeClr val="tx1"/>
+                </a:solidFill>
+                <a:latin typeface="Calibri" panose="020F0502020204030204" pitchFamily="34" charset="0"/>
+              </a:defRPr>
+            </a:lvl3pPr>
+            <a:lvl4pPr marL="1600200" indent="-228600">
+              <a:defRPr>
+                <a:solidFill>
+                  <a:schemeClr val="tx1"/>
+                </a:solidFill>
+                <a:latin typeface="Calibri" panose="020F0502020204030204" pitchFamily="34" charset="0"/>
+              </a:defRPr>
+            </a:lvl4pPr>
+            <a:lvl5pPr marL="2057400" indent="-228600">
+              <a:defRPr>
+                <a:solidFill>
+                  <a:schemeClr val="tx1"/>
+                </a:solidFill>
+                <a:latin typeface="Calibri" panose="020F0502020204030204" pitchFamily="34" charset="0"/>
+              </a:defRPr>
+            </a:lvl5pPr>
+            <a:lvl6pPr marL="2514600" indent="-228600" eaLnBrk="0" fontAlgn="base" hangingPunct="0">
+              <a:spcBef>
+                <a:spcPct val="0"/>
+              </a:spcBef>
+              <a:spcAft>
+                <a:spcPct val="0"/>
+              </a:spcAft>
+              <a:defRPr>
+                <a:solidFill>
+                  <a:schemeClr val="tx1"/>
+                </a:solidFill>
+                <a:latin typeface="Calibri" panose="020F0502020204030204" pitchFamily="34" charset="0"/>
+              </a:defRPr>
+            </a:lvl6pPr>
+            <a:lvl7pPr marL="2971800" indent="-228600" eaLnBrk="0" fontAlgn="base" hangingPunct="0">
+              <a:spcBef>
+                <a:spcPct val="0"/>
+              </a:spcBef>
+              <a:spcAft>
+                <a:spcPct val="0"/>
+              </a:spcAft>
+              <a:defRPr>
+                <a:solidFill>
+                  <a:schemeClr val="tx1"/>
+                </a:solidFill>
+                <a:latin typeface="Calibri" panose="020F0502020204030204" pitchFamily="34" charset="0"/>
+              </a:defRPr>
+            </a:lvl7pPr>
+            <a:lvl8pPr marL="3429000" indent="-228600" eaLnBrk="0" fontAlgn="base" hangingPunct="0">
+              <a:spcBef>
+                <a:spcPct val="0"/>
+              </a:spcBef>
+              <a:spcAft>
+                <a:spcPct val="0"/>
+              </a:spcAft>
+              <a:defRPr>
+                <a:solidFill>
+                  <a:schemeClr val="tx1"/>
+                </a:solidFill>
+                <a:latin typeface="Calibri" panose="020F0502020204030204" pitchFamily="34" charset="0"/>
+              </a:defRPr>
+            </a:lvl8pPr>
+            <a:lvl9pPr marL="3886200" indent="-228600" eaLnBrk="0" fontAlgn="base" hangingPunct="0">
+              <a:spcBef>
+                <a:spcPct val="0"/>
+              </a:spcBef>
+              <a:spcAft>
+                <a:spcPct val="0"/>
+              </a:spcAft>
+              <a:defRPr>
+                <a:solidFill>
+                  <a:schemeClr val="tx1"/>
+                </a:solidFill>
+                <a:latin typeface="Calibri" panose="020F0502020204030204" pitchFamily="34" charset="0"/>
+              </a:defRPr>
+            </a:lvl9pPr>
+          </a:lstStyle>
+          <a:p>
+            <a:pPr algn="ctr" eaLnBrk="1" hangingPunct="1"/>
+            <a:r>
+              <a:rPr lang="en-US" altLang="en-US" sz="1100" dirty="0">
+                <a:solidFill>
+                  <a:srgbClr val="232F3E"/>
+                </a:solidFill>
+                <a:latin typeface="Arial" panose="020B0604020202020204" pitchFamily="34" charset="0"/>
+                <a:cs typeface="Arial" panose="020B0604020202020204" pitchFamily="34" charset="0"/>
+              </a:rPr>
+              <a:t>LogStream Worker(s)</a:t>
+            </a:r>
+          </a:p>
+        </p:txBody>
+      </p:sp>
+      <p:pic>
+        <p:nvPicPr>
+          <p:cNvPr id="71" name="Graphic 19">
+            <a:extLst>
+              <a:ext uri="{FF2B5EF4-FFF2-40B4-BE49-F238E27FC236}">
+                <a16:creationId xmlns:a16="http://schemas.microsoft.com/office/drawing/2014/main" id="{06DA931F-6720-0247-935B-735903927869}"/>
+              </a:ext>
+            </a:extLst>
+          </p:cNvPr>
+          <p:cNvPicPr>
+            <a:picLocks noChangeAspect="1" noChangeArrowheads="1"/>
+          </p:cNvPicPr>
+          <p:nvPr/>
+        </p:nvPicPr>
+        <p:blipFill>
+          <a:blip r:embed="rId2">
+            <a:extLst>
+              <a:ext uri="{28A0092B-C50C-407E-A947-70E740481C1C}">
+                <a14:useLocalDpi xmlns:a14="http://schemas.microsoft.com/office/drawing/2010/main" val="0"/>
+              </a:ext>
+            </a:extLst>
+          </a:blip>
+          <a:srcRect/>
+          <a:stretch>
+            <a:fillRect/>
+          </a:stretch>
+        </p:blipFill>
+        <p:spPr bwMode="auto">
+          <a:xfrm>
+            <a:off x="7965038" y="3631873"/>
+            <a:ext cx="469900" cy="469900"/>
+          </a:xfrm>
+          <a:prstGeom prst="rect">
+            <a:avLst/>
+          </a:prstGeom>
+          <a:noFill/>
+          <a:ln>
+            <a:noFill/>
+          </a:ln>
+          <a:extLst>
+            <a:ext uri="{909E8E84-426E-40DD-AFC4-6F175D3DCCD1}">
+              <a14:hiddenFill xmlns:a14="http://schemas.microsoft.com/office/drawing/2010/main">
+                <a:solidFill>
+                  <a:srgbClr val="FFFFFF"/>
+                </a:solidFill>
+              </a14:hiddenFill>
+            </a:ext>
+            <a:ext uri="{91240B29-F687-4F45-9708-019B960494DF}">
+              <a14:hiddenLine xmlns:a14="http://schemas.microsoft.com/office/drawing/2010/main" w="9525">
+                <a:solidFill>
+                  <a:srgbClr val="000000"/>
+                </a:solidFill>
+                <a:miter lim="800000"/>
+                <a:headEnd/>
+                <a:tailEnd/>
+              </a14:hiddenLine>
+            </a:ext>
+          </a:extLst>
+        </p:spPr>
+      </p:pic>
+      <p:sp>
+        <p:nvSpPr>
+          <p:cNvPr id="72" name="TextBox 20">
+            <a:extLst>
+              <a:ext uri="{FF2B5EF4-FFF2-40B4-BE49-F238E27FC236}">
+                <a16:creationId xmlns:a16="http://schemas.microsoft.com/office/drawing/2014/main" id="{6621EFC9-FDC1-8840-B9BB-C18CDAEC2465}"/>
+              </a:ext>
+            </a:extLst>
+          </p:cNvPr>
+          <p:cNvSpPr txBox="1">
+            <a:spLocks noChangeArrowheads="1"/>
+          </p:cNvSpPr>
+          <p:nvPr/>
+        </p:nvSpPr>
+        <p:spPr bwMode="auto">
+          <a:xfrm>
+            <a:off x="7316029" y="4077243"/>
+            <a:ext cx="1767152" cy="261610"/>
+          </a:xfrm>
+          <a:prstGeom prst="rect">
+            <a:avLst/>
+          </a:prstGeom>
+          <a:noFill/>
+          <a:ln>
+            <a:noFill/>
+          </a:ln>
+          <a:extLst>
+            <a:ext uri="{909E8E84-426E-40DD-AFC4-6F175D3DCCD1}">
+              <a14:hiddenFill xmlns:a14="http://schemas.microsoft.com/office/drawing/2010/main">
+                <a:solidFill>
+                  <a:srgbClr val="FFFFFF"/>
+                </a:solidFill>
+              </a14:hiddenFill>
+            </a:ext>
+            <a:ext uri="{91240B29-F687-4F45-9708-019B960494DF}">
+              <a14:hiddenLine xmlns:a14="http://schemas.microsoft.com/office/drawing/2010/main" w="9525">
+                <a:solidFill>
+                  <a:srgbClr val="000000"/>
+                </a:solidFill>
+                <a:miter lim="800000"/>
+                <a:headEnd/>
+                <a:tailEnd/>
+              </a14:hiddenLine>
+            </a:ext>
+          </a:extLst>
+        </p:spPr>
+        <p:txBody>
+          <a:bodyPr>
+            <a:spAutoFit/>
+          </a:bodyPr>
+          <a:lstStyle>
+            <a:lvl1pPr>
+              <a:defRPr>
+                <a:solidFill>
+                  <a:schemeClr val="tx1"/>
+                </a:solidFill>
+                <a:latin typeface="Calibri" panose="020F0502020204030204" pitchFamily="34" charset="0"/>
+              </a:defRPr>
+            </a:lvl1pPr>
+            <a:lvl2pPr marL="742950" indent="-285750">
+              <a:defRPr>
+                <a:solidFill>
+                  <a:schemeClr val="tx1"/>
+                </a:solidFill>
+                <a:latin typeface="Calibri" panose="020F0502020204030204" pitchFamily="34" charset="0"/>
+              </a:defRPr>
+            </a:lvl2pPr>
+            <a:lvl3pPr marL="1143000" indent="-228600">
+              <a:defRPr>
+                <a:solidFill>
+                  <a:schemeClr val="tx1"/>
+                </a:solidFill>
+                <a:latin typeface="Calibri" panose="020F0502020204030204" pitchFamily="34" charset="0"/>
+              </a:defRPr>
+            </a:lvl3pPr>
+            <a:lvl4pPr marL="1600200" indent="-228600">
+              <a:defRPr>
+                <a:solidFill>
+                  <a:schemeClr val="tx1"/>
+                </a:solidFill>
+                <a:latin typeface="Calibri" panose="020F0502020204030204" pitchFamily="34" charset="0"/>
+              </a:defRPr>
+            </a:lvl4pPr>
+            <a:lvl5pPr marL="2057400" indent="-228600">
+              <a:defRPr>
+                <a:solidFill>
+                  <a:schemeClr val="tx1"/>
+                </a:solidFill>
+                <a:latin typeface="Calibri" panose="020F0502020204030204" pitchFamily="34" charset="0"/>
+              </a:defRPr>
+            </a:lvl5pPr>
+            <a:lvl6pPr marL="2514600" indent="-228600" eaLnBrk="0" fontAlgn="base" hangingPunct="0">
+              <a:spcBef>
+                <a:spcPct val="0"/>
+              </a:spcBef>
+              <a:spcAft>
+                <a:spcPct val="0"/>
+              </a:spcAft>
+              <a:defRPr>
+                <a:solidFill>
+                  <a:schemeClr val="tx1"/>
+                </a:solidFill>
+                <a:latin typeface="Calibri" panose="020F0502020204030204" pitchFamily="34" charset="0"/>
+              </a:defRPr>
+            </a:lvl6pPr>
+            <a:lvl7pPr marL="2971800" indent="-228600" eaLnBrk="0" fontAlgn="base" hangingPunct="0">
+              <a:spcBef>
+                <a:spcPct val="0"/>
+              </a:spcBef>
+              <a:spcAft>
+                <a:spcPct val="0"/>
+              </a:spcAft>
+              <a:defRPr>
+                <a:solidFill>
+                  <a:schemeClr val="tx1"/>
+                </a:solidFill>
+                <a:latin typeface="Calibri" panose="020F0502020204030204" pitchFamily="34" charset="0"/>
+              </a:defRPr>
+            </a:lvl7pPr>
+            <a:lvl8pPr marL="3429000" indent="-228600" eaLnBrk="0" fontAlgn="base" hangingPunct="0">
+              <a:spcBef>
+                <a:spcPct val="0"/>
+              </a:spcBef>
+              <a:spcAft>
+                <a:spcPct val="0"/>
+              </a:spcAft>
+              <a:defRPr>
+                <a:solidFill>
+                  <a:schemeClr val="tx1"/>
+                </a:solidFill>
+                <a:latin typeface="Calibri" panose="020F0502020204030204" pitchFamily="34" charset="0"/>
+              </a:defRPr>
+            </a:lvl8pPr>
+            <a:lvl9pPr marL="3886200" indent="-228600" eaLnBrk="0" fontAlgn="base" hangingPunct="0">
+              <a:spcBef>
+                <a:spcPct val="0"/>
+              </a:spcBef>
+              <a:spcAft>
+                <a:spcPct val="0"/>
+              </a:spcAft>
+              <a:defRPr>
+                <a:solidFill>
+                  <a:schemeClr val="tx1"/>
+                </a:solidFill>
+                <a:latin typeface="Calibri" panose="020F0502020204030204" pitchFamily="34" charset="0"/>
+              </a:defRPr>
+            </a:lvl9pPr>
+          </a:lstStyle>
+          <a:p>
+            <a:pPr algn="ctr"/>
+            <a:r>
+              <a:rPr lang="en-US" altLang="en-US" sz="1100" dirty="0">
+                <a:solidFill>
+                  <a:srgbClr val="232F3E"/>
+                </a:solidFill>
+                <a:latin typeface="Arial" panose="020B0604020202020204" pitchFamily="34" charset="0"/>
+                <a:cs typeface="Arial" panose="020B0604020202020204" pitchFamily="34" charset="0"/>
+              </a:rPr>
+              <a:t>LogStream Worker(s)</a:t>
+            </a:r>
+          </a:p>
+        </p:txBody>
+      </p:sp>
+      <p:sp>
+        <p:nvSpPr>
+          <p:cNvPr id="73" name="Rectangle 72">
+            <a:extLst>
+              <a:ext uri="{FF2B5EF4-FFF2-40B4-BE49-F238E27FC236}">
+                <a16:creationId xmlns:a16="http://schemas.microsoft.com/office/drawing/2014/main" id="{182EB2E6-6E0A-1247-806D-25EED0ACEE4A}"/>
+              </a:ext>
+            </a:extLst>
+          </p:cNvPr>
+          <p:cNvSpPr/>
+          <p:nvPr/>
+        </p:nvSpPr>
+        <p:spPr>
+          <a:xfrm>
+            <a:off x="3035851" y="3485823"/>
+            <a:ext cx="6118225" cy="969963"/>
+          </a:xfrm>
+          <a:prstGeom prst="rect">
+            <a:avLst/>
+          </a:prstGeom>
+          <a:noFill/>
+          <a:ln w="12700">
+            <a:solidFill>
+              <a:srgbClr val="D86613"/>
+            </a:solidFill>
+            <a:prstDash val="dash"/>
+          </a:ln>
+        </p:spPr>
+        <p:style>
+          <a:lnRef idx="2">
+            <a:schemeClr val="accent1">
+              <a:shade val="50000"/>
+            </a:schemeClr>
+          </a:lnRef>
+          <a:fillRef idx="1">
+            <a:schemeClr val="accent1"/>
+          </a:fillRef>
+          <a:effectRef idx="0">
+            <a:schemeClr val="accent1"/>
+          </a:effectRef>
+          <a:fontRef idx="minor">
+            <a:schemeClr val="lt1"/>
+          </a:fontRef>
+        </p:style>
+        <p:txBody>
+          <a:bodyPr tIns="91440"/>
+          <a:lstStyle/>
+          <a:p>
+            <a:pPr algn="ctr" eaLnBrk="1" fontAlgn="auto" hangingPunct="1">
+              <a:spcBef>
+                <a:spcPts val="0"/>
+              </a:spcBef>
+              <a:spcAft>
+                <a:spcPts val="0"/>
+              </a:spcAft>
+              <a:defRPr/>
+            </a:pPr>
+            <a:endParaRPr lang="en-US" sz="1200" dirty="0">
+              <a:solidFill>
+                <a:srgbClr val="D86613"/>
+              </a:solidFill>
+              <a:latin typeface="Arial" panose="020B0604020202020204" pitchFamily="34" charset="0"/>
+              <a:cs typeface="Arial" panose="020B0604020202020204" pitchFamily="34" charset="0"/>
+            </a:endParaRPr>
+          </a:p>
+          <a:p>
+            <a:pPr algn="ctr" eaLnBrk="1" fontAlgn="auto" hangingPunct="1">
+              <a:spcBef>
+                <a:spcPts val="0"/>
+              </a:spcBef>
+              <a:spcAft>
+                <a:spcPts val="0"/>
+              </a:spcAft>
+              <a:defRPr/>
+            </a:pPr>
+            <a:endParaRPr lang="en-US" sz="1200" dirty="0">
+              <a:solidFill>
+                <a:srgbClr val="D86613"/>
+              </a:solidFill>
+              <a:latin typeface="Arial" panose="020B0604020202020204" pitchFamily="34" charset="0"/>
+              <a:cs typeface="Arial" panose="020B0604020202020204" pitchFamily="34" charset="0"/>
+            </a:endParaRPr>
+          </a:p>
+          <a:p>
+            <a:pPr algn="ctr" eaLnBrk="1" fontAlgn="auto" hangingPunct="1">
+              <a:spcBef>
+                <a:spcPts val="0"/>
+              </a:spcBef>
+              <a:spcAft>
+                <a:spcPts val="0"/>
+              </a:spcAft>
+              <a:defRPr/>
+            </a:pPr>
+            <a:r>
+              <a:rPr lang="en-US" sz="1200" dirty="0">
+                <a:solidFill>
+                  <a:srgbClr val="D86613"/>
+                </a:solidFill>
+                <a:latin typeface="Arial" panose="020B0604020202020204" pitchFamily="34" charset="0"/>
+                <a:cs typeface="Arial" panose="020B0604020202020204" pitchFamily="34" charset="0"/>
+              </a:rPr>
+              <a:t>Auto Scaling group</a:t>
+            </a:r>
+          </a:p>
+        </p:txBody>
+      </p:sp>
+      <p:pic>
+        <p:nvPicPr>
+          <p:cNvPr id="74" name="Graphic 73">
+            <a:extLst>
+              <a:ext uri="{FF2B5EF4-FFF2-40B4-BE49-F238E27FC236}">
+                <a16:creationId xmlns:a16="http://schemas.microsoft.com/office/drawing/2014/main" id="{AFE8068F-3477-4E4D-8F82-C217F94C89CB}"/>
+              </a:ext>
+            </a:extLst>
+          </p:cNvPr>
+          <p:cNvPicPr>
+            <a:picLocks noChangeAspect="1"/>
+          </p:cNvPicPr>
+          <p:nvPr/>
+        </p:nvPicPr>
+        <p:blipFill>
+          <a:blip r:embed="rId3">
+            <a:extLst>
+              <a:ext uri="{96DAC541-7B7A-43D3-8B79-37D633B846F1}">
+                <asvg:svgBlip xmlns:asvg="http://schemas.microsoft.com/office/drawing/2016/SVG/main" r:embed="rId4"/>
+              </a:ext>
+            </a:extLst>
+          </a:blip>
+          <a:srcRect/>
+          <a:stretch/>
+        </p:blipFill>
+        <p:spPr>
+          <a:xfrm>
+            <a:off x="540154" y="788779"/>
+            <a:ext cx="381000" cy="381000"/>
+          </a:xfrm>
+          <a:prstGeom prst="rect">
+            <a:avLst/>
+          </a:prstGeom>
+        </p:spPr>
+      </p:pic>
+      <p:pic>
+        <p:nvPicPr>
+          <p:cNvPr id="75" name="Graphic 74">
+            <a:extLst>
+              <a:ext uri="{FF2B5EF4-FFF2-40B4-BE49-F238E27FC236}">
+                <a16:creationId xmlns:a16="http://schemas.microsoft.com/office/drawing/2014/main" id="{719918BF-A3AA-A142-B0CE-C4D7D69614D1}"/>
+              </a:ext>
+            </a:extLst>
+          </p:cNvPr>
+          <p:cNvPicPr>
+            <a:picLocks noChangeAspect="1"/>
+          </p:cNvPicPr>
+          <p:nvPr/>
+        </p:nvPicPr>
+        <p:blipFill>
+          <a:blip r:embed="rId5">
+            <a:extLst>
+              <a:ext uri="{96DAC541-7B7A-43D3-8B79-37D633B846F1}">
+                <asvg:svgBlip xmlns:asvg="http://schemas.microsoft.com/office/drawing/2016/SVG/main" r:embed="rId6"/>
+              </a:ext>
+            </a:extLst>
+          </a:blip>
+          <a:stretch>
+            <a:fillRect/>
+          </a:stretch>
+        </p:blipFill>
+        <p:spPr>
+          <a:xfrm>
+            <a:off x="923153" y="1155123"/>
+            <a:ext cx="381000" cy="381000"/>
+          </a:xfrm>
+          <a:prstGeom prst="rect">
+            <a:avLst/>
+          </a:prstGeom>
+        </p:spPr>
+      </p:pic>
+      <p:pic>
+        <p:nvPicPr>
+          <p:cNvPr id="76" name="Graphic 75">
+            <a:extLst>
+              <a:ext uri="{FF2B5EF4-FFF2-40B4-BE49-F238E27FC236}">
+                <a16:creationId xmlns:a16="http://schemas.microsoft.com/office/drawing/2014/main" id="{34137930-1CA6-8247-A253-D225729D49A1}"/>
+              </a:ext>
+            </a:extLst>
+          </p:cNvPr>
+          <p:cNvPicPr>
+            <a:picLocks noChangeAspect="1"/>
+          </p:cNvPicPr>
+          <p:nvPr/>
+        </p:nvPicPr>
+        <p:blipFill>
+          <a:blip r:embed="rId7">
+            <a:extLst>
+              <a:ext uri="{96DAC541-7B7A-43D3-8B79-37D633B846F1}">
+                <asvg:svgBlip xmlns:asvg="http://schemas.microsoft.com/office/drawing/2016/SVG/main" r:embed="rId8"/>
+              </a:ext>
+            </a:extLst>
+          </a:blip>
+          <a:stretch>
+            <a:fillRect/>
+          </a:stretch>
+        </p:blipFill>
+        <p:spPr>
+          <a:xfrm>
+            <a:off x="5902876" y="3482761"/>
+            <a:ext cx="381000" cy="381000"/>
+          </a:xfrm>
+          <a:prstGeom prst="rect">
+            <a:avLst/>
+          </a:prstGeom>
+        </p:spPr>
+      </p:pic>
+      <p:pic>
+        <p:nvPicPr>
+          <p:cNvPr id="77" name="Graphic 17">
+            <a:extLst>
+              <a:ext uri="{FF2B5EF4-FFF2-40B4-BE49-F238E27FC236}">
+                <a16:creationId xmlns:a16="http://schemas.microsoft.com/office/drawing/2014/main" id="{889BA0A1-8FB6-7E45-A7BA-9D42186C01FF}"/>
+              </a:ext>
+            </a:extLst>
+          </p:cNvPr>
+          <p:cNvPicPr>
+            <a:picLocks noChangeAspect="1" noChangeArrowheads="1"/>
+          </p:cNvPicPr>
+          <p:nvPr/>
+        </p:nvPicPr>
+        <p:blipFill>
+          <a:blip r:embed="rId2">
+            <a:extLst>
+              <a:ext uri="{28A0092B-C50C-407E-A947-70E740481C1C}">
+                <a14:useLocalDpi xmlns:a14="http://schemas.microsoft.com/office/drawing/2010/main" val="0"/>
+              </a:ext>
+            </a:extLst>
+          </a:blip>
+          <a:srcRect/>
+          <a:stretch>
+            <a:fillRect/>
+          </a:stretch>
+        </p:blipFill>
+        <p:spPr bwMode="auto">
+          <a:xfrm>
+            <a:off x="5854937" y="1764931"/>
+            <a:ext cx="469900" cy="469900"/>
+          </a:xfrm>
+          <a:prstGeom prst="rect">
+            <a:avLst/>
+          </a:prstGeom>
+          <a:noFill/>
+          <a:ln>
+            <a:noFill/>
+          </a:ln>
+          <a:extLst>
+            <a:ext uri="{909E8E84-426E-40DD-AFC4-6F175D3DCCD1}">
+              <a14:hiddenFill xmlns:a14="http://schemas.microsoft.com/office/drawing/2010/main">
+                <a:solidFill>
+                  <a:srgbClr val="FFFFFF"/>
+                </a:solidFill>
+              </a14:hiddenFill>
+            </a:ext>
+            <a:ext uri="{91240B29-F687-4F45-9708-019B960494DF}">
+              <a14:hiddenLine xmlns:a14="http://schemas.microsoft.com/office/drawing/2010/main" w="9525">
+                <a:solidFill>
+                  <a:srgbClr val="000000"/>
+                </a:solidFill>
+                <a:miter lim="800000"/>
+                <a:headEnd/>
+                <a:tailEnd/>
+              </a14:hiddenLine>
+            </a:ext>
+          </a:extLst>
+        </p:spPr>
+      </p:pic>
+      <p:grpSp>
+        <p:nvGrpSpPr>
+          <p:cNvPr id="78" name="Group 77">
+            <a:extLst>
+              <a:ext uri="{FF2B5EF4-FFF2-40B4-BE49-F238E27FC236}">
+                <a16:creationId xmlns:a16="http://schemas.microsoft.com/office/drawing/2014/main" id="{A22AB4FB-41CB-2548-BD9C-B35D1B78A0AB}"/>
+              </a:ext>
+            </a:extLst>
+          </p:cNvPr>
+          <p:cNvGrpSpPr/>
+          <p:nvPr/>
+        </p:nvGrpSpPr>
+        <p:grpSpPr>
+          <a:xfrm>
+            <a:off x="1270006" y="4711733"/>
+            <a:ext cx="4871245" cy="1376276"/>
+            <a:chOff x="1973386" y="4348320"/>
+            <a:chExt cx="4871245" cy="1376276"/>
+          </a:xfrm>
+        </p:grpSpPr>
+        <p:sp>
+          <p:nvSpPr>
+            <p:cNvPr id="79" name="Rectangle 78">
+              <a:extLst>
+                <a:ext uri="{FF2B5EF4-FFF2-40B4-BE49-F238E27FC236}">
+                  <a16:creationId xmlns:a16="http://schemas.microsoft.com/office/drawing/2014/main" id="{D0C0FAC5-9DEF-8244-9840-C97698EE57A6}"/>
+                </a:ext>
+              </a:extLst>
+            </p:cNvPr>
+            <p:cNvSpPr/>
+            <p:nvPr/>
+          </p:nvSpPr>
+          <p:spPr>
+            <a:xfrm>
+              <a:off x="1973386" y="4348320"/>
+              <a:ext cx="4422913" cy="1376276"/>
+            </a:xfrm>
+            <a:prstGeom prst="rect">
+              <a:avLst/>
+            </a:prstGeom>
+            <a:noFill/>
+            <a:ln w="12700">
+              <a:solidFill>
+                <a:srgbClr val="5A6B86"/>
+              </a:solidFill>
+              <a:prstDash val="dash"/>
+            </a:ln>
+          </p:spPr>
+          <p:style>
+            <a:lnRef idx="2">
+              <a:schemeClr val="accent1">
+                <a:shade val="50000"/>
+              </a:schemeClr>
+            </a:lnRef>
+            <a:fillRef idx="1">
+              <a:schemeClr val="accent1"/>
+            </a:fillRef>
+            <a:effectRef idx="0">
+              <a:schemeClr val="accent1"/>
+            </a:effectRef>
+            <a:fontRef idx="minor">
+              <a:schemeClr val="lt1"/>
+            </a:fontRef>
+          </p:style>
+          <p:txBody>
+            <a:bodyPr tIns="91440"/>
+            <a:lstStyle/>
+            <a:p>
+              <a:pPr algn="ctr" eaLnBrk="1" fontAlgn="auto" hangingPunct="1">
+                <a:spcBef>
+                  <a:spcPts val="0"/>
+                </a:spcBef>
+                <a:spcAft>
+                  <a:spcPts val="0"/>
+                </a:spcAft>
+                <a:defRPr/>
+              </a:pPr>
+              <a:r>
+                <a:rPr lang="en-US" sz="1200" dirty="0">
+                  <a:solidFill>
+                    <a:srgbClr val="5A6B86"/>
+                  </a:solidFill>
+                  <a:latin typeface="Arial" panose="020B0604020202020204" pitchFamily="34" charset="0"/>
+                  <a:cs typeface="Arial" panose="020B0604020202020204" pitchFamily="34" charset="0"/>
+                </a:rPr>
+                <a:t>Sources</a:t>
+              </a:r>
+            </a:p>
+          </p:txBody>
+        </p:sp>
+        <p:grpSp>
+          <p:nvGrpSpPr>
+            <p:cNvPr id="80" name="Group 79">
+              <a:extLst>
+                <a:ext uri="{FF2B5EF4-FFF2-40B4-BE49-F238E27FC236}">
+                  <a16:creationId xmlns:a16="http://schemas.microsoft.com/office/drawing/2014/main" id="{B6BE12C2-2DE2-CA4E-B016-9830A3E67C02}"/>
+                </a:ext>
+              </a:extLst>
+            </p:cNvPr>
+            <p:cNvGrpSpPr/>
+            <p:nvPr/>
+          </p:nvGrpSpPr>
+          <p:grpSpPr>
+            <a:xfrm>
+              <a:off x="2171294" y="4627816"/>
+              <a:ext cx="952505" cy="921352"/>
+              <a:chOff x="1465018" y="4401122"/>
+              <a:chExt cx="952505" cy="921352"/>
+            </a:xfrm>
+          </p:grpSpPr>
+          <p:pic>
+            <p:nvPicPr>
+              <p:cNvPr id="87" name="Graphic 64">
+                <a:extLst>
+                  <a:ext uri="{FF2B5EF4-FFF2-40B4-BE49-F238E27FC236}">
+                    <a16:creationId xmlns:a16="http://schemas.microsoft.com/office/drawing/2014/main" id="{52CD8E3C-D63B-0444-B2CB-007B50B23C59}"/>
+                  </a:ext>
+                </a:extLst>
+              </p:cNvPr>
+              <p:cNvPicPr>
+                <a:picLocks noChangeAspect="1" noChangeArrowheads="1"/>
+              </p:cNvPicPr>
+              <p:nvPr/>
+            </p:nvPicPr>
+            <p:blipFill>
+              <a:blip r:embed="rId9">
+                <a:extLst>
+                  <a:ext uri="{28A0092B-C50C-407E-A947-70E740481C1C}">
+                    <a14:useLocalDpi xmlns:a14="http://schemas.microsoft.com/office/drawing/2010/main" val="0"/>
+                  </a:ext>
+                </a:extLst>
+              </a:blip>
+              <a:srcRect/>
+              <a:stretch>
+                <a:fillRect/>
+              </a:stretch>
+            </p:blipFill>
+            <p:spPr bwMode="auto">
+              <a:xfrm>
+                <a:off x="1712671" y="4401122"/>
+                <a:ext cx="457200" cy="457200"/>
+              </a:xfrm>
+              <a:prstGeom prst="rect">
+                <a:avLst/>
+              </a:prstGeom>
+              <a:noFill/>
+              <a:ln>
+                <a:noFill/>
+              </a:ln>
+              <a:extLst>
+                <a:ext uri="{909E8E84-426E-40DD-AFC4-6F175D3DCCD1}">
+                  <a14:hiddenFill xmlns:a14="http://schemas.microsoft.com/office/drawing/2010/main">
+                    <a:solidFill>
+                      <a:srgbClr val="FFFFFF"/>
+                    </a:solidFill>
+                  </a14:hiddenFill>
+                </a:ext>
+                <a:ext uri="{91240B29-F687-4F45-9708-019B960494DF}">
+                  <a14:hiddenLine xmlns:a14="http://schemas.microsoft.com/office/drawing/2010/main" w="9525">
+                    <a:solidFill>
+                      <a:srgbClr val="000000"/>
+                    </a:solidFill>
+                    <a:miter lim="800000"/>
+                    <a:headEnd/>
+                    <a:tailEnd/>
+                  </a14:hiddenLine>
+                </a:ext>
+              </a:extLst>
+            </p:spPr>
+          </p:pic>
+          <p:sp>
+            <p:nvSpPr>
+              <p:cNvPr id="88" name="TextBox 87">
+                <a:extLst>
+                  <a:ext uri="{FF2B5EF4-FFF2-40B4-BE49-F238E27FC236}">
+                    <a16:creationId xmlns:a16="http://schemas.microsoft.com/office/drawing/2014/main" id="{09C76365-2B84-8A41-BFCD-CD2BFCA94EB0}"/>
+                  </a:ext>
+                </a:extLst>
+              </p:cNvPr>
+              <p:cNvSpPr txBox="1"/>
+              <p:nvPr/>
+            </p:nvSpPr>
+            <p:spPr>
+              <a:xfrm>
+                <a:off x="1465018" y="4891587"/>
+                <a:ext cx="952505" cy="430887"/>
+              </a:xfrm>
+              <a:prstGeom prst="rect">
+                <a:avLst/>
+              </a:prstGeom>
+              <a:noFill/>
+            </p:spPr>
+            <p:txBody>
+              <a:bodyPr wrap="none" rtlCol="0">
+                <a:spAutoFit/>
+              </a:bodyPr>
+              <a:lstStyle/>
+              <a:p>
+                <a:pPr algn="ctr"/>
+                <a:r>
+                  <a:rPr lang="en-US" sz="1100" dirty="0"/>
+                  <a:t>Amazon S3 </a:t>
+                </a:r>
+              </a:p>
+              <a:p>
+                <a:pPr algn="ctr"/>
+                <a:r>
+                  <a:rPr lang="en-US" sz="1100" dirty="0"/>
+                  <a:t>Bucket</a:t>
+                </a:r>
+              </a:p>
+            </p:txBody>
+          </p:sp>
+        </p:grpSp>
+        <p:grpSp>
+          <p:nvGrpSpPr>
+            <p:cNvPr id="81" name="Group 80">
+              <a:extLst>
+                <a:ext uri="{FF2B5EF4-FFF2-40B4-BE49-F238E27FC236}">
+                  <a16:creationId xmlns:a16="http://schemas.microsoft.com/office/drawing/2014/main" id="{3244B772-D4BA-EF44-A623-2884F560AE68}"/>
+                </a:ext>
+              </a:extLst>
+            </p:cNvPr>
+            <p:cNvGrpSpPr/>
+            <p:nvPr/>
+          </p:nvGrpSpPr>
+          <p:grpSpPr>
+            <a:xfrm>
+              <a:off x="3662859" y="4697042"/>
+              <a:ext cx="1039067" cy="752709"/>
+              <a:chOff x="2427626" y="4401122"/>
+              <a:chExt cx="1039067" cy="752709"/>
+            </a:xfrm>
+          </p:grpSpPr>
+          <p:pic>
+            <p:nvPicPr>
+              <p:cNvPr id="85" name="Graphic 26">
+                <a:extLst>
+                  <a:ext uri="{FF2B5EF4-FFF2-40B4-BE49-F238E27FC236}">
+                    <a16:creationId xmlns:a16="http://schemas.microsoft.com/office/drawing/2014/main" id="{337F4895-D8B4-454C-9E5F-F1D35E5430B4}"/>
+                  </a:ext>
+                </a:extLst>
+              </p:cNvPr>
+              <p:cNvPicPr>
+                <a:picLocks noChangeAspect="1" noChangeArrowheads="1"/>
+              </p:cNvPicPr>
+              <p:nvPr/>
+            </p:nvPicPr>
+            <p:blipFill>
+              <a:blip r:embed="rId10">
+                <a:extLst>
+                  <a:ext uri="{28A0092B-C50C-407E-A947-70E740481C1C}">
+                    <a14:useLocalDpi xmlns:a14="http://schemas.microsoft.com/office/drawing/2010/main" val="0"/>
+                  </a:ext>
+                </a:extLst>
+              </a:blip>
+              <a:srcRect/>
+              <a:stretch>
+                <a:fillRect/>
+              </a:stretch>
+            </p:blipFill>
+            <p:spPr bwMode="auto">
+              <a:xfrm>
+                <a:off x="2718559" y="4401122"/>
+                <a:ext cx="457200" cy="457200"/>
+              </a:xfrm>
+              <a:prstGeom prst="rect">
+                <a:avLst/>
+              </a:prstGeom>
+              <a:noFill/>
+              <a:ln>
+                <a:noFill/>
+              </a:ln>
+              <a:extLst>
+                <a:ext uri="{909E8E84-426E-40DD-AFC4-6F175D3DCCD1}">
+                  <a14:hiddenFill xmlns:a14="http://schemas.microsoft.com/office/drawing/2010/main">
+                    <a:solidFill>
+                      <a:srgbClr val="FFFFFF"/>
+                    </a:solidFill>
+                  </a14:hiddenFill>
+                </a:ext>
+                <a:ext uri="{91240B29-F687-4F45-9708-019B960494DF}">
+                  <a14:hiddenLine xmlns:a14="http://schemas.microsoft.com/office/drawing/2010/main" w="9525">
+                    <a:solidFill>
+                      <a:srgbClr val="000000"/>
+                    </a:solidFill>
+                    <a:miter lim="800000"/>
+                    <a:headEnd/>
+                    <a:tailEnd/>
+                  </a14:hiddenLine>
+                </a:ext>
+              </a:extLst>
+            </p:spPr>
+          </p:pic>
+          <p:sp>
+            <p:nvSpPr>
+              <p:cNvPr id="86" name="TextBox 85">
+                <a:extLst>
+                  <a:ext uri="{FF2B5EF4-FFF2-40B4-BE49-F238E27FC236}">
+                    <a16:creationId xmlns:a16="http://schemas.microsoft.com/office/drawing/2014/main" id="{4ECF32A5-48B9-AD4A-ABE3-C8B49ADA7126}"/>
+                  </a:ext>
+                </a:extLst>
+              </p:cNvPr>
+              <p:cNvSpPr txBox="1"/>
+              <p:nvPr/>
+            </p:nvSpPr>
+            <p:spPr>
+              <a:xfrm>
+                <a:off x="2427626" y="4892221"/>
+                <a:ext cx="1039067" cy="261610"/>
+              </a:xfrm>
+              <a:prstGeom prst="rect">
+                <a:avLst/>
+              </a:prstGeom>
+              <a:noFill/>
+            </p:spPr>
+            <p:txBody>
+              <a:bodyPr wrap="none" rtlCol="0">
+                <a:spAutoFit/>
+              </a:bodyPr>
+              <a:lstStyle/>
+              <a:p>
+                <a:pPr algn="ctr"/>
+                <a:r>
+                  <a:rPr lang="en-US" sz="1100" dirty="0"/>
+                  <a:t>Amazon SQS</a:t>
+                </a:r>
+              </a:p>
+            </p:txBody>
+          </p:sp>
+        </p:grpSp>
+        <p:grpSp>
+          <p:nvGrpSpPr>
+            <p:cNvPr id="82" name="Group 81">
+              <a:extLst>
+                <a:ext uri="{FF2B5EF4-FFF2-40B4-BE49-F238E27FC236}">
+                  <a16:creationId xmlns:a16="http://schemas.microsoft.com/office/drawing/2014/main" id="{5CA17424-C83D-E344-B6A5-B9346972233D}"/>
+                </a:ext>
+              </a:extLst>
+            </p:cNvPr>
+            <p:cNvGrpSpPr/>
+            <p:nvPr/>
+          </p:nvGrpSpPr>
+          <p:grpSpPr>
+            <a:xfrm>
+              <a:off x="4564981" y="4721790"/>
+              <a:ext cx="2279650" cy="727961"/>
+              <a:chOff x="2875556" y="4410481"/>
+              <a:chExt cx="2279650" cy="727961"/>
+            </a:xfrm>
+          </p:grpSpPr>
+          <p:pic>
+            <p:nvPicPr>
+              <p:cNvPr id="83" name="Graphic 24">
+                <a:extLst>
+                  <a:ext uri="{FF2B5EF4-FFF2-40B4-BE49-F238E27FC236}">
+                    <a16:creationId xmlns:a16="http://schemas.microsoft.com/office/drawing/2014/main" id="{DDF65C1C-5D88-564D-82CC-25CC48678253}"/>
+                  </a:ext>
+                </a:extLst>
+              </p:cNvPr>
+              <p:cNvPicPr>
+                <a:picLocks noChangeAspect="1" noChangeArrowheads="1"/>
+              </p:cNvPicPr>
+              <p:nvPr/>
+            </p:nvPicPr>
+            <p:blipFill>
+              <a:blip r:embed="rId11">
+                <a:extLst>
+                  <a:ext uri="{28A0092B-C50C-407E-A947-70E740481C1C}">
+                    <a14:useLocalDpi xmlns:a14="http://schemas.microsoft.com/office/drawing/2010/main" val="0"/>
+                  </a:ext>
+                </a:extLst>
+              </a:blip>
+              <a:srcRect/>
+              <a:stretch>
+                <a:fillRect/>
+              </a:stretch>
+            </p:blipFill>
+            <p:spPr bwMode="auto">
+              <a:xfrm>
+                <a:off x="3788568" y="4410481"/>
+                <a:ext cx="457200" cy="457200"/>
+              </a:xfrm>
+              <a:prstGeom prst="rect">
+                <a:avLst/>
+              </a:prstGeom>
+              <a:noFill/>
+              <a:ln>
+                <a:noFill/>
+              </a:ln>
+              <a:extLst>
+                <a:ext uri="{909E8E84-426E-40DD-AFC4-6F175D3DCCD1}">
+                  <a14:hiddenFill xmlns:a14="http://schemas.microsoft.com/office/drawing/2010/main">
+                    <a:solidFill>
+                      <a:srgbClr val="FFFFFF"/>
+                    </a:solidFill>
+                  </a14:hiddenFill>
+                </a:ext>
+                <a:ext uri="{91240B29-F687-4F45-9708-019B960494DF}">
+                  <a14:hiddenLine xmlns:a14="http://schemas.microsoft.com/office/drawing/2010/main" w="9525">
+                    <a:solidFill>
+                      <a:srgbClr val="000000"/>
+                    </a:solidFill>
+                    <a:miter lim="800000"/>
+                    <a:headEnd/>
+                    <a:tailEnd/>
+                  </a14:hiddenLine>
+                </a:ext>
+              </a:extLst>
+            </p:spPr>
+          </p:pic>
+          <p:sp>
+            <p:nvSpPr>
+              <p:cNvPr id="84" name="TextBox 19">
+                <a:extLst>
+                  <a:ext uri="{FF2B5EF4-FFF2-40B4-BE49-F238E27FC236}">
+                    <a16:creationId xmlns:a16="http://schemas.microsoft.com/office/drawing/2014/main" id="{C3B3CCA0-B8C9-494B-9089-5DD14EEDD277}"/>
+                  </a:ext>
+                </a:extLst>
+              </p:cNvPr>
+              <p:cNvSpPr txBox="1">
+                <a:spLocks noChangeArrowheads="1"/>
+              </p:cNvSpPr>
+              <p:nvPr/>
+            </p:nvSpPr>
+            <p:spPr bwMode="auto">
+              <a:xfrm>
+                <a:off x="2875556" y="4876832"/>
+                <a:ext cx="2279650" cy="261610"/>
+              </a:xfrm>
+              <a:prstGeom prst="rect">
+                <a:avLst/>
+              </a:prstGeom>
+              <a:noFill/>
+              <a:ln>
+                <a:noFill/>
+              </a:ln>
+              <a:extLst>
+                <a:ext uri="{909E8E84-426E-40DD-AFC4-6F175D3DCCD1}">
+                  <a14:hiddenFill xmlns:a14="http://schemas.microsoft.com/office/drawing/2010/main">
+                    <a:solidFill>
+                      <a:srgbClr val="FFFFFF"/>
+                    </a:solidFill>
+                  </a14:hiddenFill>
+                </a:ext>
+                <a:ext uri="{91240B29-F687-4F45-9708-019B960494DF}">
+                  <a14:hiddenLine xmlns:a14="http://schemas.microsoft.com/office/drawing/2010/main" w="9525">
+                    <a:solidFill>
+                      <a:srgbClr val="000000"/>
+                    </a:solidFill>
+                    <a:miter lim="800000"/>
+                    <a:headEnd/>
+                    <a:tailEnd/>
+                  </a14:hiddenLine>
+                </a:ext>
+              </a:extLst>
+            </p:spPr>
+            <p:txBody>
+              <a:bodyPr>
+                <a:spAutoFit/>
+              </a:bodyPr>
+              <a:lstStyle>
+                <a:lvl1pPr>
+                  <a:defRPr>
+                    <a:solidFill>
+                      <a:schemeClr val="tx1"/>
+                    </a:solidFill>
+                    <a:latin typeface="Calibri" panose="020F0502020204030204" pitchFamily="34" charset="0"/>
+                  </a:defRPr>
+                </a:lvl1pPr>
+                <a:lvl2pPr marL="742950" indent="-285750">
+                  <a:defRPr>
+                    <a:solidFill>
+                      <a:schemeClr val="tx1"/>
+                    </a:solidFill>
+                    <a:latin typeface="Calibri" panose="020F0502020204030204" pitchFamily="34" charset="0"/>
+                  </a:defRPr>
+                </a:lvl2pPr>
+                <a:lvl3pPr marL="1143000" indent="-228600">
+                  <a:defRPr>
+                    <a:solidFill>
+                      <a:schemeClr val="tx1"/>
+                    </a:solidFill>
+                    <a:latin typeface="Calibri" panose="020F0502020204030204" pitchFamily="34" charset="0"/>
+                  </a:defRPr>
+                </a:lvl3pPr>
+                <a:lvl4pPr marL="1600200" indent="-228600">
+                  <a:defRPr>
+                    <a:solidFill>
+                      <a:schemeClr val="tx1"/>
+                    </a:solidFill>
+                    <a:latin typeface="Calibri" panose="020F0502020204030204" pitchFamily="34" charset="0"/>
+                  </a:defRPr>
+                </a:lvl4pPr>
+                <a:lvl5pPr marL="2057400" indent="-228600">
+                  <a:defRPr>
+                    <a:solidFill>
+                      <a:schemeClr val="tx1"/>
+                    </a:solidFill>
+                    <a:latin typeface="Calibri" panose="020F0502020204030204" pitchFamily="34" charset="0"/>
+                  </a:defRPr>
+                </a:lvl5pPr>
+                <a:lvl6pPr marL="2514600" indent="-228600" eaLnBrk="0" fontAlgn="base" hangingPunct="0">
+                  <a:spcBef>
+                    <a:spcPct val="0"/>
+                  </a:spcBef>
+                  <a:spcAft>
+                    <a:spcPct val="0"/>
+                  </a:spcAft>
+                  <a:defRPr>
+                    <a:solidFill>
+                      <a:schemeClr val="tx1"/>
+                    </a:solidFill>
+                    <a:latin typeface="Calibri" panose="020F0502020204030204" pitchFamily="34" charset="0"/>
+                  </a:defRPr>
+                </a:lvl6pPr>
+                <a:lvl7pPr marL="2971800" indent="-228600" eaLnBrk="0" fontAlgn="base" hangingPunct="0">
+                  <a:spcBef>
+                    <a:spcPct val="0"/>
+                  </a:spcBef>
+                  <a:spcAft>
+                    <a:spcPct val="0"/>
+                  </a:spcAft>
+                  <a:defRPr>
+                    <a:solidFill>
+                      <a:schemeClr val="tx1"/>
+                    </a:solidFill>
+                    <a:latin typeface="Calibri" panose="020F0502020204030204" pitchFamily="34" charset="0"/>
+                  </a:defRPr>
+                </a:lvl7pPr>
+                <a:lvl8pPr marL="3429000" indent="-228600" eaLnBrk="0" fontAlgn="base" hangingPunct="0">
+                  <a:spcBef>
+                    <a:spcPct val="0"/>
+                  </a:spcBef>
+                  <a:spcAft>
+                    <a:spcPct val="0"/>
+                  </a:spcAft>
+                  <a:defRPr>
+                    <a:solidFill>
+                      <a:schemeClr val="tx1"/>
+                    </a:solidFill>
+                    <a:latin typeface="Calibri" panose="020F0502020204030204" pitchFamily="34" charset="0"/>
+                  </a:defRPr>
+                </a:lvl8pPr>
+                <a:lvl9pPr marL="3886200" indent="-228600" eaLnBrk="0" fontAlgn="base" hangingPunct="0">
+                  <a:spcBef>
+                    <a:spcPct val="0"/>
+                  </a:spcBef>
+                  <a:spcAft>
+                    <a:spcPct val="0"/>
+                  </a:spcAft>
+                  <a:defRPr>
+                    <a:solidFill>
+                      <a:schemeClr val="tx1"/>
+                    </a:solidFill>
+                    <a:latin typeface="Calibri" panose="020F0502020204030204" pitchFamily="34" charset="0"/>
+                  </a:defRPr>
+                </a:lvl9pPr>
+              </a:lstStyle>
+              <a:p>
+                <a:pPr algn="ctr" eaLnBrk="1" hangingPunct="1"/>
+                <a:r>
+                  <a:rPr lang="en-US" altLang="en-US" sz="1100" dirty="0">
+                    <a:latin typeface="Arial" panose="020B0604020202020204" pitchFamily="34" charset="0"/>
+                    <a:ea typeface="Amazon Ember" panose="020B0603020204020204" pitchFamily="34" charset="0"/>
+                    <a:cs typeface="Arial" panose="020B0604020202020204" pitchFamily="34" charset="0"/>
+                  </a:rPr>
+                  <a:t>Amazon Kinesis</a:t>
+                </a:r>
+              </a:p>
+            </p:txBody>
+          </p:sp>
+        </p:grpSp>
+      </p:grpSp>
+      <p:sp>
+        <p:nvSpPr>
+          <p:cNvPr id="89" name="Rectangle 88">
+            <a:extLst>
+              <a:ext uri="{FF2B5EF4-FFF2-40B4-BE49-F238E27FC236}">
+                <a16:creationId xmlns:a16="http://schemas.microsoft.com/office/drawing/2014/main" id="{6595C5E1-4570-674A-ADB2-353134846AC0}"/>
+              </a:ext>
+            </a:extLst>
+          </p:cNvPr>
+          <p:cNvSpPr/>
+          <p:nvPr/>
+        </p:nvSpPr>
+        <p:spPr>
+          <a:xfrm>
+            <a:off x="6499083" y="4722514"/>
+            <a:ext cx="4422913" cy="1376276"/>
+          </a:xfrm>
+          <a:prstGeom prst="rect">
+            <a:avLst/>
+          </a:prstGeom>
+          <a:noFill/>
+          <a:ln w="12700">
+            <a:solidFill>
+              <a:srgbClr val="5A6B86"/>
+            </a:solidFill>
+            <a:prstDash val="dash"/>
+          </a:ln>
+        </p:spPr>
+        <p:style>
+          <a:lnRef idx="2">
+            <a:schemeClr val="accent1">
+              <a:shade val="50000"/>
+            </a:schemeClr>
+          </a:lnRef>
+          <a:fillRef idx="1">
+            <a:schemeClr val="accent1"/>
+          </a:fillRef>
+          <a:effectRef idx="0">
+            <a:schemeClr val="accent1"/>
+          </a:effectRef>
+          <a:fontRef idx="minor">
+            <a:schemeClr val="lt1"/>
+          </a:fontRef>
+        </p:style>
+        <p:txBody>
+          <a:bodyPr tIns="91440"/>
+          <a:lstStyle/>
+          <a:p>
+            <a:pPr algn="ctr" eaLnBrk="1" fontAlgn="auto" hangingPunct="1">
+              <a:spcBef>
+                <a:spcPts val="0"/>
+              </a:spcBef>
+              <a:spcAft>
+                <a:spcPts val="0"/>
+              </a:spcAft>
+              <a:defRPr/>
+            </a:pPr>
+            <a:r>
+              <a:rPr lang="en-US" sz="1200" dirty="0">
+                <a:solidFill>
+                  <a:srgbClr val="5A6B86"/>
+                </a:solidFill>
+                <a:latin typeface="Arial" panose="020B0604020202020204" pitchFamily="34" charset="0"/>
+                <a:cs typeface="Arial" panose="020B0604020202020204" pitchFamily="34" charset="0"/>
+              </a:rPr>
+              <a:t>Destinations</a:t>
+            </a:r>
+          </a:p>
+        </p:txBody>
+      </p:sp>
+      <p:grpSp>
+        <p:nvGrpSpPr>
+          <p:cNvPr id="90" name="Group 89">
+            <a:extLst>
+              <a:ext uri="{FF2B5EF4-FFF2-40B4-BE49-F238E27FC236}">
+                <a16:creationId xmlns:a16="http://schemas.microsoft.com/office/drawing/2014/main" id="{BC3ABC6F-7491-5D41-BA09-F52B896526F3}"/>
+              </a:ext>
+            </a:extLst>
+          </p:cNvPr>
+          <p:cNvGrpSpPr/>
+          <p:nvPr/>
+        </p:nvGrpSpPr>
+        <p:grpSpPr>
+          <a:xfrm>
+            <a:off x="6684177" y="4959122"/>
+            <a:ext cx="952505" cy="921352"/>
+            <a:chOff x="1465018" y="4401122"/>
+            <a:chExt cx="952505" cy="921352"/>
+          </a:xfrm>
+        </p:grpSpPr>
+        <p:pic>
+          <p:nvPicPr>
+            <p:cNvPr id="91" name="Graphic 64">
+              <a:extLst>
+                <a:ext uri="{FF2B5EF4-FFF2-40B4-BE49-F238E27FC236}">
+                  <a16:creationId xmlns:a16="http://schemas.microsoft.com/office/drawing/2014/main" id="{45A98955-D75C-A34C-9AD1-DA12081BD91C}"/>
+                </a:ext>
+              </a:extLst>
+            </p:cNvPr>
+            <p:cNvPicPr>
+              <a:picLocks noChangeAspect="1" noChangeArrowheads="1"/>
+            </p:cNvPicPr>
+            <p:nvPr/>
+          </p:nvPicPr>
+          <p:blipFill>
+            <a:blip r:embed="rId9">
+              <a:extLst>
+                <a:ext uri="{28A0092B-C50C-407E-A947-70E740481C1C}">
+                  <a14:useLocalDpi xmlns:a14="http://schemas.microsoft.com/office/drawing/2010/main" val="0"/>
+                </a:ext>
+              </a:extLst>
+            </a:blip>
+            <a:srcRect/>
+            <a:stretch>
+              <a:fillRect/>
+            </a:stretch>
+          </p:blipFill>
+          <p:spPr bwMode="auto">
+            <a:xfrm>
+              <a:off x="1712671" y="4401122"/>
+              <a:ext cx="457200" cy="457200"/>
+            </a:xfrm>
+            <a:prstGeom prst="rect">
+              <a:avLst/>
+            </a:prstGeom>
+            <a:noFill/>
+            <a:ln>
+              <a:noFill/>
+            </a:ln>
+            <a:extLst>
+              <a:ext uri="{909E8E84-426E-40DD-AFC4-6F175D3DCCD1}">
+                <a14:hiddenFill xmlns:a14="http://schemas.microsoft.com/office/drawing/2010/main">
+                  <a:solidFill>
+                    <a:srgbClr val="FFFFFF"/>
+                  </a:solidFill>
+                </a14:hiddenFill>
+              </a:ext>
+              <a:ext uri="{91240B29-F687-4F45-9708-019B960494DF}">
+                <a14:hiddenLine xmlns:a14="http://schemas.microsoft.com/office/drawing/2010/main" w="9525">
+                  <a:solidFill>
+                    <a:srgbClr val="000000"/>
+                  </a:solidFill>
+                  <a:miter lim="800000"/>
+                  <a:headEnd/>
+                  <a:tailEnd/>
+                </a14:hiddenLine>
+              </a:ext>
+            </a:extLst>
+          </p:spPr>
+        </p:pic>
+        <p:sp>
+          <p:nvSpPr>
+            <p:cNvPr id="92" name="TextBox 91">
+              <a:extLst>
+                <a:ext uri="{FF2B5EF4-FFF2-40B4-BE49-F238E27FC236}">
+                  <a16:creationId xmlns:a16="http://schemas.microsoft.com/office/drawing/2014/main" id="{5F860FFE-7914-2A47-9E1E-01BF3A6D788C}"/>
+                </a:ext>
+              </a:extLst>
+            </p:cNvPr>
+            <p:cNvSpPr txBox="1"/>
+            <p:nvPr/>
+          </p:nvSpPr>
+          <p:spPr>
+            <a:xfrm>
+              <a:off x="1465018" y="4891587"/>
+              <a:ext cx="952505" cy="430887"/>
+            </a:xfrm>
+            <a:prstGeom prst="rect">
+              <a:avLst/>
+            </a:prstGeom>
+            <a:noFill/>
+          </p:spPr>
+          <p:txBody>
+            <a:bodyPr wrap="none" rtlCol="0">
+              <a:spAutoFit/>
+            </a:bodyPr>
+            <a:lstStyle/>
+            <a:p>
+              <a:pPr algn="ctr"/>
+              <a:r>
+                <a:rPr lang="en-US" sz="1100" dirty="0"/>
+                <a:t>Amazon S3 </a:t>
+              </a:r>
+            </a:p>
+            <a:p>
+              <a:pPr algn="ctr"/>
+              <a:r>
+                <a:rPr lang="en-US" sz="1100" dirty="0"/>
+                <a:t>Bucket</a:t>
+              </a:r>
+            </a:p>
+          </p:txBody>
+        </p:sp>
+      </p:grpSp>
+      <p:grpSp>
+        <p:nvGrpSpPr>
+          <p:cNvPr id="93" name="Group 92">
+            <a:extLst>
+              <a:ext uri="{FF2B5EF4-FFF2-40B4-BE49-F238E27FC236}">
+                <a16:creationId xmlns:a16="http://schemas.microsoft.com/office/drawing/2014/main" id="{81AABF28-7F98-4440-8353-1F25E9B1C5D0}"/>
+              </a:ext>
+            </a:extLst>
+          </p:cNvPr>
+          <p:cNvGrpSpPr/>
+          <p:nvPr/>
+        </p:nvGrpSpPr>
+        <p:grpSpPr>
+          <a:xfrm>
+            <a:off x="8154623" y="5002813"/>
+            <a:ext cx="1166881" cy="768023"/>
+            <a:chOff x="7583612" y="4627816"/>
+            <a:chExt cx="1166881" cy="768023"/>
+          </a:xfrm>
+        </p:grpSpPr>
+        <p:sp>
+          <p:nvSpPr>
+            <p:cNvPr id="94" name="TextBox 18">
+              <a:extLst>
+                <a:ext uri="{FF2B5EF4-FFF2-40B4-BE49-F238E27FC236}">
+                  <a16:creationId xmlns:a16="http://schemas.microsoft.com/office/drawing/2014/main" id="{30E27A0F-6D83-1C4A-A4B3-1BA8B21F7B9F}"/>
+                </a:ext>
+              </a:extLst>
+            </p:cNvPr>
+            <p:cNvSpPr txBox="1">
+              <a:spLocks noChangeArrowheads="1"/>
+            </p:cNvSpPr>
+            <p:nvPr/>
+          </p:nvSpPr>
+          <p:spPr bwMode="auto">
+            <a:xfrm>
+              <a:off x="7583612" y="5134229"/>
+              <a:ext cx="1166881" cy="261610"/>
+            </a:xfrm>
+            <a:prstGeom prst="rect">
+              <a:avLst/>
+            </a:prstGeom>
+            <a:noFill/>
+            <a:ln>
+              <a:noFill/>
+            </a:ln>
+            <a:extLst>
+              <a:ext uri="{909E8E84-426E-40DD-AFC4-6F175D3DCCD1}">
+                <a14:hiddenFill xmlns:a14="http://schemas.microsoft.com/office/drawing/2010/main">
+                  <a:solidFill>
+                    <a:srgbClr val="FFFFFF"/>
+                  </a:solidFill>
+                </a14:hiddenFill>
+              </a:ext>
+              <a:ext uri="{91240B29-F687-4F45-9708-019B960494DF}">
+                <a14:hiddenLine xmlns:a14="http://schemas.microsoft.com/office/drawing/2010/main" w="9525">
+                  <a:solidFill>
+                    <a:srgbClr val="000000"/>
+                  </a:solidFill>
+                  <a:miter lim="800000"/>
+                  <a:headEnd/>
+                  <a:tailEnd/>
+                </a14:hiddenLine>
+              </a:ext>
+            </a:extLst>
+          </p:spPr>
+          <p:txBody>
+            <a:bodyPr wrap="square">
+              <a:spAutoFit/>
+            </a:bodyPr>
+            <a:lstStyle>
+              <a:lvl1pPr>
+                <a:defRPr>
+                  <a:solidFill>
+                    <a:schemeClr val="tx1"/>
+                  </a:solidFill>
+                  <a:latin typeface="Calibri" panose="020F0502020204030204" pitchFamily="34" charset="0"/>
+                </a:defRPr>
+              </a:lvl1pPr>
+              <a:lvl2pPr marL="742950" indent="-285750">
+                <a:defRPr>
+                  <a:solidFill>
+                    <a:schemeClr val="tx1"/>
+                  </a:solidFill>
+                  <a:latin typeface="Calibri" panose="020F0502020204030204" pitchFamily="34" charset="0"/>
+                </a:defRPr>
+              </a:lvl2pPr>
+              <a:lvl3pPr marL="1143000" indent="-228600">
+                <a:defRPr>
+                  <a:solidFill>
+                    <a:schemeClr val="tx1"/>
+                  </a:solidFill>
+                  <a:latin typeface="Calibri" panose="020F0502020204030204" pitchFamily="34" charset="0"/>
+                </a:defRPr>
+              </a:lvl3pPr>
+              <a:lvl4pPr marL="1600200" indent="-228600">
+                <a:defRPr>
+                  <a:solidFill>
+                    <a:schemeClr val="tx1"/>
+                  </a:solidFill>
+                  <a:latin typeface="Calibri" panose="020F0502020204030204" pitchFamily="34" charset="0"/>
+                </a:defRPr>
+              </a:lvl4pPr>
+              <a:lvl5pPr marL="2057400" indent="-228600">
+                <a:defRPr>
+                  <a:solidFill>
+                    <a:schemeClr val="tx1"/>
+                  </a:solidFill>
+                  <a:latin typeface="Calibri" panose="020F0502020204030204" pitchFamily="34" charset="0"/>
+                </a:defRPr>
+              </a:lvl5pPr>
+              <a:lvl6pPr marL="2514600" indent="-228600" eaLnBrk="0" fontAlgn="base" hangingPunct="0">
+                <a:spcBef>
+                  <a:spcPct val="0"/>
+                </a:spcBef>
+                <a:spcAft>
+                  <a:spcPct val="0"/>
+                </a:spcAft>
+                <a:defRPr>
+                  <a:solidFill>
+                    <a:schemeClr val="tx1"/>
+                  </a:solidFill>
+                  <a:latin typeface="Calibri" panose="020F0502020204030204" pitchFamily="34" charset="0"/>
+                </a:defRPr>
+              </a:lvl6pPr>
+              <a:lvl7pPr marL="2971800" indent="-228600" eaLnBrk="0" fontAlgn="base" hangingPunct="0">
+                <a:spcBef>
+                  <a:spcPct val="0"/>
+                </a:spcBef>
+                <a:spcAft>
+                  <a:spcPct val="0"/>
+                </a:spcAft>
+                <a:defRPr>
+                  <a:solidFill>
+                    <a:schemeClr val="tx1"/>
+                  </a:solidFill>
+                  <a:latin typeface="Calibri" panose="020F0502020204030204" pitchFamily="34" charset="0"/>
+                </a:defRPr>
+              </a:lvl7pPr>
+              <a:lvl8pPr marL="3429000" indent="-228600" eaLnBrk="0" fontAlgn="base" hangingPunct="0">
+                <a:spcBef>
+                  <a:spcPct val="0"/>
+                </a:spcBef>
+                <a:spcAft>
+                  <a:spcPct val="0"/>
+                </a:spcAft>
+                <a:defRPr>
+                  <a:solidFill>
+                    <a:schemeClr val="tx1"/>
+                  </a:solidFill>
+                  <a:latin typeface="Calibri" panose="020F0502020204030204" pitchFamily="34" charset="0"/>
+                </a:defRPr>
+              </a:lvl8pPr>
+              <a:lvl9pPr marL="3886200" indent="-228600" eaLnBrk="0" fontAlgn="base" hangingPunct="0">
+                <a:spcBef>
+                  <a:spcPct val="0"/>
+                </a:spcBef>
+                <a:spcAft>
+                  <a:spcPct val="0"/>
+                </a:spcAft>
+                <a:defRPr>
+                  <a:solidFill>
+                    <a:schemeClr val="tx1"/>
+                  </a:solidFill>
+                  <a:latin typeface="Calibri" panose="020F0502020204030204" pitchFamily="34" charset="0"/>
+                </a:defRPr>
+              </a:lvl9pPr>
+            </a:lstStyle>
+            <a:p>
+              <a:pPr algn="ctr" eaLnBrk="1" hangingPunct="1"/>
+              <a:r>
+                <a:rPr lang="en-US" altLang="en-US" sz="1100" dirty="0">
+                  <a:latin typeface="Arial" panose="020B0604020202020204" pitchFamily="34" charset="0"/>
+                  <a:ea typeface="Amazon Ember" panose="020B0603020204020204" pitchFamily="34" charset="0"/>
+                  <a:cs typeface="Arial" panose="020B0604020202020204" pitchFamily="34" charset="0"/>
+                </a:rPr>
+                <a:t>Data lake</a:t>
+              </a:r>
+            </a:p>
+          </p:txBody>
+        </p:sp>
+        <p:pic>
+          <p:nvPicPr>
+            <p:cNvPr id="95" name="Graphic 6">
+              <a:extLst>
+                <a:ext uri="{FF2B5EF4-FFF2-40B4-BE49-F238E27FC236}">
+                  <a16:creationId xmlns:a16="http://schemas.microsoft.com/office/drawing/2014/main" id="{7B6204B9-C2BD-9A49-91AF-9ADFF11FBB68}"/>
+                </a:ext>
+              </a:extLst>
+            </p:cNvPr>
+            <p:cNvPicPr>
+              <a:picLocks noChangeAspect="1" noChangeArrowheads="1"/>
+            </p:cNvPicPr>
+            <p:nvPr/>
+          </p:nvPicPr>
+          <p:blipFill>
+            <a:blip r:embed="rId12">
+              <a:extLst>
+                <a:ext uri="{28A0092B-C50C-407E-A947-70E740481C1C}">
+                  <a14:useLocalDpi xmlns:a14="http://schemas.microsoft.com/office/drawing/2010/main" val="0"/>
+                </a:ext>
+              </a:extLst>
+            </a:blip>
+            <a:srcRect/>
+            <a:stretch>
+              <a:fillRect/>
+            </a:stretch>
+          </p:blipFill>
+          <p:spPr bwMode="auto">
+            <a:xfrm>
+              <a:off x="7966999" y="4627816"/>
+              <a:ext cx="457200" cy="457200"/>
+            </a:xfrm>
+            <a:prstGeom prst="rect">
+              <a:avLst/>
+            </a:prstGeom>
+            <a:noFill/>
+            <a:ln>
+              <a:noFill/>
+            </a:ln>
+            <a:extLst>
+              <a:ext uri="{909E8E84-426E-40DD-AFC4-6F175D3DCCD1}">
+                <a14:hiddenFill xmlns:a14="http://schemas.microsoft.com/office/drawing/2010/main">
+                  <a:solidFill>
+                    <a:srgbClr val="FFFFFF"/>
+                  </a:solidFill>
+                </a14:hiddenFill>
+              </a:ext>
+              <a:ext uri="{91240B29-F687-4F45-9708-019B960494DF}">
+                <a14:hiddenLine xmlns:a14="http://schemas.microsoft.com/office/drawing/2010/main" w="9525">
+                  <a:solidFill>
+                    <a:srgbClr val="000000"/>
+                  </a:solidFill>
+                  <a:miter lim="800000"/>
+                  <a:headEnd/>
+                  <a:tailEnd/>
+                </a14:hiddenLine>
+              </a:ext>
+            </a:extLst>
+          </p:spPr>
+        </p:pic>
+      </p:grpSp>
+      <p:grpSp>
+        <p:nvGrpSpPr>
+          <p:cNvPr id="96" name="Group 95">
+            <a:extLst>
+              <a:ext uri="{FF2B5EF4-FFF2-40B4-BE49-F238E27FC236}">
+                <a16:creationId xmlns:a16="http://schemas.microsoft.com/office/drawing/2014/main" id="{BF3BDD97-9F2A-6744-9964-F2B6828CDC73}"/>
+              </a:ext>
+            </a:extLst>
+          </p:cNvPr>
+          <p:cNvGrpSpPr/>
+          <p:nvPr/>
+        </p:nvGrpSpPr>
+        <p:grpSpPr>
+          <a:xfrm>
+            <a:off x="9541194" y="5004345"/>
+            <a:ext cx="1300356" cy="750626"/>
+            <a:chOff x="8974814" y="4645213"/>
+            <a:chExt cx="1300356" cy="750626"/>
+          </a:xfrm>
+        </p:grpSpPr>
+        <p:pic>
+          <p:nvPicPr>
+            <p:cNvPr id="97" name="Graphic 18">
+              <a:extLst>
+                <a:ext uri="{FF2B5EF4-FFF2-40B4-BE49-F238E27FC236}">
+                  <a16:creationId xmlns:a16="http://schemas.microsoft.com/office/drawing/2014/main" id="{BF5BB52F-A027-C847-83BB-82E5331A51C8}"/>
+                </a:ext>
+              </a:extLst>
+            </p:cNvPr>
+            <p:cNvPicPr>
+              <a:picLocks noChangeAspect="1" noChangeArrowheads="1"/>
+            </p:cNvPicPr>
+            <p:nvPr/>
+          </p:nvPicPr>
+          <p:blipFill>
+            <a:blip r:embed="rId13">
+              <a:extLst>
+                <a:ext uri="{28A0092B-C50C-407E-A947-70E740481C1C}">
+                  <a14:useLocalDpi xmlns:a14="http://schemas.microsoft.com/office/drawing/2010/main" val="0"/>
+                </a:ext>
+              </a:extLst>
+            </a:blip>
+            <a:srcRect/>
+            <a:stretch>
+              <a:fillRect/>
+            </a:stretch>
+          </p:blipFill>
+          <p:spPr bwMode="auto">
+            <a:xfrm>
+              <a:off x="9310080" y="4645213"/>
+              <a:ext cx="491239" cy="491239"/>
+            </a:xfrm>
+            <a:prstGeom prst="rect">
+              <a:avLst/>
+            </a:prstGeom>
+            <a:noFill/>
+            <a:ln>
+              <a:noFill/>
+            </a:ln>
+            <a:extLst>
+              <a:ext uri="{909E8E84-426E-40DD-AFC4-6F175D3DCCD1}">
+                <a14:hiddenFill xmlns:a14="http://schemas.microsoft.com/office/drawing/2010/main">
+                  <a:solidFill>
+                    <a:srgbClr val="FFFFFF"/>
+                  </a:solidFill>
+                </a14:hiddenFill>
+              </a:ext>
+              <a:ext uri="{91240B29-F687-4F45-9708-019B960494DF}">
+                <a14:hiddenLine xmlns:a14="http://schemas.microsoft.com/office/drawing/2010/main" w="9525">
+                  <a:solidFill>
+                    <a:srgbClr val="000000"/>
+                  </a:solidFill>
+                  <a:miter lim="800000"/>
+                  <a:headEnd/>
+                  <a:tailEnd/>
+                </a14:hiddenLine>
+              </a:ext>
+            </a:extLst>
+          </p:spPr>
+        </p:pic>
+        <p:sp>
+          <p:nvSpPr>
+            <p:cNvPr id="98" name="TextBox 97">
+              <a:extLst>
+                <a:ext uri="{FF2B5EF4-FFF2-40B4-BE49-F238E27FC236}">
+                  <a16:creationId xmlns:a16="http://schemas.microsoft.com/office/drawing/2014/main" id="{E77F90BD-401A-0E48-9851-5E08D53A7CC8}"/>
+                </a:ext>
+              </a:extLst>
+            </p:cNvPr>
+            <p:cNvSpPr txBox="1"/>
+            <p:nvPr/>
+          </p:nvSpPr>
+          <p:spPr>
+            <a:xfrm>
+              <a:off x="8974814" y="5134229"/>
+              <a:ext cx="1300356" cy="261610"/>
+            </a:xfrm>
+            <a:prstGeom prst="rect">
+              <a:avLst/>
+            </a:prstGeom>
+            <a:noFill/>
+          </p:spPr>
+          <p:txBody>
+            <a:bodyPr wrap="none" rtlCol="0">
+              <a:spAutoFit/>
+            </a:bodyPr>
+            <a:lstStyle/>
+            <a:p>
+              <a:r>
+                <a:rPr lang="en-US" sz="1100" dirty="0"/>
+                <a:t>Analytics Solution</a:t>
+              </a:r>
+            </a:p>
+          </p:txBody>
+        </p:sp>
+      </p:grpSp>
+      <p:cxnSp>
+        <p:nvCxnSpPr>
+          <p:cNvPr id="99" name="Elbow Connector 98">
+            <a:extLst>
+              <a:ext uri="{FF2B5EF4-FFF2-40B4-BE49-F238E27FC236}">
+                <a16:creationId xmlns:a16="http://schemas.microsoft.com/office/drawing/2014/main" id="{3A208D7F-ABE9-0F42-9A08-A67985DDE3BC}"/>
+              </a:ext>
+            </a:extLst>
+          </p:cNvPr>
+          <p:cNvCxnSpPr>
+            <a:cxnSpLocks/>
+            <a:stCxn id="79" idx="1"/>
+            <a:endCxn id="67" idx="1"/>
+          </p:cNvCxnSpPr>
+          <p:nvPr/>
+        </p:nvCxnSpPr>
+        <p:spPr>
+          <a:xfrm rot="10800000" flipH="1">
+            <a:off x="1270006" y="3891421"/>
+            <a:ext cx="1680120" cy="1508451"/>
+          </a:xfrm>
+          <a:prstGeom prst="bentConnector3">
+            <a:avLst>
+              <a:gd name="adj1" fmla="val -13606"/>
+            </a:avLst>
+          </a:prstGeom>
+          <a:ln>
+            <a:headEnd type="none"/>
+            <a:tailEnd type="arrow"/>
+          </a:ln>
+        </p:spPr>
+        <p:style>
+          <a:lnRef idx="1">
+            <a:schemeClr val="dk1"/>
+          </a:lnRef>
+          <a:fillRef idx="0">
+            <a:schemeClr val="dk1"/>
+          </a:fillRef>
+          <a:effectRef idx="0">
+            <a:schemeClr val="dk1"/>
+          </a:effectRef>
+          <a:fontRef idx="minor">
+            <a:schemeClr val="tx1"/>
+          </a:fontRef>
+        </p:style>
+      </p:cxnSp>
+      <p:cxnSp>
+        <p:nvCxnSpPr>
+          <p:cNvPr id="100" name="Elbow Connector 99">
+            <a:extLst>
+              <a:ext uri="{FF2B5EF4-FFF2-40B4-BE49-F238E27FC236}">
+                <a16:creationId xmlns:a16="http://schemas.microsoft.com/office/drawing/2014/main" id="{B5FF2C87-9CA0-5143-B810-991EA44E2862}"/>
+              </a:ext>
+            </a:extLst>
+          </p:cNvPr>
+          <p:cNvCxnSpPr>
+            <a:stCxn id="68" idx="3"/>
+            <a:endCxn id="89" idx="3"/>
+          </p:cNvCxnSpPr>
+          <p:nvPr/>
+        </p:nvCxnSpPr>
+        <p:spPr>
+          <a:xfrm>
+            <a:off x="9247738" y="3891420"/>
+            <a:ext cx="1674258" cy="1519232"/>
+          </a:xfrm>
+          <a:prstGeom prst="bentConnector3">
+            <a:avLst>
+              <a:gd name="adj1" fmla="val 113654"/>
+            </a:avLst>
+          </a:prstGeom>
+          <a:ln>
+            <a:tailEnd type="arrow"/>
+          </a:ln>
+        </p:spPr>
+        <p:style>
+          <a:lnRef idx="1">
+            <a:schemeClr val="dk1"/>
+          </a:lnRef>
+          <a:fillRef idx="0">
+            <a:schemeClr val="dk1"/>
+          </a:fillRef>
+          <a:effectRef idx="0">
+            <a:schemeClr val="dk1"/>
+          </a:effectRef>
+          <a:fontRef idx="minor">
+            <a:schemeClr val="tx1"/>
+          </a:fontRef>
+        </p:style>
+      </p:cxnSp>
+      <p:grpSp>
+        <p:nvGrpSpPr>
+          <p:cNvPr id="103" name="Group 102">
+            <a:extLst>
+              <a:ext uri="{FF2B5EF4-FFF2-40B4-BE49-F238E27FC236}">
+                <a16:creationId xmlns:a16="http://schemas.microsoft.com/office/drawing/2014/main" id="{701D3100-0081-1048-918D-3C2C77AD393A}"/>
+              </a:ext>
+            </a:extLst>
+          </p:cNvPr>
+          <p:cNvGrpSpPr/>
+          <p:nvPr/>
+        </p:nvGrpSpPr>
+        <p:grpSpPr>
+          <a:xfrm>
+            <a:off x="5064369" y="2706995"/>
+            <a:ext cx="2051539" cy="733098"/>
+            <a:chOff x="5064369" y="2425643"/>
+            <a:chExt cx="2051539" cy="733098"/>
+          </a:xfrm>
+        </p:grpSpPr>
+        <p:sp>
+          <p:nvSpPr>
+            <p:cNvPr id="104" name="TextBox 22">
+              <a:extLst>
+                <a:ext uri="{FF2B5EF4-FFF2-40B4-BE49-F238E27FC236}">
+                  <a16:creationId xmlns:a16="http://schemas.microsoft.com/office/drawing/2014/main" id="{52DFED45-9142-4F4D-9AE0-254E7C9EA42E}"/>
+                </a:ext>
+              </a:extLst>
+            </p:cNvPr>
+            <p:cNvSpPr txBox="1">
+              <a:spLocks noChangeArrowheads="1"/>
+            </p:cNvSpPr>
+            <p:nvPr/>
+          </p:nvSpPr>
+          <p:spPr bwMode="auto">
+            <a:xfrm>
+              <a:off x="5064369" y="2897131"/>
+              <a:ext cx="2051539" cy="261610"/>
+            </a:xfrm>
+            <a:prstGeom prst="rect">
+              <a:avLst/>
+            </a:prstGeom>
+            <a:noFill/>
+            <a:ln>
+              <a:noFill/>
+            </a:ln>
+            <a:extLst>
+              <a:ext uri="{909E8E84-426E-40DD-AFC4-6F175D3DCCD1}">
+                <a14:hiddenFill xmlns:a14="http://schemas.microsoft.com/office/drawing/2010/main">
+                  <a:solidFill>
+                    <a:srgbClr val="FFFFFF"/>
+                  </a:solidFill>
+                </a14:hiddenFill>
+              </a:ext>
+              <a:ext uri="{91240B29-F687-4F45-9708-019B960494DF}">
+                <a14:hiddenLine xmlns:a14="http://schemas.microsoft.com/office/drawing/2010/main" w="9525">
+                  <a:solidFill>
+                    <a:srgbClr val="000000"/>
+                  </a:solidFill>
+                  <a:miter lim="800000"/>
+                  <a:headEnd/>
+                  <a:tailEnd/>
+                </a14:hiddenLine>
+              </a:ext>
+            </a:extLst>
+          </p:spPr>
+          <p:txBody>
+            <a:bodyPr wrap="square">
+              <a:spAutoFit/>
+            </a:bodyPr>
+            <a:lstStyle>
+              <a:lvl1pPr>
+                <a:defRPr>
+                  <a:solidFill>
+                    <a:schemeClr val="tx1"/>
+                  </a:solidFill>
+                  <a:latin typeface="Calibri" panose="020F0502020204030204" pitchFamily="34" charset="0"/>
+                </a:defRPr>
+              </a:lvl1pPr>
+              <a:lvl2pPr marL="742950" indent="-285750">
+                <a:defRPr>
+                  <a:solidFill>
+                    <a:schemeClr val="tx1"/>
+                  </a:solidFill>
+                  <a:latin typeface="Calibri" panose="020F0502020204030204" pitchFamily="34" charset="0"/>
+                </a:defRPr>
+              </a:lvl2pPr>
+              <a:lvl3pPr marL="1143000" indent="-228600">
+                <a:defRPr>
+                  <a:solidFill>
+                    <a:schemeClr val="tx1"/>
+                  </a:solidFill>
+                  <a:latin typeface="Calibri" panose="020F0502020204030204" pitchFamily="34" charset="0"/>
+                </a:defRPr>
+              </a:lvl3pPr>
+              <a:lvl4pPr marL="1600200" indent="-228600">
+                <a:defRPr>
+                  <a:solidFill>
+                    <a:schemeClr val="tx1"/>
+                  </a:solidFill>
+                  <a:latin typeface="Calibri" panose="020F0502020204030204" pitchFamily="34" charset="0"/>
+                </a:defRPr>
+              </a:lvl4pPr>
+              <a:lvl5pPr marL="2057400" indent="-228600">
+                <a:defRPr>
+                  <a:solidFill>
+                    <a:schemeClr val="tx1"/>
+                  </a:solidFill>
+                  <a:latin typeface="Calibri" panose="020F0502020204030204" pitchFamily="34" charset="0"/>
+                </a:defRPr>
+              </a:lvl5pPr>
+              <a:lvl6pPr marL="2514600" indent="-228600" eaLnBrk="0" fontAlgn="base" hangingPunct="0">
+                <a:spcBef>
+                  <a:spcPct val="0"/>
+                </a:spcBef>
+                <a:spcAft>
+                  <a:spcPct val="0"/>
+                </a:spcAft>
+                <a:defRPr>
+                  <a:solidFill>
+                    <a:schemeClr val="tx1"/>
+                  </a:solidFill>
+                  <a:latin typeface="Calibri" panose="020F0502020204030204" pitchFamily="34" charset="0"/>
+                </a:defRPr>
+              </a:lvl6pPr>
+              <a:lvl7pPr marL="2971800" indent="-228600" eaLnBrk="0" fontAlgn="base" hangingPunct="0">
+                <a:spcBef>
+                  <a:spcPct val="0"/>
+                </a:spcBef>
+                <a:spcAft>
+                  <a:spcPct val="0"/>
+                </a:spcAft>
+                <a:defRPr>
+                  <a:solidFill>
+                    <a:schemeClr val="tx1"/>
+                  </a:solidFill>
+                  <a:latin typeface="Calibri" panose="020F0502020204030204" pitchFamily="34" charset="0"/>
+                </a:defRPr>
+              </a:lvl7pPr>
+              <a:lvl8pPr marL="3429000" indent="-228600" eaLnBrk="0" fontAlgn="base" hangingPunct="0">
+                <a:spcBef>
+                  <a:spcPct val="0"/>
+                </a:spcBef>
+                <a:spcAft>
+                  <a:spcPct val="0"/>
+                </a:spcAft>
+                <a:defRPr>
+                  <a:solidFill>
+                    <a:schemeClr val="tx1"/>
+                  </a:solidFill>
+                  <a:latin typeface="Calibri" panose="020F0502020204030204" pitchFamily="34" charset="0"/>
+                </a:defRPr>
+              </a:lvl8pPr>
+              <a:lvl9pPr marL="3886200" indent="-228600" eaLnBrk="0" fontAlgn="base" hangingPunct="0">
+                <a:spcBef>
+                  <a:spcPct val="0"/>
+                </a:spcBef>
+                <a:spcAft>
+                  <a:spcPct val="0"/>
+                </a:spcAft>
+                <a:defRPr>
+                  <a:solidFill>
+                    <a:schemeClr val="tx1"/>
+                  </a:solidFill>
+                  <a:latin typeface="Calibri" panose="020F0502020204030204" pitchFamily="34" charset="0"/>
+                </a:defRPr>
+              </a:lvl9pPr>
+            </a:lstStyle>
+            <a:p>
+              <a:pPr algn="ctr" eaLnBrk="1" hangingPunct="1"/>
+              <a:r>
+                <a:rPr lang="en-US" altLang="en-US" sz="1100" dirty="0">
+                  <a:latin typeface="Arial" panose="020B0604020202020204" pitchFamily="34" charset="0"/>
+                  <a:ea typeface="Amazon Ember" panose="020B0603020204020204" pitchFamily="34" charset="0"/>
+                  <a:cs typeface="Arial" panose="020B0604020202020204" pitchFamily="34" charset="0"/>
+                </a:rPr>
+                <a:t>Network Load Balancer</a:t>
+              </a:r>
+            </a:p>
+          </p:txBody>
+        </p:sp>
+        <p:pic>
+          <p:nvPicPr>
+            <p:cNvPr id="105" name="Graphic 24">
+              <a:extLst>
+                <a:ext uri="{FF2B5EF4-FFF2-40B4-BE49-F238E27FC236}">
+                  <a16:creationId xmlns:a16="http://schemas.microsoft.com/office/drawing/2014/main" id="{1C273FCC-0D02-3340-B937-BC34066665C6}"/>
+                </a:ext>
+              </a:extLst>
+            </p:cNvPr>
+            <p:cNvPicPr>
+              <a:picLocks noChangeAspect="1" noChangeArrowheads="1"/>
+            </p:cNvPicPr>
+            <p:nvPr/>
+          </p:nvPicPr>
+          <p:blipFill>
+            <a:blip r:embed="rId14">
+              <a:extLst>
+                <a:ext uri="{28A0092B-C50C-407E-A947-70E740481C1C}">
+                  <a14:useLocalDpi xmlns:a14="http://schemas.microsoft.com/office/drawing/2010/main" val="0"/>
+                </a:ext>
+              </a:extLst>
+            </a:blip>
+            <a:srcRect/>
+            <a:stretch>
+              <a:fillRect/>
+            </a:stretch>
+          </p:blipFill>
+          <p:spPr bwMode="auto">
+            <a:xfrm>
+              <a:off x="5858564" y="2425643"/>
+              <a:ext cx="457200" cy="457200"/>
+            </a:xfrm>
+            <a:prstGeom prst="rect">
+              <a:avLst/>
+            </a:prstGeom>
+            <a:noFill/>
+            <a:ln>
+              <a:noFill/>
+            </a:ln>
+            <a:extLst>
+              <a:ext uri="{909E8E84-426E-40DD-AFC4-6F175D3DCCD1}">
+                <a14:hiddenFill xmlns:a14="http://schemas.microsoft.com/office/drawing/2010/main">
+                  <a:solidFill>
+                    <a:srgbClr val="FFFFFF"/>
+                  </a:solidFill>
+                </a14:hiddenFill>
+              </a:ext>
+              <a:ext uri="{91240B29-F687-4F45-9708-019B960494DF}">
+                <a14:hiddenLine xmlns:a14="http://schemas.microsoft.com/office/drawing/2010/main" w="9525">
+                  <a:solidFill>
+                    <a:srgbClr val="000000"/>
+                  </a:solidFill>
+                  <a:miter lim="800000"/>
+                  <a:headEnd/>
+                  <a:tailEnd/>
+                </a14:hiddenLine>
+              </a:ext>
+            </a:extLst>
+          </p:spPr>
+        </p:pic>
+      </p:grpSp>
+      <p:cxnSp>
+        <p:nvCxnSpPr>
+          <p:cNvPr id="106" name="Elbow Connector 105">
+            <a:extLst>
+              <a:ext uri="{FF2B5EF4-FFF2-40B4-BE49-F238E27FC236}">
+                <a16:creationId xmlns:a16="http://schemas.microsoft.com/office/drawing/2014/main" id="{B2017705-D923-B440-A2C3-1C035F4E6D35}"/>
+              </a:ext>
+            </a:extLst>
+          </p:cNvPr>
+          <p:cNvCxnSpPr>
+            <a:cxnSpLocks/>
+            <a:stCxn id="67" idx="0"/>
+            <a:endCxn id="105" idx="1"/>
+          </p:cNvCxnSpPr>
+          <p:nvPr/>
+        </p:nvCxnSpPr>
+        <p:spPr>
+          <a:xfrm rot="5400000" flipH="1" flipV="1">
+            <a:off x="4825510" y="2107961"/>
+            <a:ext cx="205420" cy="1860688"/>
+          </a:xfrm>
+          <a:prstGeom prst="bentConnector2">
+            <a:avLst/>
+          </a:prstGeom>
+          <a:ln>
+            <a:headEnd type="arrow"/>
+            <a:tailEnd type="arrow"/>
+          </a:ln>
+        </p:spPr>
+        <p:style>
+          <a:lnRef idx="1">
+            <a:schemeClr val="dk1"/>
+          </a:lnRef>
+          <a:fillRef idx="0">
+            <a:schemeClr val="dk1"/>
+          </a:fillRef>
+          <a:effectRef idx="0">
+            <a:schemeClr val="dk1"/>
+          </a:effectRef>
+          <a:fontRef idx="minor">
+            <a:schemeClr val="tx1"/>
+          </a:fontRef>
+        </p:style>
+      </p:cxnSp>
+      <p:cxnSp>
+        <p:nvCxnSpPr>
+          <p:cNvPr id="107" name="Straight Arrow Connector 106">
+            <a:extLst>
+              <a:ext uri="{FF2B5EF4-FFF2-40B4-BE49-F238E27FC236}">
+                <a16:creationId xmlns:a16="http://schemas.microsoft.com/office/drawing/2014/main" id="{C66A7583-422B-644C-AA44-07DA61F9E8AF}"/>
+              </a:ext>
+            </a:extLst>
+          </p:cNvPr>
+          <p:cNvCxnSpPr>
+            <a:stCxn id="105" idx="0"/>
+            <a:endCxn id="77" idx="2"/>
+          </p:cNvCxnSpPr>
+          <p:nvPr/>
+        </p:nvCxnSpPr>
+        <p:spPr>
+          <a:xfrm flipV="1">
+            <a:off x="6087164" y="2234831"/>
+            <a:ext cx="2723" cy="472164"/>
+          </a:xfrm>
+          <a:prstGeom prst="straightConnector1">
+            <a:avLst/>
+          </a:prstGeom>
+          <a:ln>
+            <a:tailEnd type="arrow"/>
+          </a:ln>
+        </p:spPr>
+        <p:style>
+          <a:lnRef idx="1">
+            <a:schemeClr val="dk1"/>
+          </a:lnRef>
+          <a:fillRef idx="0">
+            <a:schemeClr val="dk1"/>
+          </a:fillRef>
+          <a:effectRef idx="0">
+            <a:schemeClr val="dk1"/>
+          </a:effectRef>
+          <a:fontRef idx="minor">
+            <a:schemeClr val="tx1"/>
+          </a:fontRef>
+        </p:style>
+      </p:cxnSp>
+      <p:cxnSp>
+        <p:nvCxnSpPr>
+          <p:cNvPr id="108" name="Elbow Connector 107">
+            <a:extLst>
+              <a:ext uri="{FF2B5EF4-FFF2-40B4-BE49-F238E27FC236}">
+                <a16:creationId xmlns:a16="http://schemas.microsoft.com/office/drawing/2014/main" id="{91BCE08C-1DC6-3644-B66D-ADA81F7A12EB}"/>
+              </a:ext>
+            </a:extLst>
+          </p:cNvPr>
+          <p:cNvCxnSpPr>
+            <a:cxnSpLocks/>
+            <a:stCxn id="68" idx="0"/>
+            <a:endCxn id="105" idx="3"/>
+          </p:cNvCxnSpPr>
+          <p:nvPr/>
+        </p:nvCxnSpPr>
+        <p:spPr>
+          <a:xfrm rot="16200000" flipV="1">
+            <a:off x="7155166" y="2096193"/>
+            <a:ext cx="205420" cy="1884224"/>
+          </a:xfrm>
+          <a:prstGeom prst="bentConnector2">
+            <a:avLst/>
+          </a:prstGeom>
+          <a:ln>
+            <a:headEnd type="arrow"/>
+            <a:tailEnd type="arrow"/>
+          </a:ln>
+        </p:spPr>
+        <p:style>
+          <a:lnRef idx="1">
+            <a:schemeClr val="dk1"/>
+          </a:lnRef>
+          <a:fillRef idx="0">
+            <a:schemeClr val="dk1"/>
+          </a:fillRef>
+          <a:effectRef idx="0">
+            <a:schemeClr val="dk1"/>
+          </a:effectRef>
+          <a:fontRef idx="minor">
+            <a:schemeClr val="tx1"/>
+          </a:fontRef>
+        </p:style>
+      </p:cxnSp>
+      <p:sp>
+        <p:nvSpPr>
+          <p:cNvPr id="109" name="Rectangle 108">
+            <a:extLst>
+              <a:ext uri="{FF2B5EF4-FFF2-40B4-BE49-F238E27FC236}">
+                <a16:creationId xmlns:a16="http://schemas.microsoft.com/office/drawing/2014/main" id="{B310104A-BA24-B447-A675-76707A65F7F1}"/>
+              </a:ext>
+            </a:extLst>
+          </p:cNvPr>
+          <p:cNvSpPr/>
+          <p:nvPr/>
+        </p:nvSpPr>
+        <p:spPr>
+          <a:xfrm>
+            <a:off x="3047574" y="1504625"/>
+            <a:ext cx="6118225" cy="969963"/>
+          </a:xfrm>
+          <a:prstGeom prst="rect">
+            <a:avLst/>
+          </a:prstGeom>
+          <a:noFill/>
+          <a:ln w="12700">
+            <a:solidFill>
+              <a:srgbClr val="D86613"/>
+            </a:solidFill>
+            <a:prstDash val="dash"/>
+          </a:ln>
+        </p:spPr>
+        <p:style>
+          <a:lnRef idx="2">
+            <a:schemeClr val="accent1">
+              <a:shade val="50000"/>
+            </a:schemeClr>
+          </a:lnRef>
+          <a:fillRef idx="1">
+            <a:schemeClr val="accent1"/>
+          </a:fillRef>
+          <a:effectRef idx="0">
+            <a:schemeClr val="accent1"/>
+          </a:effectRef>
+          <a:fontRef idx="minor">
+            <a:schemeClr val="lt1"/>
+          </a:fontRef>
+        </p:style>
+        <p:txBody>
+          <a:bodyPr tIns="91440"/>
+          <a:lstStyle/>
+          <a:p>
+            <a:pPr algn="ctr" eaLnBrk="1" fontAlgn="auto" hangingPunct="1">
+              <a:spcBef>
+                <a:spcPts val="0"/>
+              </a:spcBef>
+              <a:spcAft>
+                <a:spcPts val="0"/>
+              </a:spcAft>
+              <a:defRPr/>
+            </a:pPr>
+            <a:r>
+              <a:rPr lang="en-US" sz="1200" dirty="0">
+                <a:solidFill>
+                  <a:srgbClr val="D86613"/>
+                </a:solidFill>
+                <a:latin typeface="Arial" panose="020B0604020202020204" pitchFamily="34" charset="0"/>
+                <a:cs typeface="Arial" panose="020B0604020202020204" pitchFamily="34" charset="0"/>
+              </a:rPr>
+              <a:t>Cribl LogStream Leader Auto Scale Group</a:t>
+            </a:r>
+          </a:p>
+          <a:p>
+            <a:pPr algn="ctr" eaLnBrk="1" fontAlgn="auto" hangingPunct="1">
+              <a:spcBef>
+                <a:spcPts val="0"/>
+              </a:spcBef>
+              <a:spcAft>
+                <a:spcPts val="0"/>
+              </a:spcAft>
+              <a:defRPr/>
+            </a:pPr>
+            <a:endParaRPr lang="en-US" sz="1200" dirty="0">
+              <a:solidFill>
+                <a:srgbClr val="D86613"/>
+              </a:solidFill>
+              <a:latin typeface="Arial" panose="020B0604020202020204" pitchFamily="34" charset="0"/>
+              <a:cs typeface="Arial" panose="020B0604020202020204" pitchFamily="34" charset="0"/>
+            </a:endParaRPr>
+          </a:p>
+        </p:txBody>
+      </p:sp>
+      <p:pic>
+        <p:nvPicPr>
+          <p:cNvPr id="110" name="Graphic 109">
+            <a:extLst>
+              <a:ext uri="{FF2B5EF4-FFF2-40B4-BE49-F238E27FC236}">
+                <a16:creationId xmlns:a16="http://schemas.microsoft.com/office/drawing/2014/main" id="{5086B8AE-37A9-4943-AAE0-147C0FCDEA61}"/>
+              </a:ext>
+            </a:extLst>
+          </p:cNvPr>
+          <p:cNvPicPr>
+            <a:picLocks noChangeAspect="1"/>
+          </p:cNvPicPr>
+          <p:nvPr/>
+        </p:nvPicPr>
+        <p:blipFill>
+          <a:blip r:embed="rId7">
+            <a:extLst>
+              <a:ext uri="{96DAC541-7B7A-43D3-8B79-37D633B846F1}">
+                <asvg:svgBlip xmlns:asvg="http://schemas.microsoft.com/office/drawing/2016/SVG/main" r:embed="rId8"/>
+              </a:ext>
+            </a:extLst>
+          </a:blip>
+          <a:stretch>
+            <a:fillRect/>
+          </a:stretch>
+        </p:blipFill>
+        <p:spPr>
+          <a:xfrm>
+            <a:off x="3054168" y="1513286"/>
+            <a:ext cx="381000" cy="381000"/>
+          </a:xfrm>
+          <a:prstGeom prst="rect">
+            <a:avLst/>
+          </a:prstGeom>
+        </p:spPr>
+      </p:pic>
+      <p:sp>
+        <p:nvSpPr>
+          <p:cNvPr id="111" name="Rectangle 110">
+            <a:extLst>
+              <a:ext uri="{FF2B5EF4-FFF2-40B4-BE49-F238E27FC236}">
+                <a16:creationId xmlns:a16="http://schemas.microsoft.com/office/drawing/2014/main" id="{A6F2AFC0-996C-BC4C-B2C1-08574B3B3BE8}"/>
+              </a:ext>
+            </a:extLst>
+          </p:cNvPr>
+          <p:cNvSpPr/>
+          <p:nvPr/>
+        </p:nvSpPr>
+        <p:spPr bwMode="auto">
+          <a:xfrm>
+            <a:off x="2961849" y="1218430"/>
+            <a:ext cx="6299382" cy="1372370"/>
+          </a:xfrm>
+          <a:prstGeom prst="rect">
+            <a:avLst/>
+          </a:prstGeom>
+          <a:noFill/>
+          <a:ln w="12700">
+            <a:solidFill>
+              <a:srgbClr val="5B9CD5"/>
+            </a:solidFill>
+            <a:prstDash val="dash"/>
+          </a:ln>
+        </p:spPr>
+        <p:style>
+          <a:lnRef idx="2">
+            <a:schemeClr val="accent1">
+              <a:shade val="50000"/>
+            </a:schemeClr>
+          </a:lnRef>
+          <a:fillRef idx="1">
+            <a:schemeClr val="accent1"/>
+          </a:fillRef>
+          <a:effectRef idx="0">
+            <a:schemeClr val="accent1"/>
+          </a:effectRef>
+          <a:fontRef idx="minor">
+            <a:schemeClr val="lt1"/>
+          </a:fontRef>
+        </p:style>
+        <p:txBody>
+          <a:bodyPr tIns="91440"/>
+          <a:lstStyle/>
+          <a:p>
+            <a:pPr algn="ctr" eaLnBrk="1" fontAlgn="auto" hangingPunct="1">
+              <a:spcBef>
+                <a:spcPts val="0"/>
+              </a:spcBef>
+              <a:spcAft>
+                <a:spcPts val="0"/>
+              </a:spcAft>
+              <a:defRPr/>
+            </a:pPr>
+            <a:r>
+              <a:rPr lang="en-US" sz="1200" dirty="0">
+                <a:solidFill>
+                  <a:srgbClr val="5B9CD5"/>
+                </a:solidFill>
+                <a:latin typeface="Arial" panose="020B0604020202020204" pitchFamily="34" charset="0"/>
+                <a:cs typeface="Arial" panose="020B0604020202020204" pitchFamily="34" charset="0"/>
+              </a:rPr>
+              <a:t>Availability Zone 1</a:t>
+            </a:r>
+          </a:p>
+        </p:txBody>
+      </p:sp>
+      <p:grpSp>
+        <p:nvGrpSpPr>
+          <p:cNvPr id="112" name="Group 111">
+            <a:extLst>
+              <a:ext uri="{FF2B5EF4-FFF2-40B4-BE49-F238E27FC236}">
+                <a16:creationId xmlns:a16="http://schemas.microsoft.com/office/drawing/2014/main" id="{56A98C6B-7936-7744-BC4D-76252A1A9189}"/>
+              </a:ext>
+            </a:extLst>
+          </p:cNvPr>
+          <p:cNvGrpSpPr/>
+          <p:nvPr/>
+        </p:nvGrpSpPr>
+        <p:grpSpPr>
+          <a:xfrm>
+            <a:off x="3294183" y="1772389"/>
+            <a:ext cx="2168769" cy="736272"/>
+            <a:chOff x="3071446" y="1632804"/>
+            <a:chExt cx="2168769" cy="736272"/>
+          </a:xfrm>
+        </p:grpSpPr>
+        <p:sp>
+          <p:nvSpPr>
+            <p:cNvPr id="113" name="TextBox 19">
+              <a:extLst>
+                <a:ext uri="{FF2B5EF4-FFF2-40B4-BE49-F238E27FC236}">
+                  <a16:creationId xmlns:a16="http://schemas.microsoft.com/office/drawing/2014/main" id="{56F2BDF1-F9A2-D54A-AFC1-58D34FE4A578}"/>
+                </a:ext>
+              </a:extLst>
+            </p:cNvPr>
+            <p:cNvSpPr txBox="1">
+              <a:spLocks noChangeArrowheads="1"/>
+            </p:cNvSpPr>
+            <p:nvPr/>
+          </p:nvSpPr>
+          <p:spPr bwMode="auto">
+            <a:xfrm>
+              <a:off x="3071446" y="2107466"/>
+              <a:ext cx="2168769" cy="261610"/>
+            </a:xfrm>
+            <a:prstGeom prst="rect">
+              <a:avLst/>
+            </a:prstGeom>
+            <a:noFill/>
+            <a:ln>
+              <a:noFill/>
+            </a:ln>
+            <a:extLst>
+              <a:ext uri="{909E8E84-426E-40DD-AFC4-6F175D3DCCD1}">
+                <a14:hiddenFill xmlns:a14="http://schemas.microsoft.com/office/drawing/2010/main">
+                  <a:solidFill>
+                    <a:srgbClr val="FFFFFF"/>
+                  </a:solidFill>
+                </a14:hiddenFill>
+              </a:ext>
+              <a:ext uri="{91240B29-F687-4F45-9708-019B960494DF}">
+                <a14:hiddenLine xmlns:a14="http://schemas.microsoft.com/office/drawing/2010/main" w="9525">
+                  <a:solidFill>
+                    <a:srgbClr val="000000"/>
+                  </a:solidFill>
+                  <a:miter lim="800000"/>
+                  <a:headEnd/>
+                  <a:tailEnd/>
+                </a14:hiddenLine>
+              </a:ext>
+            </a:extLst>
+          </p:spPr>
+          <p:txBody>
+            <a:bodyPr wrap="square">
+              <a:spAutoFit/>
+            </a:bodyPr>
+            <a:lstStyle>
+              <a:lvl1pPr>
+                <a:defRPr>
+                  <a:solidFill>
+                    <a:schemeClr val="tx1"/>
+                  </a:solidFill>
+                  <a:latin typeface="Calibri" panose="020F0502020204030204" pitchFamily="34" charset="0"/>
+                </a:defRPr>
+              </a:lvl1pPr>
+              <a:lvl2pPr marL="742950" indent="-285750">
+                <a:defRPr>
+                  <a:solidFill>
+                    <a:schemeClr val="tx1"/>
+                  </a:solidFill>
+                  <a:latin typeface="Calibri" panose="020F0502020204030204" pitchFamily="34" charset="0"/>
+                </a:defRPr>
+              </a:lvl2pPr>
+              <a:lvl3pPr marL="1143000" indent="-228600">
+                <a:defRPr>
+                  <a:solidFill>
+                    <a:schemeClr val="tx1"/>
+                  </a:solidFill>
+                  <a:latin typeface="Calibri" panose="020F0502020204030204" pitchFamily="34" charset="0"/>
+                </a:defRPr>
+              </a:lvl3pPr>
+              <a:lvl4pPr marL="1600200" indent="-228600">
+                <a:defRPr>
+                  <a:solidFill>
+                    <a:schemeClr val="tx1"/>
+                  </a:solidFill>
+                  <a:latin typeface="Calibri" panose="020F0502020204030204" pitchFamily="34" charset="0"/>
+                </a:defRPr>
+              </a:lvl4pPr>
+              <a:lvl5pPr marL="2057400" indent="-228600">
+                <a:defRPr>
+                  <a:solidFill>
+                    <a:schemeClr val="tx1"/>
+                  </a:solidFill>
+                  <a:latin typeface="Calibri" panose="020F0502020204030204" pitchFamily="34" charset="0"/>
+                </a:defRPr>
+              </a:lvl5pPr>
+              <a:lvl6pPr marL="2514600" indent="-228600" eaLnBrk="0" fontAlgn="base" hangingPunct="0">
+                <a:spcBef>
+                  <a:spcPct val="0"/>
+                </a:spcBef>
+                <a:spcAft>
+                  <a:spcPct val="0"/>
+                </a:spcAft>
+                <a:defRPr>
+                  <a:solidFill>
+                    <a:schemeClr val="tx1"/>
+                  </a:solidFill>
+                  <a:latin typeface="Calibri" panose="020F0502020204030204" pitchFamily="34" charset="0"/>
+                </a:defRPr>
+              </a:lvl6pPr>
+              <a:lvl7pPr marL="2971800" indent="-228600" eaLnBrk="0" fontAlgn="base" hangingPunct="0">
+                <a:spcBef>
+                  <a:spcPct val="0"/>
+                </a:spcBef>
+                <a:spcAft>
+                  <a:spcPct val="0"/>
+                </a:spcAft>
+                <a:defRPr>
+                  <a:solidFill>
+                    <a:schemeClr val="tx1"/>
+                  </a:solidFill>
+                  <a:latin typeface="Calibri" panose="020F0502020204030204" pitchFamily="34" charset="0"/>
+                </a:defRPr>
+              </a:lvl7pPr>
+              <a:lvl8pPr marL="3429000" indent="-228600" eaLnBrk="0" fontAlgn="base" hangingPunct="0">
+                <a:spcBef>
+                  <a:spcPct val="0"/>
+                </a:spcBef>
+                <a:spcAft>
+                  <a:spcPct val="0"/>
+                </a:spcAft>
+                <a:defRPr>
+                  <a:solidFill>
+                    <a:schemeClr val="tx1"/>
+                  </a:solidFill>
+                  <a:latin typeface="Calibri" panose="020F0502020204030204" pitchFamily="34" charset="0"/>
+                </a:defRPr>
+              </a:lvl8pPr>
+              <a:lvl9pPr marL="3886200" indent="-228600" eaLnBrk="0" fontAlgn="base" hangingPunct="0">
+                <a:spcBef>
+                  <a:spcPct val="0"/>
+                </a:spcBef>
+                <a:spcAft>
+                  <a:spcPct val="0"/>
+                </a:spcAft>
+                <a:defRPr>
+                  <a:solidFill>
+                    <a:schemeClr val="tx1"/>
+                  </a:solidFill>
+                  <a:latin typeface="Calibri" panose="020F0502020204030204" pitchFamily="34" charset="0"/>
+                </a:defRPr>
+              </a:lvl9pPr>
+            </a:lstStyle>
+            <a:p>
+              <a:pPr algn="ctr" eaLnBrk="1" hangingPunct="1"/>
+              <a:r>
+                <a:rPr lang="en-US" altLang="en-US" sz="1100" dirty="0">
+                  <a:latin typeface="Arial" panose="020B0604020202020204" pitchFamily="34" charset="0"/>
+                  <a:ea typeface="Amazon Ember" panose="020B0603020204020204" pitchFamily="34" charset="0"/>
+                  <a:cs typeface="Arial" panose="020B0604020202020204" pitchFamily="34" charset="0"/>
+                </a:rPr>
+                <a:t>Application Load Balancer</a:t>
+              </a:r>
+            </a:p>
+          </p:txBody>
+        </p:sp>
+        <p:pic>
+          <p:nvPicPr>
+            <p:cNvPr id="114" name="Graphic 8">
+              <a:extLst>
+                <a:ext uri="{FF2B5EF4-FFF2-40B4-BE49-F238E27FC236}">
+                  <a16:creationId xmlns:a16="http://schemas.microsoft.com/office/drawing/2014/main" id="{4E8E2FCE-8C70-2D42-B954-6F3EAB5A49C3}"/>
+                </a:ext>
+              </a:extLst>
+            </p:cNvPr>
+            <p:cNvPicPr>
+              <a:picLocks noChangeAspect="1" noChangeArrowheads="1"/>
+            </p:cNvPicPr>
+            <p:nvPr/>
+          </p:nvPicPr>
+          <p:blipFill>
+            <a:blip r:embed="rId15">
+              <a:extLst>
+                <a:ext uri="{28A0092B-C50C-407E-A947-70E740481C1C}">
+                  <a14:useLocalDpi xmlns:a14="http://schemas.microsoft.com/office/drawing/2010/main" val="0"/>
+                </a:ext>
+              </a:extLst>
+            </a:blip>
+            <a:srcRect/>
+            <a:stretch>
+              <a:fillRect/>
+            </a:stretch>
+          </p:blipFill>
+          <p:spPr bwMode="auto">
+            <a:xfrm>
+              <a:off x="3902807" y="1632804"/>
+              <a:ext cx="457200" cy="457200"/>
+            </a:xfrm>
+            <a:prstGeom prst="rect">
+              <a:avLst/>
+            </a:prstGeom>
+            <a:noFill/>
+            <a:ln>
+              <a:noFill/>
+            </a:ln>
+            <a:extLst>
+              <a:ext uri="{909E8E84-426E-40DD-AFC4-6F175D3DCCD1}">
+                <a14:hiddenFill xmlns:a14="http://schemas.microsoft.com/office/drawing/2010/main">
+                  <a:solidFill>
+                    <a:srgbClr val="FFFFFF"/>
+                  </a:solidFill>
+                </a14:hiddenFill>
+              </a:ext>
+              <a:ext uri="{91240B29-F687-4F45-9708-019B960494DF}">
+                <a14:hiddenLine xmlns:a14="http://schemas.microsoft.com/office/drawing/2010/main" w="9525">
+                  <a:solidFill>
+                    <a:srgbClr val="000000"/>
+                  </a:solidFill>
+                  <a:miter lim="800000"/>
+                  <a:headEnd/>
+                  <a:tailEnd/>
+                </a14:hiddenLine>
+              </a:ext>
+            </a:extLst>
+          </p:spPr>
+        </p:pic>
+      </p:grpSp>
+      <p:grpSp>
+        <p:nvGrpSpPr>
+          <p:cNvPr id="115" name="Group 114">
+            <a:extLst>
+              <a:ext uri="{FF2B5EF4-FFF2-40B4-BE49-F238E27FC236}">
+                <a16:creationId xmlns:a16="http://schemas.microsoft.com/office/drawing/2014/main" id="{F17EBFD2-E48C-B94C-AC42-DAC74CD40B30}"/>
+              </a:ext>
+            </a:extLst>
+          </p:cNvPr>
+          <p:cNvGrpSpPr/>
+          <p:nvPr/>
+        </p:nvGrpSpPr>
+        <p:grpSpPr>
+          <a:xfrm>
+            <a:off x="1582616" y="1764695"/>
+            <a:ext cx="978153" cy="888093"/>
+            <a:chOff x="-257908" y="1625111"/>
+            <a:chExt cx="978153" cy="888093"/>
+          </a:xfrm>
+        </p:grpSpPr>
+        <p:pic>
+          <p:nvPicPr>
+            <p:cNvPr id="116" name="Graphic 6">
+              <a:extLst>
+                <a:ext uri="{FF2B5EF4-FFF2-40B4-BE49-F238E27FC236}">
+                  <a16:creationId xmlns:a16="http://schemas.microsoft.com/office/drawing/2014/main" id="{CC15FC35-2C3D-0E40-9977-43C058215918}"/>
+                </a:ext>
+              </a:extLst>
+            </p:cNvPr>
+            <p:cNvPicPr>
+              <a:picLocks noChangeAspect="1" noChangeArrowheads="1"/>
+            </p:cNvPicPr>
+            <p:nvPr/>
+          </p:nvPicPr>
+          <p:blipFill>
+            <a:blip r:embed="rId16">
+              <a:extLst>
+                <a:ext uri="{96DAC541-7B7A-43D3-8B79-37D633B846F1}">
+                  <asvg:svgBlip xmlns:asvg="http://schemas.microsoft.com/office/drawing/2016/SVG/main" r:embed="rId17"/>
+                </a:ext>
+              </a:extLst>
+            </a:blip>
+            <a:srcRect/>
+            <a:stretch/>
+          </p:blipFill>
+          <p:spPr bwMode="auto">
+            <a:xfrm flipH="1">
+              <a:off x="-12883" y="1625111"/>
+              <a:ext cx="469900" cy="469900"/>
+            </a:xfrm>
+            <a:prstGeom prst="rect">
+              <a:avLst/>
+            </a:prstGeom>
+            <a:noFill/>
+            <a:ln>
+              <a:noFill/>
+            </a:ln>
+            <a:extLst>
+              <a:ext uri="{909E8E84-426E-40DD-AFC4-6F175D3DCCD1}">
+                <a14:hiddenFill xmlns:a14="http://schemas.microsoft.com/office/drawing/2010/main">
+                  <a:solidFill>
+                    <a:srgbClr val="FFFFFF"/>
+                  </a:solidFill>
+                </a14:hiddenFill>
+              </a:ext>
+              <a:ext uri="{91240B29-F687-4F45-9708-019B960494DF}">
+                <a14:hiddenLine xmlns:a14="http://schemas.microsoft.com/office/drawing/2010/main" w="9525">
+                  <a:solidFill>
+                    <a:srgbClr val="000000"/>
+                  </a:solidFill>
+                  <a:miter lim="800000"/>
+                  <a:headEnd/>
+                  <a:tailEnd/>
+                </a14:hiddenLine>
+              </a:ext>
+            </a:extLst>
+          </p:spPr>
+        </p:pic>
+        <p:sp>
+          <p:nvSpPr>
+            <p:cNvPr id="117" name="TextBox 116">
+              <a:extLst>
+                <a:ext uri="{FF2B5EF4-FFF2-40B4-BE49-F238E27FC236}">
+                  <a16:creationId xmlns:a16="http://schemas.microsoft.com/office/drawing/2014/main" id="{0B4DF9A9-A06C-C84A-881D-7488506713F9}"/>
+                </a:ext>
+              </a:extLst>
+            </p:cNvPr>
+            <p:cNvSpPr txBox="1"/>
+            <p:nvPr/>
+          </p:nvSpPr>
+          <p:spPr>
+            <a:xfrm>
+              <a:off x="-257908" y="2051539"/>
+              <a:ext cx="978153" cy="461665"/>
+            </a:xfrm>
+            <a:prstGeom prst="rect">
+              <a:avLst/>
+            </a:prstGeom>
+            <a:noFill/>
+          </p:spPr>
+          <p:txBody>
+            <a:bodyPr wrap="none" rtlCol="0">
+              <a:spAutoFit/>
+            </a:bodyPr>
+            <a:lstStyle/>
+            <a:p>
+              <a:pPr algn="ctr"/>
+              <a:r>
+                <a:rPr lang="en-US" sz="1200" dirty="0"/>
+                <a:t>LogStream </a:t>
+              </a:r>
+            </a:p>
+            <a:p>
+              <a:pPr algn="ctr"/>
+              <a:r>
+                <a:rPr lang="en-US" sz="1200" dirty="0"/>
+                <a:t>Users</a:t>
+              </a:r>
+            </a:p>
+          </p:txBody>
+        </p:sp>
+      </p:grpSp>
+      <p:cxnSp>
+        <p:nvCxnSpPr>
+          <p:cNvPr id="118" name="Straight Arrow Connector 117">
+            <a:extLst>
+              <a:ext uri="{FF2B5EF4-FFF2-40B4-BE49-F238E27FC236}">
+                <a16:creationId xmlns:a16="http://schemas.microsoft.com/office/drawing/2014/main" id="{8B6251D5-831E-AB40-AD98-50C3B71F5FEC}"/>
+              </a:ext>
+            </a:extLst>
+          </p:cNvPr>
+          <p:cNvCxnSpPr>
+            <a:stCxn id="116" idx="1"/>
+            <a:endCxn id="114" idx="1"/>
+          </p:cNvCxnSpPr>
+          <p:nvPr/>
+        </p:nvCxnSpPr>
+        <p:spPr>
+          <a:xfrm>
+            <a:off x="2297541" y="1999645"/>
+            <a:ext cx="1828003" cy="1344"/>
+          </a:xfrm>
+          <a:prstGeom prst="straightConnector1">
+            <a:avLst/>
+          </a:prstGeom>
+          <a:ln>
+            <a:tailEnd type="arrow"/>
+          </a:ln>
+        </p:spPr>
+        <p:style>
+          <a:lnRef idx="1">
+            <a:schemeClr val="dk1"/>
+          </a:lnRef>
+          <a:fillRef idx="0">
+            <a:schemeClr val="dk1"/>
+          </a:fillRef>
+          <a:effectRef idx="0">
+            <a:schemeClr val="dk1"/>
+          </a:effectRef>
+          <a:fontRef idx="minor">
+            <a:schemeClr val="tx1"/>
+          </a:fontRef>
+        </p:style>
+      </p:cxnSp>
+      <p:cxnSp>
+        <p:nvCxnSpPr>
+          <p:cNvPr id="119" name="Straight Arrow Connector 118">
+            <a:extLst>
+              <a:ext uri="{FF2B5EF4-FFF2-40B4-BE49-F238E27FC236}">
+                <a16:creationId xmlns:a16="http://schemas.microsoft.com/office/drawing/2014/main" id="{D1B234DE-74C9-AD41-BA97-DF7A131E0A07}"/>
+              </a:ext>
+            </a:extLst>
+          </p:cNvPr>
+          <p:cNvCxnSpPr>
+            <a:stCxn id="114" idx="3"/>
+            <a:endCxn id="77" idx="1"/>
+          </p:cNvCxnSpPr>
+          <p:nvPr/>
+        </p:nvCxnSpPr>
+        <p:spPr>
+          <a:xfrm flipV="1">
+            <a:off x="4582744" y="1999881"/>
+            <a:ext cx="1272193" cy="1108"/>
+          </a:xfrm>
+          <a:prstGeom prst="straightConnector1">
+            <a:avLst/>
+          </a:prstGeom>
+          <a:ln>
+            <a:tailEnd type="arrow"/>
+          </a:ln>
+        </p:spPr>
+        <p:style>
+          <a:lnRef idx="1">
+            <a:schemeClr val="dk1"/>
+          </a:lnRef>
+          <a:fillRef idx="0">
+            <a:schemeClr val="dk1"/>
+          </a:fillRef>
+          <a:effectRef idx="0">
+            <a:schemeClr val="dk1"/>
+          </a:effectRef>
+          <a:fontRef idx="minor">
+            <a:schemeClr val="tx1"/>
+          </a:fontRef>
+        </p:style>
+      </p:cxnSp>
+    </p:spTree>
+    <p:extLst>
+      <p:ext uri="{BB962C8B-B14F-4D97-AF65-F5344CB8AC3E}">
+        <p14:creationId xmlns:p14="http://schemas.microsoft.com/office/powerpoint/2010/main" val="512673369"/>
+      </p:ext>
+    </p:extLst>
+  </p:cSld>
+  <p:clrMapOvr>
+    <a:masterClrMapping/>
+  </p:clrMapOvr>
+</p:sld>
+</file>
+
+<file path=ppt/slides/slide3.xml><?xml version="1.0" encoding="utf-8"?>
+<p:sld xmlns:a="http://schemas.openxmlformats.org/drawingml/2006/main" xmlns:r="http://schemas.openxmlformats.org/officeDocument/2006/relationships" xmlns:p="http://schemas.openxmlformats.org/presentationml/2006/main">
+  <p:cSld>
+    <p:spTree>
+      <p:nvGrpSpPr>
+        <p:cNvPr id="1" name=""/>
+        <p:cNvGrpSpPr/>
+        <p:nvPr/>
+      </p:nvGrpSpPr>
+      <p:grpSpPr>
+        <a:xfrm>
+          <a:off x="0" y="0"/>
+          <a:ext cx="0" cy="0"/>
+          <a:chOff x="0" y="0"/>
+          <a:chExt cx="0" cy="0"/>
+        </a:xfrm>
+      </p:grpSpPr>
+      <p:sp>
+        <p:nvSpPr>
+          <p:cNvPr id="2" name="Title 1">
+            <a:extLst>
+              <a:ext uri="{FF2B5EF4-FFF2-40B4-BE49-F238E27FC236}">
+                <a16:creationId xmlns:a16="http://schemas.microsoft.com/office/drawing/2014/main" id="{70E1DAAE-910D-AD46-84A2-CD668D0DBC19}"/>
+              </a:ext>
+            </a:extLst>
+          </p:cNvPr>
+          <p:cNvSpPr>
+            <a:spLocks noGrp="1"/>
+          </p:cNvSpPr>
+          <p:nvPr>
+            <p:ph type="title"/>
+          </p:nvPr>
+        </p:nvSpPr>
+        <p:spPr/>
+        <p:txBody>
+          <a:bodyPr/>
+          <a:lstStyle/>
+          <a:p>
+            <a:r>
+              <a:rPr lang="en-US" dirty="0"/>
+              <a:t>Cribl LogStream Workers (Cribl Cloud)</a:t>
+            </a:r>
+          </a:p>
+        </p:txBody>
+      </p:sp>
+      <p:sp>
+        <p:nvSpPr>
+          <p:cNvPr id="7" name="Rectangle 6">
+            <a:extLst>
+              <a:ext uri="{FF2B5EF4-FFF2-40B4-BE49-F238E27FC236}">
+                <a16:creationId xmlns:a16="http://schemas.microsoft.com/office/drawing/2014/main" id="{14E1F782-3753-C94A-BC41-58F4543E5CFA}"/>
+              </a:ext>
+            </a:extLst>
+          </p:cNvPr>
+          <p:cNvSpPr/>
+          <p:nvPr/>
+        </p:nvSpPr>
+        <p:spPr bwMode="auto">
+          <a:xfrm>
+            <a:off x="909431" y="2718987"/>
+            <a:ext cx="10371550" cy="3453046"/>
+          </a:xfrm>
+          <a:prstGeom prst="rect">
+            <a:avLst/>
+          </a:prstGeom>
+          <a:noFill/>
+          <a:ln w="12700">
+            <a:solidFill>
+              <a:srgbClr val="1E8900"/>
+            </a:solidFill>
+          </a:ln>
+        </p:spPr>
+        <p:style>
+          <a:lnRef idx="2">
+            <a:schemeClr val="accent1">
+              <a:shade val="50000"/>
+            </a:schemeClr>
+          </a:lnRef>
+          <a:fillRef idx="1">
+            <a:schemeClr val="accent1"/>
+          </a:fillRef>
+          <a:effectRef idx="0">
+            <a:schemeClr val="accent1"/>
+          </a:effectRef>
+          <a:fontRef idx="minor">
+            <a:schemeClr val="lt1"/>
+          </a:fontRef>
+        </p:style>
+        <p:txBody>
+          <a:bodyPr lIns="502920" tIns="91440"/>
+          <a:lstStyle/>
+          <a:p>
+            <a:pPr eaLnBrk="1" fontAlgn="auto" hangingPunct="1">
+              <a:spcBef>
+                <a:spcPts val="0"/>
+              </a:spcBef>
+              <a:spcAft>
+                <a:spcPts val="0"/>
+              </a:spcAft>
+              <a:defRPr/>
+            </a:pPr>
+            <a:r>
+              <a:rPr lang="en-US" sz="1200" dirty="0">
+                <a:ln w="0"/>
+                <a:solidFill>
+                  <a:srgbClr val="1E8900"/>
+                </a:solidFill>
+                <a:latin typeface="Arial" panose="020B0604020202020204" pitchFamily="34" charset="0"/>
+                <a:cs typeface="Arial" panose="020B0604020202020204" pitchFamily="34" charset="0"/>
+              </a:rPr>
+              <a:t>VPC</a:t>
+            </a:r>
+          </a:p>
+        </p:txBody>
+      </p:sp>
+      <p:sp>
+        <p:nvSpPr>
+          <p:cNvPr id="8" name="Rectangle 7">
+            <a:extLst>
+              <a:ext uri="{FF2B5EF4-FFF2-40B4-BE49-F238E27FC236}">
+                <a16:creationId xmlns:a16="http://schemas.microsoft.com/office/drawing/2014/main" id="{3CAB4C6C-D2C7-7849-8A20-5D3F6918DD4B}"/>
+              </a:ext>
+            </a:extLst>
+          </p:cNvPr>
+          <p:cNvSpPr/>
+          <p:nvPr/>
+        </p:nvSpPr>
+        <p:spPr bwMode="auto">
+          <a:xfrm>
+            <a:off x="528431" y="785446"/>
+            <a:ext cx="11135138" cy="5436449"/>
+          </a:xfrm>
+          <a:prstGeom prst="rect">
+            <a:avLst/>
+          </a:prstGeom>
+          <a:noFill/>
+          <a:ln w="12700">
+            <a:solidFill>
+              <a:schemeClr val="tx1"/>
+            </a:solidFill>
+          </a:ln>
+        </p:spPr>
+        <p:style>
+          <a:lnRef idx="2">
+            <a:schemeClr val="accent1">
+              <a:shade val="50000"/>
+            </a:schemeClr>
+          </a:lnRef>
+          <a:fillRef idx="1">
+            <a:schemeClr val="accent1"/>
+          </a:fillRef>
+          <a:effectRef idx="0">
+            <a:schemeClr val="accent1"/>
+          </a:effectRef>
+          <a:fontRef idx="minor">
+            <a:schemeClr val="lt1"/>
+          </a:fontRef>
+        </p:style>
+        <p:txBody>
+          <a:bodyPr lIns="502920" tIns="91440"/>
+          <a:lstStyle/>
+          <a:p>
+            <a:pPr eaLnBrk="1" fontAlgn="auto" hangingPunct="1">
+              <a:spcBef>
+                <a:spcPts val="0"/>
+              </a:spcBef>
+              <a:spcAft>
+                <a:spcPts val="0"/>
+              </a:spcAft>
+              <a:defRPr/>
+            </a:pPr>
+            <a:r>
+              <a:rPr lang="en-US" sz="1200" dirty="0">
+                <a:solidFill>
+                  <a:sysClr val="windowText" lastClr="000000"/>
+                </a:solidFill>
+                <a:latin typeface="Arial" panose="020B0604020202020204" pitchFamily="34" charset="0"/>
+                <a:cs typeface="Arial" panose="020B0604020202020204" pitchFamily="34" charset="0"/>
+              </a:rPr>
+              <a:t>AWS Cloud</a:t>
+            </a:r>
+          </a:p>
+        </p:txBody>
+      </p:sp>
+      <p:sp>
+        <p:nvSpPr>
+          <p:cNvPr id="9" name="Rectangle 8">
+            <a:extLst>
+              <a:ext uri="{FF2B5EF4-FFF2-40B4-BE49-F238E27FC236}">
+                <a16:creationId xmlns:a16="http://schemas.microsoft.com/office/drawing/2014/main" id="{A88BD5B1-1FCC-2443-9823-D0A2DACDBBB0}"/>
+              </a:ext>
+            </a:extLst>
+          </p:cNvPr>
+          <p:cNvSpPr/>
+          <p:nvPr/>
+        </p:nvSpPr>
+        <p:spPr bwMode="auto">
+          <a:xfrm>
+            <a:off x="2950126" y="3141015"/>
+            <a:ext cx="2095500" cy="1500810"/>
+          </a:xfrm>
+          <a:prstGeom prst="rect">
+            <a:avLst/>
+          </a:prstGeom>
+          <a:noFill/>
+          <a:ln w="12700">
+            <a:solidFill>
+              <a:srgbClr val="5B9CD5"/>
+            </a:solidFill>
+            <a:prstDash val="dash"/>
+          </a:ln>
+        </p:spPr>
+        <p:style>
+          <a:lnRef idx="2">
+            <a:schemeClr val="accent1">
+              <a:shade val="50000"/>
+            </a:schemeClr>
+          </a:lnRef>
+          <a:fillRef idx="1">
+            <a:schemeClr val="accent1"/>
+          </a:fillRef>
+          <a:effectRef idx="0">
+            <a:schemeClr val="accent1"/>
+          </a:effectRef>
+          <a:fontRef idx="minor">
+            <a:schemeClr val="lt1"/>
+          </a:fontRef>
+        </p:style>
+        <p:txBody>
+          <a:bodyPr tIns="91440"/>
+          <a:lstStyle/>
+          <a:p>
+            <a:pPr algn="ctr" eaLnBrk="1" fontAlgn="auto" hangingPunct="1">
+              <a:spcBef>
+                <a:spcPts val="0"/>
+              </a:spcBef>
+              <a:spcAft>
+                <a:spcPts val="0"/>
+              </a:spcAft>
+              <a:defRPr/>
+            </a:pPr>
+            <a:r>
+              <a:rPr lang="en-US" sz="1200" dirty="0">
+                <a:solidFill>
+                  <a:srgbClr val="5B9CD5"/>
+                </a:solidFill>
+                <a:latin typeface="Arial" panose="020B0604020202020204" pitchFamily="34" charset="0"/>
+                <a:cs typeface="Arial" panose="020B0604020202020204" pitchFamily="34" charset="0"/>
+              </a:rPr>
+              <a:t>Availability Zone 1</a:t>
+            </a:r>
+          </a:p>
+        </p:txBody>
+      </p:sp>
+      <p:sp>
+        <p:nvSpPr>
           <p:cNvPr id="10" name="Rectangle 9">
             <a:extLst>
               <a:ext uri="{FF2B5EF4-FFF2-40B4-BE49-F238E27FC236}">
@@ -9590,8 +12876,8 @@
         </p:nvSpPr>
         <p:spPr bwMode="auto">
           <a:xfrm>
-            <a:off x="7152238" y="2912162"/>
-            <a:ext cx="2095500" cy="1381541"/>
+            <a:off x="7152238" y="3141015"/>
+            <a:ext cx="2095500" cy="1500810"/>
           </a:xfrm>
           <a:prstGeom prst="rect">
             <a:avLst/>
@@ -9675,7 +12961,7 @@
         </p:blipFill>
         <p:spPr bwMode="auto">
           <a:xfrm>
-            <a:off x="3762926" y="3403020"/>
+            <a:off x="3762926" y="3631873"/>
             <a:ext cx="469900" cy="469900"/>
           </a:xfrm>
           <a:prstGeom prst="rect">
@@ -9722,7 +13008,7 @@
         </p:nvSpPr>
         <p:spPr bwMode="auto">
           <a:xfrm>
-            <a:off x="3113699" y="3848390"/>
+            <a:off x="3113699" y="4077243"/>
             <a:ext cx="1767152" cy="261610"/>
           </a:xfrm>
           <a:prstGeom prst="rect">
@@ -9898,7 +13184,7 @@
         </p:blipFill>
         <p:spPr bwMode="auto">
           <a:xfrm>
-            <a:off x="7965038" y="3403020"/>
+            <a:off x="7965038" y="3631873"/>
             <a:ext cx="469900" cy="469900"/>
           </a:xfrm>
           <a:prstGeom prst="rect">
@@ -9945,7 +13231,7 @@
         </p:nvSpPr>
         <p:spPr bwMode="auto">
           <a:xfrm>
-            <a:off x="7316029" y="3848390"/>
+            <a:off x="7316029" y="4077243"/>
             <a:ext cx="1767152" cy="261610"/>
           </a:xfrm>
           <a:prstGeom prst="rect">
@@ -10106,7 +13392,7 @@
         </p:nvSpPr>
         <p:spPr>
           <a:xfrm>
-            <a:off x="3035851" y="3256970"/>
+            <a:off x="3035851" y="3485823"/>
             <a:ext cx="6118225" cy="969963"/>
           </a:xfrm>
           <a:prstGeom prst="rect">
@@ -10225,7 +13511,7 @@
         </p:blipFill>
         <p:spPr>
           <a:xfrm>
-            <a:off x="528431" y="1046687"/>
+            <a:off x="540154" y="788779"/>
             <a:ext cx="381000" cy="381000"/>
           </a:xfrm>
           <a:prstGeom prst="rect">
@@ -10261,7 +13547,7 @@
         </p:blipFill>
         <p:spPr>
           <a:xfrm>
-            <a:off x="911019" y="1427687"/>
+            <a:off x="912002" y="2716294"/>
             <a:ext cx="381000" cy="381000"/>
           </a:xfrm>
           <a:prstGeom prst="rect">
@@ -10297,7 +13583,7 @@
         </p:blipFill>
         <p:spPr>
           <a:xfrm>
-            <a:off x="5902876" y="3253908"/>
+            <a:off x="5902876" y="3482761"/>
             <a:ext cx="381000" cy="381000"/>
           </a:xfrm>
           <a:prstGeom prst="rect">
@@ -10334,7 +13620,7 @@
         </p:blipFill>
         <p:spPr bwMode="auto">
           <a:xfrm>
-            <a:off x="5854937" y="2261814"/>
+            <a:off x="5854937" y="1764931"/>
             <a:ext cx="469900" cy="469900"/>
           </a:xfrm>
           <a:prstGeom prst="rect">
@@ -10365,169 +13651,6 @@
           </a:extLst>
         </p:spPr>
       </p:pic>
-      <p:sp>
-        <p:nvSpPr>
-          <p:cNvPr id="32" name="TextBox 18">
-            <a:extLst>
-              <a:ext uri="{FF2B5EF4-FFF2-40B4-BE49-F238E27FC236}">
-                <a16:creationId xmlns:a16="http://schemas.microsoft.com/office/drawing/2014/main" id="{C0F1847D-DBE4-CA49-B423-C3ADEABFB42B}"/>
-              </a:ext>
-            </a:extLst>
-          </p:cNvPr>
-          <p:cNvSpPr txBox="1">
-            <a:spLocks noChangeArrowheads="1"/>
-          </p:cNvSpPr>
-          <p:nvPr/>
-        </p:nvSpPr>
-        <p:spPr bwMode="auto">
-          <a:xfrm>
-            <a:off x="5205710" y="2707184"/>
-            <a:ext cx="1767152" cy="276999"/>
-          </a:xfrm>
-          <a:prstGeom prst="rect">
-            <a:avLst/>
-          </a:prstGeom>
-          <a:noFill/>
-          <a:ln>
-            <a:noFill/>
-          </a:ln>
-          <a:extLst>
-            <a:ext uri="{909E8E84-426E-40DD-AFC4-6F175D3DCCD1}">
-              <a14:hiddenFill xmlns:a14="http://schemas.microsoft.com/office/drawing/2010/main">
-                <a:solidFill>
-                  <a:srgbClr val="FFFFFF"/>
-                </a:solidFill>
-              </a14:hiddenFill>
-            </a:ext>
-            <a:ext uri="{91240B29-F687-4F45-9708-019B960494DF}">
-              <a14:hiddenLine xmlns:a14="http://schemas.microsoft.com/office/drawing/2010/main" w="9525">
-                <a:solidFill>
-                  <a:srgbClr val="000000"/>
-                </a:solidFill>
-                <a:miter lim="800000"/>
-                <a:headEnd/>
-                <a:tailEnd/>
-              </a14:hiddenLine>
-            </a:ext>
-          </a:extLst>
-        </p:spPr>
-        <p:txBody>
-          <a:bodyPr>
-            <a:spAutoFit/>
-          </a:bodyPr>
-          <a:lstStyle>
-            <a:lvl1pPr>
-              <a:defRPr>
-                <a:solidFill>
-                  <a:schemeClr val="tx1"/>
-                </a:solidFill>
-                <a:latin typeface="Calibri" panose="020F0502020204030204" pitchFamily="34" charset="0"/>
-              </a:defRPr>
-            </a:lvl1pPr>
-            <a:lvl2pPr marL="742950" indent="-285750">
-              <a:defRPr>
-                <a:solidFill>
-                  <a:schemeClr val="tx1"/>
-                </a:solidFill>
-                <a:latin typeface="Calibri" panose="020F0502020204030204" pitchFamily="34" charset="0"/>
-              </a:defRPr>
-            </a:lvl2pPr>
-            <a:lvl3pPr marL="1143000" indent="-228600">
-              <a:defRPr>
-                <a:solidFill>
-                  <a:schemeClr val="tx1"/>
-                </a:solidFill>
-                <a:latin typeface="Calibri" panose="020F0502020204030204" pitchFamily="34" charset="0"/>
-              </a:defRPr>
-            </a:lvl3pPr>
-            <a:lvl4pPr marL="1600200" indent="-228600">
-              <a:defRPr>
-                <a:solidFill>
-                  <a:schemeClr val="tx1"/>
-                </a:solidFill>
-                <a:latin typeface="Calibri" panose="020F0502020204030204" pitchFamily="34" charset="0"/>
-              </a:defRPr>
-            </a:lvl4pPr>
-            <a:lvl5pPr marL="2057400" indent="-228600">
-              <a:defRPr>
-                <a:solidFill>
-                  <a:schemeClr val="tx1"/>
-                </a:solidFill>
-                <a:latin typeface="Calibri" panose="020F0502020204030204" pitchFamily="34" charset="0"/>
-              </a:defRPr>
-            </a:lvl5pPr>
-            <a:lvl6pPr marL="2514600" indent="-228600" eaLnBrk="0" fontAlgn="base" hangingPunct="0">
-              <a:spcBef>
-                <a:spcPct val="0"/>
-              </a:spcBef>
-              <a:spcAft>
-                <a:spcPct val="0"/>
-              </a:spcAft>
-              <a:defRPr>
-                <a:solidFill>
-                  <a:schemeClr val="tx1"/>
-                </a:solidFill>
-                <a:latin typeface="Calibri" panose="020F0502020204030204" pitchFamily="34" charset="0"/>
-              </a:defRPr>
-            </a:lvl6pPr>
-            <a:lvl7pPr marL="2971800" indent="-228600" eaLnBrk="0" fontAlgn="base" hangingPunct="0">
-              <a:spcBef>
-                <a:spcPct val="0"/>
-              </a:spcBef>
-              <a:spcAft>
-                <a:spcPct val="0"/>
-              </a:spcAft>
-              <a:defRPr>
-                <a:solidFill>
-                  <a:schemeClr val="tx1"/>
-                </a:solidFill>
-                <a:latin typeface="Calibri" panose="020F0502020204030204" pitchFamily="34" charset="0"/>
-              </a:defRPr>
-            </a:lvl7pPr>
-            <a:lvl8pPr marL="3429000" indent="-228600" eaLnBrk="0" fontAlgn="base" hangingPunct="0">
-              <a:spcBef>
-                <a:spcPct val="0"/>
-              </a:spcBef>
-              <a:spcAft>
-                <a:spcPct val="0"/>
-              </a:spcAft>
-              <a:defRPr>
-                <a:solidFill>
-                  <a:schemeClr val="tx1"/>
-                </a:solidFill>
-                <a:latin typeface="Calibri" panose="020F0502020204030204" pitchFamily="34" charset="0"/>
-              </a:defRPr>
-            </a:lvl8pPr>
-            <a:lvl9pPr marL="3886200" indent="-228600" eaLnBrk="0" fontAlgn="base" hangingPunct="0">
-              <a:spcBef>
-                <a:spcPct val="0"/>
-              </a:spcBef>
-              <a:spcAft>
-                <a:spcPct val="0"/>
-              </a:spcAft>
-              <a:defRPr>
-                <a:solidFill>
-                  <a:schemeClr val="tx1"/>
-                </a:solidFill>
-                <a:latin typeface="Calibri" panose="020F0502020204030204" pitchFamily="34" charset="0"/>
-              </a:defRPr>
-            </a:lvl9pPr>
-          </a:lstStyle>
-          <a:p>
-            <a:pPr algn="ctr" eaLnBrk="1" hangingPunct="1"/>
-            <a:r>
-              <a:rPr lang="en-US" altLang="en-US" sz="1200" dirty="0">
-                <a:solidFill>
-                  <a:srgbClr val="232F3E"/>
-                </a:solidFill>
-                <a:latin typeface="Arial" panose="020B0604020202020204" pitchFamily="34" charset="0"/>
-                <a:cs typeface="Arial" panose="020B0604020202020204" pitchFamily="34" charset="0"/>
-              </a:rPr>
-              <a:t>LogStream Leader</a:t>
-            </a:r>
-          </a:p>
-        </p:txBody>
-      </p:sp>
       <p:grpSp>
         <p:nvGrpSpPr>
           <p:cNvPr id="63" name="Group 62">
@@ -10542,7 +13665,7 @@
         </p:nvGrpSpPr>
         <p:grpSpPr>
           <a:xfrm>
-            <a:off x="1270006" y="4348320"/>
+            <a:off x="1270006" y="4711733"/>
             <a:ext cx="4871245" cy="1376276"/>
             <a:chOff x="1973386" y="4348320"/>
             <a:chExt cx="4871245" cy="1376276"/>
@@ -11116,7 +14239,7 @@
         </p:nvSpPr>
         <p:spPr>
           <a:xfrm>
-            <a:off x="6539036" y="4348320"/>
+            <a:off x="6499083" y="4722514"/>
             <a:ext cx="4422913" cy="1376276"/>
           </a:xfrm>
           <a:prstGeom prst="rect">
@@ -11186,7 +14309,7 @@
         </p:nvGrpSpPr>
         <p:grpSpPr>
           <a:xfrm>
-            <a:off x="6684177" y="4595709"/>
+            <a:off x="6684177" y="4959122"/>
             <a:ext cx="952505" cy="921352"/>
             <a:chOff x="1465018" y="4401122"/>
             <a:chExt cx="952505" cy="921352"/>
@@ -11310,7 +14433,7 @@
         </p:nvGrpSpPr>
         <p:grpSpPr>
           <a:xfrm>
-            <a:off x="8154623" y="4639400"/>
+            <a:off x="8154623" y="5002813"/>
             <a:ext cx="1166881" cy="768023"/>
             <a:chOff x="7583612" y="4627816"/>
             <a:chExt cx="1166881" cy="768023"/>
@@ -11552,7 +14675,7 @@
         </p:nvGrpSpPr>
         <p:grpSpPr>
           <a:xfrm>
-            <a:off x="9541194" y="4640932"/>
+            <a:off x="9541194" y="5004345"/>
             <a:ext cx="1300356" cy="750626"/>
             <a:chOff x="8974814" y="4645213"/>
             <a:chExt cx="1300356" cy="750626"/>
@@ -11672,8 +14795,8 @@
         </p:nvCxnSpPr>
         <p:spPr>
           <a:xfrm rot="10800000" flipH="1">
-            <a:off x="1270006" y="3602934"/>
-            <a:ext cx="1680120" cy="1433525"/>
+            <a:off x="1270006" y="3891421"/>
+            <a:ext cx="1680120" cy="1508451"/>
           </a:xfrm>
           <a:prstGeom prst="bentConnector3">
             <a:avLst>
@@ -11710,7 +14833,6 @@
             </a:extLst>
           </p:cNvPr>
           <p:cNvCxnSpPr>
-            <a:cxnSpLocks/>
             <a:stCxn id="10" idx="3"/>
             <a:endCxn id="43" idx="3"/>
           </p:cNvCxnSpPr>
@@ -11718,12 +14840,12 @@
         </p:nvCxnSpPr>
         <p:spPr>
           <a:xfrm>
-            <a:off x="9247738" y="3602933"/>
-            <a:ext cx="1714211" cy="1433525"/>
+            <a:off x="9247738" y="3891420"/>
+            <a:ext cx="1674258" cy="1519232"/>
           </a:xfrm>
           <a:prstGeom prst="bentConnector3">
             <a:avLst>
-              <a:gd name="adj1" fmla="val 113336"/>
+              <a:gd name="adj1" fmla="val 113654"/>
             </a:avLst>
           </a:prstGeom>
           <a:ln>
@@ -11745,110 +14867,22 @@
           </a:fontRef>
         </p:style>
       </p:cxnSp>
-      <p:cxnSp>
-        <p:nvCxnSpPr>
-          <p:cNvPr id="60" name="Elbow Connector 59">
+      <p:sp>
+        <p:nvSpPr>
+          <p:cNvPr id="54" name="Rectangle 53">
             <a:extLst>
               <a:ext uri="{FF2B5EF4-FFF2-40B4-BE49-F238E27FC236}">
-                <a16:creationId xmlns:a16="http://schemas.microsoft.com/office/drawing/2014/main" id="{CC541B64-5BAC-904F-87C7-1DEC968B6A60}"/>
-              </a:ext>
-            </a:extLst>
-          </p:cNvPr>
-          <p:cNvCxnSpPr>
-            <a:cxnSpLocks/>
-            <a:stCxn id="31" idx="1"/>
-            <a:endCxn id="9" idx="0"/>
-          </p:cNvCxnSpPr>
-          <p:nvPr/>
-        </p:nvCxnSpPr>
-        <p:spPr>
-          <a:xfrm rot="10800000" flipV="1">
-            <a:off x="3997877" y="2496764"/>
-            <a:ext cx="1857061" cy="415398"/>
-          </a:xfrm>
-          <a:prstGeom prst="bentConnector2">
-            <a:avLst/>
-          </a:prstGeom>
-          <a:ln>
-            <a:headEnd type="arrow"/>
-            <a:tailEnd type="arrow"/>
-          </a:ln>
-        </p:spPr>
-        <p:style>
-          <a:lnRef idx="1">
-            <a:schemeClr val="dk1"/>
-          </a:lnRef>
-          <a:fillRef idx="0">
-            <a:schemeClr val="dk1"/>
-          </a:fillRef>
-          <a:effectRef idx="0">
-            <a:schemeClr val="dk1"/>
-          </a:effectRef>
-          <a:fontRef idx="minor">
-            <a:schemeClr val="tx1"/>
-          </a:fontRef>
-        </p:style>
-      </p:cxnSp>
-      <p:cxnSp>
-        <p:nvCxnSpPr>
-          <p:cNvPr id="62" name="Elbow Connector 61">
-            <a:extLst>
-              <a:ext uri="{FF2B5EF4-FFF2-40B4-BE49-F238E27FC236}">
-                <a16:creationId xmlns:a16="http://schemas.microsoft.com/office/drawing/2014/main" id="{D381A7BD-33C7-C349-BC89-1045D2EC8E87}"/>
-              </a:ext>
-            </a:extLst>
-          </p:cNvPr>
-          <p:cNvCxnSpPr>
-            <a:cxnSpLocks/>
-            <a:stCxn id="31" idx="3"/>
-            <a:endCxn id="10" idx="0"/>
-          </p:cNvCxnSpPr>
-          <p:nvPr/>
-        </p:nvCxnSpPr>
-        <p:spPr>
-          <a:xfrm>
-            <a:off x="6324837" y="2496764"/>
-            <a:ext cx="1875151" cy="415398"/>
-          </a:xfrm>
-          <a:prstGeom prst="bentConnector2">
-            <a:avLst/>
-          </a:prstGeom>
-          <a:ln>
-            <a:headEnd type="arrow"/>
-            <a:tailEnd type="arrow"/>
-          </a:ln>
-        </p:spPr>
-        <p:style>
-          <a:lnRef idx="1">
-            <a:schemeClr val="dk1"/>
-          </a:lnRef>
-          <a:fillRef idx="0">
-            <a:schemeClr val="dk1"/>
-          </a:fillRef>
-          <a:effectRef idx="0">
-            <a:schemeClr val="dk1"/>
-          </a:effectRef>
-          <a:fontRef idx="minor">
-            <a:schemeClr val="tx1"/>
-          </a:fontRef>
-        </p:style>
-      </p:cxnSp>
-      <p:sp>
-        <p:nvSpPr>
-          <p:cNvPr id="53" name="Rectangle 52">
-            <a:extLst>
-              <a:ext uri="{FF2B5EF4-FFF2-40B4-BE49-F238E27FC236}">
-                <a16:creationId xmlns:a16="http://schemas.microsoft.com/office/drawing/2014/main" id="{2923F02B-F3F7-1F40-AEC0-917366509B03}"/>
+                <a16:creationId xmlns:a16="http://schemas.microsoft.com/office/drawing/2014/main" id="{28D01F34-8658-274D-B057-773FA0938A1A}"/>
               </a:ext>
             </a:extLst>
           </p:cNvPr>
           <p:cNvSpPr/>
           <p:nvPr/>
         </p:nvSpPr>
-        <p:spPr>
+        <p:spPr bwMode="auto">
           <a:xfrm>
-            <a:off x="5039764" y="2003374"/>
-            <a:ext cx="2095500" cy="969963"/>
+            <a:off x="909431" y="1172308"/>
+            <a:ext cx="10371550" cy="1500554"/>
           </a:xfrm>
           <a:prstGeom prst="rect">
             <a:avLst/>
@@ -11856,9 +14890,8 @@
           <a:noFill/>
           <a:ln w="12700">
             <a:solidFill>
-              <a:srgbClr val="D86613"/>
+              <a:srgbClr val="1E8900"/>
             </a:solidFill>
-            <a:prstDash val="dash"/>
           </a:ln>
         </p:spPr>
         <p:style>
@@ -11878,10 +14911,10 @@
           </a:fontRef>
         </p:style>
         <p:txBody>
-          <a:bodyPr tIns="91440"/>
+          <a:bodyPr lIns="502920" tIns="91440"/>
           <a:lstStyle/>
           <a:p>
-            <a:pPr algn="ctr" eaLnBrk="1" fontAlgn="auto" hangingPunct="1">
+            <a:pPr eaLnBrk="1" fontAlgn="auto" hangingPunct="1">
               <a:spcBef>
                 <a:spcPts val="0"/>
               </a:spcBef>
@@ -11892,23 +14925,60 @@
             </a:pPr>
             <a:r>
               <a:rPr lang="en-US" sz="1200" dirty="0">
-                <a:solidFill>
-                  <a:srgbClr val="D86613"/>
+                <a:ln w="0"/>
+                <a:solidFill>
+                  <a:srgbClr val="1E8900"/>
                 </a:solidFill>
                 <a:latin typeface="Arial" panose="020B0604020202020204" pitchFamily="34" charset="0"/>
                 <a:cs typeface="Arial" panose="020B0604020202020204" pitchFamily="34" charset="0"/>
               </a:rPr>
-              <a:t>Leader Auto  Scaling group</a:t>
+              <a:t>VPC</a:t>
             </a:r>
           </a:p>
         </p:txBody>
       </p:sp>
+      <p:pic>
+        <p:nvPicPr>
+          <p:cNvPr id="55" name="Graphic 54">
+            <a:extLst>
+              <a:ext uri="{FF2B5EF4-FFF2-40B4-BE49-F238E27FC236}">
+                <a16:creationId xmlns:a16="http://schemas.microsoft.com/office/drawing/2014/main" id="{64A402A8-5EF5-1B4D-93F8-FDC0EDF22A33}"/>
+              </a:ext>
+            </a:extLst>
+          </p:cNvPr>
+          <p:cNvPicPr>
+            <a:picLocks noChangeAspect="1"/>
+          </p:cNvPicPr>
+          <p:nvPr/>
+        </p:nvPicPr>
+        <p:blipFill>
+          <a:blip r:embed="rId5">
+            <a:extLst>
+              <a:ext uri="{96DAC541-7B7A-43D3-8B79-37D633B846F1}">
+                <asvg:svgBlip xmlns:asvg="http://schemas.microsoft.com/office/drawing/2016/SVG/main" r:embed="rId6"/>
+              </a:ext>
+            </a:extLst>
+          </a:blip>
+          <a:stretch>
+            <a:fillRect/>
+          </a:stretch>
+        </p:blipFill>
+        <p:spPr>
+          <a:xfrm>
+            <a:off x="900279" y="1179205"/>
+            <a:ext cx="381000" cy="381000"/>
+          </a:xfrm>
+          <a:prstGeom prst="rect">
+            <a:avLst/>
+          </a:prstGeom>
+        </p:spPr>
+      </p:pic>
       <p:grpSp>
         <p:nvGrpSpPr>
-          <p:cNvPr id="55" name="Group 54">
+          <p:cNvPr id="12" name="Group 11">
             <a:extLst>
               <a:ext uri="{FF2B5EF4-FFF2-40B4-BE49-F238E27FC236}">
-                <a16:creationId xmlns:a16="http://schemas.microsoft.com/office/drawing/2014/main" id="{B8991C53-623C-D047-83CA-88C552FAAE97}"/>
+                <a16:creationId xmlns:a16="http://schemas.microsoft.com/office/drawing/2014/main" id="{7379572A-F4E9-A14B-86B8-FEC698DE273C}"/>
               </a:ext>
             </a:extLst>
           </p:cNvPr>
@@ -11917,18 +14987,18 @@
         </p:nvGrpSpPr>
         <p:grpSpPr>
           <a:xfrm>
-            <a:off x="3365840" y="1500811"/>
-            <a:ext cx="1339850" cy="905549"/>
-            <a:chOff x="6865178" y="2805113"/>
-            <a:chExt cx="1339850" cy="905549"/>
+            <a:off x="5064369" y="2706995"/>
+            <a:ext cx="2051539" cy="733098"/>
+            <a:chOff x="5064369" y="2425643"/>
+            <a:chExt cx="2051539" cy="733098"/>
           </a:xfrm>
         </p:grpSpPr>
         <p:sp>
           <p:nvSpPr>
-            <p:cNvPr id="65" name="TextBox 19">
+            <p:cNvPr id="65" name="TextBox 22">
               <a:extLst>
                 <a:ext uri="{FF2B5EF4-FFF2-40B4-BE49-F238E27FC236}">
-                  <a16:creationId xmlns:a16="http://schemas.microsoft.com/office/drawing/2014/main" id="{225210F9-D466-254B-BE05-FACD1FBCAD4D}"/>
+                  <a16:creationId xmlns:a16="http://schemas.microsoft.com/office/drawing/2014/main" id="{4F1EFD45-9A89-6643-8164-D55078DC0F1A}"/>
                 </a:ext>
               </a:extLst>
             </p:cNvPr>
@@ -11939,8 +15009,8 @@
           </p:nvSpPr>
           <p:spPr bwMode="auto">
             <a:xfrm>
-              <a:off x="6865178" y="3279775"/>
-              <a:ext cx="1339850" cy="430887"/>
+              <a:off x="5064369" y="2897131"/>
+              <a:ext cx="2051539" cy="261610"/>
             </a:xfrm>
             <a:prstGeom prst="rect">
               <a:avLst/>
@@ -12079,32 +15149,17 @@
                   <a:ea typeface="Amazon Ember" panose="020B0603020204020204" pitchFamily="34" charset="0"/>
                   <a:cs typeface="Arial" panose="020B0604020202020204" pitchFamily="34" charset="0"/>
                 </a:rPr>
-                <a:t>Application Load </a:t>
-              </a:r>
-              <a:br>
-                <a:rPr lang="en-US" altLang="en-US" sz="1100" dirty="0">
-                  <a:latin typeface="Arial" panose="020B0604020202020204" pitchFamily="34" charset="0"/>
-                  <a:ea typeface="Amazon Ember" panose="020B0603020204020204" pitchFamily="34" charset="0"/>
-                  <a:cs typeface="Arial" panose="020B0604020202020204" pitchFamily="34" charset="0"/>
-                </a:rPr>
-              </a:br>
-              <a:r>
-                <a:rPr lang="en-US" altLang="en-US" sz="1100" dirty="0">
-                  <a:latin typeface="Arial" panose="020B0604020202020204" pitchFamily="34" charset="0"/>
-                  <a:ea typeface="Amazon Ember" panose="020B0603020204020204" pitchFamily="34" charset="0"/>
-                  <a:cs typeface="Arial" panose="020B0604020202020204" pitchFamily="34" charset="0"/>
-                </a:rPr>
-                <a:t>Balancer</a:t>
+                <a:t>Network Load Balancer</a:t>
               </a:r>
             </a:p>
           </p:txBody>
         </p:sp>
         <p:pic>
           <p:nvPicPr>
-            <p:cNvPr id="66" name="Graphic 8">
+            <p:cNvPr id="66" name="Graphic 24">
               <a:extLst>
                 <a:ext uri="{FF2B5EF4-FFF2-40B4-BE49-F238E27FC236}">
-                  <a16:creationId xmlns:a16="http://schemas.microsoft.com/office/drawing/2014/main" id="{F5BBF940-5BD6-1D40-8338-2EA314C6198C}"/>
+                  <a16:creationId xmlns:a16="http://schemas.microsoft.com/office/drawing/2014/main" id="{070AE7D4-27F9-0045-80D4-6145489AD9F2}"/>
                 </a:ext>
               </a:extLst>
             </p:cNvPr>
@@ -12128,7 +15183,7 @@
           </p:blipFill>
           <p:spPr bwMode="auto">
             <a:xfrm>
-              <a:off x="7302500" y="2805113"/>
+              <a:off x="5858564" y="2425643"/>
               <a:ext cx="457200" cy="457200"/>
             </a:xfrm>
             <a:prstGeom prst="rect">
@@ -12160,103 +15215,130 @@
           </p:spPr>
         </p:pic>
       </p:grpSp>
-      <p:pic>
-        <p:nvPicPr>
-          <p:cNvPr id="57" name="Graphic 6">
+      <p:cxnSp>
+        <p:nvCxnSpPr>
+          <p:cNvPr id="14" name="Elbow Connector 13">
             <a:extLst>
               <a:ext uri="{FF2B5EF4-FFF2-40B4-BE49-F238E27FC236}">
-                <a16:creationId xmlns:a16="http://schemas.microsoft.com/office/drawing/2014/main" id="{FD09D296-81B4-C24A-B398-48B008314FA5}"/>
-              </a:ext>
-            </a:extLst>
-          </p:cNvPr>
-          <p:cNvPicPr>
-            <a:picLocks noChangeAspect="1" noChangeArrowheads="1"/>
-          </p:cNvPicPr>
-          <p:nvPr/>
-        </p:nvPicPr>
-        <p:blipFill>
-          <a:blip r:embed="rId15">
-            <a:extLst>
-              <a:ext uri="{96DAC541-7B7A-43D3-8B79-37D633B846F1}">
-                <asvg:svgBlip xmlns:asvg="http://schemas.microsoft.com/office/drawing/2016/SVG/main" r:embed="rId16"/>
-              </a:ext>
-            </a:extLst>
-          </a:blip>
-          <a:srcRect/>
-          <a:stretch/>
-        </p:blipFill>
-        <p:spPr bwMode="auto">
-          <a:xfrm flipH="1">
-            <a:off x="2009348" y="1516563"/>
-            <a:ext cx="469900" cy="469900"/>
-          </a:xfrm>
-          <a:prstGeom prst="rect">
-            <a:avLst/>
-          </a:prstGeom>
-          <a:noFill/>
-          <a:ln>
-            <a:noFill/>
-          </a:ln>
-          <a:extLst>
-            <a:ext uri="{909E8E84-426E-40DD-AFC4-6F175D3DCCD1}">
-              <a14:hiddenFill xmlns:a14="http://schemas.microsoft.com/office/drawing/2010/main">
-                <a:solidFill>
-                  <a:srgbClr val="FFFFFF"/>
-                </a:solidFill>
-              </a14:hiddenFill>
-            </a:ext>
-            <a:ext uri="{91240B29-F687-4F45-9708-019B960494DF}">
-              <a14:hiddenLine xmlns:a14="http://schemas.microsoft.com/office/drawing/2010/main" w="9525">
-                <a:solidFill>
-                  <a:srgbClr val="000000"/>
-                </a:solidFill>
-                <a:miter lim="800000"/>
-                <a:headEnd/>
-                <a:tailEnd/>
-              </a14:hiddenLine>
-            </a:ext>
-          </a:extLst>
-        </p:spPr>
-      </p:pic>
-      <p:cxnSp>
-        <p:nvCxnSpPr>
-          <p:cNvPr id="59" name="Straight Arrow Connector 58">
-            <a:extLst>
-              <a:ext uri="{FF2B5EF4-FFF2-40B4-BE49-F238E27FC236}">
-                <a16:creationId xmlns:a16="http://schemas.microsoft.com/office/drawing/2014/main" id="{1AD47A3B-DEEF-8947-91F7-2CCCA43F921A}"/>
+                <a16:creationId xmlns:a16="http://schemas.microsoft.com/office/drawing/2014/main" id="{0A3E0E42-BF0A-5D47-B6C3-88635581B769}"/>
               </a:ext>
             </a:extLst>
           </p:cNvPr>
           <p:cNvCxnSpPr>
             <a:cxnSpLocks/>
+            <a:stCxn id="9" idx="0"/>
+            <a:endCxn id="66" idx="1"/>
           </p:cNvCxnSpPr>
           <p:nvPr/>
         </p:nvCxnSpPr>
         <p:spPr>
-          <a:xfrm>
-            <a:off x="2613392" y="1815013"/>
-            <a:ext cx="1046162" cy="0"/>
+          <a:xfrm rot="5400000" flipH="1" flipV="1">
+            <a:off x="4825510" y="2107961"/>
+            <a:ext cx="205420" cy="1860688"/>
+          </a:xfrm>
+          <a:prstGeom prst="bentConnector2">
+            <a:avLst/>
+          </a:prstGeom>
+          <a:ln>
+            <a:headEnd type="arrow"/>
+            <a:tailEnd type="arrow"/>
+          </a:ln>
+        </p:spPr>
+        <p:style>
+          <a:lnRef idx="1">
+            <a:schemeClr val="dk1"/>
+          </a:lnRef>
+          <a:fillRef idx="0">
+            <a:schemeClr val="dk1"/>
+          </a:fillRef>
+          <a:effectRef idx="0">
+            <a:schemeClr val="dk1"/>
+          </a:effectRef>
+          <a:fontRef idx="minor">
+            <a:schemeClr val="tx1"/>
+          </a:fontRef>
+        </p:style>
+      </p:cxnSp>
+      <p:cxnSp>
+        <p:nvCxnSpPr>
+          <p:cNvPr id="22" name="Straight Arrow Connector 21">
+            <a:extLst>
+              <a:ext uri="{FF2B5EF4-FFF2-40B4-BE49-F238E27FC236}">
+                <a16:creationId xmlns:a16="http://schemas.microsoft.com/office/drawing/2014/main" id="{36FE384D-A498-1742-87E8-5CFCD50E6239}"/>
+              </a:ext>
+            </a:extLst>
+          </p:cNvPr>
+          <p:cNvCxnSpPr>
+            <a:stCxn id="66" idx="0"/>
+            <a:endCxn id="31" idx="2"/>
+          </p:cNvCxnSpPr>
+          <p:nvPr/>
+        </p:nvCxnSpPr>
+        <p:spPr>
+          <a:xfrm flipV="1">
+            <a:off x="6087164" y="2234831"/>
+            <a:ext cx="2723" cy="472164"/>
           </a:xfrm>
           <a:prstGeom prst="straightConnector1">
             <a:avLst/>
           </a:prstGeom>
-          <a:ln w="12700">
-            <a:solidFill>
-              <a:schemeClr val="tx2"/>
-            </a:solidFill>
-            <a:headEnd type="none" w="med" len="sm"/>
-            <a:tailEnd type="arrow" w="med" len="sm"/>
+          <a:ln>
+            <a:tailEnd type="arrow"/>
           </a:ln>
         </p:spPr>
         <p:style>
           <a:lnRef idx="1">
-            <a:schemeClr val="accent1"/>
+            <a:schemeClr val="dk1"/>
           </a:lnRef>
           <a:fillRef idx="0">
-            <a:schemeClr val="accent1"/>
+            <a:schemeClr val="dk1"/>
           </a:fillRef>
           <a:effectRef idx="0">
-            <a:schemeClr val="accent1"/>
+            <a:schemeClr val="dk1"/>
+          </a:effectRef>
+          <a:fontRef idx="minor">
+            <a:schemeClr val="tx1"/>
+          </a:fontRef>
+        </p:style>
+      </p:cxnSp>
+      <p:cxnSp>
+        <p:nvCxnSpPr>
+          <p:cNvPr id="24" name="Elbow Connector 23">
+            <a:extLst>
+              <a:ext uri="{FF2B5EF4-FFF2-40B4-BE49-F238E27FC236}">
+                <a16:creationId xmlns:a16="http://schemas.microsoft.com/office/drawing/2014/main" id="{AC1F866B-46EF-E743-A33C-DC23558B5F6C}"/>
+              </a:ext>
+            </a:extLst>
+          </p:cNvPr>
+          <p:cNvCxnSpPr>
+            <a:cxnSpLocks/>
+            <a:stCxn id="10" idx="0"/>
+            <a:endCxn id="66" idx="3"/>
+          </p:cNvCxnSpPr>
+          <p:nvPr/>
+        </p:nvCxnSpPr>
+        <p:spPr>
+          <a:xfrm rot="16200000" flipV="1">
+            <a:off x="7155166" y="2096193"/>
+            <a:ext cx="205420" cy="1884224"/>
+          </a:xfrm>
+          <a:prstGeom prst="bentConnector2">
+            <a:avLst/>
+          </a:prstGeom>
+          <a:ln>
+            <a:headEnd type="arrow"/>
+            <a:tailEnd type="arrow"/>
+          </a:ln>
+        </p:spPr>
+        <p:style>
+          <a:lnRef idx="1">
+            <a:schemeClr val="dk1"/>
+          </a:lnRef>
+          <a:fillRef idx="0">
+            <a:schemeClr val="dk1"/>
+          </a:fillRef>
+          <a:effectRef idx="0">
+            <a:schemeClr val="dk1"/>
           </a:effectRef>
           <a:fontRef idx="minor">
             <a:schemeClr val="tx1"/>
@@ -12265,881 +15347,10 @@
       </p:cxnSp>
       <p:sp>
         <p:nvSpPr>
-          <p:cNvPr id="64" name="TextBox 63">
+          <p:cNvPr id="69" name="Rectangle 68">
             <a:extLst>
               <a:ext uri="{FF2B5EF4-FFF2-40B4-BE49-F238E27FC236}">
-                <a16:creationId xmlns:a16="http://schemas.microsoft.com/office/drawing/2014/main" id="{61B9C1F2-BE05-C749-B527-03F300E41019}"/>
-              </a:ext>
-            </a:extLst>
-          </p:cNvPr>
-          <p:cNvSpPr txBox="1"/>
-          <p:nvPr/>
-        </p:nvSpPr>
-        <p:spPr>
-          <a:xfrm>
-            <a:off x="1764323" y="1942991"/>
-            <a:ext cx="978153" cy="461665"/>
-          </a:xfrm>
-          <a:prstGeom prst="rect">
-            <a:avLst/>
-          </a:prstGeom>
-          <a:noFill/>
-        </p:spPr>
-        <p:txBody>
-          <a:bodyPr wrap="none" rtlCol="0">
-            <a:spAutoFit/>
-          </a:bodyPr>
-          <a:lstStyle/>
-          <a:p>
-            <a:pPr algn="ctr"/>
-            <a:r>
-              <a:rPr lang="en-US" sz="1200" dirty="0"/>
-              <a:t>LogStream </a:t>
-            </a:r>
-          </a:p>
-          <a:p>
-            <a:pPr algn="ctr"/>
-            <a:r>
-              <a:rPr lang="en-US" sz="1200" dirty="0"/>
-              <a:t>Users</a:t>
-            </a:r>
-          </a:p>
-        </p:txBody>
-      </p:sp>
-      <p:cxnSp>
-        <p:nvCxnSpPr>
-          <p:cNvPr id="12" name="Elbow Connector 11">
-            <a:extLst>
-              <a:ext uri="{FF2B5EF4-FFF2-40B4-BE49-F238E27FC236}">
-                <a16:creationId xmlns:a16="http://schemas.microsoft.com/office/drawing/2014/main" id="{EE4051A7-3317-5B45-8007-ED1EFE80709E}"/>
-              </a:ext>
-            </a:extLst>
-          </p:cNvPr>
-          <p:cNvCxnSpPr>
-            <a:stCxn id="66" idx="3"/>
-            <a:endCxn id="53" idx="0"/>
-          </p:cNvCxnSpPr>
-          <p:nvPr/>
-        </p:nvCxnSpPr>
-        <p:spPr>
-          <a:xfrm>
-            <a:off x="4260362" y="1729411"/>
-            <a:ext cx="1827152" cy="273963"/>
-          </a:xfrm>
-          <a:prstGeom prst="bentConnector2">
-            <a:avLst/>
-          </a:prstGeom>
-          <a:ln>
-            <a:solidFill>
-              <a:schemeClr val="tx1"/>
-            </a:solidFill>
-            <a:tailEnd type="arrow"/>
-          </a:ln>
-        </p:spPr>
-        <p:style>
-          <a:lnRef idx="1">
-            <a:schemeClr val="accent1"/>
-          </a:lnRef>
-          <a:fillRef idx="0">
-            <a:schemeClr val="accent1"/>
-          </a:fillRef>
-          <a:effectRef idx="0">
-            <a:schemeClr val="accent1"/>
-          </a:effectRef>
-          <a:fontRef idx="minor">
-            <a:schemeClr val="tx1"/>
-          </a:fontRef>
-        </p:style>
-      </p:cxnSp>
-    </p:spTree>
-    <p:extLst>
-      <p:ext uri="{BB962C8B-B14F-4D97-AF65-F5344CB8AC3E}">
-        <p14:creationId xmlns:p14="http://schemas.microsoft.com/office/powerpoint/2010/main" val="512673369"/>
-      </p:ext>
-    </p:extLst>
-  </p:cSld>
-  <p:clrMapOvr>
-    <a:masterClrMapping/>
-  </p:clrMapOvr>
-</p:sld>
-</file>
-
-<file path=ppt/slides/slide3.xml><?xml version="1.0" encoding="utf-8"?>
-<p:sld xmlns:a="http://schemas.openxmlformats.org/drawingml/2006/main" xmlns:r="http://schemas.openxmlformats.org/officeDocument/2006/relationships" xmlns:p="http://schemas.openxmlformats.org/presentationml/2006/main">
-  <p:cSld>
-    <p:spTree>
-      <p:nvGrpSpPr>
-        <p:cNvPr id="1" name=""/>
-        <p:cNvGrpSpPr/>
-        <p:nvPr/>
-      </p:nvGrpSpPr>
-      <p:grpSpPr>
-        <a:xfrm>
-          <a:off x="0" y="0"/>
-          <a:ext cx="0" cy="0"/>
-          <a:chOff x="0" y="0"/>
-          <a:chExt cx="0" cy="0"/>
-        </a:xfrm>
-      </p:grpSpPr>
-      <p:sp>
-        <p:nvSpPr>
-          <p:cNvPr id="2" name="Title 1">
-            <a:extLst>
-              <a:ext uri="{FF2B5EF4-FFF2-40B4-BE49-F238E27FC236}">
-                <a16:creationId xmlns:a16="http://schemas.microsoft.com/office/drawing/2014/main" id="{70E1DAAE-910D-AD46-84A2-CD668D0DBC19}"/>
-              </a:ext>
-            </a:extLst>
-          </p:cNvPr>
-          <p:cNvSpPr>
-            <a:spLocks noGrp="1"/>
-          </p:cNvSpPr>
-          <p:nvPr>
-            <p:ph type="title"/>
-          </p:nvPr>
-        </p:nvSpPr>
-        <p:spPr/>
-        <p:txBody>
-          <a:bodyPr/>
-          <a:lstStyle/>
-          <a:p>
-            <a:r>
-              <a:rPr lang="en-US" dirty="0"/>
-              <a:t>Cribl LogStream Workers (Cribl Cloud)</a:t>
-            </a:r>
-          </a:p>
-        </p:txBody>
-      </p:sp>
-      <p:sp>
-        <p:nvSpPr>
-          <p:cNvPr id="7" name="Rectangle 6">
-            <a:extLst>
-              <a:ext uri="{FF2B5EF4-FFF2-40B4-BE49-F238E27FC236}">
-                <a16:creationId xmlns:a16="http://schemas.microsoft.com/office/drawing/2014/main" id="{14E1F782-3753-C94A-BC41-58F4543E5CFA}"/>
-              </a:ext>
-            </a:extLst>
-          </p:cNvPr>
-          <p:cNvSpPr/>
-          <p:nvPr/>
-        </p:nvSpPr>
-        <p:spPr bwMode="auto">
-          <a:xfrm>
-            <a:off x="909431" y="2355574"/>
-            <a:ext cx="10371550" cy="3453046"/>
-          </a:xfrm>
-          <a:prstGeom prst="rect">
-            <a:avLst/>
-          </a:prstGeom>
-          <a:noFill/>
-          <a:ln w="12700">
-            <a:solidFill>
-              <a:srgbClr val="1E8900"/>
-            </a:solidFill>
-          </a:ln>
-        </p:spPr>
-        <p:style>
-          <a:lnRef idx="2">
-            <a:schemeClr val="accent1">
-              <a:shade val="50000"/>
-            </a:schemeClr>
-          </a:lnRef>
-          <a:fillRef idx="1">
-            <a:schemeClr val="accent1"/>
-          </a:fillRef>
-          <a:effectRef idx="0">
-            <a:schemeClr val="accent1"/>
-          </a:effectRef>
-          <a:fontRef idx="minor">
-            <a:schemeClr val="lt1"/>
-          </a:fontRef>
-        </p:style>
-        <p:txBody>
-          <a:bodyPr lIns="502920" tIns="91440"/>
-          <a:lstStyle/>
-          <a:p>
-            <a:pPr eaLnBrk="1" fontAlgn="auto" hangingPunct="1">
-              <a:spcBef>
-                <a:spcPts val="0"/>
-              </a:spcBef>
-              <a:spcAft>
-                <a:spcPts val="0"/>
-              </a:spcAft>
-              <a:defRPr/>
-            </a:pPr>
-            <a:r>
-              <a:rPr lang="en-US" sz="1200" dirty="0">
-                <a:ln w="0"/>
-                <a:solidFill>
-                  <a:srgbClr val="1E8900"/>
-                </a:solidFill>
-                <a:latin typeface="Arial" panose="020B0604020202020204" pitchFamily="34" charset="0"/>
-                <a:cs typeface="Arial" panose="020B0604020202020204" pitchFamily="34" charset="0"/>
-              </a:rPr>
-              <a:t>VPC</a:t>
-            </a:r>
-          </a:p>
-        </p:txBody>
-      </p:sp>
-      <p:sp>
-        <p:nvSpPr>
-          <p:cNvPr id="8" name="Rectangle 7">
-            <a:extLst>
-              <a:ext uri="{FF2B5EF4-FFF2-40B4-BE49-F238E27FC236}">
-                <a16:creationId xmlns:a16="http://schemas.microsoft.com/office/drawing/2014/main" id="{3CAB4C6C-D2C7-7849-8A20-5D3F6918DD4B}"/>
-              </a:ext>
-            </a:extLst>
-          </p:cNvPr>
-          <p:cNvSpPr/>
-          <p:nvPr/>
-        </p:nvSpPr>
-        <p:spPr bwMode="auto">
-          <a:xfrm>
-            <a:off x="528431" y="1049380"/>
-            <a:ext cx="11135138" cy="5172515"/>
-          </a:xfrm>
-          <a:prstGeom prst="rect">
-            <a:avLst/>
-          </a:prstGeom>
-          <a:noFill/>
-          <a:ln w="12700">
-            <a:solidFill>
-              <a:schemeClr val="tx1"/>
-            </a:solidFill>
-          </a:ln>
-        </p:spPr>
-        <p:style>
-          <a:lnRef idx="2">
-            <a:schemeClr val="accent1">
-              <a:shade val="50000"/>
-            </a:schemeClr>
-          </a:lnRef>
-          <a:fillRef idx="1">
-            <a:schemeClr val="accent1"/>
-          </a:fillRef>
-          <a:effectRef idx="0">
-            <a:schemeClr val="accent1"/>
-          </a:effectRef>
-          <a:fontRef idx="minor">
-            <a:schemeClr val="lt1"/>
-          </a:fontRef>
-        </p:style>
-        <p:txBody>
-          <a:bodyPr lIns="502920" tIns="91440"/>
-          <a:lstStyle/>
-          <a:p>
-            <a:pPr eaLnBrk="1" fontAlgn="auto" hangingPunct="1">
-              <a:spcBef>
-                <a:spcPts val="0"/>
-              </a:spcBef>
-              <a:spcAft>
-                <a:spcPts val="0"/>
-              </a:spcAft>
-              <a:defRPr/>
-            </a:pPr>
-            <a:r>
-              <a:rPr lang="en-US" sz="1200" dirty="0">
-                <a:solidFill>
-                  <a:sysClr val="windowText" lastClr="000000"/>
-                </a:solidFill>
-                <a:latin typeface="Arial" panose="020B0604020202020204" pitchFamily="34" charset="0"/>
-                <a:cs typeface="Arial" panose="020B0604020202020204" pitchFamily="34" charset="0"/>
-              </a:rPr>
-              <a:t>AWS Cloud</a:t>
-            </a:r>
-          </a:p>
-        </p:txBody>
-      </p:sp>
-      <p:sp>
-        <p:nvSpPr>
-          <p:cNvPr id="9" name="Rectangle 8">
-            <a:extLst>
-              <a:ext uri="{FF2B5EF4-FFF2-40B4-BE49-F238E27FC236}">
-                <a16:creationId xmlns:a16="http://schemas.microsoft.com/office/drawing/2014/main" id="{A88BD5B1-1FCC-2443-9823-D0A2DACDBBB0}"/>
-              </a:ext>
-            </a:extLst>
-          </p:cNvPr>
-          <p:cNvSpPr/>
-          <p:nvPr/>
-        </p:nvSpPr>
-        <p:spPr bwMode="auto">
-          <a:xfrm>
-            <a:off x="2950126" y="2355574"/>
-            <a:ext cx="2095500" cy="1500810"/>
-          </a:xfrm>
-          <a:prstGeom prst="rect">
-            <a:avLst/>
-          </a:prstGeom>
-          <a:noFill/>
-          <a:ln w="12700">
-            <a:solidFill>
-              <a:srgbClr val="5B9CD5"/>
-            </a:solidFill>
-            <a:prstDash val="dash"/>
-          </a:ln>
-        </p:spPr>
-        <p:style>
-          <a:lnRef idx="2">
-            <a:schemeClr val="accent1">
-              <a:shade val="50000"/>
-            </a:schemeClr>
-          </a:lnRef>
-          <a:fillRef idx="1">
-            <a:schemeClr val="accent1"/>
-          </a:fillRef>
-          <a:effectRef idx="0">
-            <a:schemeClr val="accent1"/>
-          </a:effectRef>
-          <a:fontRef idx="minor">
-            <a:schemeClr val="lt1"/>
-          </a:fontRef>
-        </p:style>
-        <p:txBody>
-          <a:bodyPr tIns="91440"/>
-          <a:lstStyle/>
-          <a:p>
-            <a:pPr algn="ctr" eaLnBrk="1" fontAlgn="auto" hangingPunct="1">
-              <a:spcBef>
-                <a:spcPts val="0"/>
-              </a:spcBef>
-              <a:spcAft>
-                <a:spcPts val="0"/>
-              </a:spcAft>
-              <a:defRPr/>
-            </a:pPr>
-            <a:r>
-              <a:rPr lang="en-US" sz="1200" dirty="0">
-                <a:solidFill>
-                  <a:srgbClr val="5B9CD5"/>
-                </a:solidFill>
-                <a:latin typeface="Arial" panose="020B0604020202020204" pitchFamily="34" charset="0"/>
-                <a:cs typeface="Arial" panose="020B0604020202020204" pitchFamily="34" charset="0"/>
-              </a:rPr>
-              <a:t>Availability Zone 1</a:t>
-            </a:r>
-          </a:p>
-        </p:txBody>
-      </p:sp>
-      <p:sp>
-        <p:nvSpPr>
-          <p:cNvPr id="10" name="Rectangle 9">
-            <a:extLst>
-              <a:ext uri="{FF2B5EF4-FFF2-40B4-BE49-F238E27FC236}">
-                <a16:creationId xmlns:a16="http://schemas.microsoft.com/office/drawing/2014/main" id="{E72CAD76-5FF1-DF46-BA67-0A768FD8A881}"/>
-              </a:ext>
-            </a:extLst>
-          </p:cNvPr>
-          <p:cNvSpPr/>
-          <p:nvPr/>
-        </p:nvSpPr>
-        <p:spPr bwMode="auto">
-          <a:xfrm>
-            <a:off x="7152238" y="2355574"/>
-            <a:ext cx="2095500" cy="1500810"/>
-          </a:xfrm>
-          <a:prstGeom prst="rect">
-            <a:avLst/>
-          </a:prstGeom>
-          <a:noFill/>
-          <a:ln w="12700">
-            <a:solidFill>
-              <a:srgbClr val="5B9CD5"/>
-            </a:solidFill>
-            <a:prstDash val="dash"/>
-          </a:ln>
-        </p:spPr>
-        <p:style>
-          <a:lnRef idx="2">
-            <a:schemeClr val="accent1">
-              <a:shade val="50000"/>
-            </a:schemeClr>
-          </a:lnRef>
-          <a:fillRef idx="1">
-            <a:schemeClr val="accent1"/>
-          </a:fillRef>
-          <a:effectRef idx="0">
-            <a:schemeClr val="accent1"/>
-          </a:effectRef>
-          <a:fontRef idx="minor">
-            <a:schemeClr val="lt1"/>
-          </a:fontRef>
-        </p:style>
-        <p:txBody>
-          <a:bodyPr tIns="91440"/>
-          <a:lstStyle/>
-          <a:p>
-            <a:pPr algn="ctr" eaLnBrk="1" fontAlgn="auto" hangingPunct="1">
-              <a:spcBef>
-                <a:spcPts val="0"/>
-              </a:spcBef>
-              <a:spcAft>
-                <a:spcPts val="0"/>
-              </a:spcAft>
-              <a:defRPr/>
-            </a:pPr>
-            <a:r>
-              <a:rPr lang="en-US" sz="1200" dirty="0">
-                <a:solidFill>
-                  <a:srgbClr val="5B9CD5"/>
-                </a:solidFill>
-                <a:latin typeface="Arial" panose="020B0604020202020204" pitchFamily="34" charset="0"/>
-                <a:cs typeface="Arial" panose="020B0604020202020204" pitchFamily="34" charset="0"/>
-              </a:rPr>
-              <a:t>Availability Zone 2</a:t>
-            </a:r>
-          </a:p>
-        </p:txBody>
-      </p:sp>
-      <p:pic>
-        <p:nvPicPr>
-          <p:cNvPr id="15" name="Graphic 17">
-            <a:extLst>
-              <a:ext uri="{FF2B5EF4-FFF2-40B4-BE49-F238E27FC236}">
-                <a16:creationId xmlns:a16="http://schemas.microsoft.com/office/drawing/2014/main" id="{9A7E4015-4497-584F-9D9C-26993736A43D}"/>
-              </a:ext>
-            </a:extLst>
-          </p:cNvPr>
-          <p:cNvPicPr>
-            <a:picLocks noChangeAspect="1" noChangeArrowheads="1"/>
-          </p:cNvPicPr>
-          <p:nvPr/>
-        </p:nvPicPr>
-        <p:blipFill>
-          <a:blip r:embed="rId2">
-            <a:extLst>
-              <a:ext uri="{28A0092B-C50C-407E-A947-70E740481C1C}">
-                <a14:useLocalDpi xmlns:a14="http://schemas.microsoft.com/office/drawing/2010/main" val="0"/>
-              </a:ext>
-            </a:extLst>
-          </a:blip>
-          <a:srcRect/>
-          <a:stretch>
-            <a:fillRect/>
-          </a:stretch>
-        </p:blipFill>
-        <p:spPr bwMode="auto">
-          <a:xfrm>
-            <a:off x="3762926" y="2846432"/>
-            <a:ext cx="469900" cy="469900"/>
-          </a:xfrm>
-          <a:prstGeom prst="rect">
-            <a:avLst/>
-          </a:prstGeom>
-          <a:noFill/>
-          <a:ln>
-            <a:noFill/>
-          </a:ln>
-          <a:extLst>
-            <a:ext uri="{909E8E84-426E-40DD-AFC4-6F175D3DCCD1}">
-              <a14:hiddenFill xmlns:a14="http://schemas.microsoft.com/office/drawing/2010/main">
-                <a:solidFill>
-                  <a:srgbClr val="FFFFFF"/>
-                </a:solidFill>
-              </a14:hiddenFill>
-            </a:ext>
-            <a:ext uri="{91240B29-F687-4F45-9708-019B960494DF}">
-              <a14:hiddenLine xmlns:a14="http://schemas.microsoft.com/office/drawing/2010/main" w="9525">
-                <a:solidFill>
-                  <a:srgbClr val="000000"/>
-                </a:solidFill>
-                <a:miter lim="800000"/>
-                <a:headEnd/>
-                <a:tailEnd/>
-              </a14:hiddenLine>
-            </a:ext>
-          </a:extLst>
-        </p:spPr>
-      </p:pic>
-      <p:sp>
-        <p:nvSpPr>
-          <p:cNvPr id="16" name="TextBox 18">
-            <a:extLst>
-              <a:ext uri="{FF2B5EF4-FFF2-40B4-BE49-F238E27FC236}">
-                <a16:creationId xmlns:a16="http://schemas.microsoft.com/office/drawing/2014/main" id="{DDEA0899-FC07-CA42-997F-0DD775351307}"/>
-              </a:ext>
-            </a:extLst>
-          </p:cNvPr>
-          <p:cNvSpPr txBox="1">
-            <a:spLocks noChangeArrowheads="1"/>
-          </p:cNvSpPr>
-          <p:nvPr/>
-        </p:nvSpPr>
-        <p:spPr bwMode="auto">
-          <a:xfrm>
-            <a:off x="3113699" y="3291802"/>
-            <a:ext cx="1767152" cy="261610"/>
-          </a:xfrm>
-          <a:prstGeom prst="rect">
-            <a:avLst/>
-          </a:prstGeom>
-          <a:noFill/>
-          <a:ln>
-            <a:noFill/>
-          </a:ln>
-          <a:extLst>
-            <a:ext uri="{909E8E84-426E-40DD-AFC4-6F175D3DCCD1}">
-              <a14:hiddenFill xmlns:a14="http://schemas.microsoft.com/office/drawing/2010/main">
-                <a:solidFill>
-                  <a:srgbClr val="FFFFFF"/>
-                </a:solidFill>
-              </a14:hiddenFill>
-            </a:ext>
-            <a:ext uri="{91240B29-F687-4F45-9708-019B960494DF}">
-              <a14:hiddenLine xmlns:a14="http://schemas.microsoft.com/office/drawing/2010/main" w="9525">
-                <a:solidFill>
-                  <a:srgbClr val="000000"/>
-                </a:solidFill>
-                <a:miter lim="800000"/>
-                <a:headEnd/>
-                <a:tailEnd/>
-              </a14:hiddenLine>
-            </a:ext>
-          </a:extLst>
-        </p:spPr>
-        <p:txBody>
-          <a:bodyPr>
-            <a:spAutoFit/>
-          </a:bodyPr>
-          <a:lstStyle>
-            <a:lvl1pPr>
-              <a:defRPr>
-                <a:solidFill>
-                  <a:schemeClr val="tx1"/>
-                </a:solidFill>
-                <a:latin typeface="Calibri" panose="020F0502020204030204" pitchFamily="34" charset="0"/>
-              </a:defRPr>
-            </a:lvl1pPr>
-            <a:lvl2pPr marL="742950" indent="-285750">
-              <a:defRPr>
-                <a:solidFill>
-                  <a:schemeClr val="tx1"/>
-                </a:solidFill>
-                <a:latin typeface="Calibri" panose="020F0502020204030204" pitchFamily="34" charset="0"/>
-              </a:defRPr>
-            </a:lvl2pPr>
-            <a:lvl3pPr marL="1143000" indent="-228600">
-              <a:defRPr>
-                <a:solidFill>
-                  <a:schemeClr val="tx1"/>
-                </a:solidFill>
-                <a:latin typeface="Calibri" panose="020F0502020204030204" pitchFamily="34" charset="0"/>
-              </a:defRPr>
-            </a:lvl3pPr>
-            <a:lvl4pPr marL="1600200" indent="-228600">
-              <a:defRPr>
-                <a:solidFill>
-                  <a:schemeClr val="tx1"/>
-                </a:solidFill>
-                <a:latin typeface="Calibri" panose="020F0502020204030204" pitchFamily="34" charset="0"/>
-              </a:defRPr>
-            </a:lvl4pPr>
-            <a:lvl5pPr marL="2057400" indent="-228600">
-              <a:defRPr>
-                <a:solidFill>
-                  <a:schemeClr val="tx1"/>
-                </a:solidFill>
-                <a:latin typeface="Calibri" panose="020F0502020204030204" pitchFamily="34" charset="0"/>
-              </a:defRPr>
-            </a:lvl5pPr>
-            <a:lvl6pPr marL="2514600" indent="-228600" eaLnBrk="0" fontAlgn="base" hangingPunct="0">
-              <a:spcBef>
-                <a:spcPct val="0"/>
-              </a:spcBef>
-              <a:spcAft>
-                <a:spcPct val="0"/>
-              </a:spcAft>
-              <a:defRPr>
-                <a:solidFill>
-                  <a:schemeClr val="tx1"/>
-                </a:solidFill>
-                <a:latin typeface="Calibri" panose="020F0502020204030204" pitchFamily="34" charset="0"/>
-              </a:defRPr>
-            </a:lvl6pPr>
-            <a:lvl7pPr marL="2971800" indent="-228600" eaLnBrk="0" fontAlgn="base" hangingPunct="0">
-              <a:spcBef>
-                <a:spcPct val="0"/>
-              </a:spcBef>
-              <a:spcAft>
-                <a:spcPct val="0"/>
-              </a:spcAft>
-              <a:defRPr>
-                <a:solidFill>
-                  <a:schemeClr val="tx1"/>
-                </a:solidFill>
-                <a:latin typeface="Calibri" panose="020F0502020204030204" pitchFamily="34" charset="0"/>
-              </a:defRPr>
-            </a:lvl7pPr>
-            <a:lvl8pPr marL="3429000" indent="-228600" eaLnBrk="0" fontAlgn="base" hangingPunct="0">
-              <a:spcBef>
-                <a:spcPct val="0"/>
-              </a:spcBef>
-              <a:spcAft>
-                <a:spcPct val="0"/>
-              </a:spcAft>
-              <a:defRPr>
-                <a:solidFill>
-                  <a:schemeClr val="tx1"/>
-                </a:solidFill>
-                <a:latin typeface="Calibri" panose="020F0502020204030204" pitchFamily="34" charset="0"/>
-              </a:defRPr>
-            </a:lvl8pPr>
-            <a:lvl9pPr marL="3886200" indent="-228600" eaLnBrk="0" fontAlgn="base" hangingPunct="0">
-              <a:spcBef>
-                <a:spcPct val="0"/>
-              </a:spcBef>
-              <a:spcAft>
-                <a:spcPct val="0"/>
-              </a:spcAft>
-              <a:defRPr>
-                <a:solidFill>
-                  <a:schemeClr val="tx1"/>
-                </a:solidFill>
-                <a:latin typeface="Calibri" panose="020F0502020204030204" pitchFamily="34" charset="0"/>
-              </a:defRPr>
-            </a:lvl9pPr>
-          </a:lstStyle>
-          <a:p>
-            <a:pPr algn="ctr" eaLnBrk="1" hangingPunct="1"/>
-            <a:r>
-              <a:rPr lang="en-US" altLang="en-US" sz="1100" dirty="0">
-                <a:solidFill>
-                  <a:srgbClr val="232F3E"/>
-                </a:solidFill>
-                <a:latin typeface="Arial" panose="020B0604020202020204" pitchFamily="34" charset="0"/>
-                <a:cs typeface="Arial" panose="020B0604020202020204" pitchFamily="34" charset="0"/>
-              </a:rPr>
-              <a:t>LogStream Worker(s)</a:t>
-            </a:r>
-          </a:p>
-        </p:txBody>
-      </p:sp>
-      <p:pic>
-        <p:nvPicPr>
-          <p:cNvPr id="17" name="Graphic 19">
-            <a:extLst>
-              <a:ext uri="{FF2B5EF4-FFF2-40B4-BE49-F238E27FC236}">
-                <a16:creationId xmlns:a16="http://schemas.microsoft.com/office/drawing/2014/main" id="{069C40FE-0F83-0C4C-8D1A-525D31F12F7A}"/>
-              </a:ext>
-            </a:extLst>
-          </p:cNvPr>
-          <p:cNvPicPr>
-            <a:picLocks noChangeAspect="1" noChangeArrowheads="1"/>
-          </p:cNvPicPr>
-          <p:nvPr/>
-        </p:nvPicPr>
-        <p:blipFill>
-          <a:blip r:embed="rId2">
-            <a:extLst>
-              <a:ext uri="{28A0092B-C50C-407E-A947-70E740481C1C}">
-                <a14:useLocalDpi xmlns:a14="http://schemas.microsoft.com/office/drawing/2010/main" val="0"/>
-              </a:ext>
-            </a:extLst>
-          </a:blip>
-          <a:srcRect/>
-          <a:stretch>
-            <a:fillRect/>
-          </a:stretch>
-        </p:blipFill>
-        <p:spPr bwMode="auto">
-          <a:xfrm>
-            <a:off x="7965038" y="2846432"/>
-            <a:ext cx="469900" cy="469900"/>
-          </a:xfrm>
-          <a:prstGeom prst="rect">
-            <a:avLst/>
-          </a:prstGeom>
-          <a:noFill/>
-          <a:ln>
-            <a:noFill/>
-          </a:ln>
-          <a:extLst>
-            <a:ext uri="{909E8E84-426E-40DD-AFC4-6F175D3DCCD1}">
-              <a14:hiddenFill xmlns:a14="http://schemas.microsoft.com/office/drawing/2010/main">
-                <a:solidFill>
-                  <a:srgbClr val="FFFFFF"/>
-                </a:solidFill>
-              </a14:hiddenFill>
-            </a:ext>
-            <a:ext uri="{91240B29-F687-4F45-9708-019B960494DF}">
-              <a14:hiddenLine xmlns:a14="http://schemas.microsoft.com/office/drawing/2010/main" w="9525">
-                <a:solidFill>
-                  <a:srgbClr val="000000"/>
-                </a:solidFill>
-                <a:miter lim="800000"/>
-                <a:headEnd/>
-                <a:tailEnd/>
-              </a14:hiddenLine>
-            </a:ext>
-          </a:extLst>
-        </p:spPr>
-      </p:pic>
-      <p:sp>
-        <p:nvSpPr>
-          <p:cNvPr id="18" name="TextBox 20">
-            <a:extLst>
-              <a:ext uri="{FF2B5EF4-FFF2-40B4-BE49-F238E27FC236}">
-                <a16:creationId xmlns:a16="http://schemas.microsoft.com/office/drawing/2014/main" id="{5C508E39-5BFC-2346-8F1B-6783D5483008}"/>
-              </a:ext>
-            </a:extLst>
-          </p:cNvPr>
-          <p:cNvSpPr txBox="1">
-            <a:spLocks noChangeArrowheads="1"/>
-          </p:cNvSpPr>
-          <p:nvPr/>
-        </p:nvSpPr>
-        <p:spPr bwMode="auto">
-          <a:xfrm>
-            <a:off x="7316029" y="3291802"/>
-            <a:ext cx="1767152" cy="261610"/>
-          </a:xfrm>
-          <a:prstGeom prst="rect">
-            <a:avLst/>
-          </a:prstGeom>
-          <a:noFill/>
-          <a:ln>
-            <a:noFill/>
-          </a:ln>
-          <a:extLst>
-            <a:ext uri="{909E8E84-426E-40DD-AFC4-6F175D3DCCD1}">
-              <a14:hiddenFill xmlns:a14="http://schemas.microsoft.com/office/drawing/2010/main">
-                <a:solidFill>
-                  <a:srgbClr val="FFFFFF"/>
-                </a:solidFill>
-              </a14:hiddenFill>
-            </a:ext>
-            <a:ext uri="{91240B29-F687-4F45-9708-019B960494DF}">
-              <a14:hiddenLine xmlns:a14="http://schemas.microsoft.com/office/drawing/2010/main" w="9525">
-                <a:solidFill>
-                  <a:srgbClr val="000000"/>
-                </a:solidFill>
-                <a:miter lim="800000"/>
-                <a:headEnd/>
-                <a:tailEnd/>
-              </a14:hiddenLine>
-            </a:ext>
-          </a:extLst>
-        </p:spPr>
-        <p:txBody>
-          <a:bodyPr>
-            <a:spAutoFit/>
-          </a:bodyPr>
-          <a:lstStyle>
-            <a:lvl1pPr>
-              <a:defRPr>
-                <a:solidFill>
-                  <a:schemeClr val="tx1"/>
-                </a:solidFill>
-                <a:latin typeface="Calibri" panose="020F0502020204030204" pitchFamily="34" charset="0"/>
-              </a:defRPr>
-            </a:lvl1pPr>
-            <a:lvl2pPr marL="742950" indent="-285750">
-              <a:defRPr>
-                <a:solidFill>
-                  <a:schemeClr val="tx1"/>
-                </a:solidFill>
-                <a:latin typeface="Calibri" panose="020F0502020204030204" pitchFamily="34" charset="0"/>
-              </a:defRPr>
-            </a:lvl2pPr>
-            <a:lvl3pPr marL="1143000" indent="-228600">
-              <a:defRPr>
-                <a:solidFill>
-                  <a:schemeClr val="tx1"/>
-                </a:solidFill>
-                <a:latin typeface="Calibri" panose="020F0502020204030204" pitchFamily="34" charset="0"/>
-              </a:defRPr>
-            </a:lvl3pPr>
-            <a:lvl4pPr marL="1600200" indent="-228600">
-              <a:defRPr>
-                <a:solidFill>
-                  <a:schemeClr val="tx1"/>
-                </a:solidFill>
-                <a:latin typeface="Calibri" panose="020F0502020204030204" pitchFamily="34" charset="0"/>
-              </a:defRPr>
-            </a:lvl4pPr>
-            <a:lvl5pPr marL="2057400" indent="-228600">
-              <a:defRPr>
-                <a:solidFill>
-                  <a:schemeClr val="tx1"/>
-                </a:solidFill>
-                <a:latin typeface="Calibri" panose="020F0502020204030204" pitchFamily="34" charset="0"/>
-              </a:defRPr>
-            </a:lvl5pPr>
-            <a:lvl6pPr marL="2514600" indent="-228600" eaLnBrk="0" fontAlgn="base" hangingPunct="0">
-              <a:spcBef>
-                <a:spcPct val="0"/>
-              </a:spcBef>
-              <a:spcAft>
-                <a:spcPct val="0"/>
-              </a:spcAft>
-              <a:defRPr>
-                <a:solidFill>
-                  <a:schemeClr val="tx1"/>
-                </a:solidFill>
-                <a:latin typeface="Calibri" panose="020F0502020204030204" pitchFamily="34" charset="0"/>
-              </a:defRPr>
-            </a:lvl6pPr>
-            <a:lvl7pPr marL="2971800" indent="-228600" eaLnBrk="0" fontAlgn="base" hangingPunct="0">
-              <a:spcBef>
-                <a:spcPct val="0"/>
-              </a:spcBef>
-              <a:spcAft>
-                <a:spcPct val="0"/>
-              </a:spcAft>
-              <a:defRPr>
-                <a:solidFill>
-                  <a:schemeClr val="tx1"/>
-                </a:solidFill>
-                <a:latin typeface="Calibri" panose="020F0502020204030204" pitchFamily="34" charset="0"/>
-              </a:defRPr>
-            </a:lvl7pPr>
-            <a:lvl8pPr marL="3429000" indent="-228600" eaLnBrk="0" fontAlgn="base" hangingPunct="0">
-              <a:spcBef>
-                <a:spcPct val="0"/>
-              </a:spcBef>
-              <a:spcAft>
-                <a:spcPct val="0"/>
-              </a:spcAft>
-              <a:defRPr>
-                <a:solidFill>
-                  <a:schemeClr val="tx1"/>
-                </a:solidFill>
-                <a:latin typeface="Calibri" panose="020F0502020204030204" pitchFamily="34" charset="0"/>
-              </a:defRPr>
-            </a:lvl8pPr>
-            <a:lvl9pPr marL="3886200" indent="-228600" eaLnBrk="0" fontAlgn="base" hangingPunct="0">
-              <a:spcBef>
-                <a:spcPct val="0"/>
-              </a:spcBef>
-              <a:spcAft>
-                <a:spcPct val="0"/>
-              </a:spcAft>
-              <a:defRPr>
-                <a:solidFill>
-                  <a:schemeClr val="tx1"/>
-                </a:solidFill>
-                <a:latin typeface="Calibri" panose="020F0502020204030204" pitchFamily="34" charset="0"/>
-              </a:defRPr>
-            </a:lvl9pPr>
-          </a:lstStyle>
-          <a:p>
-            <a:pPr algn="ctr"/>
-            <a:r>
-              <a:rPr lang="en-US" altLang="en-US" sz="1100" dirty="0">
-                <a:solidFill>
-                  <a:srgbClr val="232F3E"/>
-                </a:solidFill>
-                <a:latin typeface="Arial" panose="020B0604020202020204" pitchFamily="34" charset="0"/>
-                <a:cs typeface="Arial" panose="020B0604020202020204" pitchFamily="34" charset="0"/>
-              </a:rPr>
-              <a:t>LogStream Worker(s)</a:t>
-            </a:r>
-          </a:p>
-        </p:txBody>
-      </p:sp>
-      <p:sp>
-        <p:nvSpPr>
-          <p:cNvPr id="25" name="Rectangle 24">
-            <a:extLst>
-              <a:ext uri="{FF2B5EF4-FFF2-40B4-BE49-F238E27FC236}">
-                <a16:creationId xmlns:a16="http://schemas.microsoft.com/office/drawing/2014/main" id="{B4C85341-B100-7B4F-A9EE-0917F23970BB}"/>
+                <a16:creationId xmlns:a16="http://schemas.microsoft.com/office/drawing/2014/main" id="{BB85040A-1A8C-214D-884A-9825033A9212}"/>
               </a:ext>
             </a:extLst>
           </p:cNvPr>
@@ -13148,7 +15359,7 @@
         </p:nvSpPr>
         <p:spPr>
           <a:xfrm>
-            <a:off x="3035851" y="2700382"/>
+            <a:off x="3047574" y="1504625"/>
             <a:ext cx="6118225" cy="969963"/>
           </a:xfrm>
           <a:prstGeom prst="rect">
@@ -13191,13 +15402,16 @@
               </a:spcAft>
               <a:defRPr/>
             </a:pPr>
-            <a:endParaRPr lang="en-US" sz="1200" dirty="0">
-              <a:solidFill>
-                <a:srgbClr val="D86613"/>
-              </a:solidFill>
-              <a:latin typeface="Arial" panose="020B0604020202020204" pitchFamily="34" charset="0"/>
-              <a:cs typeface="Arial" panose="020B0604020202020204" pitchFamily="34" charset="0"/>
-            </a:endParaRPr>
+            <a:r>
+              <a:rPr lang="en-US" sz="1200" dirty="0">
+                <a:solidFill>
+                  <a:srgbClr val="D86613"/>
+                </a:solidFill>
+                <a:latin typeface="Arial" panose="020B0604020202020204" pitchFamily="34" charset="0"/>
+                <a:cs typeface="Arial" panose="020B0604020202020204" pitchFamily="34" charset="0"/>
+              </a:rPr>
+              <a:t>Cribl LogStream Leader Auto Scale Group</a:t>
+            </a:r>
           </a:p>
           <a:p>
             <a:pPr algn="ctr" eaLnBrk="1" fontAlgn="auto" hangingPunct="1">
@@ -13217,106 +15431,14 @@
               <a:cs typeface="Arial" panose="020B0604020202020204" pitchFamily="34" charset="0"/>
             </a:endParaRPr>
           </a:p>
-          <a:p>
-            <a:pPr algn="ctr" eaLnBrk="1" fontAlgn="auto" hangingPunct="1">
-              <a:spcBef>
-                <a:spcPts val="0"/>
-              </a:spcBef>
-              <a:spcAft>
-                <a:spcPts val="0"/>
-              </a:spcAft>
-              <a:defRPr/>
-            </a:pPr>
-            <a:r>
-              <a:rPr lang="en-US" sz="1200" dirty="0">
-                <a:solidFill>
-                  <a:srgbClr val="D86613"/>
-                </a:solidFill>
-                <a:latin typeface="Arial" panose="020B0604020202020204" pitchFamily="34" charset="0"/>
-                <a:cs typeface="Arial" panose="020B0604020202020204" pitchFamily="34" charset="0"/>
-              </a:rPr>
-              <a:t>Auto Scaling group</a:t>
-            </a:r>
-          </a:p>
         </p:txBody>
       </p:sp>
       <p:pic>
         <p:nvPicPr>
-          <p:cNvPr id="27" name="Graphic 26">
+          <p:cNvPr id="70" name="Graphic 69">
             <a:extLst>
               <a:ext uri="{FF2B5EF4-FFF2-40B4-BE49-F238E27FC236}">
-                <a16:creationId xmlns:a16="http://schemas.microsoft.com/office/drawing/2014/main" id="{11D10E49-1F57-CC41-9751-42D8C0FC2542}"/>
-              </a:ext>
-            </a:extLst>
-          </p:cNvPr>
-          <p:cNvPicPr>
-            <a:picLocks noChangeAspect="1"/>
-          </p:cNvPicPr>
-          <p:nvPr/>
-        </p:nvPicPr>
-        <p:blipFill>
-          <a:blip r:embed="rId3">
-            <a:extLst>
-              <a:ext uri="{96DAC541-7B7A-43D3-8B79-37D633B846F1}">
-                <asvg:svgBlip xmlns:asvg="http://schemas.microsoft.com/office/drawing/2016/SVG/main" r:embed="rId4"/>
-              </a:ext>
-            </a:extLst>
-          </a:blip>
-          <a:srcRect/>
-          <a:stretch/>
-        </p:blipFill>
-        <p:spPr>
-          <a:xfrm>
-            <a:off x="528431" y="1046687"/>
-            <a:ext cx="381000" cy="381000"/>
-          </a:xfrm>
-          <a:prstGeom prst="rect">
-            <a:avLst/>
-          </a:prstGeom>
-        </p:spPr>
-      </p:pic>
-      <p:pic>
-        <p:nvPicPr>
-          <p:cNvPr id="28" name="Graphic 27">
-            <a:extLst>
-              <a:ext uri="{FF2B5EF4-FFF2-40B4-BE49-F238E27FC236}">
-                <a16:creationId xmlns:a16="http://schemas.microsoft.com/office/drawing/2014/main" id="{4BCE0EE9-90B5-2445-9B83-FE7EEC3C8A62}"/>
-              </a:ext>
-            </a:extLst>
-          </p:cNvPr>
-          <p:cNvPicPr>
-            <a:picLocks noChangeAspect="1"/>
-          </p:cNvPicPr>
-          <p:nvPr/>
-        </p:nvPicPr>
-        <p:blipFill>
-          <a:blip r:embed="rId5">
-            <a:extLst>
-              <a:ext uri="{96DAC541-7B7A-43D3-8B79-37D633B846F1}">
-                <asvg:svgBlip xmlns:asvg="http://schemas.microsoft.com/office/drawing/2016/SVG/main" r:embed="rId6"/>
-              </a:ext>
-            </a:extLst>
-          </a:blip>
-          <a:stretch>
-            <a:fillRect/>
-          </a:stretch>
-        </p:blipFill>
-        <p:spPr>
-          <a:xfrm>
-            <a:off x="912002" y="2352881"/>
-            <a:ext cx="381000" cy="381000"/>
-          </a:xfrm>
-          <a:prstGeom prst="rect">
-            <a:avLst/>
-          </a:prstGeom>
-        </p:spPr>
-      </p:pic>
-      <p:pic>
-        <p:nvPicPr>
-          <p:cNvPr id="29" name="Graphic 28">
-            <a:extLst>
-              <a:ext uri="{FF2B5EF4-FFF2-40B4-BE49-F238E27FC236}">
-                <a16:creationId xmlns:a16="http://schemas.microsoft.com/office/drawing/2014/main" id="{A32C60DA-6286-1641-8411-A8B80488A73E}"/>
+                <a16:creationId xmlns:a16="http://schemas.microsoft.com/office/drawing/2014/main" id="{52D6973D-D41D-A74F-B96F-6A12F5CE6A64}"/>
               </a:ext>
             </a:extLst>
           </p:cNvPr>
@@ -13339,7 +15461,7 @@
         </p:blipFill>
         <p:spPr>
           <a:xfrm>
-            <a:off x="5902876" y="2697320"/>
+            <a:off x="3054168" y="1513286"/>
             <a:ext cx="381000" cy="381000"/>
           </a:xfrm>
           <a:prstGeom prst="rect">
@@ -13347,656 +15469,22 @@
           </a:prstGeom>
         </p:spPr>
       </p:pic>
-      <p:pic>
-        <p:nvPicPr>
-          <p:cNvPr id="31" name="Graphic 17">
+      <p:sp>
+        <p:nvSpPr>
+          <p:cNvPr id="72" name="Rectangle 71">
             <a:extLst>
               <a:ext uri="{FF2B5EF4-FFF2-40B4-BE49-F238E27FC236}">
-                <a16:creationId xmlns:a16="http://schemas.microsoft.com/office/drawing/2014/main" id="{C8AE9927-409B-884E-837F-9AB72DF9322D}"/>
-              </a:ext>
-            </a:extLst>
-          </p:cNvPr>
-          <p:cNvPicPr>
-            <a:picLocks noChangeAspect="1" noChangeArrowheads="1"/>
-          </p:cNvPicPr>
-          <p:nvPr/>
-        </p:nvPicPr>
-        <p:blipFill>
-          <a:blip r:embed="rId2">
-            <a:extLst>
-              <a:ext uri="{28A0092B-C50C-407E-A947-70E740481C1C}">
-                <a14:useLocalDpi xmlns:a14="http://schemas.microsoft.com/office/drawing/2010/main" val="0"/>
-              </a:ext>
-            </a:extLst>
-          </a:blip>
-          <a:srcRect/>
-          <a:stretch>
-            <a:fillRect/>
-          </a:stretch>
-        </p:blipFill>
-        <p:spPr bwMode="auto">
-          <a:xfrm>
-            <a:off x="5854937" y="1705226"/>
-            <a:ext cx="469900" cy="469900"/>
-          </a:xfrm>
-          <a:prstGeom prst="rect">
-            <a:avLst/>
-          </a:prstGeom>
-          <a:noFill/>
-          <a:ln>
-            <a:noFill/>
-          </a:ln>
-          <a:extLst>
-            <a:ext uri="{909E8E84-426E-40DD-AFC4-6F175D3DCCD1}">
-              <a14:hiddenFill xmlns:a14="http://schemas.microsoft.com/office/drawing/2010/main">
-                <a:solidFill>
-                  <a:srgbClr val="FFFFFF"/>
-                </a:solidFill>
-              </a14:hiddenFill>
-            </a:ext>
-            <a:ext uri="{91240B29-F687-4F45-9708-019B960494DF}">
-              <a14:hiddenLine xmlns:a14="http://schemas.microsoft.com/office/drawing/2010/main" w="9525">
-                <a:solidFill>
-                  <a:srgbClr val="000000"/>
-                </a:solidFill>
-                <a:miter lim="800000"/>
-                <a:headEnd/>
-                <a:tailEnd/>
-              </a14:hiddenLine>
-            </a:ext>
-          </a:extLst>
-        </p:spPr>
-      </p:pic>
-      <p:grpSp>
-        <p:nvGrpSpPr>
-          <p:cNvPr id="63" name="Group 62">
-            <a:extLst>
-              <a:ext uri="{FF2B5EF4-FFF2-40B4-BE49-F238E27FC236}">
-                <a16:creationId xmlns:a16="http://schemas.microsoft.com/office/drawing/2014/main" id="{7A888609-1B15-0B43-B244-18159CDA4DFC}"/>
-              </a:ext>
-            </a:extLst>
-          </p:cNvPr>
-          <p:cNvGrpSpPr/>
-          <p:nvPr/>
-        </p:nvGrpSpPr>
-        <p:grpSpPr>
-          <a:xfrm>
-            <a:off x="1270006" y="4348320"/>
-            <a:ext cx="4871245" cy="1376276"/>
-            <a:chOff x="1973386" y="4348320"/>
-            <a:chExt cx="4871245" cy="1376276"/>
-          </a:xfrm>
-        </p:grpSpPr>
-        <p:sp>
-          <p:nvSpPr>
-            <p:cNvPr id="34" name="Rectangle 33">
-              <a:extLst>
-                <a:ext uri="{FF2B5EF4-FFF2-40B4-BE49-F238E27FC236}">
-                  <a16:creationId xmlns:a16="http://schemas.microsoft.com/office/drawing/2014/main" id="{FFF835A2-34CA-8247-BE9B-0C9C4A4C0B66}"/>
-                </a:ext>
-              </a:extLst>
-            </p:cNvPr>
-            <p:cNvSpPr/>
-            <p:nvPr/>
-          </p:nvSpPr>
-          <p:spPr>
-            <a:xfrm>
-              <a:off x="1973386" y="4348320"/>
-              <a:ext cx="4422913" cy="1376276"/>
-            </a:xfrm>
-            <a:prstGeom prst="rect">
-              <a:avLst/>
-            </a:prstGeom>
-            <a:noFill/>
-            <a:ln w="12700">
-              <a:solidFill>
-                <a:srgbClr val="5A6B86"/>
-              </a:solidFill>
-              <a:prstDash val="dash"/>
-            </a:ln>
-          </p:spPr>
-          <p:style>
-            <a:lnRef idx="2">
-              <a:schemeClr val="accent1">
-                <a:shade val="50000"/>
-              </a:schemeClr>
-            </a:lnRef>
-            <a:fillRef idx="1">
-              <a:schemeClr val="accent1"/>
-            </a:fillRef>
-            <a:effectRef idx="0">
-              <a:schemeClr val="accent1"/>
-            </a:effectRef>
-            <a:fontRef idx="minor">
-              <a:schemeClr val="lt1"/>
-            </a:fontRef>
-          </p:style>
-          <p:txBody>
-            <a:bodyPr tIns="91440"/>
-            <a:lstStyle/>
-            <a:p>
-              <a:pPr algn="ctr" eaLnBrk="1" fontAlgn="auto" hangingPunct="1">
-                <a:spcBef>
-                  <a:spcPts val="0"/>
-                </a:spcBef>
-                <a:spcAft>
-                  <a:spcPts val="0"/>
-                </a:spcAft>
-                <a:defRPr/>
-              </a:pPr>
-              <a:r>
-                <a:rPr lang="en-US" sz="1200" dirty="0">
-                  <a:solidFill>
-                    <a:srgbClr val="5A6B86"/>
-                  </a:solidFill>
-                  <a:latin typeface="Arial" panose="020B0604020202020204" pitchFamily="34" charset="0"/>
-                  <a:cs typeface="Arial" panose="020B0604020202020204" pitchFamily="34" charset="0"/>
-                </a:rPr>
-                <a:t>Sources</a:t>
-              </a:r>
-            </a:p>
-          </p:txBody>
-        </p:sp>
-        <p:grpSp>
-          <p:nvGrpSpPr>
-            <p:cNvPr id="40" name="Group 39">
-              <a:extLst>
-                <a:ext uri="{FF2B5EF4-FFF2-40B4-BE49-F238E27FC236}">
-                  <a16:creationId xmlns:a16="http://schemas.microsoft.com/office/drawing/2014/main" id="{CE2E9154-BE20-DE46-98D9-04F379FE211E}"/>
-                </a:ext>
-              </a:extLst>
-            </p:cNvPr>
-            <p:cNvGrpSpPr/>
-            <p:nvPr/>
-          </p:nvGrpSpPr>
-          <p:grpSpPr>
-            <a:xfrm>
-              <a:off x="2171294" y="4627816"/>
-              <a:ext cx="952505" cy="921352"/>
-              <a:chOff x="1465018" y="4401122"/>
-              <a:chExt cx="952505" cy="921352"/>
-            </a:xfrm>
-          </p:grpSpPr>
-          <p:pic>
-            <p:nvPicPr>
-              <p:cNvPr id="33" name="Graphic 64">
-                <a:extLst>
-                  <a:ext uri="{FF2B5EF4-FFF2-40B4-BE49-F238E27FC236}">
-                    <a16:creationId xmlns:a16="http://schemas.microsoft.com/office/drawing/2014/main" id="{79BF47A4-08AE-8049-AC4D-E1D96A210A9F}"/>
-                  </a:ext>
-                </a:extLst>
-              </p:cNvPr>
-              <p:cNvPicPr>
-                <a:picLocks noChangeAspect="1" noChangeArrowheads="1"/>
-              </p:cNvPicPr>
-              <p:nvPr/>
-            </p:nvPicPr>
-            <p:blipFill>
-              <a:blip r:embed="rId9">
-                <a:extLst>
-                  <a:ext uri="{28A0092B-C50C-407E-A947-70E740481C1C}">
-                    <a14:useLocalDpi xmlns:a14="http://schemas.microsoft.com/office/drawing/2010/main" val="0"/>
-                  </a:ext>
-                </a:extLst>
-              </a:blip>
-              <a:srcRect/>
-              <a:stretch>
-                <a:fillRect/>
-              </a:stretch>
-            </p:blipFill>
-            <p:spPr bwMode="auto">
-              <a:xfrm>
-                <a:off x="1712671" y="4401122"/>
-                <a:ext cx="457200" cy="457200"/>
-              </a:xfrm>
-              <a:prstGeom prst="rect">
-                <a:avLst/>
-              </a:prstGeom>
-              <a:noFill/>
-              <a:ln>
-                <a:noFill/>
-              </a:ln>
-              <a:extLst>
-                <a:ext uri="{909E8E84-426E-40DD-AFC4-6F175D3DCCD1}">
-                  <a14:hiddenFill xmlns:a14="http://schemas.microsoft.com/office/drawing/2010/main">
-                    <a:solidFill>
-                      <a:srgbClr val="FFFFFF"/>
-                    </a:solidFill>
-                  </a14:hiddenFill>
-                </a:ext>
-                <a:ext uri="{91240B29-F687-4F45-9708-019B960494DF}">
-                  <a14:hiddenLine xmlns:a14="http://schemas.microsoft.com/office/drawing/2010/main" w="9525">
-                    <a:solidFill>
-                      <a:srgbClr val="000000"/>
-                    </a:solidFill>
-                    <a:miter lim="800000"/>
-                    <a:headEnd/>
-                    <a:tailEnd/>
-                  </a14:hiddenLine>
-                </a:ext>
-              </a:extLst>
-            </p:spPr>
-          </p:pic>
-          <p:sp>
-            <p:nvSpPr>
-              <p:cNvPr id="36" name="TextBox 35">
-                <a:extLst>
-                  <a:ext uri="{FF2B5EF4-FFF2-40B4-BE49-F238E27FC236}">
-                    <a16:creationId xmlns:a16="http://schemas.microsoft.com/office/drawing/2014/main" id="{38D8309E-22F4-C44F-81B4-86B0B2131B31}"/>
-                  </a:ext>
-                </a:extLst>
-              </p:cNvPr>
-              <p:cNvSpPr txBox="1"/>
-              <p:nvPr/>
-            </p:nvSpPr>
-            <p:spPr>
-              <a:xfrm>
-                <a:off x="1465018" y="4891587"/>
-                <a:ext cx="952505" cy="430887"/>
-              </a:xfrm>
-              <a:prstGeom prst="rect">
-                <a:avLst/>
-              </a:prstGeom>
-              <a:noFill/>
-            </p:spPr>
-            <p:txBody>
-              <a:bodyPr wrap="none" rtlCol="0">
-                <a:spAutoFit/>
-              </a:bodyPr>
-              <a:lstStyle/>
-              <a:p>
-                <a:pPr algn="ctr"/>
-                <a:r>
-                  <a:rPr lang="en-US" sz="1100" dirty="0"/>
-                  <a:t>Amazon S3 </a:t>
-                </a:r>
-              </a:p>
-              <a:p>
-                <a:pPr algn="ctr"/>
-                <a:r>
-                  <a:rPr lang="en-US" sz="1100" dirty="0"/>
-                  <a:t>Bucket</a:t>
-                </a:r>
-              </a:p>
-            </p:txBody>
-          </p:sp>
-        </p:grpSp>
-        <p:grpSp>
-          <p:nvGrpSpPr>
-            <p:cNvPr id="41" name="Group 40">
-              <a:extLst>
-                <a:ext uri="{FF2B5EF4-FFF2-40B4-BE49-F238E27FC236}">
-                  <a16:creationId xmlns:a16="http://schemas.microsoft.com/office/drawing/2014/main" id="{80BE00D8-31BB-1246-A495-25FF63F5091D}"/>
-                </a:ext>
-              </a:extLst>
-            </p:cNvPr>
-            <p:cNvGrpSpPr/>
-            <p:nvPr/>
-          </p:nvGrpSpPr>
-          <p:grpSpPr>
-            <a:xfrm>
-              <a:off x="3662859" y="4697042"/>
-              <a:ext cx="1039067" cy="752709"/>
-              <a:chOff x="2427626" y="4401122"/>
-              <a:chExt cx="1039067" cy="752709"/>
-            </a:xfrm>
-          </p:grpSpPr>
-          <p:pic>
-            <p:nvPicPr>
-              <p:cNvPr id="35" name="Graphic 26">
-                <a:extLst>
-                  <a:ext uri="{FF2B5EF4-FFF2-40B4-BE49-F238E27FC236}">
-                    <a16:creationId xmlns:a16="http://schemas.microsoft.com/office/drawing/2014/main" id="{5A28506D-F10F-E74A-9376-0E76D49C8959}"/>
-                  </a:ext>
-                </a:extLst>
-              </p:cNvPr>
-              <p:cNvPicPr>
-                <a:picLocks noChangeAspect="1" noChangeArrowheads="1"/>
-              </p:cNvPicPr>
-              <p:nvPr/>
-            </p:nvPicPr>
-            <p:blipFill>
-              <a:blip r:embed="rId10">
-                <a:extLst>
-                  <a:ext uri="{28A0092B-C50C-407E-A947-70E740481C1C}">
-                    <a14:useLocalDpi xmlns:a14="http://schemas.microsoft.com/office/drawing/2010/main" val="0"/>
-                  </a:ext>
-                </a:extLst>
-              </a:blip>
-              <a:srcRect/>
-              <a:stretch>
-                <a:fillRect/>
-              </a:stretch>
-            </p:blipFill>
-            <p:spPr bwMode="auto">
-              <a:xfrm>
-                <a:off x="2718559" y="4401122"/>
-                <a:ext cx="457200" cy="457200"/>
-              </a:xfrm>
-              <a:prstGeom prst="rect">
-                <a:avLst/>
-              </a:prstGeom>
-              <a:noFill/>
-              <a:ln>
-                <a:noFill/>
-              </a:ln>
-              <a:extLst>
-                <a:ext uri="{909E8E84-426E-40DD-AFC4-6F175D3DCCD1}">
-                  <a14:hiddenFill xmlns:a14="http://schemas.microsoft.com/office/drawing/2010/main">
-                    <a:solidFill>
-                      <a:srgbClr val="FFFFFF"/>
-                    </a:solidFill>
-                  </a14:hiddenFill>
-                </a:ext>
-                <a:ext uri="{91240B29-F687-4F45-9708-019B960494DF}">
-                  <a14:hiddenLine xmlns:a14="http://schemas.microsoft.com/office/drawing/2010/main" w="9525">
-                    <a:solidFill>
-                      <a:srgbClr val="000000"/>
-                    </a:solidFill>
-                    <a:miter lim="800000"/>
-                    <a:headEnd/>
-                    <a:tailEnd/>
-                  </a14:hiddenLine>
-                </a:ext>
-              </a:extLst>
-            </p:spPr>
-          </p:pic>
-          <p:sp>
-            <p:nvSpPr>
-              <p:cNvPr id="37" name="TextBox 36">
-                <a:extLst>
-                  <a:ext uri="{FF2B5EF4-FFF2-40B4-BE49-F238E27FC236}">
-                    <a16:creationId xmlns:a16="http://schemas.microsoft.com/office/drawing/2014/main" id="{C81B05E9-DAC9-D64C-8413-C9833BC8761A}"/>
-                  </a:ext>
-                </a:extLst>
-              </p:cNvPr>
-              <p:cNvSpPr txBox="1"/>
-              <p:nvPr/>
-            </p:nvSpPr>
-            <p:spPr>
-              <a:xfrm>
-                <a:off x="2427626" y="4892221"/>
-                <a:ext cx="1039067" cy="261610"/>
-              </a:xfrm>
-              <a:prstGeom prst="rect">
-                <a:avLst/>
-              </a:prstGeom>
-              <a:noFill/>
-            </p:spPr>
-            <p:txBody>
-              <a:bodyPr wrap="none" rtlCol="0">
-                <a:spAutoFit/>
-              </a:bodyPr>
-              <a:lstStyle/>
-              <a:p>
-                <a:pPr algn="ctr"/>
-                <a:r>
-                  <a:rPr lang="en-US" sz="1100" dirty="0"/>
-                  <a:t>Amazon SQS</a:t>
-                </a:r>
-              </a:p>
-            </p:txBody>
-          </p:sp>
-        </p:grpSp>
-        <p:grpSp>
-          <p:nvGrpSpPr>
-            <p:cNvPr id="42" name="Group 41">
-              <a:extLst>
-                <a:ext uri="{FF2B5EF4-FFF2-40B4-BE49-F238E27FC236}">
-                  <a16:creationId xmlns:a16="http://schemas.microsoft.com/office/drawing/2014/main" id="{0BD9EA3E-EA91-7E4F-BAFA-A0FCD90699D9}"/>
-                </a:ext>
-              </a:extLst>
-            </p:cNvPr>
-            <p:cNvGrpSpPr/>
-            <p:nvPr/>
-          </p:nvGrpSpPr>
-          <p:grpSpPr>
-            <a:xfrm>
-              <a:off x="4564981" y="4721790"/>
-              <a:ext cx="2279650" cy="727961"/>
-              <a:chOff x="2875556" y="4410481"/>
-              <a:chExt cx="2279650" cy="727961"/>
-            </a:xfrm>
-          </p:grpSpPr>
-          <p:pic>
-            <p:nvPicPr>
-              <p:cNvPr id="38" name="Graphic 24">
-                <a:extLst>
-                  <a:ext uri="{FF2B5EF4-FFF2-40B4-BE49-F238E27FC236}">
-                    <a16:creationId xmlns:a16="http://schemas.microsoft.com/office/drawing/2014/main" id="{1B70C626-1642-F143-AAE7-697AE9D78BAF}"/>
-                  </a:ext>
-                </a:extLst>
-              </p:cNvPr>
-              <p:cNvPicPr>
-                <a:picLocks noChangeAspect="1" noChangeArrowheads="1"/>
-              </p:cNvPicPr>
-              <p:nvPr/>
-            </p:nvPicPr>
-            <p:blipFill>
-              <a:blip r:embed="rId11">
-                <a:extLst>
-                  <a:ext uri="{28A0092B-C50C-407E-A947-70E740481C1C}">
-                    <a14:useLocalDpi xmlns:a14="http://schemas.microsoft.com/office/drawing/2010/main" val="0"/>
-                  </a:ext>
-                </a:extLst>
-              </a:blip>
-              <a:srcRect/>
-              <a:stretch>
-                <a:fillRect/>
-              </a:stretch>
-            </p:blipFill>
-            <p:spPr bwMode="auto">
-              <a:xfrm>
-                <a:off x="3788568" y="4410481"/>
-                <a:ext cx="457200" cy="457200"/>
-              </a:xfrm>
-              <a:prstGeom prst="rect">
-                <a:avLst/>
-              </a:prstGeom>
-              <a:noFill/>
-              <a:ln>
-                <a:noFill/>
-              </a:ln>
-              <a:extLst>
-                <a:ext uri="{909E8E84-426E-40DD-AFC4-6F175D3DCCD1}">
-                  <a14:hiddenFill xmlns:a14="http://schemas.microsoft.com/office/drawing/2010/main">
-                    <a:solidFill>
-                      <a:srgbClr val="FFFFFF"/>
-                    </a:solidFill>
-                  </a14:hiddenFill>
-                </a:ext>
-                <a:ext uri="{91240B29-F687-4F45-9708-019B960494DF}">
-                  <a14:hiddenLine xmlns:a14="http://schemas.microsoft.com/office/drawing/2010/main" w="9525">
-                    <a:solidFill>
-                      <a:srgbClr val="000000"/>
-                    </a:solidFill>
-                    <a:miter lim="800000"/>
-                    <a:headEnd/>
-                    <a:tailEnd/>
-                  </a14:hiddenLine>
-                </a:ext>
-              </a:extLst>
-            </p:spPr>
-          </p:pic>
-          <p:sp>
-            <p:nvSpPr>
-              <p:cNvPr id="39" name="TextBox 19">
-                <a:extLst>
-                  <a:ext uri="{FF2B5EF4-FFF2-40B4-BE49-F238E27FC236}">
-                    <a16:creationId xmlns:a16="http://schemas.microsoft.com/office/drawing/2014/main" id="{BC5DDDBB-A218-6A45-849A-CCFB91E061E5}"/>
-                  </a:ext>
-                </a:extLst>
-              </p:cNvPr>
-              <p:cNvSpPr txBox="1">
-                <a:spLocks noChangeArrowheads="1"/>
-              </p:cNvSpPr>
-              <p:nvPr/>
-            </p:nvSpPr>
-            <p:spPr bwMode="auto">
-              <a:xfrm>
-                <a:off x="2875556" y="4876832"/>
-                <a:ext cx="2279650" cy="261610"/>
-              </a:xfrm>
-              <a:prstGeom prst="rect">
-                <a:avLst/>
-              </a:prstGeom>
-              <a:noFill/>
-              <a:ln>
-                <a:noFill/>
-              </a:ln>
-              <a:extLst>
-                <a:ext uri="{909E8E84-426E-40DD-AFC4-6F175D3DCCD1}">
-                  <a14:hiddenFill xmlns:a14="http://schemas.microsoft.com/office/drawing/2010/main">
-                    <a:solidFill>
-                      <a:srgbClr val="FFFFFF"/>
-                    </a:solidFill>
-                  </a14:hiddenFill>
-                </a:ext>
-                <a:ext uri="{91240B29-F687-4F45-9708-019B960494DF}">
-                  <a14:hiddenLine xmlns:a14="http://schemas.microsoft.com/office/drawing/2010/main" w="9525">
-                    <a:solidFill>
-                      <a:srgbClr val="000000"/>
-                    </a:solidFill>
-                    <a:miter lim="800000"/>
-                    <a:headEnd/>
-                    <a:tailEnd/>
-                  </a14:hiddenLine>
-                </a:ext>
-              </a:extLst>
-            </p:spPr>
-            <p:txBody>
-              <a:bodyPr>
-                <a:spAutoFit/>
-              </a:bodyPr>
-              <a:lstStyle>
-                <a:lvl1pPr>
-                  <a:defRPr>
-                    <a:solidFill>
-                      <a:schemeClr val="tx1"/>
-                    </a:solidFill>
-                    <a:latin typeface="Calibri" panose="020F0502020204030204" pitchFamily="34" charset="0"/>
-                  </a:defRPr>
-                </a:lvl1pPr>
-                <a:lvl2pPr marL="742950" indent="-285750">
-                  <a:defRPr>
-                    <a:solidFill>
-                      <a:schemeClr val="tx1"/>
-                    </a:solidFill>
-                    <a:latin typeface="Calibri" panose="020F0502020204030204" pitchFamily="34" charset="0"/>
-                  </a:defRPr>
-                </a:lvl2pPr>
-                <a:lvl3pPr marL="1143000" indent="-228600">
-                  <a:defRPr>
-                    <a:solidFill>
-                      <a:schemeClr val="tx1"/>
-                    </a:solidFill>
-                    <a:latin typeface="Calibri" panose="020F0502020204030204" pitchFamily="34" charset="0"/>
-                  </a:defRPr>
-                </a:lvl3pPr>
-                <a:lvl4pPr marL="1600200" indent="-228600">
-                  <a:defRPr>
-                    <a:solidFill>
-                      <a:schemeClr val="tx1"/>
-                    </a:solidFill>
-                    <a:latin typeface="Calibri" panose="020F0502020204030204" pitchFamily="34" charset="0"/>
-                  </a:defRPr>
-                </a:lvl4pPr>
-                <a:lvl5pPr marL="2057400" indent="-228600">
-                  <a:defRPr>
-                    <a:solidFill>
-                      <a:schemeClr val="tx1"/>
-                    </a:solidFill>
-                    <a:latin typeface="Calibri" panose="020F0502020204030204" pitchFamily="34" charset="0"/>
-                  </a:defRPr>
-                </a:lvl5pPr>
-                <a:lvl6pPr marL="2514600" indent="-228600" eaLnBrk="0" fontAlgn="base" hangingPunct="0">
-                  <a:spcBef>
-                    <a:spcPct val="0"/>
-                  </a:spcBef>
-                  <a:spcAft>
-                    <a:spcPct val="0"/>
-                  </a:spcAft>
-                  <a:defRPr>
-                    <a:solidFill>
-                      <a:schemeClr val="tx1"/>
-                    </a:solidFill>
-                    <a:latin typeface="Calibri" panose="020F0502020204030204" pitchFamily="34" charset="0"/>
-                  </a:defRPr>
-                </a:lvl6pPr>
-                <a:lvl7pPr marL="2971800" indent="-228600" eaLnBrk="0" fontAlgn="base" hangingPunct="0">
-                  <a:spcBef>
-                    <a:spcPct val="0"/>
-                  </a:spcBef>
-                  <a:spcAft>
-                    <a:spcPct val="0"/>
-                  </a:spcAft>
-                  <a:defRPr>
-                    <a:solidFill>
-                      <a:schemeClr val="tx1"/>
-                    </a:solidFill>
-                    <a:latin typeface="Calibri" panose="020F0502020204030204" pitchFamily="34" charset="0"/>
-                  </a:defRPr>
-                </a:lvl7pPr>
-                <a:lvl8pPr marL="3429000" indent="-228600" eaLnBrk="0" fontAlgn="base" hangingPunct="0">
-                  <a:spcBef>
-                    <a:spcPct val="0"/>
-                  </a:spcBef>
-                  <a:spcAft>
-                    <a:spcPct val="0"/>
-                  </a:spcAft>
-                  <a:defRPr>
-                    <a:solidFill>
-                      <a:schemeClr val="tx1"/>
-                    </a:solidFill>
-                    <a:latin typeface="Calibri" panose="020F0502020204030204" pitchFamily="34" charset="0"/>
-                  </a:defRPr>
-                </a:lvl8pPr>
-                <a:lvl9pPr marL="3886200" indent="-228600" eaLnBrk="0" fontAlgn="base" hangingPunct="0">
-                  <a:spcBef>
-                    <a:spcPct val="0"/>
-                  </a:spcBef>
-                  <a:spcAft>
-                    <a:spcPct val="0"/>
-                  </a:spcAft>
-                  <a:defRPr>
-                    <a:solidFill>
-                      <a:schemeClr val="tx1"/>
-                    </a:solidFill>
-                    <a:latin typeface="Calibri" panose="020F0502020204030204" pitchFamily="34" charset="0"/>
-                  </a:defRPr>
-                </a:lvl9pPr>
-              </a:lstStyle>
-              <a:p>
-                <a:pPr algn="ctr" eaLnBrk="1" hangingPunct="1"/>
-                <a:r>
-                  <a:rPr lang="en-US" altLang="en-US" sz="1100" dirty="0">
-                    <a:latin typeface="Arial" panose="020B0604020202020204" pitchFamily="34" charset="0"/>
-                    <a:ea typeface="Amazon Ember" panose="020B0603020204020204" pitchFamily="34" charset="0"/>
-                    <a:cs typeface="Arial" panose="020B0604020202020204" pitchFamily="34" charset="0"/>
-                  </a:rPr>
-                  <a:t>Amazon Kinesis</a:t>
-                </a:r>
-              </a:p>
-            </p:txBody>
-          </p:sp>
-        </p:grpSp>
-      </p:grpSp>
-      <p:sp>
-        <p:nvSpPr>
-          <p:cNvPr id="43" name="Rectangle 42">
-            <a:extLst>
-              <a:ext uri="{FF2B5EF4-FFF2-40B4-BE49-F238E27FC236}">
-                <a16:creationId xmlns:a16="http://schemas.microsoft.com/office/drawing/2014/main" id="{7BDD466C-4694-FA4C-9C0A-F5F723F0D86B}"/>
+                <a16:creationId xmlns:a16="http://schemas.microsoft.com/office/drawing/2014/main" id="{2F7017C9-7053-7040-8839-B1BEB7108359}"/>
               </a:ext>
             </a:extLst>
           </p:cNvPr>
           <p:cNvSpPr/>
           <p:nvPr/>
         </p:nvSpPr>
-        <p:spPr>
+        <p:spPr bwMode="auto">
           <a:xfrm>
-            <a:off x="6499083" y="4359101"/>
-            <a:ext cx="4422913" cy="1376276"/>
+            <a:off x="2961849" y="1218430"/>
+            <a:ext cx="6299382" cy="1372370"/>
           </a:xfrm>
           <a:prstGeom prst="rect">
             <a:avLst/>
@@ -14004,7 +15492,7 @@
           <a:noFill/>
           <a:ln w="12700">
             <a:solidFill>
-              <a:srgbClr val="5A6B86"/>
+              <a:srgbClr val="5B9CD5"/>
             </a:solidFill>
             <a:prstDash val="dash"/>
           </a:ln>
@@ -14041,22 +15529,22 @@
             <a:r>
               <a:rPr lang="en-US" sz="1200" dirty="0">
                 <a:solidFill>
-                  <a:srgbClr val="5A6B86"/>
+                  <a:srgbClr val="5B9CD5"/>
                 </a:solidFill>
                 <a:latin typeface="Arial" panose="020B0604020202020204" pitchFamily="34" charset="0"/>
                 <a:cs typeface="Arial" panose="020B0604020202020204" pitchFamily="34" charset="0"/>
               </a:rPr>
-              <a:t>Destinations</a:t>
+              <a:t>Availability Zone 1</a:t>
             </a:r>
           </a:p>
         </p:txBody>
       </p:sp>
       <p:grpSp>
         <p:nvGrpSpPr>
-          <p:cNvPr id="44" name="Group 43">
+          <p:cNvPr id="86" name="Group 85">
             <a:extLst>
               <a:ext uri="{FF2B5EF4-FFF2-40B4-BE49-F238E27FC236}">
-                <a16:creationId xmlns:a16="http://schemas.microsoft.com/office/drawing/2014/main" id="{1810373F-F5A7-3345-9EF5-C5FA70043564}"/>
+                <a16:creationId xmlns:a16="http://schemas.microsoft.com/office/drawing/2014/main" id="{BCFE15BB-D238-CF4A-BFE4-89651FA0DCFF}"/>
               </a:ext>
             </a:extLst>
           </p:cNvPr>
@@ -14065,142 +15553,18 @@
         </p:nvGrpSpPr>
         <p:grpSpPr>
           <a:xfrm>
-            <a:off x="6684177" y="4595709"/>
-            <a:ext cx="952505" cy="921352"/>
-            <a:chOff x="1465018" y="4401122"/>
-            <a:chExt cx="952505" cy="921352"/>
-          </a:xfrm>
-        </p:grpSpPr>
-        <p:pic>
-          <p:nvPicPr>
-            <p:cNvPr id="45" name="Graphic 64">
-              <a:extLst>
-                <a:ext uri="{FF2B5EF4-FFF2-40B4-BE49-F238E27FC236}">
-                  <a16:creationId xmlns:a16="http://schemas.microsoft.com/office/drawing/2014/main" id="{B5A4F5C7-18BE-584C-8B14-9029107DF3FD}"/>
-                </a:ext>
-              </a:extLst>
-            </p:cNvPr>
-            <p:cNvPicPr>
-              <a:picLocks noChangeAspect="1" noChangeArrowheads="1"/>
-            </p:cNvPicPr>
-            <p:nvPr/>
-          </p:nvPicPr>
-          <p:blipFill>
-            <a:blip r:embed="rId9">
-              <a:extLst>
-                <a:ext uri="{28A0092B-C50C-407E-A947-70E740481C1C}">
-                  <a14:useLocalDpi xmlns:a14="http://schemas.microsoft.com/office/drawing/2010/main" val="0"/>
-                </a:ext>
-              </a:extLst>
-            </a:blip>
-            <a:srcRect/>
-            <a:stretch>
-              <a:fillRect/>
-            </a:stretch>
-          </p:blipFill>
-          <p:spPr bwMode="auto">
-            <a:xfrm>
-              <a:off x="1712671" y="4401122"/>
-              <a:ext cx="457200" cy="457200"/>
-            </a:xfrm>
-            <a:prstGeom prst="rect">
-              <a:avLst/>
-            </a:prstGeom>
-            <a:noFill/>
-            <a:ln>
-              <a:noFill/>
-            </a:ln>
-            <a:extLst>
-              <a:ext uri="{909E8E84-426E-40DD-AFC4-6F175D3DCCD1}">
-                <a14:hiddenFill xmlns:a14="http://schemas.microsoft.com/office/drawing/2010/main">
-                  <a:solidFill>
-                    <a:srgbClr val="FFFFFF"/>
-                  </a:solidFill>
-                </a14:hiddenFill>
-              </a:ext>
-              <a:ext uri="{91240B29-F687-4F45-9708-019B960494DF}">
-                <a14:hiddenLine xmlns:a14="http://schemas.microsoft.com/office/drawing/2010/main" w="9525">
-                  <a:solidFill>
-                    <a:srgbClr val="000000"/>
-                  </a:solidFill>
-                  <a:miter lim="800000"/>
-                  <a:headEnd/>
-                  <a:tailEnd/>
-                </a14:hiddenLine>
-              </a:ext>
-            </a:extLst>
-          </p:spPr>
-        </p:pic>
-        <p:sp>
-          <p:nvSpPr>
-            <p:cNvPr id="46" name="TextBox 45">
-              <a:extLst>
-                <a:ext uri="{FF2B5EF4-FFF2-40B4-BE49-F238E27FC236}">
-                  <a16:creationId xmlns:a16="http://schemas.microsoft.com/office/drawing/2014/main" id="{920A764F-5BCF-5440-97BC-FF3A7CF43717}"/>
-                </a:ext>
-              </a:extLst>
-            </p:cNvPr>
-            <p:cNvSpPr txBox="1"/>
-            <p:nvPr/>
-          </p:nvSpPr>
-          <p:spPr>
-            <a:xfrm>
-              <a:off x="1465018" y="4891587"/>
-              <a:ext cx="952505" cy="430887"/>
-            </a:xfrm>
-            <a:prstGeom prst="rect">
-              <a:avLst/>
-            </a:prstGeom>
-            <a:noFill/>
-          </p:spPr>
-          <p:txBody>
-            <a:bodyPr wrap="none" rtlCol="0">
-              <a:spAutoFit/>
-            </a:bodyPr>
-            <a:lstStyle/>
-            <a:p>
-              <a:pPr algn="ctr"/>
-              <a:r>
-                <a:rPr lang="en-US" sz="1100" dirty="0"/>
-                <a:t>Amazon S3 </a:t>
-              </a:r>
-            </a:p>
-            <a:p>
-              <a:pPr algn="ctr"/>
-              <a:r>
-                <a:rPr lang="en-US" sz="1100" dirty="0"/>
-                <a:t>Bucket</a:t>
-              </a:r>
-            </a:p>
-          </p:txBody>
-        </p:sp>
-      </p:grpSp>
-      <p:grpSp>
-        <p:nvGrpSpPr>
-          <p:cNvPr id="49" name="Group 48">
-            <a:extLst>
-              <a:ext uri="{FF2B5EF4-FFF2-40B4-BE49-F238E27FC236}">
-                <a16:creationId xmlns:a16="http://schemas.microsoft.com/office/drawing/2014/main" id="{06A754C5-F069-CD49-8CDB-1ACE3AA6D905}"/>
-              </a:ext>
-            </a:extLst>
-          </p:cNvPr>
-          <p:cNvGrpSpPr/>
-          <p:nvPr/>
-        </p:nvGrpSpPr>
-        <p:grpSpPr>
-          <a:xfrm>
-            <a:off x="8154623" y="4639400"/>
-            <a:ext cx="1166881" cy="768023"/>
-            <a:chOff x="7583612" y="4627816"/>
-            <a:chExt cx="1166881" cy="768023"/>
+            <a:off x="3294183" y="1772389"/>
+            <a:ext cx="2168769" cy="736272"/>
+            <a:chOff x="3071446" y="1632804"/>
+            <a:chExt cx="2168769" cy="736272"/>
           </a:xfrm>
         </p:grpSpPr>
         <p:sp>
           <p:nvSpPr>
-            <p:cNvPr id="47" name="TextBox 18">
+            <p:cNvPr id="79" name="TextBox 19">
               <a:extLst>
                 <a:ext uri="{FF2B5EF4-FFF2-40B4-BE49-F238E27FC236}">
-                  <a16:creationId xmlns:a16="http://schemas.microsoft.com/office/drawing/2014/main" id="{A216F64F-B038-1045-8805-12B78C1D11F9}"/>
+                  <a16:creationId xmlns:a16="http://schemas.microsoft.com/office/drawing/2014/main" id="{EC6F4D28-C84F-8546-8440-F34D219A84DF}"/>
                 </a:ext>
               </a:extLst>
             </p:cNvPr>
@@ -14211,8 +15575,8 @@
           </p:nvSpPr>
           <p:spPr bwMode="auto">
             <a:xfrm>
-              <a:off x="7583612" y="5134229"/>
-              <a:ext cx="1166881" cy="261610"/>
+              <a:off x="3071446" y="2107466"/>
+              <a:ext cx="2168769" cy="261610"/>
             </a:xfrm>
             <a:prstGeom prst="rect">
               <a:avLst/>
@@ -14351,17 +15715,17 @@
                   <a:ea typeface="Amazon Ember" panose="020B0603020204020204" pitchFamily="34" charset="0"/>
                   <a:cs typeface="Arial" panose="020B0604020202020204" pitchFamily="34" charset="0"/>
                 </a:rPr>
-                <a:t>Data lake</a:t>
+                <a:t>Application Load Balancer</a:t>
               </a:r>
             </a:p>
           </p:txBody>
         </p:sp>
         <p:pic>
           <p:nvPicPr>
-            <p:cNvPr id="48" name="Graphic 6">
+            <p:cNvPr id="80" name="Graphic 8">
               <a:extLst>
                 <a:ext uri="{FF2B5EF4-FFF2-40B4-BE49-F238E27FC236}">
-                  <a16:creationId xmlns:a16="http://schemas.microsoft.com/office/drawing/2014/main" id="{61B0744B-5EB7-9748-9351-98175152A582}"/>
+                  <a16:creationId xmlns:a16="http://schemas.microsoft.com/office/drawing/2014/main" id="{27003FD4-ADDF-264E-BD17-8C4722E76248}"/>
                 </a:ext>
               </a:extLst>
             </p:cNvPr>
@@ -14371,7 +15735,7 @@
             <p:nvPr/>
           </p:nvPicPr>
           <p:blipFill>
-            <a:blip r:embed="rId12">
+            <a:blip r:embed="rId15">
               <a:extLst>
                 <a:ext uri="{28A0092B-C50C-407E-A947-70E740481C1C}">
                   <a14:useLocalDpi xmlns:a14="http://schemas.microsoft.com/office/drawing/2010/main" val="0"/>
@@ -14385,7 +15749,7 @@
           </p:blipFill>
           <p:spPr bwMode="auto">
             <a:xfrm>
-              <a:off x="7966999" y="4627816"/>
+              <a:off x="3902807" y="1632804"/>
               <a:ext cx="457200" cy="457200"/>
             </a:xfrm>
             <a:prstGeom prst="rect">
@@ -14419,10 +15783,10 @@
       </p:grpSp>
       <p:grpSp>
         <p:nvGrpSpPr>
-          <p:cNvPr id="52" name="Group 51">
+          <p:cNvPr id="81" name="Group 80">
             <a:extLst>
               <a:ext uri="{FF2B5EF4-FFF2-40B4-BE49-F238E27FC236}">
-                <a16:creationId xmlns:a16="http://schemas.microsoft.com/office/drawing/2014/main" id="{4EFB91F2-84CD-2748-BDE5-B99775AB5EEF}"/>
+                <a16:creationId xmlns:a16="http://schemas.microsoft.com/office/drawing/2014/main" id="{6C28F057-C327-494A-956B-FDED23ACB81D}"/>
               </a:ext>
             </a:extLst>
           </p:cNvPr>
@@ -14431,18 +15795,18 @@
         </p:nvGrpSpPr>
         <p:grpSpPr>
           <a:xfrm>
-            <a:off x="9541194" y="4640932"/>
-            <a:ext cx="1300356" cy="750626"/>
-            <a:chOff x="8974814" y="4645213"/>
-            <a:chExt cx="1300356" cy="750626"/>
+            <a:off x="1582616" y="1764695"/>
+            <a:ext cx="978153" cy="888093"/>
+            <a:chOff x="-257908" y="1625111"/>
+            <a:chExt cx="978153" cy="888093"/>
           </a:xfrm>
         </p:grpSpPr>
         <p:pic>
           <p:nvPicPr>
-            <p:cNvPr id="50" name="Graphic 18">
+            <p:cNvPr id="75" name="Graphic 6">
               <a:extLst>
                 <a:ext uri="{FF2B5EF4-FFF2-40B4-BE49-F238E27FC236}">
-                  <a16:creationId xmlns:a16="http://schemas.microsoft.com/office/drawing/2014/main" id="{3FEC52B3-0F66-7A46-B6C9-7528B626ED7B}"/>
+                  <a16:creationId xmlns:a16="http://schemas.microsoft.com/office/drawing/2014/main" id="{062D6712-62B6-E949-88EB-6EAE8D4B0AFF}"/>
                 </a:ext>
               </a:extLst>
             </p:cNvPr>
@@ -14452,22 +15816,20 @@
             <p:nvPr/>
           </p:nvPicPr>
           <p:blipFill>
-            <a:blip r:embed="rId13">
+            <a:blip r:embed="rId16">
               <a:extLst>
-                <a:ext uri="{28A0092B-C50C-407E-A947-70E740481C1C}">
-                  <a14:useLocalDpi xmlns:a14="http://schemas.microsoft.com/office/drawing/2010/main" val="0"/>
+                <a:ext uri="{96DAC541-7B7A-43D3-8B79-37D633B846F1}">
+                  <asvg:svgBlip xmlns:asvg="http://schemas.microsoft.com/office/drawing/2016/SVG/main" r:embed="rId17"/>
                 </a:ext>
               </a:extLst>
             </a:blip>
             <a:srcRect/>
-            <a:stretch>
-              <a:fillRect/>
-            </a:stretch>
+            <a:stretch/>
           </p:blipFill>
           <p:spPr bwMode="auto">
-            <a:xfrm>
-              <a:off x="9310080" y="4645213"/>
-              <a:ext cx="491239" cy="491239"/>
+            <a:xfrm flipH="1">
+              <a:off x="-12883" y="1625111"/>
+              <a:ext cx="469900" cy="469900"/>
             </a:xfrm>
             <a:prstGeom prst="rect">
               <a:avLst/>
@@ -14499,10 +15861,10 @@
         </p:pic>
         <p:sp>
           <p:nvSpPr>
-            <p:cNvPr id="51" name="TextBox 50">
+            <p:cNvPr id="78" name="TextBox 77">
               <a:extLst>
                 <a:ext uri="{FF2B5EF4-FFF2-40B4-BE49-F238E27FC236}">
-                  <a16:creationId xmlns:a16="http://schemas.microsoft.com/office/drawing/2014/main" id="{83BEEBC0-5F73-D641-9B8C-4803DB66AAE7}"/>
+                  <a16:creationId xmlns:a16="http://schemas.microsoft.com/office/drawing/2014/main" id="{4AD45BC0-67B8-5944-A074-77351ADB76B9}"/>
                 </a:ext>
               </a:extLst>
             </p:cNvPr>
@@ -14511,8 +15873,8 @@
           </p:nvSpPr>
           <p:spPr>
             <a:xfrm>
-              <a:off x="8974814" y="5134229"/>
-              <a:ext cx="1300356" cy="261610"/>
+              <a:off x="-257908" y="2051539"/>
+              <a:ext cx="978153" cy="461665"/>
             </a:xfrm>
             <a:prstGeom prst="rect">
               <a:avLst/>
@@ -14525,9 +15887,17 @@
             </a:bodyPr>
             <a:lstStyle/>
             <a:p>
+              <a:pPr algn="ctr"/>
               <a:r>
-                <a:rPr lang="en-US" sz="1100" dirty="0"/>
-                <a:t>Analytics Solution</a:t>
+                <a:rPr lang="en-US" sz="1200" dirty="0"/>
+                <a:t>LogStream </a:t>
+              </a:r>
+            </a:p>
+            <a:p>
+              <a:pPr algn="ctr"/>
+              <a:r>
+                <a:rPr lang="en-US" sz="1200" dirty="0"/>
+                <a:t>Users</a:t>
               </a:r>
             </a:p>
           </p:txBody>
@@ -14535,73 +15905,26 @@
       </p:grpSp>
       <p:cxnSp>
         <p:nvCxnSpPr>
-          <p:cNvPr id="56" name="Elbow Connector 55">
+          <p:cNvPr id="83" name="Straight Arrow Connector 82">
             <a:extLst>
               <a:ext uri="{FF2B5EF4-FFF2-40B4-BE49-F238E27FC236}">
-                <a16:creationId xmlns:a16="http://schemas.microsoft.com/office/drawing/2014/main" id="{AA1905B4-54AC-9141-B940-3CFD850152D8}"/>
+                <a16:creationId xmlns:a16="http://schemas.microsoft.com/office/drawing/2014/main" id="{DB520E6E-9ECF-4E43-BB38-1C69BA310BFD}"/>
               </a:ext>
             </a:extLst>
           </p:cNvPr>
           <p:cNvCxnSpPr>
-            <a:stCxn id="34" idx="1"/>
-            <a:endCxn id="9" idx="1"/>
-          </p:cNvCxnSpPr>
-          <p:nvPr/>
-        </p:nvCxnSpPr>
-        <p:spPr>
-          <a:xfrm rot="10800000" flipH="1">
-            <a:off x="1270006" y="3105980"/>
-            <a:ext cx="1680120" cy="1930479"/>
-          </a:xfrm>
-          <a:prstGeom prst="bentConnector3">
-            <a:avLst>
-              <a:gd name="adj1" fmla="val -13606"/>
-            </a:avLst>
-          </a:prstGeom>
-          <a:ln>
-            <a:headEnd type="none"/>
-            <a:tailEnd type="arrow"/>
-          </a:ln>
-        </p:spPr>
-        <p:style>
-          <a:lnRef idx="1">
-            <a:schemeClr val="dk1"/>
-          </a:lnRef>
-          <a:fillRef idx="0">
-            <a:schemeClr val="dk1"/>
-          </a:fillRef>
-          <a:effectRef idx="0">
-            <a:schemeClr val="dk1"/>
-          </a:effectRef>
-          <a:fontRef idx="minor">
-            <a:schemeClr val="tx1"/>
-          </a:fontRef>
-        </p:style>
-      </p:cxnSp>
-      <p:cxnSp>
-        <p:nvCxnSpPr>
-          <p:cNvPr id="58" name="Elbow Connector 57">
-            <a:extLst>
-              <a:ext uri="{FF2B5EF4-FFF2-40B4-BE49-F238E27FC236}">
-                <a16:creationId xmlns:a16="http://schemas.microsoft.com/office/drawing/2014/main" id="{DEE4B40E-E19E-1140-A9C5-A47BB1369F55}"/>
-              </a:ext>
-            </a:extLst>
-          </p:cNvPr>
-          <p:cNvCxnSpPr>
-            <a:stCxn id="10" idx="3"/>
-            <a:endCxn id="43" idx="3"/>
+            <a:stCxn id="75" idx="1"/>
+            <a:endCxn id="80" idx="1"/>
           </p:cNvCxnSpPr>
           <p:nvPr/>
         </p:nvCxnSpPr>
         <p:spPr>
           <a:xfrm>
-            <a:off x="9247738" y="3105979"/>
-            <a:ext cx="1674258" cy="1941260"/>
+            <a:off x="2297541" y="1999645"/>
+            <a:ext cx="1828003" cy="1344"/>
           </a:xfrm>
-          <a:prstGeom prst="bentConnector3">
-            <a:avLst>
-              <a:gd name="adj1" fmla="val 113654"/>
-            </a:avLst>
+          <a:prstGeom prst="straightConnector1">
+            <a:avLst/>
           </a:prstGeom>
           <a:ln>
             <a:tailEnd type="arrow"/>
@@ -14624,29 +15947,28 @@
       </p:cxnSp>
       <p:cxnSp>
         <p:nvCxnSpPr>
-          <p:cNvPr id="60" name="Elbow Connector 59">
+          <p:cNvPr id="85" name="Straight Arrow Connector 84">
             <a:extLst>
               <a:ext uri="{FF2B5EF4-FFF2-40B4-BE49-F238E27FC236}">
-                <a16:creationId xmlns:a16="http://schemas.microsoft.com/office/drawing/2014/main" id="{CC541B64-5BAC-904F-87C7-1DEC968B6A60}"/>
+                <a16:creationId xmlns:a16="http://schemas.microsoft.com/office/drawing/2014/main" id="{E0E8D219-B4C8-CF47-A654-D4A5227B04F4}"/>
               </a:ext>
             </a:extLst>
           </p:cNvPr>
           <p:cNvCxnSpPr>
-            <a:stCxn id="31" idx="1"/>
-            <a:endCxn id="9" idx="0"/>
+            <a:stCxn id="80" idx="3"/>
+            <a:endCxn id="31" idx="1"/>
           </p:cNvCxnSpPr>
           <p:nvPr/>
         </p:nvCxnSpPr>
         <p:spPr>
-          <a:xfrm rot="10800000" flipV="1">
-            <a:off x="3997877" y="1940176"/>
-            <a:ext cx="1857061" cy="415398"/>
+          <a:xfrm flipV="1">
+            <a:off x="4582744" y="1999881"/>
+            <a:ext cx="1272193" cy="1108"/>
           </a:xfrm>
-          <a:prstGeom prst="bentConnector2">
+          <a:prstGeom prst="straightConnector1">
             <a:avLst/>
           </a:prstGeom>
           <a:ln>
-            <a:headEnd type="arrow"/>
             <a:tailEnd type="arrow"/>
           </a:ln>
         </p:spPr>
@@ -14665,225 +15987,6 @@
           </a:fontRef>
         </p:style>
       </p:cxnSp>
-      <p:cxnSp>
-        <p:nvCxnSpPr>
-          <p:cNvPr id="62" name="Elbow Connector 61">
-            <a:extLst>
-              <a:ext uri="{FF2B5EF4-FFF2-40B4-BE49-F238E27FC236}">
-                <a16:creationId xmlns:a16="http://schemas.microsoft.com/office/drawing/2014/main" id="{D381A7BD-33C7-C349-BC89-1045D2EC8E87}"/>
-              </a:ext>
-            </a:extLst>
-          </p:cNvPr>
-          <p:cNvCxnSpPr>
-            <a:stCxn id="31" idx="3"/>
-            <a:endCxn id="10" idx="0"/>
-          </p:cNvCxnSpPr>
-          <p:nvPr/>
-        </p:nvCxnSpPr>
-        <p:spPr>
-          <a:xfrm>
-            <a:off x="6324837" y="1940176"/>
-            <a:ext cx="1875151" cy="415398"/>
-          </a:xfrm>
-          <a:prstGeom prst="bentConnector2">
-            <a:avLst/>
-          </a:prstGeom>
-          <a:ln>
-            <a:headEnd type="arrow"/>
-            <a:tailEnd type="arrow"/>
-          </a:ln>
-        </p:spPr>
-        <p:style>
-          <a:lnRef idx="1">
-            <a:schemeClr val="dk1"/>
-          </a:lnRef>
-          <a:fillRef idx="0">
-            <a:schemeClr val="dk1"/>
-          </a:fillRef>
-          <a:effectRef idx="0">
-            <a:schemeClr val="dk1"/>
-          </a:effectRef>
-          <a:fontRef idx="minor">
-            <a:schemeClr val="tx1"/>
-          </a:fontRef>
-        </p:style>
-      </p:cxnSp>
-      <p:sp>
-        <p:nvSpPr>
-          <p:cNvPr id="53" name="Rectangle 52">
-            <a:extLst>
-              <a:ext uri="{FF2B5EF4-FFF2-40B4-BE49-F238E27FC236}">
-                <a16:creationId xmlns:a16="http://schemas.microsoft.com/office/drawing/2014/main" id="{2923F02B-F3F7-1F40-AEC0-917366509B03}"/>
-              </a:ext>
-            </a:extLst>
-          </p:cNvPr>
-          <p:cNvSpPr/>
-          <p:nvPr/>
-        </p:nvSpPr>
-        <p:spPr>
-          <a:xfrm>
-            <a:off x="5081178" y="1407511"/>
-            <a:ext cx="2095500" cy="896286"/>
-          </a:xfrm>
-          <a:prstGeom prst="rect">
-            <a:avLst/>
-          </a:prstGeom>
-          <a:noFill/>
-          <a:ln w="12700">
-            <a:solidFill>
-              <a:srgbClr val="D86613"/>
-            </a:solidFill>
-            <a:prstDash val="dash"/>
-          </a:ln>
-        </p:spPr>
-        <p:style>
-          <a:lnRef idx="2">
-            <a:schemeClr val="accent1">
-              <a:shade val="50000"/>
-            </a:schemeClr>
-          </a:lnRef>
-          <a:fillRef idx="1">
-            <a:schemeClr val="accent1"/>
-          </a:fillRef>
-          <a:effectRef idx="0">
-            <a:schemeClr val="accent1"/>
-          </a:effectRef>
-          <a:fontRef idx="minor">
-            <a:schemeClr val="lt1"/>
-          </a:fontRef>
-        </p:style>
-        <p:txBody>
-          <a:bodyPr tIns="91440"/>
-          <a:lstStyle/>
-          <a:p>
-            <a:pPr algn="ctr" eaLnBrk="1" fontAlgn="auto" hangingPunct="1">
-              <a:spcBef>
-                <a:spcPts val="0"/>
-              </a:spcBef>
-              <a:spcAft>
-                <a:spcPts val="0"/>
-              </a:spcAft>
-              <a:defRPr/>
-            </a:pPr>
-            <a:r>
-              <a:rPr lang="en-US" sz="1100" dirty="0">
-                <a:solidFill>
-                  <a:srgbClr val="D86613"/>
-                </a:solidFill>
-                <a:latin typeface="Arial" panose="020B0604020202020204" pitchFamily="34" charset="0"/>
-                <a:cs typeface="Arial" panose="020B0604020202020204" pitchFamily="34" charset="0"/>
-              </a:rPr>
-              <a:t>Cribl Cloud LogStream Leader</a:t>
-            </a:r>
-          </a:p>
-        </p:txBody>
-      </p:sp>
-      <p:sp>
-        <p:nvSpPr>
-          <p:cNvPr id="54" name="Rectangle 53">
-            <a:extLst>
-              <a:ext uri="{FF2B5EF4-FFF2-40B4-BE49-F238E27FC236}">
-                <a16:creationId xmlns:a16="http://schemas.microsoft.com/office/drawing/2014/main" id="{28D01F34-8658-274D-B057-773FA0938A1A}"/>
-              </a:ext>
-            </a:extLst>
-          </p:cNvPr>
-          <p:cNvSpPr/>
-          <p:nvPr/>
-        </p:nvSpPr>
-        <p:spPr bwMode="auto">
-          <a:xfrm>
-            <a:off x="909431" y="1390219"/>
-            <a:ext cx="10371550" cy="931456"/>
-          </a:xfrm>
-          <a:prstGeom prst="rect">
-            <a:avLst/>
-          </a:prstGeom>
-          <a:noFill/>
-          <a:ln w="12700">
-            <a:solidFill>
-              <a:srgbClr val="1E8900"/>
-            </a:solidFill>
-          </a:ln>
-        </p:spPr>
-        <p:style>
-          <a:lnRef idx="2">
-            <a:schemeClr val="accent1">
-              <a:shade val="50000"/>
-            </a:schemeClr>
-          </a:lnRef>
-          <a:fillRef idx="1">
-            <a:schemeClr val="accent1"/>
-          </a:fillRef>
-          <a:effectRef idx="0">
-            <a:schemeClr val="accent1"/>
-          </a:effectRef>
-          <a:fontRef idx="minor">
-            <a:schemeClr val="lt1"/>
-          </a:fontRef>
-        </p:style>
-        <p:txBody>
-          <a:bodyPr lIns="502920" tIns="91440"/>
-          <a:lstStyle/>
-          <a:p>
-            <a:pPr eaLnBrk="1" fontAlgn="auto" hangingPunct="1">
-              <a:spcBef>
-                <a:spcPts val="0"/>
-              </a:spcBef>
-              <a:spcAft>
-                <a:spcPts val="0"/>
-              </a:spcAft>
-              <a:defRPr/>
-            </a:pPr>
-            <a:r>
-              <a:rPr lang="en-US" sz="1200" dirty="0">
-                <a:ln w="0"/>
-                <a:solidFill>
-                  <a:srgbClr val="1E8900"/>
-                </a:solidFill>
-                <a:latin typeface="Arial" panose="020B0604020202020204" pitchFamily="34" charset="0"/>
-                <a:cs typeface="Arial" panose="020B0604020202020204" pitchFamily="34" charset="0"/>
-              </a:rPr>
-              <a:t>VPC</a:t>
-            </a:r>
-          </a:p>
-        </p:txBody>
-      </p:sp>
-      <p:pic>
-        <p:nvPicPr>
-          <p:cNvPr id="55" name="Graphic 54">
-            <a:extLst>
-              <a:ext uri="{FF2B5EF4-FFF2-40B4-BE49-F238E27FC236}">
-                <a16:creationId xmlns:a16="http://schemas.microsoft.com/office/drawing/2014/main" id="{64A402A8-5EF5-1B4D-93F8-FDC0EDF22A33}"/>
-              </a:ext>
-            </a:extLst>
-          </p:cNvPr>
-          <p:cNvPicPr>
-            <a:picLocks noChangeAspect="1"/>
-          </p:cNvPicPr>
-          <p:nvPr/>
-        </p:nvPicPr>
-        <p:blipFill>
-          <a:blip r:embed="rId5">
-            <a:extLst>
-              <a:ext uri="{96DAC541-7B7A-43D3-8B79-37D633B846F1}">
-                <asvg:svgBlip xmlns:asvg="http://schemas.microsoft.com/office/drawing/2016/SVG/main" r:embed="rId6"/>
-              </a:ext>
-            </a:extLst>
-          </a:blip>
-          <a:stretch>
-            <a:fillRect/>
-          </a:stretch>
-        </p:blipFill>
-        <p:spPr>
-          <a:xfrm>
-            <a:off x="912002" y="1390220"/>
-            <a:ext cx="381000" cy="381000"/>
-          </a:xfrm>
-          <a:prstGeom prst="rect">
-            <a:avLst/>
-          </a:prstGeom>
-        </p:spPr>
-      </p:pic>
     </p:spTree>
     <p:extLst>
       <p:ext uri="{BB962C8B-B14F-4D97-AF65-F5344CB8AC3E}">
@@ -16583,18 +17686,18 @@
           <p:cNvCxnSpPr>
             <a:cxnSpLocks/>
             <a:stCxn id="34" idx="1"/>
-            <a:endCxn id="61" idx="1"/>
+            <a:endCxn id="9" idx="1"/>
           </p:cNvCxnSpPr>
           <p:nvPr/>
         </p:nvCxnSpPr>
         <p:spPr>
           <a:xfrm rot="10800000" flipH="1">
-            <a:off x="1270006" y="3451158"/>
-            <a:ext cx="2129770" cy="1585301"/>
+            <a:off x="1270006" y="3448866"/>
+            <a:ext cx="3778244" cy="1587592"/>
           </a:xfrm>
           <a:prstGeom prst="bentConnector3">
             <a:avLst>
-              <a:gd name="adj1" fmla="val -10734"/>
+              <a:gd name="adj1" fmla="val -6050"/>
             </a:avLst>
           </a:prstGeom>
           <a:ln>
@@ -17274,305 +18377,6 @@
           </p:txBody>
         </p:sp>
       </p:grpSp>
-      <p:grpSp>
-        <p:nvGrpSpPr>
-          <p:cNvPr id="4" name="Group 3">
-            <a:extLst>
-              <a:ext uri="{FF2B5EF4-FFF2-40B4-BE49-F238E27FC236}">
-                <a16:creationId xmlns:a16="http://schemas.microsoft.com/office/drawing/2014/main" id="{58D25AD3-D34E-7A44-98A5-0149F4EE3276}"/>
-              </a:ext>
-            </a:extLst>
-          </p:cNvPr>
-          <p:cNvGrpSpPr/>
-          <p:nvPr/>
-        </p:nvGrpSpPr>
-        <p:grpSpPr>
-          <a:xfrm>
-            <a:off x="2962454" y="3222557"/>
-            <a:ext cx="1339850" cy="902375"/>
-            <a:chOff x="8250071" y="2805113"/>
-            <a:chExt cx="1339850" cy="902375"/>
-          </a:xfrm>
-        </p:grpSpPr>
-        <p:sp>
-          <p:nvSpPr>
-            <p:cNvPr id="54" name="TextBox 22">
-              <a:extLst>
-                <a:ext uri="{FF2B5EF4-FFF2-40B4-BE49-F238E27FC236}">
-                  <a16:creationId xmlns:a16="http://schemas.microsoft.com/office/drawing/2014/main" id="{3D0B281E-6E66-CB45-B17B-E0485D08B614}"/>
-                </a:ext>
-              </a:extLst>
-            </p:cNvPr>
-            <p:cNvSpPr txBox="1">
-              <a:spLocks noChangeArrowheads="1"/>
-            </p:cNvSpPr>
-            <p:nvPr/>
-          </p:nvSpPr>
-          <p:spPr bwMode="auto">
-            <a:xfrm>
-              <a:off x="8250071" y="3276601"/>
-              <a:ext cx="1339850" cy="430887"/>
-            </a:xfrm>
-            <a:prstGeom prst="rect">
-              <a:avLst/>
-            </a:prstGeom>
-            <a:noFill/>
-            <a:ln>
-              <a:noFill/>
-            </a:ln>
-            <a:extLst>
-              <a:ext uri="{909E8E84-426E-40DD-AFC4-6F175D3DCCD1}">
-                <a14:hiddenFill xmlns:a14="http://schemas.microsoft.com/office/drawing/2010/main">
-                  <a:solidFill>
-                    <a:srgbClr val="FFFFFF"/>
-                  </a:solidFill>
-                </a14:hiddenFill>
-              </a:ext>
-              <a:ext uri="{91240B29-F687-4F45-9708-019B960494DF}">
-                <a14:hiddenLine xmlns:a14="http://schemas.microsoft.com/office/drawing/2010/main" w="9525">
-                  <a:solidFill>
-                    <a:srgbClr val="000000"/>
-                  </a:solidFill>
-                  <a:miter lim="800000"/>
-                  <a:headEnd/>
-                  <a:tailEnd/>
-                </a14:hiddenLine>
-              </a:ext>
-            </a:extLst>
-          </p:spPr>
-          <p:txBody>
-            <a:bodyPr wrap="square">
-              <a:spAutoFit/>
-            </a:bodyPr>
-            <a:lstStyle>
-              <a:lvl1pPr>
-                <a:defRPr>
-                  <a:solidFill>
-                    <a:schemeClr val="tx1"/>
-                  </a:solidFill>
-                  <a:latin typeface="Calibri" panose="020F0502020204030204" pitchFamily="34" charset="0"/>
-                </a:defRPr>
-              </a:lvl1pPr>
-              <a:lvl2pPr marL="742950" indent="-285750">
-                <a:defRPr>
-                  <a:solidFill>
-                    <a:schemeClr val="tx1"/>
-                  </a:solidFill>
-                  <a:latin typeface="Calibri" panose="020F0502020204030204" pitchFamily="34" charset="0"/>
-                </a:defRPr>
-              </a:lvl2pPr>
-              <a:lvl3pPr marL="1143000" indent="-228600">
-                <a:defRPr>
-                  <a:solidFill>
-                    <a:schemeClr val="tx1"/>
-                  </a:solidFill>
-                  <a:latin typeface="Calibri" panose="020F0502020204030204" pitchFamily="34" charset="0"/>
-                </a:defRPr>
-              </a:lvl3pPr>
-              <a:lvl4pPr marL="1600200" indent="-228600">
-                <a:defRPr>
-                  <a:solidFill>
-                    <a:schemeClr val="tx1"/>
-                  </a:solidFill>
-                  <a:latin typeface="Calibri" panose="020F0502020204030204" pitchFamily="34" charset="0"/>
-                </a:defRPr>
-              </a:lvl4pPr>
-              <a:lvl5pPr marL="2057400" indent="-228600">
-                <a:defRPr>
-                  <a:solidFill>
-                    <a:schemeClr val="tx1"/>
-                  </a:solidFill>
-                  <a:latin typeface="Calibri" panose="020F0502020204030204" pitchFamily="34" charset="0"/>
-                </a:defRPr>
-              </a:lvl5pPr>
-              <a:lvl6pPr marL="2514600" indent="-228600" eaLnBrk="0" fontAlgn="base" hangingPunct="0">
-                <a:spcBef>
-                  <a:spcPct val="0"/>
-                </a:spcBef>
-                <a:spcAft>
-                  <a:spcPct val="0"/>
-                </a:spcAft>
-                <a:defRPr>
-                  <a:solidFill>
-                    <a:schemeClr val="tx1"/>
-                  </a:solidFill>
-                  <a:latin typeface="Calibri" panose="020F0502020204030204" pitchFamily="34" charset="0"/>
-                </a:defRPr>
-              </a:lvl6pPr>
-              <a:lvl7pPr marL="2971800" indent="-228600" eaLnBrk="0" fontAlgn="base" hangingPunct="0">
-                <a:spcBef>
-                  <a:spcPct val="0"/>
-                </a:spcBef>
-                <a:spcAft>
-                  <a:spcPct val="0"/>
-                </a:spcAft>
-                <a:defRPr>
-                  <a:solidFill>
-                    <a:schemeClr val="tx1"/>
-                  </a:solidFill>
-                  <a:latin typeface="Calibri" panose="020F0502020204030204" pitchFamily="34" charset="0"/>
-                </a:defRPr>
-              </a:lvl7pPr>
-              <a:lvl8pPr marL="3429000" indent="-228600" eaLnBrk="0" fontAlgn="base" hangingPunct="0">
-                <a:spcBef>
-                  <a:spcPct val="0"/>
-                </a:spcBef>
-                <a:spcAft>
-                  <a:spcPct val="0"/>
-                </a:spcAft>
-                <a:defRPr>
-                  <a:solidFill>
-                    <a:schemeClr val="tx1"/>
-                  </a:solidFill>
-                  <a:latin typeface="Calibri" panose="020F0502020204030204" pitchFamily="34" charset="0"/>
-                </a:defRPr>
-              </a:lvl8pPr>
-              <a:lvl9pPr marL="3886200" indent="-228600" eaLnBrk="0" fontAlgn="base" hangingPunct="0">
-                <a:spcBef>
-                  <a:spcPct val="0"/>
-                </a:spcBef>
-                <a:spcAft>
-                  <a:spcPct val="0"/>
-                </a:spcAft>
-                <a:defRPr>
-                  <a:solidFill>
-                    <a:schemeClr val="tx1"/>
-                  </a:solidFill>
-                  <a:latin typeface="Calibri" panose="020F0502020204030204" pitchFamily="34" charset="0"/>
-                </a:defRPr>
-              </a:lvl9pPr>
-            </a:lstStyle>
-            <a:p>
-              <a:pPr algn="ctr" eaLnBrk="1" hangingPunct="1"/>
-              <a:r>
-                <a:rPr lang="en-US" altLang="en-US" sz="1100" dirty="0">
-                  <a:latin typeface="Arial" panose="020B0604020202020204" pitchFamily="34" charset="0"/>
-                  <a:ea typeface="Amazon Ember" panose="020B0603020204020204" pitchFamily="34" charset="0"/>
-                  <a:cs typeface="Arial" panose="020B0604020202020204" pitchFamily="34" charset="0"/>
-                </a:rPr>
-                <a:t>Network Load </a:t>
-              </a:r>
-              <a:br>
-                <a:rPr lang="en-US" altLang="en-US" sz="1100" dirty="0">
-                  <a:latin typeface="Arial" panose="020B0604020202020204" pitchFamily="34" charset="0"/>
-                  <a:ea typeface="Amazon Ember" panose="020B0603020204020204" pitchFamily="34" charset="0"/>
-                  <a:cs typeface="Arial" panose="020B0604020202020204" pitchFamily="34" charset="0"/>
-                </a:rPr>
-              </a:br>
-              <a:r>
-                <a:rPr lang="en-US" altLang="en-US" sz="1100" dirty="0">
-                  <a:latin typeface="Arial" panose="020B0604020202020204" pitchFamily="34" charset="0"/>
-                  <a:ea typeface="Amazon Ember" panose="020B0603020204020204" pitchFamily="34" charset="0"/>
-                  <a:cs typeface="Arial" panose="020B0604020202020204" pitchFamily="34" charset="0"/>
-                </a:rPr>
-                <a:t>Balancer</a:t>
-              </a:r>
-            </a:p>
-          </p:txBody>
-        </p:sp>
-        <p:pic>
-          <p:nvPicPr>
-            <p:cNvPr id="61" name="Graphic 24">
-              <a:extLst>
-                <a:ext uri="{FF2B5EF4-FFF2-40B4-BE49-F238E27FC236}">
-                  <a16:creationId xmlns:a16="http://schemas.microsoft.com/office/drawing/2014/main" id="{10F380E4-9FC5-B44A-A5A1-F0B8C07F3311}"/>
-                </a:ext>
-              </a:extLst>
-            </p:cNvPr>
-            <p:cNvPicPr>
-              <a:picLocks noChangeAspect="1" noChangeArrowheads="1"/>
-            </p:cNvPicPr>
-            <p:nvPr/>
-          </p:nvPicPr>
-          <p:blipFill>
-            <a:blip r:embed="rId15">
-              <a:extLst>
-                <a:ext uri="{28A0092B-C50C-407E-A947-70E740481C1C}">
-                  <a14:useLocalDpi xmlns:a14="http://schemas.microsoft.com/office/drawing/2010/main" val="0"/>
-                </a:ext>
-              </a:extLst>
-            </a:blip>
-            <a:srcRect/>
-            <a:stretch>
-              <a:fillRect/>
-            </a:stretch>
-          </p:blipFill>
-          <p:spPr bwMode="auto">
-            <a:xfrm>
-              <a:off x="8687393" y="2805113"/>
-              <a:ext cx="457200" cy="457200"/>
-            </a:xfrm>
-            <a:prstGeom prst="rect">
-              <a:avLst/>
-            </a:prstGeom>
-            <a:noFill/>
-            <a:ln>
-              <a:noFill/>
-            </a:ln>
-            <a:extLst>
-              <a:ext uri="{909E8E84-426E-40DD-AFC4-6F175D3DCCD1}">
-                <a14:hiddenFill xmlns:a14="http://schemas.microsoft.com/office/drawing/2010/main">
-                  <a:solidFill>
-                    <a:srgbClr val="FFFFFF"/>
-                  </a:solidFill>
-                </a14:hiddenFill>
-              </a:ext>
-              <a:ext uri="{91240B29-F687-4F45-9708-019B960494DF}">
-                <a14:hiddenLine xmlns:a14="http://schemas.microsoft.com/office/drawing/2010/main" w="9525">
-                  <a:solidFill>
-                    <a:srgbClr val="000000"/>
-                  </a:solidFill>
-                  <a:miter lim="800000"/>
-                  <a:headEnd/>
-                  <a:tailEnd/>
-                </a14:hiddenLine>
-              </a:ext>
-            </a:extLst>
-          </p:spPr>
-        </p:pic>
-      </p:grpSp>
-      <p:cxnSp>
-        <p:nvCxnSpPr>
-          <p:cNvPr id="17" name="Straight Arrow Connector 16">
-            <a:extLst>
-              <a:ext uri="{FF2B5EF4-FFF2-40B4-BE49-F238E27FC236}">
-                <a16:creationId xmlns:a16="http://schemas.microsoft.com/office/drawing/2014/main" id="{FAA495DF-5E4F-9F47-BBF8-195CD3A36E4C}"/>
-              </a:ext>
-            </a:extLst>
-          </p:cNvPr>
-          <p:cNvCxnSpPr>
-            <a:stCxn id="61" idx="3"/>
-            <a:endCxn id="9" idx="1"/>
-          </p:cNvCxnSpPr>
-          <p:nvPr/>
-        </p:nvCxnSpPr>
-        <p:spPr>
-          <a:xfrm flipV="1">
-            <a:off x="3856976" y="3448866"/>
-            <a:ext cx="1191274" cy="2291"/>
-          </a:xfrm>
-          <a:prstGeom prst="straightConnector1">
-            <a:avLst/>
-          </a:prstGeom>
-          <a:ln>
-            <a:tailEnd type="arrow"/>
-          </a:ln>
-        </p:spPr>
-        <p:style>
-          <a:lnRef idx="1">
-            <a:schemeClr val="dk1"/>
-          </a:lnRef>
-          <a:fillRef idx="0">
-            <a:schemeClr val="dk1"/>
-          </a:fillRef>
-          <a:effectRef idx="0">
-            <a:schemeClr val="dk1"/>
-          </a:effectRef>
-          <a:fontRef idx="minor">
-            <a:schemeClr val="tx1"/>
-          </a:fontRef>
-        </p:style>
-      </p:cxnSp>
     </p:spTree>
     <p:extLst>
       <p:ext uri="{BB962C8B-B14F-4D97-AF65-F5344CB8AC3E}">
